--- a/교육/5주차_DB정규화_반정규화_서버인증_세션과쿠키.pptx
+++ b/교육/5주차_DB정규화_반정규화_서버인증_세션과쿠키.pptx
@@ -11,6 +11,11 @@
     <p:sldId id="265" r:id="rId5"/>
     <p:sldId id="266" r:id="rId6"/>
     <p:sldId id="267" r:id="rId7"/>
+    <p:sldId id="268" r:id="rId8"/>
+    <p:sldId id="269" r:id="rId9"/>
+    <p:sldId id="271" r:id="rId10"/>
+    <p:sldId id="272" r:id="rId11"/>
+    <p:sldId id="274" r:id="rId12"/>
   </p:sldIdLst>
   <p:sldSz cx="12192000" cy="6858000"/>
   <p:notesSz cx="6858000" cy="9144000"/>
@@ -271,7 +276,7 @@
                 </a:solidFill>
               </a:rPr>
               <a:pPr/>
-              <a:t>2020-11-02</a:t>
+              <a:t>2020-11-03</a:t>
             </a:fld>
             <a:endParaRPr lang="ko-KR" altLang="en-US" dirty="0">
               <a:solidFill>
@@ -501,7 +506,7 @@
                 </a:solidFill>
               </a:rPr>
               <a:pPr/>
-              <a:t>2020-11-02</a:t>
+              <a:t>2020-11-03</a:t>
             </a:fld>
             <a:endParaRPr lang="ko-KR" altLang="en-US" dirty="0">
               <a:solidFill>
@@ -741,7 +746,7 @@
                 </a:solidFill>
               </a:rPr>
               <a:pPr/>
-              <a:t>2020-11-02</a:t>
+              <a:t>2020-11-03</a:t>
             </a:fld>
             <a:endParaRPr lang="ko-KR" altLang="en-US" dirty="0">
               <a:solidFill>
@@ -971,7 +976,7 @@
                 </a:solidFill>
               </a:rPr>
               <a:pPr/>
-              <a:t>2020-11-02</a:t>
+              <a:t>2020-11-03</a:t>
             </a:fld>
             <a:endParaRPr lang="ko-KR" altLang="en-US" dirty="0">
               <a:solidFill>
@@ -1278,7 +1283,7 @@
                 </a:solidFill>
               </a:rPr>
               <a:pPr/>
-              <a:t>2020-11-02</a:t>
+              <a:t>2020-11-03</a:t>
             </a:fld>
             <a:endParaRPr lang="ko-KR" altLang="en-US" dirty="0">
               <a:solidFill>
@@ -1575,7 +1580,7 @@
                 </a:solidFill>
               </a:rPr>
               <a:pPr/>
-              <a:t>2020-11-02</a:t>
+              <a:t>2020-11-03</a:t>
             </a:fld>
             <a:endParaRPr lang="ko-KR" altLang="en-US" dirty="0">
               <a:solidFill>
@@ -2019,7 +2024,7 @@
                 </a:solidFill>
               </a:rPr>
               <a:pPr/>
-              <a:t>2020-11-02</a:t>
+              <a:t>2020-11-03</a:t>
             </a:fld>
             <a:endParaRPr lang="ko-KR" altLang="en-US" dirty="0">
               <a:solidFill>
@@ -2192,7 +2197,7 @@
                 </a:solidFill>
               </a:rPr>
               <a:pPr/>
-              <a:t>2020-11-02</a:t>
+              <a:t>2020-11-03</a:t>
             </a:fld>
             <a:endParaRPr lang="ko-KR" altLang="en-US" dirty="0">
               <a:solidFill>
@@ -2337,7 +2342,7 @@
                 </a:solidFill>
               </a:rPr>
               <a:pPr/>
-              <a:t>2020-11-02</a:t>
+              <a:t>2020-11-03</a:t>
             </a:fld>
             <a:endParaRPr lang="ko-KR" altLang="en-US" dirty="0">
               <a:solidFill>
@@ -2680,7 +2685,7 @@
                 </a:solidFill>
               </a:rPr>
               <a:pPr/>
-              <a:t>2020-11-02</a:t>
+              <a:t>2020-11-03</a:t>
             </a:fld>
             <a:endParaRPr lang="ko-KR" altLang="en-US" dirty="0">
               <a:solidFill>
@@ -3000,7 +3005,7 @@
                 </a:solidFill>
               </a:rPr>
               <a:pPr/>
-              <a:t>2020-11-02</a:t>
+              <a:t>2020-11-03</a:t>
             </a:fld>
             <a:endParaRPr lang="ko-KR" altLang="en-US" dirty="0">
               <a:solidFill>
@@ -3291,7 +3296,7 @@
                 </a:solidFill>
               </a:rPr>
               <a:pPr/>
-              <a:t>2020-11-02</a:t>
+              <a:t>2020-11-03</a:t>
             </a:fld>
             <a:endParaRPr lang="ko-KR" altLang="en-US" dirty="0">
               <a:solidFill>
@@ -4331,7 +4336,7 @@
 </p:sld>
 </file>
 
-<file path=ppt/slides/slide2.xml><?xml version="1.0" encoding="utf-8"?>
+<file path=ppt/slides/slide10.xml><?xml version="1.0" encoding="utf-8"?>
 <p:sld xmlns:a="http://schemas.openxmlformats.org/drawingml/2006/main" xmlns:r="http://schemas.openxmlformats.org/officeDocument/2006/relationships" xmlns:p="http://schemas.openxmlformats.org/presentationml/2006/main">
   <p:cSld>
     <p:spTree>
@@ -4415,7 +4420,7 @@
         <p:spPr>
           <a:xfrm>
             <a:off x="521146" y="458243"/>
-            <a:ext cx="2885885" cy="492443"/>
+            <a:ext cx="2885885" cy="846386"/>
           </a:xfrm>
           <a:prstGeom prst="rect">
             <a:avLst/>
@@ -4431,14 +4436,22 @@
               <a:defRPr/>
             </a:pPr>
             <a:r>
-              <a:rPr lang="ko-KR" altLang="en-US" sz="2600" b="1" kern="0" dirty="0">
+              <a:rPr lang="en-US" altLang="ko-KR" sz="2600" b="1" kern="0" dirty="0">
                 <a:solidFill>
                   <a:prstClr val="white"/>
                 </a:solidFill>
               </a:rPr>
-              <a:t>정규화 란</a:t>
-            </a:r>
-            <a:endParaRPr lang="en-US" altLang="ko-KR" sz="2600" b="1" kern="0" dirty="0">
+              <a:t>Session / Cookie </a:t>
+            </a:r>
+            <a:r>
+              <a:rPr lang="ko-KR" altLang="en-US" sz="2300" kern="0" dirty="0">
+                <a:solidFill>
+                  <a:prstClr val="white"/>
+                </a:solidFill>
+              </a:rPr>
+              <a:t>장점과 단점</a:t>
+            </a:r>
+            <a:endParaRPr lang="en-US" altLang="ko-KR" sz="2300" kern="0" dirty="0">
               <a:solidFill>
                 <a:prstClr val="white"/>
               </a:solidFill>
@@ -4546,6 +4559,1437 @@
         </p:nvSpPr>
         <p:spPr>
           <a:xfrm>
+            <a:off x="410542" y="2317922"/>
+            <a:ext cx="2885885" cy="2754408"/>
+          </a:xfrm>
+          <a:prstGeom prst="rect">
+            <a:avLst/>
+          </a:prstGeom>
+          <a:noFill/>
+        </p:spPr>
+        <p:txBody>
+          <a:bodyPr wrap="square" rtlCol="0">
+            <a:spAutoFit/>
+          </a:bodyPr>
+          <a:lstStyle/>
+          <a:p>
+            <a:pPr>
+              <a:lnSpc>
+                <a:spcPct val="150000"/>
+              </a:lnSpc>
+            </a:pPr>
+            <a:r>
+              <a:rPr lang="ko-KR" altLang="en-US" sz="1300" dirty="0">
+                <a:solidFill>
+                  <a:prstClr val="white"/>
+                </a:solidFill>
+                <a:cs typeface="Aharoni" panose="02010803020104030203" pitchFamily="2" charset="-79"/>
+              </a:rPr>
+              <a:t>쿠키 </a:t>
+            </a:r>
+            <a:r>
+              <a:rPr lang="en-US" altLang="ko-KR" sz="1300" dirty="0">
+                <a:solidFill>
+                  <a:prstClr val="white"/>
+                </a:solidFill>
+                <a:cs typeface="Aharoni" panose="02010803020104030203" pitchFamily="2" charset="-79"/>
+              </a:rPr>
+              <a:t>(Cookie)</a:t>
+            </a:r>
+          </a:p>
+          <a:p>
+            <a:pPr>
+              <a:lnSpc>
+                <a:spcPct val="150000"/>
+              </a:lnSpc>
+            </a:pPr>
+            <a:r>
+              <a:rPr lang="ko-KR" altLang="en-US" sz="1300" dirty="0">
+                <a:solidFill>
+                  <a:prstClr val="white"/>
+                </a:solidFill>
+                <a:cs typeface="Aharoni" panose="02010803020104030203" pitchFamily="2" charset="-79"/>
+              </a:rPr>
+              <a:t>클라이언트 로컬에 저장되는 키와 값이 들어있는 작은 데이터 파일이다 탈취</a:t>
+            </a:r>
+            <a:r>
+              <a:rPr lang="en-US" altLang="ko-KR" sz="1300" dirty="0">
+                <a:solidFill>
+                  <a:prstClr val="white"/>
+                </a:solidFill>
+                <a:cs typeface="Aharoni" panose="02010803020104030203" pitchFamily="2" charset="-79"/>
+              </a:rPr>
+              <a:t>, </a:t>
+            </a:r>
+            <a:r>
+              <a:rPr lang="ko-KR" altLang="en-US" sz="1300" dirty="0">
+                <a:solidFill>
+                  <a:prstClr val="white"/>
+                </a:solidFill>
+                <a:cs typeface="Aharoni" panose="02010803020104030203" pitchFamily="2" charset="-79"/>
+              </a:rPr>
+              <a:t>변조될 위험이 있다</a:t>
+            </a:r>
+            <a:endParaRPr lang="en-US" altLang="ko-KR" sz="1300" dirty="0">
+              <a:solidFill>
+                <a:prstClr val="white"/>
+              </a:solidFill>
+              <a:cs typeface="Aharoni" panose="02010803020104030203" pitchFamily="2" charset="-79"/>
+            </a:endParaRPr>
+          </a:p>
+          <a:p>
+            <a:pPr>
+              <a:lnSpc>
+                <a:spcPct val="150000"/>
+              </a:lnSpc>
+            </a:pPr>
+            <a:endParaRPr lang="en-US" altLang="ko-KR" sz="1300" dirty="0">
+              <a:solidFill>
+                <a:prstClr val="white"/>
+              </a:solidFill>
+              <a:cs typeface="Aharoni" panose="02010803020104030203" pitchFamily="2" charset="-79"/>
+            </a:endParaRPr>
+          </a:p>
+          <a:p>
+            <a:pPr>
+              <a:lnSpc>
+                <a:spcPct val="150000"/>
+              </a:lnSpc>
+            </a:pPr>
+            <a:endParaRPr lang="en-US" altLang="ko-KR" sz="1300" dirty="0">
+              <a:solidFill>
+                <a:prstClr val="white"/>
+              </a:solidFill>
+              <a:cs typeface="Aharoni" panose="02010803020104030203" pitchFamily="2" charset="-79"/>
+            </a:endParaRPr>
+          </a:p>
+          <a:p>
+            <a:pPr>
+              <a:lnSpc>
+                <a:spcPct val="150000"/>
+              </a:lnSpc>
+            </a:pPr>
+            <a:r>
+              <a:rPr lang="ko-KR" altLang="en-US" sz="1300" dirty="0">
+                <a:solidFill>
+                  <a:prstClr val="white"/>
+                </a:solidFill>
+                <a:cs typeface="Aharoni" panose="02010803020104030203" pitchFamily="2" charset="-79"/>
+              </a:rPr>
+              <a:t>세션 </a:t>
+            </a:r>
+            <a:r>
+              <a:rPr lang="en-US" altLang="ko-KR" sz="1300" dirty="0">
+                <a:solidFill>
+                  <a:prstClr val="white"/>
+                </a:solidFill>
+                <a:cs typeface="Aharoni" panose="02010803020104030203" pitchFamily="2" charset="-79"/>
+              </a:rPr>
+              <a:t>(Session)</a:t>
+            </a:r>
+          </a:p>
+          <a:p>
+            <a:pPr>
+              <a:lnSpc>
+                <a:spcPct val="150000"/>
+              </a:lnSpc>
+            </a:pPr>
+            <a:r>
+              <a:rPr lang="ko-KR" altLang="en-US" sz="1300" dirty="0">
+                <a:solidFill>
+                  <a:prstClr val="white"/>
+                </a:solidFill>
+                <a:cs typeface="Aharoni" panose="02010803020104030203" pitchFamily="2" charset="-79"/>
+              </a:rPr>
+              <a:t>서버에 클라이언트의 상태 정보를 저장하는 기술 비교적 안전하다</a:t>
+            </a:r>
+            <a:endParaRPr lang="ko-KR" altLang="en-US" sz="1300" dirty="0">
+              <a:solidFill>
+                <a:srgbClr val="8899B2"/>
+              </a:solidFill>
+              <a:cs typeface="Aharoni" panose="02010803020104030203" pitchFamily="2" charset="-79"/>
+            </a:endParaRPr>
+          </a:p>
+        </p:txBody>
+      </p:sp>
+      <p:sp>
+        <p:nvSpPr>
+          <p:cNvPr id="4" name="TextBox 3">
+            <a:extLst>
+              <a:ext uri="{FF2B5EF4-FFF2-40B4-BE49-F238E27FC236}">
+                <a16:creationId xmlns:a16="http://schemas.microsoft.com/office/drawing/2014/main" id="{2B4B231A-ABB4-4F22-9EE6-B4747A4305C6}"/>
+              </a:ext>
+            </a:extLst>
+          </p:cNvPr>
+          <p:cNvSpPr txBox="1"/>
+          <p:nvPr/>
+        </p:nvSpPr>
+        <p:spPr>
+          <a:xfrm>
+            <a:off x="4557582" y="1394732"/>
+            <a:ext cx="6805246" cy="1292662"/>
+          </a:xfrm>
+          <a:prstGeom prst="rect">
+            <a:avLst/>
+          </a:prstGeom>
+          <a:noFill/>
+        </p:spPr>
+        <p:txBody>
+          <a:bodyPr wrap="square" rtlCol="0">
+            <a:spAutoFit/>
+          </a:bodyPr>
+          <a:lstStyle/>
+          <a:p>
+            <a:pPr marL="342900" indent="-342900">
+              <a:buFont typeface="+mj-lt"/>
+              <a:buAutoNum type="arabicPeriod"/>
+            </a:pPr>
+            <a:r>
+              <a:rPr lang="ko-KR" altLang="en-US" sz="1300" dirty="0"/>
+              <a:t>쿠키</a:t>
+            </a:r>
+            <a:r>
+              <a:rPr lang="en-US" altLang="ko-KR" sz="1300" dirty="0"/>
+              <a:t>(</a:t>
+            </a:r>
+            <a:r>
+              <a:rPr lang="ko-KR" altLang="en-US" sz="1300" dirty="0"/>
+              <a:t>서버에 저장된 세션에 접근하기 위한 세션</a:t>
+            </a:r>
+            <a:r>
+              <a:rPr lang="en-US" altLang="ko-KR" sz="1300" dirty="0"/>
+              <a:t>ID)</a:t>
+            </a:r>
+            <a:r>
+              <a:rPr lang="ko-KR" altLang="en-US" sz="1300" dirty="0"/>
+              <a:t>가 </a:t>
+            </a:r>
+            <a:r>
+              <a:rPr lang="en-US" altLang="ko-KR" sz="1300" dirty="0"/>
+              <a:t>HTTP </a:t>
+            </a:r>
+            <a:r>
+              <a:rPr lang="ko-KR" altLang="en-US" sz="1300" dirty="0"/>
+              <a:t>요청 중 노출되어도 쿠키 자체에 중요한 정보는 담겨있지 않다</a:t>
+            </a:r>
+            <a:endParaRPr lang="en-US" altLang="ko-KR" sz="1300" dirty="0"/>
+          </a:p>
+          <a:p>
+            <a:pPr marL="342900" indent="-342900">
+              <a:buFont typeface="+mj-lt"/>
+              <a:buAutoNum type="arabicPeriod"/>
+            </a:pPr>
+            <a:endParaRPr lang="en-US" altLang="ko-KR" sz="1300" dirty="0"/>
+          </a:p>
+          <a:p>
+            <a:pPr marL="342900" indent="-342900">
+              <a:buFont typeface="+mj-lt"/>
+              <a:buAutoNum type="arabicPeriod"/>
+            </a:pPr>
+            <a:r>
+              <a:rPr lang="ko-KR" altLang="en-US" sz="1300" dirty="0"/>
+              <a:t>사용자 </a:t>
+            </a:r>
+            <a:r>
+              <a:rPr lang="en-US" altLang="ko-KR" sz="1300" dirty="0"/>
+              <a:t>A = 1, </a:t>
+            </a:r>
+            <a:r>
+              <a:rPr lang="ko-KR" altLang="en-US" sz="1300" dirty="0"/>
+              <a:t>사용자 </a:t>
+            </a:r>
+            <a:r>
+              <a:rPr lang="en-US" altLang="ko-KR" sz="1300" dirty="0"/>
+              <a:t>B = 2 </a:t>
+            </a:r>
+            <a:r>
+              <a:rPr lang="ko-KR" altLang="en-US" sz="1300" dirty="0"/>
+              <a:t>식으로 고유의 </a:t>
+            </a:r>
+            <a:r>
+              <a:rPr lang="en-US" altLang="ko-KR" sz="1300" dirty="0"/>
+              <a:t>ID</a:t>
+            </a:r>
+            <a:r>
+              <a:rPr lang="ko-KR" altLang="en-US" sz="1300" dirty="0"/>
+              <a:t>값을 발급받게 되며 서버에서는 쿠키 값을 받았을 때 회원정보를 일일이 확인할 필요 없이 바로 식별하여 서버 자원에 접근이 용이하다 </a:t>
+            </a:r>
+          </a:p>
+        </p:txBody>
+      </p:sp>
+      <p:sp>
+        <p:nvSpPr>
+          <p:cNvPr id="5" name="사각형: 둥근 모서리 4">
+            <a:extLst>
+              <a:ext uri="{FF2B5EF4-FFF2-40B4-BE49-F238E27FC236}">
+                <a16:creationId xmlns:a16="http://schemas.microsoft.com/office/drawing/2014/main" id="{B64CC82E-B4B0-4773-91CA-8A203925A3FA}"/>
+              </a:ext>
+            </a:extLst>
+          </p:cNvPr>
+          <p:cNvSpPr/>
+          <p:nvPr/>
+        </p:nvSpPr>
+        <p:spPr>
+          <a:xfrm>
+            <a:off x="4200264" y="923201"/>
+            <a:ext cx="7519882" cy="2197790"/>
+          </a:xfrm>
+          <a:prstGeom prst="roundRect">
+            <a:avLst/>
+          </a:prstGeom>
+          <a:noFill/>
+          <a:ln w="25400">
+            <a:solidFill>
+              <a:schemeClr val="accent1">
+                <a:shade val="50000"/>
+              </a:schemeClr>
+            </a:solidFill>
+          </a:ln>
+        </p:spPr>
+        <p:style>
+          <a:lnRef idx="2">
+            <a:schemeClr val="accent1">
+              <a:shade val="50000"/>
+            </a:schemeClr>
+          </a:lnRef>
+          <a:fillRef idx="1">
+            <a:schemeClr val="accent1"/>
+          </a:fillRef>
+          <a:effectRef idx="0">
+            <a:schemeClr val="accent1"/>
+          </a:effectRef>
+          <a:fontRef idx="minor">
+            <a:schemeClr val="lt1"/>
+          </a:fontRef>
+        </p:style>
+        <p:txBody>
+          <a:bodyPr rtlCol="0" anchor="ctr"/>
+          <a:lstStyle/>
+          <a:p>
+            <a:pPr algn="ctr"/>
+            <a:endParaRPr lang="ko-KR" altLang="en-US" dirty="0"/>
+          </a:p>
+        </p:txBody>
+      </p:sp>
+      <p:sp>
+        <p:nvSpPr>
+          <p:cNvPr id="3" name="TextBox 2">
+            <a:extLst>
+              <a:ext uri="{FF2B5EF4-FFF2-40B4-BE49-F238E27FC236}">
+                <a16:creationId xmlns:a16="http://schemas.microsoft.com/office/drawing/2014/main" id="{E4192904-DED6-457B-980B-0677C96C8829}"/>
+              </a:ext>
+            </a:extLst>
+          </p:cNvPr>
+          <p:cNvSpPr txBox="1"/>
+          <p:nvPr/>
+        </p:nvSpPr>
+        <p:spPr>
+          <a:xfrm>
+            <a:off x="4557582" y="4182247"/>
+            <a:ext cx="6805246" cy="1692771"/>
+          </a:xfrm>
+          <a:prstGeom prst="rect">
+            <a:avLst/>
+          </a:prstGeom>
+          <a:noFill/>
+        </p:spPr>
+        <p:txBody>
+          <a:bodyPr wrap="square" rtlCol="0">
+            <a:spAutoFit/>
+          </a:bodyPr>
+          <a:lstStyle/>
+          <a:p>
+            <a:pPr marL="342900" indent="-342900">
+              <a:buFont typeface="+mj-lt"/>
+              <a:buAutoNum type="arabicPeriod"/>
+            </a:pPr>
+            <a:r>
+              <a:rPr lang="ko-KR" altLang="en-US" sz="1300" dirty="0"/>
+              <a:t>해커가 사용자의 쿠키</a:t>
+            </a:r>
+            <a:r>
+              <a:rPr lang="en-US" altLang="ko-KR" sz="1300" dirty="0"/>
+              <a:t>(</a:t>
+            </a:r>
+            <a:r>
+              <a:rPr lang="ko-KR" altLang="en-US" sz="1300" dirty="0"/>
+              <a:t>세션</a:t>
+            </a:r>
+            <a:r>
+              <a:rPr lang="en-US" altLang="ko-KR" sz="1300" dirty="0"/>
+              <a:t>ID)</a:t>
+            </a:r>
+            <a:r>
+              <a:rPr lang="ko-KR" altLang="en-US" sz="1300" dirty="0"/>
+              <a:t>를 훔쳐 서버로 </a:t>
+            </a:r>
+            <a:r>
+              <a:rPr lang="en-US" altLang="ko-KR" sz="1300" dirty="0"/>
+              <a:t>HTTP </a:t>
+            </a:r>
+            <a:r>
+              <a:rPr lang="ko-KR" altLang="en-US" sz="1300" dirty="0"/>
+              <a:t>요청을 보내면 서버의 세션저장소에서 정상 사용자로 오인하여 정보를 제공할 수 있다</a:t>
+            </a:r>
+            <a:endParaRPr lang="en-US" altLang="ko-KR" sz="1300" dirty="0"/>
+          </a:p>
+          <a:p>
+            <a:pPr marL="342900" indent="-342900">
+              <a:buFont typeface="+mj-lt"/>
+              <a:buAutoNum type="arabicPeriod"/>
+            </a:pPr>
+            <a:endParaRPr lang="en-US" altLang="ko-KR" sz="1300" dirty="0"/>
+          </a:p>
+          <a:p>
+            <a:pPr marL="342900" indent="-342900">
+              <a:buFont typeface="+mj-lt"/>
+              <a:buAutoNum type="arabicPeriod"/>
+            </a:pPr>
+            <a:r>
+              <a:rPr lang="ko-KR" altLang="en-US" sz="1300" dirty="0"/>
+              <a:t>로그인 중인 사용자가 늘어날 경우 서버의 </a:t>
+            </a:r>
+            <a:r>
+              <a:rPr lang="en-US" altLang="ko-KR" sz="1300" dirty="0"/>
+              <a:t>RAM </a:t>
+            </a:r>
+            <a:r>
+              <a:rPr lang="ko-KR" altLang="en-US" sz="1300" dirty="0"/>
+              <a:t>또는 데이터베이스에 무리를 줄 수 있다</a:t>
+            </a:r>
+            <a:endParaRPr lang="en-US" altLang="ko-KR" sz="1300" dirty="0"/>
+          </a:p>
+          <a:p>
+            <a:pPr marL="342900" indent="-342900">
+              <a:buFont typeface="+mj-lt"/>
+              <a:buAutoNum type="arabicPeriod"/>
+            </a:pPr>
+            <a:endParaRPr lang="en-US" altLang="ko-KR" sz="1300" dirty="0"/>
+          </a:p>
+          <a:p>
+            <a:pPr marL="342900" indent="-342900">
+              <a:buFont typeface="+mj-lt"/>
+              <a:buAutoNum type="arabicPeriod"/>
+            </a:pPr>
+            <a:r>
+              <a:rPr lang="en-US" altLang="ko-KR" sz="1300" dirty="0"/>
+              <a:t>2</a:t>
+            </a:r>
+            <a:r>
+              <a:rPr lang="ko-KR" altLang="en-US" sz="1300" dirty="0"/>
+              <a:t>번 해결을 위해서버를 확장해야 할 경우 세션을 분산시키는 시스템을 설계해야 하지만 이러한 과정은 매우 어렵고 복잡하다</a:t>
+            </a:r>
+          </a:p>
+        </p:txBody>
+      </p:sp>
+      <p:sp>
+        <p:nvSpPr>
+          <p:cNvPr id="7" name="사각형: 둥근 모서리 6">
+            <a:extLst>
+              <a:ext uri="{FF2B5EF4-FFF2-40B4-BE49-F238E27FC236}">
+                <a16:creationId xmlns:a16="http://schemas.microsoft.com/office/drawing/2014/main" id="{94739689-8233-40DE-A419-F634D0DF85DA}"/>
+              </a:ext>
+            </a:extLst>
+          </p:cNvPr>
+          <p:cNvSpPr/>
+          <p:nvPr/>
+        </p:nvSpPr>
+        <p:spPr>
+          <a:xfrm>
+            <a:off x="4200264" y="3924047"/>
+            <a:ext cx="7519882" cy="2197790"/>
+          </a:xfrm>
+          <a:prstGeom prst="roundRect">
+            <a:avLst/>
+          </a:prstGeom>
+          <a:noFill/>
+          <a:ln w="25400">
+            <a:solidFill>
+              <a:srgbClr val="FF0000"/>
+            </a:solidFill>
+          </a:ln>
+        </p:spPr>
+        <p:style>
+          <a:lnRef idx="2">
+            <a:schemeClr val="accent1">
+              <a:shade val="50000"/>
+            </a:schemeClr>
+          </a:lnRef>
+          <a:fillRef idx="1">
+            <a:schemeClr val="accent1"/>
+          </a:fillRef>
+          <a:effectRef idx="0">
+            <a:schemeClr val="accent1"/>
+          </a:effectRef>
+          <a:fontRef idx="minor">
+            <a:schemeClr val="lt1"/>
+          </a:fontRef>
+        </p:style>
+        <p:txBody>
+          <a:bodyPr rtlCol="0" anchor="ctr"/>
+          <a:lstStyle/>
+          <a:p>
+            <a:pPr algn="ctr"/>
+            <a:endParaRPr lang="ko-KR" altLang="en-US" dirty="0"/>
+          </a:p>
+        </p:txBody>
+      </p:sp>
+      <p:sp>
+        <p:nvSpPr>
+          <p:cNvPr id="9" name="TextBox 8">
+            <a:extLst>
+              <a:ext uri="{FF2B5EF4-FFF2-40B4-BE49-F238E27FC236}">
+                <a16:creationId xmlns:a16="http://schemas.microsoft.com/office/drawing/2014/main" id="{9999B532-9837-492C-815A-3A7C77B8B497}"/>
+              </a:ext>
+            </a:extLst>
+          </p:cNvPr>
+          <p:cNvSpPr txBox="1"/>
+          <p:nvPr/>
+        </p:nvSpPr>
+        <p:spPr>
+          <a:xfrm>
+            <a:off x="7409486" y="738535"/>
+            <a:ext cx="1101438" cy="369332"/>
+          </a:xfrm>
+          <a:prstGeom prst="rect">
+            <a:avLst/>
+          </a:prstGeom>
+          <a:solidFill>
+            <a:schemeClr val="bg1"/>
+          </a:solidFill>
+        </p:spPr>
+        <p:txBody>
+          <a:bodyPr wrap="square" rtlCol="0">
+            <a:spAutoFit/>
+          </a:bodyPr>
+          <a:lstStyle/>
+          <a:p>
+            <a:pPr algn="ctr"/>
+            <a:r>
+              <a:rPr lang="ko-KR" altLang="en-US" b="1">
+                <a:solidFill>
+                  <a:srgbClr val="002060"/>
+                </a:solidFill>
+              </a:rPr>
+              <a:t>장점</a:t>
+            </a:r>
+            <a:endParaRPr lang="ko-KR" altLang="en-US" b="1" dirty="0">
+              <a:solidFill>
+                <a:srgbClr val="002060"/>
+              </a:solidFill>
+            </a:endParaRPr>
+          </a:p>
+        </p:txBody>
+      </p:sp>
+      <p:sp>
+        <p:nvSpPr>
+          <p:cNvPr id="19" name="TextBox 18">
+            <a:extLst>
+              <a:ext uri="{FF2B5EF4-FFF2-40B4-BE49-F238E27FC236}">
+                <a16:creationId xmlns:a16="http://schemas.microsoft.com/office/drawing/2014/main" id="{82356309-CE26-47AE-93F6-157FAEBA5954}"/>
+              </a:ext>
+            </a:extLst>
+          </p:cNvPr>
+          <p:cNvSpPr txBox="1"/>
+          <p:nvPr/>
+        </p:nvSpPr>
+        <p:spPr>
+          <a:xfrm>
+            <a:off x="7409486" y="3739381"/>
+            <a:ext cx="1101438" cy="369332"/>
+          </a:xfrm>
+          <a:prstGeom prst="rect">
+            <a:avLst/>
+          </a:prstGeom>
+          <a:solidFill>
+            <a:schemeClr val="bg1"/>
+          </a:solidFill>
+        </p:spPr>
+        <p:txBody>
+          <a:bodyPr wrap="square" rtlCol="0">
+            <a:spAutoFit/>
+          </a:bodyPr>
+          <a:lstStyle/>
+          <a:p>
+            <a:pPr algn="ctr"/>
+            <a:r>
+              <a:rPr lang="ko-KR" altLang="en-US" b="1" dirty="0">
+                <a:solidFill>
+                  <a:srgbClr val="002060"/>
+                </a:solidFill>
+              </a:rPr>
+              <a:t>단점</a:t>
+            </a:r>
+          </a:p>
+        </p:txBody>
+      </p:sp>
+    </p:spTree>
+    <p:extLst>
+      <p:ext uri="{BB962C8B-B14F-4D97-AF65-F5344CB8AC3E}">
+        <p14:creationId xmlns:p14="http://schemas.microsoft.com/office/powerpoint/2010/main" val="3721996490"/>
+      </p:ext>
+    </p:extLst>
+  </p:cSld>
+  <p:clrMapOvr>
+    <a:masterClrMapping/>
+  </p:clrMapOvr>
+</p:sld>
+</file>
+
+<file path=ppt/slides/slide11.xml><?xml version="1.0" encoding="utf-8"?>
+<p:sld xmlns:a="http://schemas.openxmlformats.org/drawingml/2006/main" xmlns:r="http://schemas.openxmlformats.org/officeDocument/2006/relationships" xmlns:p="http://schemas.openxmlformats.org/presentationml/2006/main">
+  <p:cSld>
+    <p:spTree>
+      <p:nvGrpSpPr>
+        <p:cNvPr id="1" name=""/>
+        <p:cNvGrpSpPr/>
+        <p:nvPr/>
+      </p:nvGrpSpPr>
+      <p:grpSpPr>
+        <a:xfrm>
+          <a:off x="0" y="0"/>
+          <a:ext cx="0" cy="0"/>
+          <a:chOff x="0" y="0"/>
+          <a:chExt cx="0" cy="0"/>
+        </a:xfrm>
+      </p:grpSpPr>
+      <p:sp>
+        <p:nvSpPr>
+          <p:cNvPr id="2" name="직사각형 1">
+            <a:extLst>
+              <a:ext uri="{FF2B5EF4-FFF2-40B4-BE49-F238E27FC236}">
+                <a16:creationId xmlns:a16="http://schemas.microsoft.com/office/drawing/2014/main" id="{1CA2AFE9-4109-45BA-B0EF-2AF66378F239}"/>
+              </a:ext>
+            </a:extLst>
+          </p:cNvPr>
+          <p:cNvSpPr/>
+          <p:nvPr/>
+        </p:nvSpPr>
+        <p:spPr>
+          <a:xfrm>
+            <a:off x="3657600" y="0"/>
+            <a:ext cx="8534399" cy="6858000"/>
+          </a:xfrm>
+          <a:prstGeom prst="rect">
+            <a:avLst/>
+          </a:prstGeom>
+          <a:solidFill>
+            <a:schemeClr val="bg1"/>
+          </a:solidFill>
+          <a:ln>
+            <a:noFill/>
+          </a:ln>
+        </p:spPr>
+        <p:style>
+          <a:lnRef idx="2">
+            <a:schemeClr val="accent1">
+              <a:shade val="50000"/>
+            </a:schemeClr>
+          </a:lnRef>
+          <a:fillRef idx="1">
+            <a:schemeClr val="accent1"/>
+          </a:fillRef>
+          <a:effectRef idx="0">
+            <a:schemeClr val="accent1"/>
+          </a:effectRef>
+          <a:fontRef idx="minor">
+            <a:schemeClr val="lt1"/>
+          </a:fontRef>
+        </p:style>
+        <p:txBody>
+          <a:bodyPr rtlCol="0" anchor="ctr"/>
+          <a:lstStyle/>
+          <a:p>
+            <a:pPr algn="ctr"/>
+            <a:endParaRPr lang="ko-KR" altLang="en-US"/>
+          </a:p>
+        </p:txBody>
+      </p:sp>
+      <p:sp>
+        <p:nvSpPr>
+          <p:cNvPr id="6" name="직사각형 5">
+            <a:extLst>
+              <a:ext uri="{FF2B5EF4-FFF2-40B4-BE49-F238E27FC236}">
+                <a16:creationId xmlns:a16="http://schemas.microsoft.com/office/drawing/2014/main" id="{13F20A7C-65C8-4325-83F7-99B54500B6C6}"/>
+              </a:ext>
+            </a:extLst>
+          </p:cNvPr>
+          <p:cNvSpPr/>
+          <p:nvPr/>
+        </p:nvSpPr>
+        <p:spPr>
+          <a:xfrm>
+            <a:off x="521146" y="458243"/>
+            <a:ext cx="2885885" cy="877163"/>
+          </a:xfrm>
+          <a:prstGeom prst="rect">
+            <a:avLst/>
+          </a:prstGeom>
+        </p:spPr>
+        <p:txBody>
+          <a:bodyPr wrap="square">
+            <a:spAutoFit/>
+          </a:bodyPr>
+          <a:lstStyle/>
+          <a:p>
+            <a:pPr latinLnBrk="0">
+              <a:defRPr/>
+            </a:pPr>
+            <a:r>
+              <a:rPr lang="en-US" altLang="ko-KR" sz="2800" b="1" kern="0" dirty="0">
+                <a:solidFill>
+                  <a:prstClr val="white"/>
+                </a:solidFill>
+              </a:rPr>
+              <a:t>J</a:t>
+            </a:r>
+            <a:r>
+              <a:rPr lang="en-US" altLang="ko-KR" sz="2400" kern="0" dirty="0">
+                <a:solidFill>
+                  <a:prstClr val="white"/>
+                </a:solidFill>
+              </a:rPr>
+              <a:t>son</a:t>
+            </a:r>
+            <a:r>
+              <a:rPr lang="en-US" altLang="ko-KR" sz="2300" kern="0" dirty="0">
+                <a:solidFill>
+                  <a:prstClr val="white"/>
+                </a:solidFill>
+              </a:rPr>
+              <a:t> </a:t>
+            </a:r>
+            <a:r>
+              <a:rPr lang="en-US" altLang="ko-KR" sz="2800" b="1" kern="0" dirty="0">
+                <a:solidFill>
+                  <a:prstClr val="white"/>
+                </a:solidFill>
+              </a:rPr>
+              <a:t>W</a:t>
+            </a:r>
+            <a:r>
+              <a:rPr lang="en-US" altLang="ko-KR" sz="2400" kern="0" dirty="0">
+                <a:solidFill>
+                  <a:prstClr val="white"/>
+                </a:solidFill>
+              </a:rPr>
+              <a:t>eb</a:t>
+            </a:r>
+            <a:r>
+              <a:rPr lang="en-US" altLang="ko-KR" sz="2300" kern="0" dirty="0">
+                <a:solidFill>
+                  <a:prstClr val="white"/>
+                </a:solidFill>
+              </a:rPr>
+              <a:t> </a:t>
+            </a:r>
+            <a:r>
+              <a:rPr lang="en-US" altLang="ko-KR" sz="2800" b="1" kern="0" dirty="0">
+                <a:solidFill>
+                  <a:prstClr val="white"/>
+                </a:solidFill>
+              </a:rPr>
+              <a:t>T</a:t>
+            </a:r>
+            <a:r>
+              <a:rPr lang="en-US" altLang="ko-KR" sz="2400" kern="0" dirty="0">
+                <a:solidFill>
+                  <a:prstClr val="white"/>
+                </a:solidFill>
+              </a:rPr>
+              <a:t>oken</a:t>
+            </a:r>
+          </a:p>
+          <a:p>
+            <a:pPr latinLnBrk="0">
+              <a:defRPr/>
+            </a:pPr>
+            <a:r>
+              <a:rPr lang="ko-KR" altLang="en-US" sz="2300" kern="0" dirty="0">
+                <a:solidFill>
+                  <a:prstClr val="white"/>
+                </a:solidFill>
+              </a:rPr>
+              <a:t>토큰 기반 인증 방식</a:t>
+            </a:r>
+            <a:endParaRPr lang="en-US" altLang="ko-KR" sz="2300" kern="0" dirty="0">
+              <a:solidFill>
+                <a:prstClr val="white"/>
+              </a:solidFill>
+            </a:endParaRPr>
+          </a:p>
+        </p:txBody>
+      </p:sp>
+      <p:cxnSp>
+        <p:nvCxnSpPr>
+          <p:cNvPr id="8" name="직선 연결선 7">
+            <a:extLst>
+              <a:ext uri="{FF2B5EF4-FFF2-40B4-BE49-F238E27FC236}">
+                <a16:creationId xmlns:a16="http://schemas.microsoft.com/office/drawing/2014/main" id="{6EA19975-759C-41E4-BE94-5BF7C5E983EF}"/>
+              </a:ext>
+            </a:extLst>
+          </p:cNvPr>
+          <p:cNvCxnSpPr>
+            <a:cxnSpLocks/>
+          </p:cNvCxnSpPr>
+          <p:nvPr/>
+        </p:nvCxnSpPr>
+        <p:spPr>
+          <a:xfrm>
+            <a:off x="157295" y="152884"/>
+            <a:ext cx="265847" cy="222345"/>
+          </a:xfrm>
+          <a:prstGeom prst="line">
+            <a:avLst/>
+          </a:prstGeom>
+          <a:ln>
+            <a:solidFill>
+              <a:schemeClr val="bg1"/>
+            </a:solidFill>
+          </a:ln>
+        </p:spPr>
+        <p:style>
+          <a:lnRef idx="1">
+            <a:schemeClr val="accent1"/>
+          </a:lnRef>
+          <a:fillRef idx="0">
+            <a:schemeClr val="accent1"/>
+          </a:fillRef>
+          <a:effectRef idx="0">
+            <a:schemeClr val="accent1"/>
+          </a:effectRef>
+          <a:fontRef idx="minor">
+            <a:schemeClr val="tx1"/>
+          </a:fontRef>
+        </p:style>
+      </p:cxnSp>
+      <p:cxnSp>
+        <p:nvCxnSpPr>
+          <p:cNvPr id="10" name="직선 연결선 9">
+            <a:extLst>
+              <a:ext uri="{FF2B5EF4-FFF2-40B4-BE49-F238E27FC236}">
+                <a16:creationId xmlns:a16="http://schemas.microsoft.com/office/drawing/2014/main" id="{33765D62-5155-4C2F-A986-997CEB1DA1BC}"/>
+              </a:ext>
+            </a:extLst>
+          </p:cNvPr>
+          <p:cNvCxnSpPr>
+            <a:cxnSpLocks/>
+          </p:cNvCxnSpPr>
+          <p:nvPr/>
+        </p:nvCxnSpPr>
+        <p:spPr>
+          <a:xfrm>
+            <a:off x="423142" y="1837036"/>
+            <a:ext cx="533855" cy="0"/>
+          </a:xfrm>
+          <a:prstGeom prst="line">
+            <a:avLst/>
+          </a:prstGeom>
+          <a:ln>
+            <a:solidFill>
+              <a:srgbClr val="8899B2"/>
+            </a:solidFill>
+          </a:ln>
+        </p:spPr>
+        <p:style>
+          <a:lnRef idx="1">
+            <a:schemeClr val="accent1"/>
+          </a:lnRef>
+          <a:fillRef idx="0">
+            <a:schemeClr val="accent1"/>
+          </a:fillRef>
+          <a:effectRef idx="0">
+            <a:schemeClr val="accent1"/>
+          </a:effectRef>
+          <a:fontRef idx="minor">
+            <a:schemeClr val="tx1"/>
+          </a:fontRef>
+        </p:style>
+      </p:cxnSp>
+      <p:sp>
+        <p:nvSpPr>
+          <p:cNvPr id="16" name="TextBox 15">
+            <a:extLst>
+              <a:ext uri="{FF2B5EF4-FFF2-40B4-BE49-F238E27FC236}">
+                <a16:creationId xmlns:a16="http://schemas.microsoft.com/office/drawing/2014/main" id="{7BF02EE5-EE07-4898-B650-888CBB8ECDDA}"/>
+              </a:ext>
+            </a:extLst>
+          </p:cNvPr>
+          <p:cNvSpPr txBox="1"/>
+          <p:nvPr/>
+        </p:nvSpPr>
+        <p:spPr>
+          <a:xfrm>
+            <a:off x="374554" y="2041063"/>
+            <a:ext cx="2885885" cy="4554901"/>
+          </a:xfrm>
+          <a:prstGeom prst="rect">
+            <a:avLst/>
+          </a:prstGeom>
+          <a:noFill/>
+        </p:spPr>
+        <p:txBody>
+          <a:bodyPr wrap="square" rtlCol="0">
+            <a:spAutoFit/>
+          </a:bodyPr>
+          <a:lstStyle/>
+          <a:p>
+            <a:pPr>
+              <a:lnSpc>
+                <a:spcPct val="150000"/>
+              </a:lnSpc>
+            </a:pPr>
+            <a:r>
+              <a:rPr lang="ko-KR" altLang="en-US" sz="1300" dirty="0">
+                <a:solidFill>
+                  <a:prstClr val="white"/>
+                </a:solidFill>
+                <a:cs typeface="Aharoni" panose="02010803020104030203" pitchFamily="2" charset="-79"/>
+              </a:rPr>
+              <a:t>인증 받은 사용자들에게 토큰을 발급하고</a:t>
+            </a:r>
+            <a:r>
+              <a:rPr lang="en-US" altLang="ko-KR" sz="1300" dirty="0">
+                <a:solidFill>
+                  <a:prstClr val="white"/>
+                </a:solidFill>
+                <a:cs typeface="Aharoni" panose="02010803020104030203" pitchFamily="2" charset="-79"/>
+              </a:rPr>
+              <a:t>, </a:t>
+            </a:r>
+            <a:r>
+              <a:rPr lang="ko-KR" altLang="en-US" sz="1300" dirty="0">
+                <a:solidFill>
+                  <a:prstClr val="white"/>
+                </a:solidFill>
+                <a:cs typeface="Aharoni" panose="02010803020104030203" pitchFamily="2" charset="-79"/>
+              </a:rPr>
+              <a:t>서버에 요청을 할 때 헤더에 토큰을 함께 보내 유효성 검사를 한다</a:t>
+            </a:r>
+            <a:endParaRPr lang="en-US" altLang="ko-KR" sz="1300" dirty="0">
+              <a:solidFill>
+                <a:prstClr val="white"/>
+              </a:solidFill>
+              <a:cs typeface="Aharoni" panose="02010803020104030203" pitchFamily="2" charset="-79"/>
+            </a:endParaRPr>
+          </a:p>
+          <a:p>
+            <a:pPr>
+              <a:lnSpc>
+                <a:spcPct val="150000"/>
+              </a:lnSpc>
+            </a:pPr>
+            <a:endParaRPr lang="en-US" altLang="ko-KR" sz="1300" dirty="0">
+              <a:solidFill>
+                <a:prstClr val="white"/>
+              </a:solidFill>
+              <a:cs typeface="Aharoni" panose="02010803020104030203" pitchFamily="2" charset="-79"/>
+            </a:endParaRPr>
+          </a:p>
+          <a:p>
+            <a:pPr>
+              <a:lnSpc>
+                <a:spcPct val="150000"/>
+              </a:lnSpc>
+            </a:pPr>
+            <a:r>
+              <a:rPr lang="ko-KR" altLang="en-US" sz="1300" dirty="0">
+                <a:solidFill>
+                  <a:prstClr val="white"/>
+                </a:solidFill>
+                <a:cs typeface="Aharoni" panose="02010803020104030203" pitchFamily="2" charset="-79"/>
+              </a:rPr>
+              <a:t>사용자의 인증 정보를 서버나 세션에 유지하지 않고 클라이언트 측에서 들어오는 요청만으로 작업을 처리한다</a:t>
+            </a:r>
+            <a:endParaRPr lang="en-US" altLang="ko-KR" sz="1300" dirty="0">
+              <a:solidFill>
+                <a:prstClr val="white"/>
+              </a:solidFill>
+              <a:cs typeface="Aharoni" panose="02010803020104030203" pitchFamily="2" charset="-79"/>
+            </a:endParaRPr>
+          </a:p>
+          <a:p>
+            <a:pPr>
+              <a:lnSpc>
+                <a:spcPct val="150000"/>
+              </a:lnSpc>
+            </a:pPr>
+            <a:endParaRPr lang="en-US" altLang="ko-KR" sz="1300" dirty="0">
+              <a:solidFill>
+                <a:prstClr val="white"/>
+              </a:solidFill>
+              <a:cs typeface="Aharoni" panose="02010803020104030203" pitchFamily="2" charset="-79"/>
+            </a:endParaRPr>
+          </a:p>
+          <a:p>
+            <a:pPr>
+              <a:lnSpc>
+                <a:spcPct val="150000"/>
+              </a:lnSpc>
+            </a:pPr>
+            <a:r>
+              <a:rPr lang="ko-KR" altLang="en-US" sz="1300" dirty="0">
+                <a:solidFill>
+                  <a:prstClr val="white"/>
+                </a:solidFill>
+                <a:cs typeface="Aharoni" panose="02010803020104030203" pitchFamily="2" charset="-79"/>
+              </a:rPr>
+              <a:t>토큰 기반 시스템은 </a:t>
+            </a:r>
+            <a:r>
+              <a:rPr lang="en-US" altLang="ko-KR" sz="1300" dirty="0">
+                <a:solidFill>
+                  <a:prstClr val="white"/>
+                </a:solidFill>
+                <a:cs typeface="Aharoni" panose="02010803020104030203" pitchFamily="2" charset="-79"/>
+              </a:rPr>
+              <a:t>stateless</a:t>
+            </a:r>
+            <a:r>
+              <a:rPr lang="ko-KR" altLang="en-US" sz="1300" dirty="0">
+                <a:solidFill>
+                  <a:prstClr val="white"/>
+                </a:solidFill>
+                <a:cs typeface="Aharoni" panose="02010803020104030203" pitchFamily="2" charset="-79"/>
+              </a:rPr>
+              <a:t> 하여 클라이언트와 서버의 연결고리가 없기 때문에 서버의 확장성 </a:t>
+            </a:r>
+            <a:r>
+              <a:rPr lang="en-US" altLang="ko-KR" sz="1300" dirty="0">
+                <a:solidFill>
+                  <a:prstClr val="white"/>
+                </a:solidFill>
+                <a:cs typeface="Aharoni" panose="02010803020104030203" pitchFamily="2" charset="-79"/>
+              </a:rPr>
+              <a:t>(Scalability)</a:t>
+            </a:r>
+            <a:r>
+              <a:rPr lang="ko-KR" altLang="en-US" sz="1300" dirty="0">
+                <a:solidFill>
+                  <a:prstClr val="white"/>
+                </a:solidFill>
+                <a:cs typeface="Aharoni" panose="02010803020104030203" pitchFamily="2" charset="-79"/>
+              </a:rPr>
+              <a:t>이 높아진다</a:t>
+            </a:r>
+            <a:endParaRPr lang="en-US" altLang="ko-KR" sz="1300" dirty="0">
+              <a:solidFill>
+                <a:prstClr val="white"/>
+              </a:solidFill>
+              <a:cs typeface="Aharoni" panose="02010803020104030203" pitchFamily="2" charset="-79"/>
+            </a:endParaRPr>
+          </a:p>
+          <a:p>
+            <a:pPr>
+              <a:lnSpc>
+                <a:spcPct val="150000"/>
+              </a:lnSpc>
+            </a:pPr>
+            <a:endParaRPr lang="en-US" altLang="ko-KR" sz="1300" b="1" dirty="0">
+              <a:solidFill>
+                <a:prstClr val="white"/>
+              </a:solidFill>
+              <a:cs typeface="Aharoni" panose="02010803020104030203" pitchFamily="2" charset="-79"/>
+            </a:endParaRPr>
+          </a:p>
+        </p:txBody>
+      </p:sp>
+      <p:sp>
+        <p:nvSpPr>
+          <p:cNvPr id="4" name="TextBox 3">
+            <a:extLst>
+              <a:ext uri="{FF2B5EF4-FFF2-40B4-BE49-F238E27FC236}">
+                <a16:creationId xmlns:a16="http://schemas.microsoft.com/office/drawing/2014/main" id="{2B4B231A-ABB4-4F22-9EE6-B4747A4305C6}"/>
+              </a:ext>
+            </a:extLst>
+          </p:cNvPr>
+          <p:cNvSpPr txBox="1"/>
+          <p:nvPr/>
+        </p:nvSpPr>
+        <p:spPr>
+          <a:xfrm>
+            <a:off x="4557582" y="4968770"/>
+            <a:ext cx="6805246" cy="1092607"/>
+          </a:xfrm>
+          <a:prstGeom prst="rect">
+            <a:avLst/>
+          </a:prstGeom>
+          <a:noFill/>
+        </p:spPr>
+        <p:txBody>
+          <a:bodyPr wrap="square" rtlCol="0">
+            <a:spAutoFit/>
+          </a:bodyPr>
+          <a:lstStyle/>
+          <a:p>
+            <a:r>
+              <a:rPr lang="ko-KR" altLang="en-US" sz="1300" dirty="0"/>
+              <a:t>클라이언트가 서버로 요청을 보낼 때 더 이상 쿠키를 전달하지 않으므로 </a:t>
+            </a:r>
+            <a:r>
+              <a:rPr lang="ko-KR" altLang="en-US" sz="1300" b="1" dirty="0">
+                <a:solidFill>
+                  <a:srgbClr val="FF0000"/>
+                </a:solidFill>
+              </a:rPr>
+              <a:t>쿠키 사용에 의한 취약점이 사라지게 된다</a:t>
+            </a:r>
+            <a:endParaRPr lang="en-US" altLang="ko-KR" sz="1300" b="1" dirty="0">
+              <a:solidFill>
+                <a:srgbClr val="FF0000"/>
+              </a:solidFill>
+            </a:endParaRPr>
+          </a:p>
+          <a:p>
+            <a:endParaRPr lang="en-US" altLang="ko-KR" sz="1300" b="1" dirty="0"/>
+          </a:p>
+          <a:p>
+            <a:r>
+              <a:rPr lang="en-US" altLang="ko-KR" sz="1300" dirty="0"/>
+              <a:t>OAuth</a:t>
+            </a:r>
+            <a:r>
+              <a:rPr lang="ko-KR" altLang="en-US" sz="1300" dirty="0"/>
+              <a:t>의 경우 </a:t>
+            </a:r>
+            <a:r>
+              <a:rPr lang="en-US" altLang="ko-KR" sz="1300" dirty="0"/>
+              <a:t>Facebook, Google </a:t>
+            </a:r>
+            <a:r>
+              <a:rPr lang="ko-KR" altLang="en-US" sz="1300" dirty="0"/>
+              <a:t>등과 같은 소셜 계정을 이용하여 </a:t>
+            </a:r>
+            <a:r>
+              <a:rPr lang="ko-KR" altLang="en-US" sz="1300" b="1" dirty="0"/>
+              <a:t>다른 웹서비스에서도 로그인을 할 수 있기 때문에 </a:t>
+            </a:r>
+            <a:r>
+              <a:rPr lang="ko-KR" altLang="en-US" sz="1300" dirty="0"/>
+              <a:t>로그인 정보가 사용되는 분야의 학장성이 있다 </a:t>
+            </a:r>
+            <a:endParaRPr lang="en-US" altLang="ko-KR" sz="1300" b="1" dirty="0"/>
+          </a:p>
+        </p:txBody>
+      </p:sp>
+      <p:sp>
+        <p:nvSpPr>
+          <p:cNvPr id="5" name="사각형: 둥근 모서리 4">
+            <a:extLst>
+              <a:ext uri="{FF2B5EF4-FFF2-40B4-BE49-F238E27FC236}">
+                <a16:creationId xmlns:a16="http://schemas.microsoft.com/office/drawing/2014/main" id="{B64CC82E-B4B0-4773-91CA-8A203925A3FA}"/>
+              </a:ext>
+            </a:extLst>
+          </p:cNvPr>
+          <p:cNvSpPr/>
+          <p:nvPr/>
+        </p:nvSpPr>
+        <p:spPr>
+          <a:xfrm>
+            <a:off x="4200264" y="4714273"/>
+            <a:ext cx="7519882" cy="1644963"/>
+          </a:xfrm>
+          <a:prstGeom prst="roundRect">
+            <a:avLst/>
+          </a:prstGeom>
+          <a:noFill/>
+          <a:ln w="25400">
+            <a:solidFill>
+              <a:schemeClr val="accent1">
+                <a:shade val="50000"/>
+              </a:schemeClr>
+            </a:solidFill>
+          </a:ln>
+        </p:spPr>
+        <p:style>
+          <a:lnRef idx="2">
+            <a:schemeClr val="accent1">
+              <a:shade val="50000"/>
+            </a:schemeClr>
+          </a:lnRef>
+          <a:fillRef idx="1">
+            <a:schemeClr val="accent1"/>
+          </a:fillRef>
+          <a:effectRef idx="0">
+            <a:schemeClr val="accent1"/>
+          </a:effectRef>
+          <a:fontRef idx="minor">
+            <a:schemeClr val="lt1"/>
+          </a:fontRef>
+        </p:style>
+        <p:txBody>
+          <a:bodyPr rtlCol="0" anchor="ctr"/>
+          <a:lstStyle/>
+          <a:p>
+            <a:pPr algn="ctr"/>
+            <a:endParaRPr lang="ko-KR" altLang="en-US" dirty="0"/>
+          </a:p>
+        </p:txBody>
+      </p:sp>
+      <p:pic>
+        <p:nvPicPr>
+          <p:cNvPr id="7" name="그림 6">
+            <a:extLst>
+              <a:ext uri="{FF2B5EF4-FFF2-40B4-BE49-F238E27FC236}">
+                <a16:creationId xmlns:a16="http://schemas.microsoft.com/office/drawing/2014/main" id="{F24D3D19-B6AB-418F-9FD8-515D0BAB4843}"/>
+              </a:ext>
+            </a:extLst>
+          </p:cNvPr>
+          <p:cNvPicPr>
+            <a:picLocks noChangeAspect="1"/>
+          </p:cNvPicPr>
+          <p:nvPr/>
+        </p:nvPicPr>
+        <p:blipFill>
+          <a:blip r:embed="rId2">
+            <a:extLst>
+              <a:ext uri="{28A0092B-C50C-407E-A947-70E740481C1C}">
+                <a14:useLocalDpi xmlns:a14="http://schemas.microsoft.com/office/drawing/2010/main" val="0"/>
+              </a:ext>
+            </a:extLst>
+          </a:blip>
+          <a:stretch>
+            <a:fillRect/>
+          </a:stretch>
+        </p:blipFill>
+        <p:spPr>
+          <a:xfrm>
+            <a:off x="5638799" y="264056"/>
+            <a:ext cx="4572000" cy="4200525"/>
+          </a:xfrm>
+          <a:prstGeom prst="rect">
+            <a:avLst/>
+          </a:prstGeom>
+        </p:spPr>
+      </p:pic>
+    </p:spTree>
+    <p:extLst>
+      <p:ext uri="{BB962C8B-B14F-4D97-AF65-F5344CB8AC3E}">
+        <p14:creationId xmlns:p14="http://schemas.microsoft.com/office/powerpoint/2010/main" val="3193621254"/>
+      </p:ext>
+    </p:extLst>
+  </p:cSld>
+  <p:clrMapOvr>
+    <a:masterClrMapping/>
+  </p:clrMapOvr>
+</p:sld>
+</file>
+
+<file path=ppt/slides/slide2.xml><?xml version="1.0" encoding="utf-8"?>
+<p:sld xmlns:a="http://schemas.openxmlformats.org/drawingml/2006/main" xmlns:r="http://schemas.openxmlformats.org/officeDocument/2006/relationships" xmlns:p="http://schemas.openxmlformats.org/presentationml/2006/main">
+  <p:cSld>
+    <p:spTree>
+      <p:nvGrpSpPr>
+        <p:cNvPr id="1" name=""/>
+        <p:cNvGrpSpPr/>
+        <p:nvPr/>
+      </p:nvGrpSpPr>
+      <p:grpSpPr>
+        <a:xfrm>
+          <a:off x="0" y="0"/>
+          <a:ext cx="0" cy="0"/>
+          <a:chOff x="0" y="0"/>
+          <a:chExt cx="0" cy="0"/>
+        </a:xfrm>
+      </p:grpSpPr>
+      <p:sp>
+        <p:nvSpPr>
+          <p:cNvPr id="2" name="직사각형 1">
+            <a:extLst>
+              <a:ext uri="{FF2B5EF4-FFF2-40B4-BE49-F238E27FC236}">
+                <a16:creationId xmlns:a16="http://schemas.microsoft.com/office/drawing/2014/main" id="{1CA2AFE9-4109-45BA-B0EF-2AF66378F239}"/>
+              </a:ext>
+            </a:extLst>
+          </p:cNvPr>
+          <p:cNvSpPr/>
+          <p:nvPr/>
+        </p:nvSpPr>
+        <p:spPr>
+          <a:xfrm>
+            <a:off x="3657600" y="0"/>
+            <a:ext cx="8534399" cy="6858000"/>
+          </a:xfrm>
+          <a:prstGeom prst="rect">
+            <a:avLst/>
+          </a:prstGeom>
+          <a:solidFill>
+            <a:schemeClr val="bg1"/>
+          </a:solidFill>
+          <a:ln>
+            <a:noFill/>
+          </a:ln>
+        </p:spPr>
+        <p:style>
+          <a:lnRef idx="2">
+            <a:schemeClr val="accent1">
+              <a:shade val="50000"/>
+            </a:schemeClr>
+          </a:lnRef>
+          <a:fillRef idx="1">
+            <a:schemeClr val="accent1"/>
+          </a:fillRef>
+          <a:effectRef idx="0">
+            <a:schemeClr val="accent1"/>
+          </a:effectRef>
+          <a:fontRef idx="minor">
+            <a:schemeClr val="lt1"/>
+          </a:fontRef>
+        </p:style>
+        <p:txBody>
+          <a:bodyPr rtlCol="0" anchor="ctr"/>
+          <a:lstStyle/>
+          <a:p>
+            <a:pPr algn="ctr"/>
+            <a:endParaRPr lang="ko-KR" altLang="en-US"/>
+          </a:p>
+        </p:txBody>
+      </p:sp>
+      <p:sp>
+        <p:nvSpPr>
+          <p:cNvPr id="6" name="직사각형 5">
+            <a:extLst>
+              <a:ext uri="{FF2B5EF4-FFF2-40B4-BE49-F238E27FC236}">
+                <a16:creationId xmlns:a16="http://schemas.microsoft.com/office/drawing/2014/main" id="{13F20A7C-65C8-4325-83F7-99B54500B6C6}"/>
+              </a:ext>
+            </a:extLst>
+          </p:cNvPr>
+          <p:cNvSpPr/>
+          <p:nvPr/>
+        </p:nvSpPr>
+        <p:spPr>
+          <a:xfrm>
+            <a:off x="521146" y="458243"/>
+            <a:ext cx="2885885" cy="492443"/>
+          </a:xfrm>
+          <a:prstGeom prst="rect">
+            <a:avLst/>
+          </a:prstGeom>
+        </p:spPr>
+        <p:txBody>
+          <a:bodyPr wrap="square">
+            <a:spAutoFit/>
+          </a:bodyPr>
+          <a:lstStyle/>
+          <a:p>
+            <a:pPr latinLnBrk="0">
+              <a:defRPr/>
+            </a:pPr>
+            <a:r>
+              <a:rPr lang="ko-KR" altLang="en-US" sz="2600" b="1" kern="0" dirty="0">
+                <a:solidFill>
+                  <a:prstClr val="white"/>
+                </a:solidFill>
+              </a:rPr>
+              <a:t>정규화 란</a:t>
+            </a:r>
+            <a:endParaRPr lang="en-US" altLang="ko-KR" sz="2600" b="1" kern="0" dirty="0">
+              <a:solidFill>
+                <a:prstClr val="white"/>
+              </a:solidFill>
+            </a:endParaRPr>
+          </a:p>
+        </p:txBody>
+      </p:sp>
+      <p:cxnSp>
+        <p:nvCxnSpPr>
+          <p:cNvPr id="8" name="직선 연결선 7">
+            <a:extLst>
+              <a:ext uri="{FF2B5EF4-FFF2-40B4-BE49-F238E27FC236}">
+                <a16:creationId xmlns:a16="http://schemas.microsoft.com/office/drawing/2014/main" id="{6EA19975-759C-41E4-BE94-5BF7C5E983EF}"/>
+              </a:ext>
+            </a:extLst>
+          </p:cNvPr>
+          <p:cNvCxnSpPr>
+            <a:cxnSpLocks/>
+          </p:cNvCxnSpPr>
+          <p:nvPr/>
+        </p:nvCxnSpPr>
+        <p:spPr>
+          <a:xfrm>
+            <a:off x="157295" y="152884"/>
+            <a:ext cx="265847" cy="222345"/>
+          </a:xfrm>
+          <a:prstGeom prst="line">
+            <a:avLst/>
+          </a:prstGeom>
+          <a:ln>
+            <a:solidFill>
+              <a:schemeClr val="bg1"/>
+            </a:solidFill>
+          </a:ln>
+        </p:spPr>
+        <p:style>
+          <a:lnRef idx="1">
+            <a:schemeClr val="accent1"/>
+          </a:lnRef>
+          <a:fillRef idx="0">
+            <a:schemeClr val="accent1"/>
+          </a:fillRef>
+          <a:effectRef idx="0">
+            <a:schemeClr val="accent1"/>
+          </a:effectRef>
+          <a:fontRef idx="minor">
+            <a:schemeClr val="tx1"/>
+          </a:fontRef>
+        </p:style>
+      </p:cxnSp>
+      <p:cxnSp>
+        <p:nvCxnSpPr>
+          <p:cNvPr id="10" name="직선 연결선 9">
+            <a:extLst>
+              <a:ext uri="{FF2B5EF4-FFF2-40B4-BE49-F238E27FC236}">
+                <a16:creationId xmlns:a16="http://schemas.microsoft.com/office/drawing/2014/main" id="{33765D62-5155-4C2F-A986-997CEB1DA1BC}"/>
+              </a:ext>
+            </a:extLst>
+          </p:cNvPr>
+          <p:cNvCxnSpPr>
+            <a:cxnSpLocks/>
+          </p:cNvCxnSpPr>
+          <p:nvPr/>
+        </p:nvCxnSpPr>
+        <p:spPr>
+          <a:xfrm>
+            <a:off x="423142" y="1837036"/>
+            <a:ext cx="533855" cy="0"/>
+          </a:xfrm>
+          <a:prstGeom prst="line">
+            <a:avLst/>
+          </a:prstGeom>
+          <a:ln>
+            <a:solidFill>
+              <a:srgbClr val="8899B2"/>
+            </a:solidFill>
+          </a:ln>
+        </p:spPr>
+        <p:style>
+          <a:lnRef idx="1">
+            <a:schemeClr val="accent1"/>
+          </a:lnRef>
+          <a:fillRef idx="0">
+            <a:schemeClr val="accent1"/>
+          </a:fillRef>
+          <a:effectRef idx="0">
+            <a:schemeClr val="accent1"/>
+          </a:effectRef>
+          <a:fontRef idx="minor">
+            <a:schemeClr val="tx1"/>
+          </a:fontRef>
+        </p:style>
+      </p:cxnSp>
+      <p:sp>
+        <p:nvSpPr>
+          <p:cNvPr id="16" name="TextBox 15">
+            <a:extLst>
+              <a:ext uri="{FF2B5EF4-FFF2-40B4-BE49-F238E27FC236}">
+                <a16:creationId xmlns:a16="http://schemas.microsoft.com/office/drawing/2014/main" id="{7BF02EE5-EE07-4898-B650-888CBB8ECDDA}"/>
+              </a:ext>
+            </a:extLst>
+          </p:cNvPr>
+          <p:cNvSpPr txBox="1"/>
+          <p:nvPr/>
+        </p:nvSpPr>
+        <p:spPr>
+          <a:xfrm>
             <a:off x="374554" y="2041063"/>
             <a:ext cx="2885885" cy="3354573"/>
           </a:xfrm>
@@ -4904,8 +6348,8 @@
         </p:nvSpPr>
         <p:spPr>
           <a:xfrm>
-            <a:off x="6156053" y="6086733"/>
-            <a:ext cx="3537492" cy="524246"/>
+            <a:off x="3657600" y="-45988"/>
+            <a:ext cx="2884038" cy="653833"/>
           </a:xfrm>
           <a:prstGeom prst="rect">
             <a:avLst/>
@@ -4917,99 +6361,83 @@
           </a:bodyPr>
           <a:lstStyle/>
           <a:p>
-            <a:pPr algn="ctr">
+            <a:pPr>
               <a:lnSpc>
                 <a:spcPct val="150000"/>
               </a:lnSpc>
             </a:pPr>
             <a:r>
-              <a:rPr lang="ko-KR" altLang="en-US" sz="1000" dirty="0">
-                <a:solidFill>
-                  <a:srgbClr val="8899B2"/>
-                </a:solidFill>
-              </a:rPr>
-              <a:t>정규화는 </a:t>
-            </a:r>
-            <a:r>
-              <a:rPr lang="en-US" altLang="ko-KR" sz="1000" dirty="0">
-                <a:solidFill>
-                  <a:srgbClr val="8899B2"/>
-                </a:solidFill>
-              </a:rPr>
-              <a:t>1~</a:t>
-            </a:r>
-            <a:r>
-              <a:rPr lang="ko-KR" altLang="en-US" sz="1000" dirty="0">
-                <a:solidFill>
-                  <a:srgbClr val="8899B2"/>
-                </a:solidFill>
-              </a:rPr>
-              <a:t>정규화 </a:t>
-            </a:r>
-            <a:r>
-              <a:rPr lang="en-US" altLang="ko-KR" sz="1000" dirty="0">
-                <a:solidFill>
-                  <a:srgbClr val="8899B2"/>
-                </a:solidFill>
-              </a:rPr>
-              <a:t>~ 6 </a:t>
-            </a:r>
-            <a:r>
-              <a:rPr lang="ko-KR" altLang="en-US" sz="1000" dirty="0">
-                <a:solidFill>
-                  <a:srgbClr val="8899B2"/>
-                </a:solidFill>
-              </a:rPr>
-              <a:t>정규화 까지 있지만</a:t>
-            </a:r>
-            <a:r>
-              <a:rPr lang="en-US" altLang="ko-KR" sz="1000" dirty="0">
-                <a:solidFill>
-                  <a:srgbClr val="8899B2"/>
-                </a:solidFill>
-              </a:rPr>
-              <a:t>, </a:t>
-            </a:r>
-            <a:r>
-              <a:rPr lang="ko-KR" altLang="en-US" sz="1000" dirty="0">
-                <a:solidFill>
-                  <a:srgbClr val="8899B2"/>
-                </a:solidFill>
-              </a:rPr>
+              <a:rPr lang="ko-KR" altLang="en-US" sz="1300" b="1" dirty="0"/>
               <a:t>실무에서는 대체로 </a:t>
             </a:r>
             <a:r>
-              <a:rPr lang="en-US" altLang="ko-KR" sz="1000" dirty="0">
-                <a:solidFill>
-                  <a:srgbClr val="8899B2"/>
-                </a:solidFill>
-              </a:rPr>
+              <a:rPr lang="en-US" altLang="ko-KR" sz="1300" b="1" dirty="0"/>
               <a:t>1 ~ 3 </a:t>
             </a:r>
             <a:r>
-              <a:rPr lang="ko-KR" altLang="en-US" sz="1000" dirty="0">
-                <a:solidFill>
-                  <a:srgbClr val="8899B2"/>
-                </a:solidFill>
-              </a:rPr>
+              <a:rPr lang="ko-KR" altLang="en-US" sz="1300" b="1" dirty="0"/>
               <a:t>또는 </a:t>
             </a:r>
             <a:r>
-              <a:rPr lang="en-US" altLang="ko-KR" sz="1000" dirty="0">
-                <a:solidFill>
-                  <a:srgbClr val="8899B2"/>
-                </a:solidFill>
-              </a:rPr>
+              <a:rPr lang="en-US" altLang="ko-KR" sz="1300" b="1" dirty="0"/>
               <a:t>BCNF </a:t>
             </a:r>
             <a:r>
-              <a:rPr lang="ko-KR" altLang="en-US" sz="1000" dirty="0">
-                <a:solidFill>
-                  <a:srgbClr val="8899B2"/>
-                </a:solidFill>
-              </a:rPr>
+              <a:rPr lang="ko-KR" altLang="en-US" sz="1300" b="1" dirty="0"/>
               <a:t>정규화까지의 과정을 거친다</a:t>
             </a:r>
+          </a:p>
+        </p:txBody>
+      </p:sp>
+      <p:sp>
+        <p:nvSpPr>
+          <p:cNvPr id="4" name="직사각형 3">
+            <a:extLst>
+              <a:ext uri="{FF2B5EF4-FFF2-40B4-BE49-F238E27FC236}">
+                <a16:creationId xmlns:a16="http://schemas.microsoft.com/office/drawing/2014/main" id="{4E1817F7-B0C6-44DE-A1A0-D291C3A2D1C3}"/>
+              </a:ext>
+            </a:extLst>
+          </p:cNvPr>
+          <p:cNvSpPr/>
+          <p:nvPr/>
+        </p:nvSpPr>
+        <p:spPr>
+          <a:xfrm>
+            <a:off x="4651513" y="616226"/>
+            <a:ext cx="6559826" cy="4114800"/>
+          </a:xfrm>
+          <a:prstGeom prst="rect">
+            <a:avLst/>
+          </a:prstGeom>
+          <a:noFill/>
+          <a:ln w="31750">
+            <a:solidFill>
+              <a:srgbClr val="FF0000"/>
+            </a:solidFill>
+          </a:ln>
+        </p:spPr>
+        <p:style>
+          <a:lnRef idx="2">
+            <a:schemeClr val="accent1">
+              <a:shade val="50000"/>
+            </a:schemeClr>
+          </a:lnRef>
+          <a:fillRef idx="1">
+            <a:schemeClr val="accent1"/>
+          </a:fillRef>
+          <a:effectRef idx="0">
+            <a:schemeClr val="accent1"/>
+          </a:effectRef>
+          <a:fontRef idx="minor">
+            <a:schemeClr val="lt1"/>
+          </a:fontRef>
+        </p:style>
+        <p:txBody>
+          <a:bodyPr rtlCol="0" anchor="ctr"/>
+          <a:lstStyle/>
+          <a:p>
+            <a:pPr algn="ctr"/>
+            <a:endParaRPr lang="ko-KR" altLang="en-US"/>
           </a:p>
         </p:txBody>
       </p:sp>
@@ -5023,6 +6451,112 @@
   <p:clrMapOvr>
     <a:masterClrMapping/>
   </p:clrMapOvr>
+  <p:timing>
+    <p:tnLst>
+      <p:par>
+        <p:cTn id="1" dur="indefinite" restart="never" nodeType="tmRoot">
+          <p:childTnLst>
+            <p:seq concurrent="1" nextAc="seek">
+              <p:cTn id="2" dur="indefinite" nodeType="mainSeq">
+                <p:childTnLst>
+                  <p:par>
+                    <p:cTn id="3" fill="hold">
+                      <p:stCondLst>
+                        <p:cond delay="indefinite"/>
+                      </p:stCondLst>
+                      <p:childTnLst>
+                        <p:par>
+                          <p:cTn id="4" fill="hold">
+                            <p:stCondLst>
+                              <p:cond delay="0"/>
+                            </p:stCondLst>
+                            <p:childTnLst>
+                              <p:par>
+                                <p:cTn id="5" presetID="1" presetClass="entr" presetSubtype="0" fill="hold" grpId="0" nodeType="clickEffect">
+                                  <p:stCondLst>
+                                    <p:cond delay="0"/>
+                                  </p:stCondLst>
+                                  <p:childTnLst>
+                                    <p:set>
+                                      <p:cBhvr>
+                                        <p:cTn id="6" dur="1" fill="hold">
+                                          <p:stCondLst>
+                                            <p:cond delay="0"/>
+                                          </p:stCondLst>
+                                        </p:cTn>
+                                        <p:tgtEl>
+                                          <p:spTgt spid="4"/>
+                                        </p:tgtEl>
+                                        <p:attrNameLst>
+                                          <p:attrName>style.visibility</p:attrName>
+                                        </p:attrNameLst>
+                                      </p:cBhvr>
+                                      <p:to>
+                                        <p:strVal val="visible"/>
+                                      </p:to>
+                                    </p:set>
+                                  </p:childTnLst>
+                                </p:cTn>
+                              </p:par>
+                              <p:par>
+                                <p:cTn id="7" presetID="1" presetClass="entr" presetSubtype="0" fill="hold" grpId="0" nodeType="withEffect">
+                                  <p:stCondLst>
+                                    <p:cond delay="0"/>
+                                  </p:stCondLst>
+                                  <p:childTnLst>
+                                    <p:set>
+                                      <p:cBhvr>
+                                        <p:cTn id="8" dur="1" fill="hold">
+                                          <p:stCondLst>
+                                            <p:cond delay="0"/>
+                                          </p:stCondLst>
+                                        </p:cTn>
+                                        <p:tgtEl>
+                                          <p:spTgt spid="9"/>
+                                        </p:tgtEl>
+                                        <p:attrNameLst>
+                                          <p:attrName>style.visibility</p:attrName>
+                                        </p:attrNameLst>
+                                      </p:cBhvr>
+                                      <p:to>
+                                        <p:strVal val="visible"/>
+                                      </p:to>
+                                    </p:set>
+                                  </p:childTnLst>
+                                </p:cTn>
+                              </p:par>
+                            </p:childTnLst>
+                          </p:cTn>
+                        </p:par>
+                      </p:childTnLst>
+                    </p:cTn>
+                  </p:par>
+                </p:childTnLst>
+              </p:cTn>
+              <p:prevCondLst>
+                <p:cond evt="onPrev" delay="0">
+                  <p:tgtEl>
+                    <p:sldTgt/>
+                  </p:tgtEl>
+                </p:cond>
+              </p:prevCondLst>
+              <p:nextCondLst>
+                <p:cond evt="onNext" delay="0">
+                  <p:tgtEl>
+                    <p:sldTgt/>
+                  </p:tgtEl>
+                </p:cond>
+              </p:nextCondLst>
+            </p:seq>
+          </p:childTnLst>
+        </p:cTn>
+      </p:par>
+    </p:tnLst>
+    <p:bldLst>
+      <p:bldP spid="9" grpId="0"/>
+      <p:bldP spid="4" grpId="0" animBg="1"/>
+    </p:bldLst>
+  </p:timing>
 </p:sld>
 </file>
 
@@ -5915,6 +7449,176 @@
   <p:clrMapOvr>
     <a:masterClrMapping/>
   </p:clrMapOvr>
+  <p:timing>
+    <p:tnLst>
+      <p:par>
+        <p:cTn id="1" dur="indefinite" restart="never" nodeType="tmRoot">
+          <p:childTnLst>
+            <p:seq concurrent="1" nextAc="seek">
+              <p:cTn id="2" dur="indefinite" nodeType="mainSeq">
+                <p:childTnLst>
+                  <p:par>
+                    <p:cTn id="3" fill="hold">
+                      <p:stCondLst>
+                        <p:cond delay="indefinite"/>
+                      </p:stCondLst>
+                      <p:childTnLst>
+                        <p:par>
+                          <p:cTn id="4" fill="hold">
+                            <p:stCondLst>
+                              <p:cond delay="0"/>
+                            </p:stCondLst>
+                            <p:childTnLst>
+                              <p:par>
+                                <p:cTn id="5" presetID="1" presetClass="entr" presetSubtype="0" fill="hold" grpId="0" nodeType="clickEffect">
+                                  <p:stCondLst>
+                                    <p:cond delay="0"/>
+                                  </p:stCondLst>
+                                  <p:childTnLst>
+                                    <p:set>
+                                      <p:cBhvr>
+                                        <p:cTn id="6" dur="1" fill="hold">
+                                          <p:stCondLst>
+                                            <p:cond delay="0"/>
+                                          </p:stCondLst>
+                                        </p:cTn>
+                                        <p:tgtEl>
+                                          <p:spTgt spid="27"/>
+                                        </p:tgtEl>
+                                        <p:attrNameLst>
+                                          <p:attrName>style.visibility</p:attrName>
+                                        </p:attrNameLst>
+                                      </p:cBhvr>
+                                      <p:to>
+                                        <p:strVal val="visible"/>
+                                      </p:to>
+                                    </p:set>
+                                  </p:childTnLst>
+                                </p:cTn>
+                              </p:par>
+                            </p:childTnLst>
+                          </p:cTn>
+                        </p:par>
+                      </p:childTnLst>
+                    </p:cTn>
+                  </p:par>
+                  <p:par>
+                    <p:cTn id="7" fill="hold">
+                      <p:stCondLst>
+                        <p:cond delay="indefinite"/>
+                      </p:stCondLst>
+                      <p:childTnLst>
+                        <p:par>
+                          <p:cTn id="8" fill="hold">
+                            <p:stCondLst>
+                              <p:cond delay="0"/>
+                            </p:stCondLst>
+                            <p:childTnLst>
+                              <p:par>
+                                <p:cTn id="9" presetID="1" presetClass="entr" presetSubtype="0" fill="hold" grpId="0" nodeType="clickEffect">
+                                  <p:stCondLst>
+                                    <p:cond delay="0"/>
+                                  </p:stCondLst>
+                                  <p:childTnLst>
+                                    <p:set>
+                                      <p:cBhvr>
+                                        <p:cTn id="10" dur="1" fill="hold">
+                                          <p:stCondLst>
+                                            <p:cond delay="0"/>
+                                          </p:stCondLst>
+                                        </p:cTn>
+                                        <p:tgtEl>
+                                          <p:spTgt spid="29"/>
+                                        </p:tgtEl>
+                                        <p:attrNameLst>
+                                          <p:attrName>style.visibility</p:attrName>
+                                        </p:attrNameLst>
+                                      </p:cBhvr>
+                                      <p:to>
+                                        <p:strVal val="visible"/>
+                                      </p:to>
+                                    </p:set>
+                                  </p:childTnLst>
+                                </p:cTn>
+                              </p:par>
+                            </p:childTnLst>
+                          </p:cTn>
+                        </p:par>
+                      </p:childTnLst>
+                    </p:cTn>
+                  </p:par>
+                  <p:par>
+                    <p:cTn id="11" fill="hold">
+                      <p:stCondLst>
+                        <p:cond delay="indefinite"/>
+                      </p:stCondLst>
+                      <p:childTnLst>
+                        <p:par>
+                          <p:cTn id="12" fill="hold">
+                            <p:stCondLst>
+                              <p:cond delay="0"/>
+                            </p:stCondLst>
+                            <p:childTnLst>
+                              <p:par>
+                                <p:cTn id="13" presetID="1" presetClass="entr" presetSubtype="0" fill="hold" grpId="0" nodeType="clickEffect">
+                                  <p:stCondLst>
+                                    <p:cond delay="0"/>
+                                  </p:stCondLst>
+                                  <p:childTnLst>
+                                    <p:set>
+                                      <p:cBhvr>
+                                        <p:cTn id="14" dur="1" fill="hold">
+                                          <p:stCondLst>
+                                            <p:cond delay="0"/>
+                                          </p:stCondLst>
+                                        </p:cTn>
+                                        <p:tgtEl>
+                                          <p:spTgt spid="31"/>
+                                        </p:tgtEl>
+                                        <p:attrNameLst>
+                                          <p:attrName>style.visibility</p:attrName>
+                                        </p:attrNameLst>
+                                      </p:cBhvr>
+                                      <p:to>
+                                        <p:strVal val="visible"/>
+                                      </p:to>
+                                    </p:set>
+                                  </p:childTnLst>
+                                </p:cTn>
+                              </p:par>
+                            </p:childTnLst>
+                          </p:cTn>
+                        </p:par>
+                      </p:childTnLst>
+                    </p:cTn>
+                  </p:par>
+                </p:childTnLst>
+              </p:cTn>
+              <p:prevCondLst>
+                <p:cond evt="onPrev" delay="0">
+                  <p:tgtEl>
+                    <p:sldTgt/>
+                  </p:tgtEl>
+                </p:cond>
+              </p:prevCondLst>
+              <p:nextCondLst>
+                <p:cond evt="onNext" delay="0">
+                  <p:tgtEl>
+                    <p:sldTgt/>
+                  </p:tgtEl>
+                </p:cond>
+              </p:nextCondLst>
+            </p:seq>
+          </p:childTnLst>
+        </p:cTn>
+      </p:par>
+    </p:tnLst>
+    <p:bldLst>
+      <p:bldP spid="27" grpId="0" animBg="1"/>
+      <p:bldP spid="29" grpId="0" animBg="1"/>
+      <p:bldP spid="31" grpId="0" animBg="1"/>
+    </p:bldLst>
+  </p:timing>
 </p:sld>
 </file>
 
@@ -6101,7 +7805,7 @@
         <p:spPr>
           <a:xfrm>
             <a:off x="376213" y="1673889"/>
-            <a:ext cx="2885885" cy="4884029"/>
+            <a:ext cx="2885885" cy="3522118"/>
           </a:xfrm>
           <a:prstGeom prst="rect">
             <a:avLst/>
@@ -6234,53 +7938,14 @@
                 </a:solidFill>
                 <a:cs typeface="Aharoni" panose="02010803020104030203" pitchFamily="2" charset="-79"/>
               </a:rPr>
-              <a:t>테이블의 모든 컬럼이 </a:t>
-            </a:r>
-            <a:r>
-              <a:rPr lang="ko-KR" altLang="en-US" sz="1300" b="1" dirty="0">
-                <a:solidFill>
-                  <a:schemeClr val="bg1"/>
-                </a:solidFill>
-                <a:cs typeface="Aharoni" panose="02010803020104030203" pitchFamily="2" charset="-79"/>
-              </a:rPr>
-              <a:t>완전 함수적 종속을 만족</a:t>
-            </a:r>
-            <a:r>
-              <a:rPr lang="ko-KR" altLang="en-US" sz="1300" dirty="0">
-                <a:solidFill>
-                  <a:schemeClr val="bg1"/>
-                </a:solidFill>
-                <a:cs typeface="Aharoni" panose="02010803020104030203" pitchFamily="2" charset="-79"/>
-              </a:rPr>
-              <a:t>하여야 한다</a:t>
-            </a:r>
-            <a:r>
-              <a:rPr lang="en-US" altLang="ko-KR" sz="1300" dirty="0">
-                <a:solidFill>
-                  <a:schemeClr val="bg1"/>
-                </a:solidFill>
-                <a:cs typeface="Aharoni" panose="02010803020104030203" pitchFamily="2" charset="-79"/>
-              </a:rPr>
-              <a:t>(</a:t>
-            </a:r>
-            <a:r>
-              <a:rPr lang="ko-KR" altLang="en-US" sz="1300" dirty="0">
-                <a:solidFill>
-                  <a:schemeClr val="bg1"/>
-                </a:solidFill>
-                <a:cs typeface="Aharoni" panose="02010803020104030203" pitchFamily="2" charset="-79"/>
-              </a:rPr>
               <a:t>부분 함수적 종속이 모두 제거되었다</a:t>
             </a:r>
-            <a:r>
-              <a:rPr lang="en-US" altLang="ko-KR" sz="1300" dirty="0">
-                <a:solidFill>
-                  <a:schemeClr val="bg1"/>
-                </a:solidFill>
-                <a:cs typeface="Aharoni" panose="02010803020104030203" pitchFamily="2" charset="-79"/>
-              </a:rPr>
-              <a:t>)</a:t>
-            </a:r>
+            <a:endParaRPr lang="en-US" altLang="ko-KR" sz="1300" dirty="0">
+              <a:solidFill>
+                <a:schemeClr val="bg1"/>
+              </a:solidFill>
+              <a:cs typeface="Aharoni" panose="02010803020104030203" pitchFamily="2" charset="-79"/>
+            </a:endParaRPr>
           </a:p>
           <a:p>
             <a:pPr>
@@ -6302,101 +7967,6 @@
               </a:lnSpc>
             </a:pPr>
             <a:endParaRPr lang="en-US" altLang="ko-KR" sz="1300" dirty="0">
-              <a:solidFill>
-                <a:schemeClr val="bg1"/>
-              </a:solidFill>
-              <a:cs typeface="Aharoni" panose="02010803020104030203" pitchFamily="2" charset="-79"/>
-            </a:endParaRPr>
-          </a:p>
-          <a:p>
-            <a:pPr>
-              <a:lnSpc>
-                <a:spcPct val="150000"/>
-              </a:lnSpc>
-            </a:pPr>
-            <a:r>
-              <a:rPr lang="en-US" altLang="ko-KR" sz="1100" dirty="0">
-                <a:solidFill>
-                  <a:schemeClr val="bg1"/>
-                </a:solidFill>
-                <a:cs typeface="Aharoni" panose="02010803020104030203" pitchFamily="2" charset="-79"/>
-              </a:rPr>
-              <a:t>X</a:t>
-            </a:r>
-            <a:r>
-              <a:rPr lang="ko-KR" altLang="en-US" sz="1100" dirty="0">
-                <a:solidFill>
-                  <a:schemeClr val="bg1"/>
-                </a:solidFill>
-                <a:cs typeface="Aharoni" panose="02010803020104030203" pitchFamily="2" charset="-79"/>
-              </a:rPr>
-              <a:t>의 값에 따라 </a:t>
-            </a:r>
-            <a:r>
-              <a:rPr lang="en-US" altLang="ko-KR" sz="1100" dirty="0">
-                <a:solidFill>
-                  <a:schemeClr val="bg1"/>
-                </a:solidFill>
-                <a:cs typeface="Aharoni" panose="02010803020104030203" pitchFamily="2" charset="-79"/>
-              </a:rPr>
-              <a:t>Y</a:t>
-            </a:r>
-            <a:r>
-              <a:rPr lang="ko-KR" altLang="en-US" sz="1100" dirty="0">
-                <a:solidFill>
-                  <a:schemeClr val="bg1"/>
-                </a:solidFill>
-                <a:cs typeface="Aharoni" panose="02010803020104030203" pitchFamily="2" charset="-79"/>
-              </a:rPr>
-              <a:t>의 값이 결정될 때 </a:t>
-            </a:r>
-            <a:r>
-              <a:rPr lang="en-US" altLang="ko-KR" sz="1100" dirty="0">
-                <a:solidFill>
-                  <a:schemeClr val="bg1"/>
-                </a:solidFill>
-                <a:cs typeface="Aharoni" panose="02010803020104030203" pitchFamily="2" charset="-79"/>
-              </a:rPr>
-              <a:t>X -&gt; Y</a:t>
-            </a:r>
-            <a:r>
-              <a:rPr lang="ko-KR" altLang="en-US" sz="1100" dirty="0">
-                <a:solidFill>
-                  <a:schemeClr val="bg1"/>
-                </a:solidFill>
-                <a:cs typeface="Aharoni" panose="02010803020104030203" pitchFamily="2" charset="-79"/>
-              </a:rPr>
-              <a:t>로 표현하는데 이를 </a:t>
-            </a:r>
-            <a:r>
-              <a:rPr lang="ko-KR" altLang="en-US" sz="1100" b="1" dirty="0">
-                <a:cs typeface="Aharoni" panose="02010803020104030203" pitchFamily="2" charset="-79"/>
-              </a:rPr>
-              <a:t>함수적 종속</a:t>
-            </a:r>
-            <a:r>
-              <a:rPr lang="ko-KR" altLang="en-US" sz="1100" dirty="0">
-                <a:solidFill>
-                  <a:schemeClr val="bg1"/>
-                </a:solidFill>
-                <a:cs typeface="Aharoni" panose="02010803020104030203" pitchFamily="2" charset="-79"/>
-              </a:rPr>
-              <a:t>이라 한다</a:t>
-            </a:r>
-            <a:endParaRPr lang="en-US" altLang="ko-KR" sz="1100" dirty="0">
-              <a:solidFill>
-                <a:schemeClr val="bg1"/>
-              </a:solidFill>
-              <a:cs typeface="Aharoni" panose="02010803020104030203" pitchFamily="2" charset="-79"/>
-            </a:endParaRPr>
-          </a:p>
-          <a:p>
-            <a:pPr>
-              <a:lnSpc>
-                <a:spcPct val="150000"/>
-              </a:lnSpc>
-            </a:pPr>
-            <a:endParaRPr lang="en-US" altLang="ko-KR" sz="1100" dirty="0">
               <a:solidFill>
                 <a:schemeClr val="bg1"/>
               </a:solidFill>
@@ -6928,6 +8498,42 @@
           </a:p>
         </p:txBody>
       </p:sp>
+      <p:pic>
+        <p:nvPicPr>
+          <p:cNvPr id="5" name="그림 4">
+            <a:extLst>
+              <a:ext uri="{FF2B5EF4-FFF2-40B4-BE49-F238E27FC236}">
+                <a16:creationId xmlns:a16="http://schemas.microsoft.com/office/drawing/2014/main" id="{AD648F72-1B59-4759-9297-E08846D1DC1F}"/>
+              </a:ext>
+            </a:extLst>
+          </p:cNvPr>
+          <p:cNvPicPr>
+            <a:picLocks noChangeAspect="1"/>
+          </p:cNvPicPr>
+          <p:nvPr/>
+        </p:nvPicPr>
+        <p:blipFill>
+          <a:blip r:embed="rId5">
+            <a:extLst>
+              <a:ext uri="{28A0092B-C50C-407E-A947-70E740481C1C}">
+                <a14:useLocalDpi xmlns:a14="http://schemas.microsoft.com/office/drawing/2010/main" val="0"/>
+              </a:ext>
+            </a:extLst>
+          </a:blip>
+          <a:stretch>
+            <a:fillRect/>
+          </a:stretch>
+        </p:blipFill>
+        <p:spPr>
+          <a:xfrm>
+            <a:off x="239897" y="5407043"/>
+            <a:ext cx="3191166" cy="1248378"/>
+          </a:xfrm>
+          <a:prstGeom prst="rect">
+            <a:avLst/>
+          </a:prstGeom>
+        </p:spPr>
+      </p:pic>
     </p:spTree>
     <p:extLst>
       <p:ext uri="{BB962C8B-B14F-4D97-AF65-F5344CB8AC3E}">
@@ -7649,13 +9255,19 @@
               </a:lnSpc>
             </a:pPr>
             <a:r>
+              <a:rPr lang="ko-KR" altLang="en-US" sz="1100" b="1" dirty="0">
+                <a:cs typeface="Aharoni" panose="02010803020104030203" pitchFamily="2" charset="-79"/>
+              </a:rPr>
+              <a:t>이행적 함수 종속성</a:t>
+            </a:r>
+            <a:r>
               <a:rPr lang="ko-KR" altLang="en-US" sz="1100" dirty="0">
                 <a:solidFill>
                   <a:schemeClr val="bg1"/>
                 </a:solidFill>
                 <a:cs typeface="Aharoni" panose="02010803020104030203" pitchFamily="2" charset="-79"/>
               </a:rPr>
-              <a:t>이행적 함수 종속성이란 기본 키 외의 컬럼 간에 종속성이 발생하는 것이다</a:t>
+              <a:t>이란 기본 키 외의 컬럼 간에 종속성이 발생하는 것이다</a:t>
             </a:r>
           </a:p>
         </p:txBody>
@@ -8061,6 +9673,41 @@
           </a:p>
         </p:txBody>
       </p:sp>
+      <p:pic>
+        <p:nvPicPr>
+          <p:cNvPr id="2" name="그림 1">
+            <a:extLst>
+              <a:ext uri="{FF2B5EF4-FFF2-40B4-BE49-F238E27FC236}">
+                <a16:creationId xmlns:a16="http://schemas.microsoft.com/office/drawing/2014/main" id="{E914FA8C-E895-499A-83EA-5D07AE423DAA}"/>
+              </a:ext>
+            </a:extLst>
+          </p:cNvPr>
+          <p:cNvPicPr>
+            <a:picLocks noChangeAspect="1"/>
+          </p:cNvPicPr>
+          <p:nvPr/>
+        </p:nvPicPr>
+        <p:blipFill>
+          <a:blip r:embed="rId4">
+            <a:extLst>
+              <a:ext uri="{28A0092B-C50C-407E-A947-70E740481C1C}">
+                <a14:useLocalDpi xmlns:a14="http://schemas.microsoft.com/office/drawing/2010/main" val="0"/>
+              </a:ext>
+            </a:extLst>
+          </a:blip>
+          <a:srcRect/>
+          <a:stretch/>
+        </p:blipFill>
+        <p:spPr>
+          <a:xfrm>
+            <a:off x="320199" y="5232805"/>
+            <a:ext cx="2994594" cy="1442212"/>
+          </a:xfrm>
+          <a:prstGeom prst="rect">
+            <a:avLst/>
+          </a:prstGeom>
+        </p:spPr>
+      </p:pic>
     </p:spTree>
     <p:extLst>
       <p:ext uri="{BB962C8B-B14F-4D97-AF65-F5344CB8AC3E}">
@@ -8610,7 +10257,7 @@
         <p:spPr>
           <a:xfrm>
             <a:off x="374554" y="2041063"/>
-            <a:ext cx="2885885" cy="2968120"/>
+            <a:ext cx="2885885" cy="4191532"/>
           </a:xfrm>
           <a:prstGeom prst="rect">
             <a:avLst/>
@@ -8637,7 +10284,7 @@
                 </a:solidFill>
                 <a:cs typeface="Aharoni" panose="02010803020104030203" pitchFamily="2" charset="-79"/>
               </a:rPr>
-              <a:t>테이블</a:t>
+              <a:t>모든 결정자가 후보키가 되도록 한다 </a:t>
             </a:r>
             <a:r>
               <a:rPr lang="en-US" altLang="ko-KR" sz="1300" dirty="0">
@@ -8646,7 +10293,7 @@
                 </a:solidFill>
                 <a:cs typeface="Aharoni" panose="02010803020104030203" pitchFamily="2" charset="-79"/>
               </a:rPr>
-              <a:t>(Relation)</a:t>
+              <a:t>(</a:t>
             </a:r>
             <a:r>
               <a:rPr lang="ko-KR" altLang="en-US" sz="1300" dirty="0">
@@ -8655,7 +10302,7 @@
                 </a:solidFill>
                 <a:cs typeface="Aharoni" panose="02010803020104030203" pitchFamily="2" charset="-79"/>
               </a:rPr>
-              <a:t>이 제 </a:t>
+              <a:t>다른 속성들을 결정하는 모든 속성들이 후보키 여야 한다</a:t>
             </a:r>
             <a:r>
               <a:rPr lang="en-US" altLang="ko-KR" sz="1300" dirty="0">
@@ -8664,23 +10311,8 @@
                 </a:solidFill>
                 <a:cs typeface="Aharoni" panose="02010803020104030203" pitchFamily="2" charset="-79"/>
               </a:rPr>
-              <a:t>2 </a:t>
-            </a:r>
-            <a:r>
-              <a:rPr lang="ko-KR" altLang="en-US" sz="1300" dirty="0">
-                <a:solidFill>
-                  <a:schemeClr val="bg1"/>
-                </a:solidFill>
-                <a:cs typeface="Aharoni" panose="02010803020104030203" pitchFamily="2" charset="-79"/>
-              </a:rPr>
-              <a:t>정규화 되었다</a:t>
-            </a:r>
-            <a:endParaRPr lang="en-US" altLang="ko-KR" sz="1300" dirty="0">
-              <a:solidFill>
-                <a:schemeClr val="bg1"/>
-              </a:solidFill>
-              <a:cs typeface="Aharoni" panose="02010803020104030203" pitchFamily="2" charset="-79"/>
-            </a:endParaRPr>
+              <a:t>)</a:t>
+            </a:r>
           </a:p>
           <a:p>
             <a:pPr marL="342900" indent="-342900">
@@ -8698,60 +10330,6 @@
             </a:endParaRPr>
           </a:p>
           <a:p>
-            <a:pPr marL="342900" indent="-342900">
-              <a:lnSpc>
-                <a:spcPct val="150000"/>
-              </a:lnSpc>
-              <a:buFont typeface="+mj-lt"/>
-              <a:buAutoNum type="arabicPeriod"/>
-            </a:pPr>
-            <a:r>
-              <a:rPr lang="ko-KR" altLang="en-US" sz="1300" dirty="0">
-                <a:solidFill>
-                  <a:schemeClr val="bg1"/>
-                </a:solidFill>
-                <a:cs typeface="Aharoni" panose="02010803020104030203" pitchFamily="2" charset="-79"/>
-              </a:rPr>
-              <a:t>이행적 함수 종속성이 제거되었다</a:t>
-            </a:r>
-            <a:endParaRPr lang="en-US" altLang="ko-KR" sz="1300" dirty="0">
-              <a:solidFill>
-                <a:schemeClr val="bg1"/>
-              </a:solidFill>
-              <a:cs typeface="Aharoni" panose="02010803020104030203" pitchFamily="2" charset="-79"/>
-            </a:endParaRPr>
-          </a:p>
-          <a:p>
-            <a:pPr marL="342900" indent="-342900">
-              <a:lnSpc>
-                <a:spcPct val="150000"/>
-              </a:lnSpc>
-              <a:buFont typeface="+mj-lt"/>
-              <a:buAutoNum type="arabicPeriod"/>
-            </a:pPr>
-            <a:endParaRPr lang="en-US" altLang="ko-KR" sz="1300" dirty="0">
-              <a:solidFill>
-                <a:schemeClr val="bg1"/>
-              </a:solidFill>
-              <a:cs typeface="Aharoni" panose="02010803020104030203" pitchFamily="2" charset="-79"/>
-            </a:endParaRPr>
-          </a:p>
-          <a:p>
-            <a:pPr marL="342900" indent="-342900">
-              <a:lnSpc>
-                <a:spcPct val="150000"/>
-              </a:lnSpc>
-              <a:buFont typeface="+mj-lt"/>
-              <a:buAutoNum type="arabicPeriod"/>
-            </a:pPr>
-            <a:endParaRPr lang="en-US" altLang="ko-KR" sz="1300" dirty="0">
-              <a:solidFill>
-                <a:schemeClr val="bg1"/>
-              </a:solidFill>
-              <a:cs typeface="Aharoni" panose="02010803020104030203" pitchFamily="2" charset="-79"/>
-            </a:endParaRPr>
-          </a:p>
-          <a:p>
             <a:pPr>
               <a:lnSpc>
                 <a:spcPct val="150000"/>
@@ -8770,6 +10348,19 @@
                 <a:spcPct val="150000"/>
               </a:lnSpc>
             </a:pPr>
+            <a:endParaRPr lang="en-US" altLang="ko-KR" sz="1300" dirty="0">
+              <a:solidFill>
+                <a:schemeClr val="bg1"/>
+              </a:solidFill>
+              <a:cs typeface="Aharoni" panose="02010803020104030203" pitchFamily="2" charset="-79"/>
+            </a:endParaRPr>
+          </a:p>
+          <a:p>
+            <a:pPr>
+              <a:lnSpc>
+                <a:spcPct val="150000"/>
+              </a:lnSpc>
+            </a:pPr>
             <a:r>
               <a:rPr lang="ko-KR" altLang="en-US" sz="1100" dirty="0">
                 <a:solidFill>
@@ -8777,7 +10368,135 @@
                 </a:solidFill>
                 <a:cs typeface="Aharoni" panose="02010803020104030203" pitchFamily="2" charset="-79"/>
               </a:rPr>
-              <a:t>이행적 함수 종속성이란 기본 키 외의 컬럼 간에 종속성이 발생하는 것이다</a:t>
+              <a:t>어떤 </a:t>
+            </a:r>
+            <a:r>
+              <a:rPr lang="en-US" altLang="ko-KR" sz="1100" dirty="0">
+                <a:solidFill>
+                  <a:schemeClr val="bg1"/>
+                </a:solidFill>
+                <a:cs typeface="Aharoni" panose="02010803020104030203" pitchFamily="2" charset="-79"/>
+              </a:rPr>
+              <a:t>X </a:t>
+            </a:r>
+            <a:r>
+              <a:rPr lang="ko-KR" altLang="en-US" sz="1100" dirty="0">
+                <a:solidFill>
+                  <a:schemeClr val="bg1"/>
+                </a:solidFill>
+                <a:cs typeface="Aharoni" panose="02010803020104030203" pitchFamily="2" charset="-79"/>
+              </a:rPr>
+              <a:t>속성이 정해지면 </a:t>
+            </a:r>
+            <a:r>
+              <a:rPr lang="en-US" altLang="ko-KR" sz="1100" dirty="0">
+                <a:solidFill>
+                  <a:schemeClr val="bg1"/>
+                </a:solidFill>
+                <a:cs typeface="Aharoni" panose="02010803020104030203" pitchFamily="2" charset="-79"/>
+              </a:rPr>
+              <a:t>Y</a:t>
+            </a:r>
+            <a:r>
+              <a:rPr lang="ko-KR" altLang="en-US" sz="1100" dirty="0">
+                <a:solidFill>
+                  <a:schemeClr val="bg1"/>
+                </a:solidFill>
+                <a:cs typeface="Aharoni" panose="02010803020104030203" pitchFamily="2" charset="-79"/>
+              </a:rPr>
+              <a:t>속성이 그에 따라 자동적으로 결정될 때 </a:t>
+            </a:r>
+            <a:r>
+              <a:rPr lang="en-US" altLang="ko-KR" sz="1100" dirty="0">
+                <a:solidFill>
+                  <a:schemeClr val="bg1"/>
+                </a:solidFill>
+                <a:cs typeface="Aharoni" panose="02010803020104030203" pitchFamily="2" charset="-79"/>
+              </a:rPr>
+              <a:t>X</a:t>
+            </a:r>
+            <a:r>
+              <a:rPr lang="ko-KR" altLang="en-US" sz="1100" dirty="0">
+                <a:solidFill>
+                  <a:schemeClr val="bg1"/>
+                </a:solidFill>
+                <a:cs typeface="Aharoni" panose="02010803020104030203" pitchFamily="2" charset="-79"/>
+              </a:rPr>
+              <a:t>를 </a:t>
+            </a:r>
+            <a:r>
+              <a:rPr lang="ko-KR" altLang="en-US" sz="1100" b="1" dirty="0">
+                <a:cs typeface="Aharoni" panose="02010803020104030203" pitchFamily="2" charset="-79"/>
+              </a:rPr>
+              <a:t>결정자</a:t>
+            </a:r>
+            <a:r>
+              <a:rPr lang="ko-KR" altLang="en-US" sz="1100" dirty="0">
+                <a:solidFill>
+                  <a:schemeClr val="bg1"/>
+                </a:solidFill>
+                <a:cs typeface="Aharoni" panose="02010803020104030203" pitchFamily="2" charset="-79"/>
+              </a:rPr>
+              <a:t>라고 한다</a:t>
+            </a:r>
+            <a:endParaRPr lang="en-US" altLang="ko-KR" sz="1100" dirty="0">
+              <a:solidFill>
+                <a:schemeClr val="bg1"/>
+              </a:solidFill>
+              <a:cs typeface="Aharoni" panose="02010803020104030203" pitchFamily="2" charset="-79"/>
+            </a:endParaRPr>
+          </a:p>
+          <a:p>
+            <a:pPr>
+              <a:lnSpc>
+                <a:spcPct val="150000"/>
+              </a:lnSpc>
+            </a:pPr>
+            <a:endParaRPr lang="en-US" altLang="ko-KR" sz="1100" dirty="0">
+              <a:solidFill>
+                <a:schemeClr val="bg1"/>
+              </a:solidFill>
+              <a:cs typeface="Aharoni" panose="02010803020104030203" pitchFamily="2" charset="-79"/>
+            </a:endParaRPr>
+          </a:p>
+          <a:p>
+            <a:pPr>
+              <a:lnSpc>
+                <a:spcPct val="150000"/>
+              </a:lnSpc>
+            </a:pPr>
+            <a:r>
+              <a:rPr lang="ko-KR" altLang="en-US" sz="1100" dirty="0">
+                <a:solidFill>
+                  <a:schemeClr val="bg1"/>
+                </a:solidFill>
+                <a:cs typeface="Aharoni" panose="02010803020104030203" pitchFamily="2" charset="-79"/>
+              </a:rPr>
+              <a:t>테이블에서 각 행을 유일하게 식별할 수 있는 최소한의 속성들의 집합니다</a:t>
+            </a:r>
+            <a:r>
+              <a:rPr lang="en-US" altLang="ko-KR" sz="1100" dirty="0">
+                <a:solidFill>
+                  <a:schemeClr val="bg1"/>
+                </a:solidFill>
+                <a:cs typeface="Aharoni" panose="02010803020104030203" pitchFamily="2" charset="-79"/>
+              </a:rPr>
+              <a:t>. </a:t>
+            </a:r>
+            <a:r>
+              <a:rPr lang="ko-KR" altLang="en-US" sz="1100" b="1" dirty="0">
+                <a:cs typeface="Aharoni" panose="02010803020104030203" pitchFamily="2" charset="-79"/>
+              </a:rPr>
+              <a:t>후보키</a:t>
+            </a:r>
+            <a:r>
+              <a:rPr lang="ko-KR" altLang="en-US" sz="1100" dirty="0">
+                <a:solidFill>
+                  <a:schemeClr val="bg1"/>
+                </a:solidFill>
+                <a:cs typeface="Aharoni" panose="02010803020104030203" pitchFamily="2" charset="-79"/>
+              </a:rPr>
+              <a:t>는 기본키가 될 수 있는 후보들이며 유일성과 최소성을 동시에 만족해야 한다</a:t>
             </a:r>
           </a:p>
         </p:txBody>
@@ -8861,8 +10580,8 @@
         </p:blipFill>
         <p:spPr>
           <a:xfrm>
-            <a:off x="4533679" y="4050600"/>
-            <a:ext cx="6916115" cy="2289472"/>
+            <a:off x="4275061" y="4427493"/>
+            <a:ext cx="7370288" cy="1586320"/>
           </a:xfrm>
           <a:prstGeom prst="rect">
             <a:avLst/>
@@ -8919,16 +10638,16 @@
           <a:lstStyle/>
           <a:p>
             <a:pPr algn="ctr"/>
-            <a:endParaRPr lang="ko-KR" altLang="en-US"/>
+            <a:endParaRPr lang="ko-KR" altLang="en-US" dirty="0"/>
           </a:p>
         </p:txBody>
       </p:sp>
       <p:pic>
         <p:nvPicPr>
-          <p:cNvPr id="4" name="그림 3">
-            <a:extLst>
-              <a:ext uri="{FF2B5EF4-FFF2-40B4-BE49-F238E27FC236}">
-                <a16:creationId xmlns:a16="http://schemas.microsoft.com/office/drawing/2014/main" id="{DB511FC4-48B7-4279-AE42-45002BE56D21}"/>
+          <p:cNvPr id="5" name="그림 4">
+            <a:extLst>
+              <a:ext uri="{FF2B5EF4-FFF2-40B4-BE49-F238E27FC236}">
+                <a16:creationId xmlns:a16="http://schemas.microsoft.com/office/drawing/2014/main" id="{6A678983-3357-44E1-A3FD-2C4C3FE7FC10}"/>
               </a:ext>
             </a:extLst>
           </p:cNvPr>
@@ -8945,14 +10664,13 @@
               </a:ext>
             </a:extLst>
           </a:blip>
-          <a:stretch>
-            <a:fillRect/>
-          </a:stretch>
+          <a:srcRect/>
+          <a:stretch/>
         </p:blipFill>
         <p:spPr>
           <a:xfrm>
-            <a:off x="4524152" y="704464"/>
-            <a:ext cx="6925642" cy="2400635"/>
+            <a:off x="4020364" y="946389"/>
+            <a:ext cx="7942744" cy="1851422"/>
           </a:xfrm>
           <a:prstGeom prst="rect">
             <a:avLst/>
@@ -8961,10 +10679,61 @@
       </p:pic>
       <p:sp>
         <p:nvSpPr>
-          <p:cNvPr id="20" name="직사각형 19">
-            <a:extLst>
-              <a:ext uri="{FF2B5EF4-FFF2-40B4-BE49-F238E27FC236}">
-                <a16:creationId xmlns:a16="http://schemas.microsoft.com/office/drawing/2014/main" id="{5AEBF219-0CB0-4AD5-BF36-D358F292DFC5}"/>
+          <p:cNvPr id="7" name="TextBox 6">
+            <a:extLst>
+              <a:ext uri="{FF2B5EF4-FFF2-40B4-BE49-F238E27FC236}">
+                <a16:creationId xmlns:a16="http://schemas.microsoft.com/office/drawing/2014/main" id="{F2BBA35A-A2CF-414B-BA50-E982B2487DB7}"/>
+              </a:ext>
+            </a:extLst>
+          </p:cNvPr>
+          <p:cNvSpPr txBox="1"/>
+          <p:nvPr/>
+        </p:nvSpPr>
+        <p:spPr>
+          <a:xfrm>
+            <a:off x="5961042" y="2749886"/>
+            <a:ext cx="4057601" cy="323165"/>
+          </a:xfrm>
+          <a:prstGeom prst="rect">
+            <a:avLst/>
+          </a:prstGeom>
+          <a:noFill/>
+        </p:spPr>
+        <p:txBody>
+          <a:bodyPr wrap="square" rtlCol="0">
+            <a:spAutoFit/>
+          </a:bodyPr>
+          <a:lstStyle/>
+          <a:p>
+            <a:r>
+              <a:rPr lang="en-US" altLang="ko-KR" sz="1500" dirty="0">
+                <a:solidFill>
+                  <a:srgbClr val="FF0000"/>
+                </a:solidFill>
+              </a:rPr>
+              <a:t>* </a:t>
+            </a:r>
+            <a:r>
+              <a:rPr lang="ko-KR" altLang="en-US" sz="1500" dirty="0">
+                <a:solidFill>
+                  <a:srgbClr val="FF0000"/>
+                </a:solidFill>
+              </a:rPr>
+              <a:t>교수가 한 과목만을 강의할 수 있다고 가정</a:t>
+            </a:r>
+            <a:r>
+              <a:rPr lang="ko-KR" altLang="en-US" sz="1500" dirty="0"/>
+              <a:t> </a:t>
+            </a:r>
+          </a:p>
+        </p:txBody>
+      </p:sp>
+      <p:sp>
+        <p:nvSpPr>
+          <p:cNvPr id="18" name="직사각형 17">
+            <a:extLst>
+              <a:ext uri="{FF2B5EF4-FFF2-40B4-BE49-F238E27FC236}">
+                <a16:creationId xmlns:a16="http://schemas.microsoft.com/office/drawing/2014/main" id="{B4FCA295-BDAD-4E1D-AD9E-66E1D75F278F}"/>
               </a:ext>
             </a:extLst>
           </p:cNvPr>
@@ -8973,8 +10742,8 @@
         </p:nvSpPr>
         <p:spPr>
           <a:xfrm>
-            <a:off x="4629570" y="811078"/>
-            <a:ext cx="2762542" cy="2179950"/>
+            <a:off x="4194313" y="1123122"/>
+            <a:ext cx="3796747" cy="1500808"/>
           </a:xfrm>
           <a:prstGeom prst="rect">
             <a:avLst/>
@@ -9017,10 +10786,10 @@
       </p:sp>
       <p:sp>
         <p:nvSpPr>
-          <p:cNvPr id="24" name="직사각형 23">
-            <a:extLst>
-              <a:ext uri="{FF2B5EF4-FFF2-40B4-BE49-F238E27FC236}">
-                <a16:creationId xmlns:a16="http://schemas.microsoft.com/office/drawing/2014/main" id="{A0E10750-FD4C-4E49-B5F3-3025C2E1EC55}"/>
+          <p:cNvPr id="19" name="직사각형 18">
+            <a:extLst>
+              <a:ext uri="{FF2B5EF4-FFF2-40B4-BE49-F238E27FC236}">
+                <a16:creationId xmlns:a16="http://schemas.microsoft.com/office/drawing/2014/main" id="{748673C0-E586-4676-A997-D1EA3B144547}"/>
               </a:ext>
             </a:extLst>
           </p:cNvPr>
@@ -9029,64 +10798,8 @@
         </p:nvSpPr>
         <p:spPr>
           <a:xfrm>
-            <a:off x="7392112" y="811078"/>
-            <a:ext cx="1657884" cy="2179950"/>
-          </a:xfrm>
-          <a:prstGeom prst="rect">
-            <a:avLst/>
-          </a:prstGeom>
-          <a:solidFill>
-            <a:srgbClr val="FF0000">
-              <a:alpha val="10000"/>
-            </a:srgbClr>
-          </a:solidFill>
-          <a:ln w="19050">
-            <a:solidFill>
-              <a:srgbClr val="FF0000"/>
-            </a:solidFill>
-          </a:ln>
-        </p:spPr>
-        <p:style>
-          <a:lnRef idx="2">
-            <a:schemeClr val="accent1">
-              <a:shade val="50000"/>
-            </a:schemeClr>
-          </a:lnRef>
-          <a:fillRef idx="1">
-            <a:schemeClr val="accent1"/>
-          </a:fillRef>
-          <a:effectRef idx="0">
-            <a:schemeClr val="accent1"/>
-          </a:effectRef>
-          <a:fontRef idx="minor">
-            <a:schemeClr val="lt1"/>
-          </a:fontRef>
-        </p:style>
-        <p:txBody>
-          <a:bodyPr rtlCol="0" anchor="ctr"/>
-          <a:lstStyle/>
-          <a:p>
-            <a:pPr algn="ctr"/>
-            <a:endParaRPr lang="ko-KR" altLang="en-US"/>
-          </a:p>
-        </p:txBody>
-      </p:sp>
-      <p:sp>
-        <p:nvSpPr>
-          <p:cNvPr id="28" name="직사각형 27">
-            <a:extLst>
-              <a:ext uri="{FF2B5EF4-FFF2-40B4-BE49-F238E27FC236}">
-                <a16:creationId xmlns:a16="http://schemas.microsoft.com/office/drawing/2014/main" id="{AF40A53B-B323-4FC7-8A27-88EBDD82CFFE}"/>
-              </a:ext>
-            </a:extLst>
-          </p:cNvPr>
-          <p:cNvSpPr/>
-          <p:nvPr/>
-        </p:nvSpPr>
-        <p:spPr>
-          <a:xfrm>
-            <a:off x="9049995" y="811078"/>
-            <a:ext cx="2307365" cy="2179950"/>
+            <a:off x="7987138" y="1142636"/>
+            <a:ext cx="1882420" cy="1481294"/>
           </a:xfrm>
           <a:prstGeom prst="rect">
             <a:avLst/>
@@ -9129,10 +10842,10 @@
       </p:sp>
       <p:sp>
         <p:nvSpPr>
-          <p:cNvPr id="30" name="직사각형 29">
-            <a:extLst>
-              <a:ext uri="{FF2B5EF4-FFF2-40B4-BE49-F238E27FC236}">
-                <a16:creationId xmlns:a16="http://schemas.microsoft.com/office/drawing/2014/main" id="{B37EAC43-5255-433E-8AB6-E9D257681F90}"/>
+          <p:cNvPr id="22" name="직사각형 21">
+            <a:extLst>
+              <a:ext uri="{FF2B5EF4-FFF2-40B4-BE49-F238E27FC236}">
+                <a16:creationId xmlns:a16="http://schemas.microsoft.com/office/drawing/2014/main" id="{371BD285-E6A9-42E8-8580-D6C80AF93F5E}"/>
               </a:ext>
             </a:extLst>
           </p:cNvPr>
@@ -9141,8 +10854,8 @@
         </p:nvSpPr>
         <p:spPr>
           <a:xfrm>
-            <a:off x="7392112" y="811078"/>
-            <a:ext cx="1657883" cy="2179950"/>
+            <a:off x="6077785" y="1142636"/>
+            <a:ext cx="1882420" cy="1481294"/>
           </a:xfrm>
           <a:prstGeom prst="rect">
             <a:avLst/>
@@ -9180,6 +10893,77 @@
           <a:p>
             <a:pPr algn="ctr"/>
             <a:endParaRPr lang="ko-KR" altLang="en-US"/>
+          </a:p>
+        </p:txBody>
+      </p:sp>
+      <p:sp>
+        <p:nvSpPr>
+          <p:cNvPr id="25" name="TextBox 24">
+            <a:extLst>
+              <a:ext uri="{FF2B5EF4-FFF2-40B4-BE49-F238E27FC236}">
+                <a16:creationId xmlns:a16="http://schemas.microsoft.com/office/drawing/2014/main" id="{4E42C370-665E-4C12-8901-CFC76130A633}"/>
+              </a:ext>
+            </a:extLst>
+          </p:cNvPr>
+          <p:cNvSpPr txBox="1"/>
+          <p:nvPr/>
+        </p:nvSpPr>
+        <p:spPr>
+          <a:xfrm>
+            <a:off x="5135523" y="716998"/>
+            <a:ext cx="1883472" cy="323165"/>
+          </a:xfrm>
+          <a:prstGeom prst="rect">
+            <a:avLst/>
+          </a:prstGeom>
+          <a:noFill/>
+        </p:spPr>
+        <p:txBody>
+          <a:bodyPr wrap="square" rtlCol="0">
+            <a:spAutoFit/>
+          </a:bodyPr>
+          <a:lstStyle/>
+          <a:p>
+            <a:r>
+              <a:rPr lang="ko-KR" altLang="en-US" sz="1500" b="1" dirty="0"/>
+              <a:t>기본키 이며 후보키</a:t>
+            </a:r>
+          </a:p>
+        </p:txBody>
+      </p:sp>
+      <p:sp>
+        <p:nvSpPr>
+          <p:cNvPr id="26" name="TextBox 25">
+            <a:extLst>
+              <a:ext uri="{FF2B5EF4-FFF2-40B4-BE49-F238E27FC236}">
+                <a16:creationId xmlns:a16="http://schemas.microsoft.com/office/drawing/2014/main" id="{A8C7FF4A-F8EF-4CD4-9A39-3644A778C2A8}"/>
+              </a:ext>
+            </a:extLst>
+          </p:cNvPr>
+          <p:cNvSpPr txBox="1"/>
+          <p:nvPr/>
+        </p:nvSpPr>
+        <p:spPr>
+          <a:xfrm>
+            <a:off x="7960205" y="721347"/>
+            <a:ext cx="1883472" cy="323165"/>
+          </a:xfrm>
+          <a:prstGeom prst="rect">
+            <a:avLst/>
+          </a:prstGeom>
+          <a:noFill/>
+        </p:spPr>
+        <p:txBody>
+          <a:bodyPr wrap="square" rtlCol="0">
+            <a:spAutoFit/>
+          </a:bodyPr>
+          <a:lstStyle/>
+          <a:p>
+            <a:pPr algn="ctr"/>
+            <a:r>
+              <a:rPr lang="ko-KR" altLang="en-US" sz="1500" b="1" dirty="0"/>
+              <a:t>결정자</a:t>
+            </a:r>
           </a:p>
         </p:txBody>
       </p:sp>
@@ -9227,7 +11011,34 @@
                                           </p:stCondLst>
                                         </p:cTn>
                                         <p:tgtEl>
-                                          <p:spTgt spid="24"/>
+                                          <p:spTgt spid="25"/>
+                                        </p:tgtEl>
+                                        <p:attrNameLst>
+                                          <p:attrName>style.visibility</p:attrName>
+                                        </p:attrNameLst>
+                                      </p:cBhvr>
+                                      <p:to>
+                                        <p:strVal val="visible"/>
+                                      </p:to>
+                                    </p:set>
+                                  </p:childTnLst>
+                                </p:cTn>
+                              </p:par>
+                              <p:par>
+                                <p:cTn id="7" presetID="1" presetClass="entr" presetSubtype="0" fill="hold" grpId="0" nodeType="withEffect">
+                                  <p:stCondLst>
+                                    <p:cond delay="0"/>
+                                  </p:stCondLst>
+                                  <p:childTnLst>
+                                    <p:set>
+                                      <p:cBhvr>
+                                        <p:cTn id="8" dur="1" fill="hold">
+                                          <p:stCondLst>
+                                            <p:cond delay="0"/>
+                                          </p:stCondLst>
+                                        </p:cTn>
+                                        <p:tgtEl>
+                                          <p:spTgt spid="18"/>
                                         </p:tgtEl>
                                         <p:attrNameLst>
                                           <p:attrName>style.visibility</p:attrName>
@@ -9247,32 +11058,104 @@
                     </p:cTn>
                   </p:par>
                   <p:par>
-                    <p:cTn id="7" fill="hold">
+                    <p:cTn id="9" fill="hold">
                       <p:stCondLst>
                         <p:cond delay="indefinite"/>
                       </p:stCondLst>
                       <p:childTnLst>
                         <p:par>
-                          <p:cTn id="8" fill="hold">
+                          <p:cTn id="10" fill="hold">
                             <p:stCondLst>
                               <p:cond delay="0"/>
                             </p:stCondLst>
                             <p:childTnLst>
                               <p:par>
-                                <p:cTn id="9" presetID="1" presetClass="entr" presetSubtype="0" fill="hold" grpId="0" nodeType="clickEffect">
+                                <p:cTn id="11" presetID="1" presetClass="exit" presetSubtype="0" fill="hold" grpId="1" nodeType="clickEffect">
                                   <p:stCondLst>
                                     <p:cond delay="0"/>
                                   </p:stCondLst>
                                   <p:childTnLst>
                                     <p:set>
                                       <p:cBhvr>
-                                        <p:cTn id="10" dur="1" fill="hold">
+                                        <p:cTn id="12" dur="1" fill="hold">
                                           <p:stCondLst>
                                             <p:cond delay="0"/>
                                           </p:stCondLst>
                                         </p:cTn>
                                         <p:tgtEl>
-                                          <p:spTgt spid="20"/>
+                                          <p:spTgt spid="25"/>
+                                        </p:tgtEl>
+                                        <p:attrNameLst>
+                                          <p:attrName>style.visibility</p:attrName>
+                                        </p:attrNameLst>
+                                      </p:cBhvr>
+                                      <p:to>
+                                        <p:strVal val="hidden"/>
+                                      </p:to>
+                                    </p:set>
+                                  </p:childTnLst>
+                                </p:cTn>
+                              </p:par>
+                              <p:par>
+                                <p:cTn id="13" presetID="1" presetClass="exit" presetSubtype="0" fill="hold" grpId="1" nodeType="withEffect">
+                                  <p:stCondLst>
+                                    <p:cond delay="0"/>
+                                  </p:stCondLst>
+                                  <p:childTnLst>
+                                    <p:set>
+                                      <p:cBhvr>
+                                        <p:cTn id="14" dur="1" fill="hold">
+                                          <p:stCondLst>
+                                            <p:cond delay="0"/>
+                                          </p:stCondLst>
+                                        </p:cTn>
+                                        <p:tgtEl>
+                                          <p:spTgt spid="18"/>
+                                        </p:tgtEl>
+                                        <p:attrNameLst>
+                                          <p:attrName>style.visibility</p:attrName>
+                                        </p:attrNameLst>
+                                      </p:cBhvr>
+                                      <p:to>
+                                        <p:strVal val="hidden"/>
+                                      </p:to>
+                                    </p:set>
+                                  </p:childTnLst>
+                                </p:cTn>
+                              </p:par>
+                            </p:childTnLst>
+                          </p:cTn>
+                        </p:par>
+                      </p:childTnLst>
+                    </p:cTn>
+                  </p:par>
+                  <p:par>
+                    <p:cTn id="15" fill="hold">
+                      <p:stCondLst>
+                        <p:cond delay="indefinite"/>
+                      </p:stCondLst>
+                      <p:childTnLst>
+                        <p:par>
+                          <p:cTn id="16" fill="hold">
+                            <p:stCondLst>
+                              <p:cond delay="0"/>
+                            </p:stCondLst>
+                            <p:childTnLst>
+                              <p:par>
+                                <p:cTn id="17" presetID="1" presetClass="entr" presetSubtype="0" fill="hold" grpId="0" nodeType="clickEffect">
+                                  <p:stCondLst>
+                                    <p:cond delay="0"/>
+                                  </p:stCondLst>
+                                  <p:childTnLst>
+                                    <p:set>
+                                      <p:cBhvr>
+                                        <p:cTn id="18" dur="1" fill="hold">
+                                          <p:stCondLst>
+                                            <p:cond delay="0"/>
+                                          </p:stCondLst>
+                                        </p:cTn>
+                                        <p:tgtEl>
+                                          <p:spTgt spid="19"/>
                                         </p:tgtEl>
                                         <p:attrNameLst>
                                           <p:attrName>style.visibility</p:attrName>
@@ -9292,104 +11175,32 @@
                     </p:cTn>
                   </p:par>
                   <p:par>
-                    <p:cTn id="11" fill="hold">
+                    <p:cTn id="19" fill="hold">
                       <p:stCondLst>
                         <p:cond delay="indefinite"/>
                       </p:stCondLst>
                       <p:childTnLst>
                         <p:par>
-                          <p:cTn id="12" fill="hold">
+                          <p:cTn id="20" fill="hold">
                             <p:stCondLst>
                               <p:cond delay="0"/>
                             </p:stCondLst>
                             <p:childTnLst>
                               <p:par>
-                                <p:cTn id="13" presetID="1" presetClass="exit" presetSubtype="0" fill="hold" grpId="1" nodeType="clickEffect">
+                                <p:cTn id="21" presetID="1" presetClass="entr" presetSubtype="0" fill="hold" grpId="0" nodeType="clickEffect">
                                   <p:stCondLst>
                                     <p:cond delay="0"/>
                                   </p:stCondLst>
                                   <p:childTnLst>
                                     <p:set>
                                       <p:cBhvr>
-                                        <p:cTn id="14" dur="1" fill="hold">
+                                        <p:cTn id="22" dur="1" fill="hold">
                                           <p:stCondLst>
                                             <p:cond delay="0"/>
                                           </p:stCondLst>
                                         </p:cTn>
                                         <p:tgtEl>
-                                          <p:spTgt spid="24"/>
-                                        </p:tgtEl>
-                                        <p:attrNameLst>
-                                          <p:attrName>style.visibility</p:attrName>
-                                        </p:attrNameLst>
-                                      </p:cBhvr>
-                                      <p:to>
-                                        <p:strVal val="hidden"/>
-                                      </p:to>
-                                    </p:set>
-                                  </p:childTnLst>
-                                </p:cTn>
-                              </p:par>
-                              <p:par>
-                                <p:cTn id="15" presetID="1" presetClass="exit" presetSubtype="0" fill="hold" grpId="1" nodeType="withEffect">
-                                  <p:stCondLst>
-                                    <p:cond delay="0"/>
-                                  </p:stCondLst>
-                                  <p:childTnLst>
-                                    <p:set>
-                                      <p:cBhvr>
-                                        <p:cTn id="16" dur="1" fill="hold">
-                                          <p:stCondLst>
-                                            <p:cond delay="0"/>
-                                          </p:stCondLst>
-                                        </p:cTn>
-                                        <p:tgtEl>
-                                          <p:spTgt spid="20"/>
-                                        </p:tgtEl>
-                                        <p:attrNameLst>
-                                          <p:attrName>style.visibility</p:attrName>
-                                        </p:attrNameLst>
-                                      </p:cBhvr>
-                                      <p:to>
-                                        <p:strVal val="hidden"/>
-                                      </p:to>
-                                    </p:set>
-                                  </p:childTnLst>
-                                </p:cTn>
-                              </p:par>
-                            </p:childTnLst>
-                          </p:cTn>
-                        </p:par>
-                      </p:childTnLst>
-                    </p:cTn>
-                  </p:par>
-                  <p:par>
-                    <p:cTn id="17" fill="hold">
-                      <p:stCondLst>
-                        <p:cond delay="indefinite"/>
-                      </p:stCondLst>
-                      <p:childTnLst>
-                        <p:par>
-                          <p:cTn id="18" fill="hold">
-                            <p:stCondLst>
-                              <p:cond delay="0"/>
-                            </p:stCondLst>
-                            <p:childTnLst>
-                              <p:par>
-                                <p:cTn id="19" presetID="1" presetClass="entr" presetSubtype="0" fill="hold" grpId="0" nodeType="clickEffect">
-                                  <p:stCondLst>
-                                    <p:cond delay="0"/>
-                                  </p:stCondLst>
-                                  <p:childTnLst>
-                                    <p:set>
-                                      <p:cBhvr>
-                                        <p:cTn id="20" dur="1" fill="hold">
-                                          <p:stCondLst>
-                                            <p:cond delay="0"/>
-                                          </p:stCondLst>
-                                        </p:cTn>
-                                        <p:tgtEl>
-                                          <p:spTgt spid="28"/>
+                                          <p:spTgt spid="22"/>
                                         </p:tgtEl>
                                         <p:attrNameLst>
                                           <p:attrName>style.visibility</p:attrName>
@@ -9409,32 +11220,32 @@
                     </p:cTn>
                   </p:par>
                   <p:par>
-                    <p:cTn id="21" fill="hold">
+                    <p:cTn id="23" fill="hold">
                       <p:stCondLst>
                         <p:cond delay="indefinite"/>
                       </p:stCondLst>
                       <p:childTnLst>
                         <p:par>
-                          <p:cTn id="22" fill="hold">
+                          <p:cTn id="24" fill="hold">
                             <p:stCondLst>
                               <p:cond delay="0"/>
                             </p:stCondLst>
                             <p:childTnLst>
                               <p:par>
-                                <p:cTn id="23" presetID="1" presetClass="entr" presetSubtype="0" fill="hold" grpId="0" nodeType="clickEffect">
+                                <p:cTn id="25" presetID="1" presetClass="entr" presetSubtype="0" fill="hold" grpId="0" nodeType="clickEffect">
                                   <p:stCondLst>
                                     <p:cond delay="0"/>
                                   </p:stCondLst>
                                   <p:childTnLst>
                                     <p:set>
                                       <p:cBhvr>
-                                        <p:cTn id="24" dur="1" fill="hold">
+                                        <p:cTn id="26" dur="1" fill="hold">
                                           <p:stCondLst>
                                             <p:cond delay="0"/>
                                           </p:stCondLst>
                                         </p:cTn>
                                         <p:tgtEl>
-                                          <p:spTgt spid="30"/>
+                                          <p:spTgt spid="26"/>
                                         </p:tgtEl>
                                         <p:attrNameLst>
                                           <p:attrName>style.visibility</p:attrName>
@@ -9454,32 +11265,32 @@
                     </p:cTn>
                   </p:par>
                   <p:par>
-                    <p:cTn id="25" fill="hold">
+                    <p:cTn id="27" fill="hold">
                       <p:stCondLst>
                         <p:cond delay="indefinite"/>
                       </p:stCondLst>
                       <p:childTnLst>
                         <p:par>
-                          <p:cTn id="26" fill="hold">
+                          <p:cTn id="28" fill="hold">
                             <p:stCondLst>
                               <p:cond delay="0"/>
                             </p:stCondLst>
                             <p:childTnLst>
                               <p:par>
-                                <p:cTn id="27" presetID="1" presetClass="exit" presetSubtype="0" fill="hold" grpId="1" nodeType="clickEffect">
+                                <p:cTn id="29" presetID="1" presetClass="exit" presetSubtype="0" fill="hold" grpId="1" nodeType="clickEffect">
                                   <p:stCondLst>
                                     <p:cond delay="0"/>
                                   </p:stCondLst>
                                   <p:childTnLst>
                                     <p:set>
                                       <p:cBhvr>
-                                        <p:cTn id="28" dur="1" fill="hold">
+                                        <p:cTn id="30" dur="1" fill="hold">
                                           <p:stCondLst>
                                             <p:cond delay="0"/>
                                           </p:stCondLst>
                                         </p:cTn>
                                         <p:tgtEl>
-                                          <p:spTgt spid="28"/>
+                                          <p:spTgt spid="19"/>
                                         </p:tgtEl>
                                         <p:attrNameLst>
                                           <p:attrName>style.visibility</p:attrName>
@@ -9493,20 +11304,47 @@
                                 </p:cTn>
                               </p:par>
                               <p:par>
-                                <p:cTn id="29" presetID="1" presetClass="exit" presetSubtype="0" fill="hold" grpId="1" nodeType="withEffect">
+                                <p:cTn id="31" presetID="1" presetClass="exit" presetSubtype="0" fill="hold" grpId="1" nodeType="withEffect">
                                   <p:stCondLst>
                                     <p:cond delay="0"/>
                                   </p:stCondLst>
                                   <p:childTnLst>
                                     <p:set>
                                       <p:cBhvr>
-                                        <p:cTn id="30" dur="1" fill="hold">
+                                        <p:cTn id="32" dur="1" fill="hold">
                                           <p:stCondLst>
                                             <p:cond delay="0"/>
                                           </p:stCondLst>
                                         </p:cTn>
                                         <p:tgtEl>
-                                          <p:spTgt spid="30"/>
+                                          <p:spTgt spid="22"/>
+                                        </p:tgtEl>
+                                        <p:attrNameLst>
+                                          <p:attrName>style.visibility</p:attrName>
+                                        </p:attrNameLst>
+                                      </p:cBhvr>
+                                      <p:to>
+                                        <p:strVal val="hidden"/>
+                                      </p:to>
+                                    </p:set>
+                                  </p:childTnLst>
+                                </p:cTn>
+                              </p:par>
+                              <p:par>
+                                <p:cTn id="33" presetID="1" presetClass="exit" presetSubtype="0" fill="hold" grpId="1" nodeType="withEffect">
+                                  <p:stCondLst>
+                                    <p:cond delay="0"/>
+                                  </p:stCondLst>
+                                  <p:childTnLst>
+                                    <p:set>
+                                      <p:cBhvr>
+                                        <p:cTn id="34" dur="1" fill="hold">
+                                          <p:stCondLst>
+                                            <p:cond delay="0"/>
+                                          </p:stCondLst>
+                                        </p:cTn>
+                                        <p:tgtEl>
+                                          <p:spTgt spid="26"/>
                                         </p:tgtEl>
                                         <p:attrNameLst>
                                           <p:attrName>style.visibility</p:attrName>
@@ -9547,16 +11385,2013 @@
       </p:par>
     </p:tnLst>
     <p:bldLst>
-      <p:bldP spid="20" grpId="0" animBg="1"/>
-      <p:bldP spid="20" grpId="1" animBg="1"/>
-      <p:bldP spid="24" grpId="0" animBg="1"/>
-      <p:bldP spid="24" grpId="1" animBg="1"/>
-      <p:bldP spid="28" grpId="0" animBg="1"/>
-      <p:bldP spid="28" grpId="1" animBg="1"/>
-      <p:bldP spid="30" grpId="0" animBg="1"/>
-      <p:bldP spid="30" grpId="1" animBg="1"/>
+      <p:bldP spid="18" grpId="0" animBg="1"/>
+      <p:bldP spid="18" grpId="1" animBg="1"/>
+      <p:bldP spid="19" grpId="0" animBg="1"/>
+      <p:bldP spid="19" grpId="1" animBg="1"/>
+      <p:bldP spid="22" grpId="0" animBg="1"/>
+      <p:bldP spid="22" grpId="1" animBg="1"/>
+      <p:bldP spid="25" grpId="0"/>
+      <p:bldP spid="25" grpId="1"/>
+      <p:bldP spid="26" grpId="0"/>
+      <p:bldP spid="26" grpId="1"/>
     </p:bldLst>
   </p:timing>
+</p:sld>
+</file>
+
+<file path=ppt/slides/slide7.xml><?xml version="1.0" encoding="utf-8"?>
+<p:sld xmlns:a="http://schemas.openxmlformats.org/drawingml/2006/main" xmlns:r="http://schemas.openxmlformats.org/officeDocument/2006/relationships" xmlns:p="http://schemas.openxmlformats.org/presentationml/2006/main">
+  <p:cSld>
+    <p:spTree>
+      <p:nvGrpSpPr>
+        <p:cNvPr id="1" name=""/>
+        <p:cNvGrpSpPr/>
+        <p:nvPr/>
+      </p:nvGrpSpPr>
+      <p:grpSpPr>
+        <a:xfrm>
+          <a:off x="0" y="0"/>
+          <a:ext cx="0" cy="0"/>
+          <a:chOff x="0" y="0"/>
+          <a:chExt cx="0" cy="0"/>
+        </a:xfrm>
+      </p:grpSpPr>
+      <p:sp>
+        <p:nvSpPr>
+          <p:cNvPr id="6" name="직사각형 5">
+            <a:extLst>
+              <a:ext uri="{FF2B5EF4-FFF2-40B4-BE49-F238E27FC236}">
+                <a16:creationId xmlns:a16="http://schemas.microsoft.com/office/drawing/2014/main" id="{13F20A7C-65C8-4325-83F7-99B54500B6C6}"/>
+              </a:ext>
+            </a:extLst>
+          </p:cNvPr>
+          <p:cNvSpPr/>
+          <p:nvPr/>
+        </p:nvSpPr>
+        <p:spPr>
+          <a:xfrm>
+            <a:off x="521146" y="458243"/>
+            <a:ext cx="2885885" cy="892552"/>
+          </a:xfrm>
+          <a:prstGeom prst="rect">
+            <a:avLst/>
+          </a:prstGeom>
+        </p:spPr>
+        <p:txBody>
+          <a:bodyPr wrap="square">
+            <a:spAutoFit/>
+          </a:bodyPr>
+          <a:lstStyle/>
+          <a:p>
+            <a:pPr latinLnBrk="0">
+              <a:defRPr/>
+            </a:pPr>
+            <a:r>
+              <a:rPr lang="ko-KR" altLang="en-US" sz="2600" b="1" kern="0" dirty="0">
+                <a:solidFill>
+                  <a:prstClr val="white"/>
+                </a:solidFill>
+              </a:rPr>
+              <a:t>반정규화</a:t>
+            </a:r>
+            <a:endParaRPr lang="en-US" altLang="ko-KR" sz="2600" b="1" kern="0" dirty="0">
+              <a:solidFill>
+                <a:prstClr val="white"/>
+              </a:solidFill>
+            </a:endParaRPr>
+          </a:p>
+          <a:p>
+            <a:pPr latinLnBrk="0">
+              <a:defRPr/>
+            </a:pPr>
+            <a:r>
+              <a:rPr lang="en-US" altLang="ko-KR" sz="2600" kern="0" dirty="0">
+                <a:solidFill>
+                  <a:prstClr val="white"/>
+                </a:solidFill>
+              </a:rPr>
+              <a:t>(</a:t>
+            </a:r>
+            <a:r>
+              <a:rPr lang="ko-KR" altLang="en-US" sz="2600" kern="0" dirty="0">
+                <a:solidFill>
+                  <a:prstClr val="white"/>
+                </a:solidFill>
+              </a:rPr>
+              <a:t>역정규화</a:t>
+            </a:r>
+            <a:r>
+              <a:rPr lang="en-US" altLang="ko-KR" sz="2600" kern="0" dirty="0">
+                <a:solidFill>
+                  <a:prstClr val="white"/>
+                </a:solidFill>
+              </a:rPr>
+              <a:t>)</a:t>
+            </a:r>
+            <a:r>
+              <a:rPr lang="ko-KR" altLang="en-US" sz="2600" kern="0" dirty="0">
+                <a:solidFill>
+                  <a:prstClr val="white"/>
+                </a:solidFill>
+              </a:rPr>
+              <a:t> </a:t>
+            </a:r>
+            <a:r>
+              <a:rPr lang="ko-KR" altLang="en-US" sz="2600" b="1" kern="0" dirty="0">
+                <a:solidFill>
+                  <a:prstClr val="white"/>
+                </a:solidFill>
+              </a:rPr>
+              <a:t>란</a:t>
+            </a:r>
+            <a:endParaRPr lang="en-US" altLang="ko-KR" sz="2600" b="1" kern="0" dirty="0">
+              <a:solidFill>
+                <a:prstClr val="white"/>
+              </a:solidFill>
+            </a:endParaRPr>
+          </a:p>
+        </p:txBody>
+      </p:sp>
+      <p:cxnSp>
+        <p:nvCxnSpPr>
+          <p:cNvPr id="8" name="직선 연결선 7">
+            <a:extLst>
+              <a:ext uri="{FF2B5EF4-FFF2-40B4-BE49-F238E27FC236}">
+                <a16:creationId xmlns:a16="http://schemas.microsoft.com/office/drawing/2014/main" id="{6EA19975-759C-41E4-BE94-5BF7C5E983EF}"/>
+              </a:ext>
+            </a:extLst>
+          </p:cNvPr>
+          <p:cNvCxnSpPr>
+            <a:cxnSpLocks/>
+          </p:cNvCxnSpPr>
+          <p:nvPr/>
+        </p:nvCxnSpPr>
+        <p:spPr>
+          <a:xfrm>
+            <a:off x="157295" y="152884"/>
+            <a:ext cx="265847" cy="222345"/>
+          </a:xfrm>
+          <a:prstGeom prst="line">
+            <a:avLst/>
+          </a:prstGeom>
+          <a:ln>
+            <a:solidFill>
+              <a:schemeClr val="bg1"/>
+            </a:solidFill>
+          </a:ln>
+        </p:spPr>
+        <p:style>
+          <a:lnRef idx="1">
+            <a:schemeClr val="accent1"/>
+          </a:lnRef>
+          <a:fillRef idx="0">
+            <a:schemeClr val="accent1"/>
+          </a:fillRef>
+          <a:effectRef idx="0">
+            <a:schemeClr val="accent1"/>
+          </a:effectRef>
+          <a:fontRef idx="minor">
+            <a:schemeClr val="tx1"/>
+          </a:fontRef>
+        </p:style>
+      </p:cxnSp>
+      <p:cxnSp>
+        <p:nvCxnSpPr>
+          <p:cNvPr id="10" name="직선 연결선 9">
+            <a:extLst>
+              <a:ext uri="{FF2B5EF4-FFF2-40B4-BE49-F238E27FC236}">
+                <a16:creationId xmlns:a16="http://schemas.microsoft.com/office/drawing/2014/main" id="{33765D62-5155-4C2F-A986-997CEB1DA1BC}"/>
+              </a:ext>
+            </a:extLst>
+          </p:cNvPr>
+          <p:cNvCxnSpPr>
+            <a:cxnSpLocks/>
+          </p:cNvCxnSpPr>
+          <p:nvPr/>
+        </p:nvCxnSpPr>
+        <p:spPr>
+          <a:xfrm>
+            <a:off x="423142" y="1837036"/>
+            <a:ext cx="533855" cy="0"/>
+          </a:xfrm>
+          <a:prstGeom prst="line">
+            <a:avLst/>
+          </a:prstGeom>
+          <a:ln>
+            <a:solidFill>
+              <a:srgbClr val="8899B2"/>
+            </a:solidFill>
+          </a:ln>
+        </p:spPr>
+        <p:style>
+          <a:lnRef idx="1">
+            <a:schemeClr val="accent1"/>
+          </a:lnRef>
+          <a:fillRef idx="0">
+            <a:schemeClr val="accent1"/>
+          </a:fillRef>
+          <a:effectRef idx="0">
+            <a:schemeClr val="accent1"/>
+          </a:effectRef>
+          <a:fontRef idx="minor">
+            <a:schemeClr val="tx1"/>
+          </a:fontRef>
+        </p:style>
+      </p:cxnSp>
+      <p:sp>
+        <p:nvSpPr>
+          <p:cNvPr id="16" name="TextBox 15">
+            <a:extLst>
+              <a:ext uri="{FF2B5EF4-FFF2-40B4-BE49-F238E27FC236}">
+                <a16:creationId xmlns:a16="http://schemas.microsoft.com/office/drawing/2014/main" id="{7BF02EE5-EE07-4898-B650-888CBB8ECDDA}"/>
+              </a:ext>
+            </a:extLst>
+          </p:cNvPr>
+          <p:cNvSpPr txBox="1"/>
+          <p:nvPr/>
+        </p:nvSpPr>
+        <p:spPr>
+          <a:xfrm>
+            <a:off x="384406" y="2457001"/>
+            <a:ext cx="2885885" cy="3354573"/>
+          </a:xfrm>
+          <a:prstGeom prst="rect">
+            <a:avLst/>
+          </a:prstGeom>
+          <a:noFill/>
+        </p:spPr>
+        <p:txBody>
+          <a:bodyPr wrap="square" rtlCol="0">
+            <a:spAutoFit/>
+          </a:bodyPr>
+          <a:lstStyle/>
+          <a:p>
+            <a:pPr>
+              <a:lnSpc>
+                <a:spcPct val="150000"/>
+              </a:lnSpc>
+            </a:pPr>
+            <a:r>
+              <a:rPr lang="ko-KR" altLang="en-US" sz="1300" dirty="0">
+                <a:solidFill>
+                  <a:prstClr val="white"/>
+                </a:solidFill>
+                <a:cs typeface="Aharoni" panose="02010803020104030203" pitchFamily="2" charset="-79"/>
+              </a:rPr>
+              <a:t>반정규화는 정규화 되어있는 것을 다시 정규화 이전 상태로 돌리는 것을 말한다</a:t>
+            </a:r>
+            <a:endParaRPr lang="en-US" altLang="ko-KR" sz="1300" dirty="0">
+              <a:solidFill>
+                <a:prstClr val="white"/>
+              </a:solidFill>
+              <a:cs typeface="Aharoni" panose="02010803020104030203" pitchFamily="2" charset="-79"/>
+            </a:endParaRPr>
+          </a:p>
+          <a:p>
+            <a:pPr>
+              <a:lnSpc>
+                <a:spcPct val="150000"/>
+              </a:lnSpc>
+            </a:pPr>
+            <a:endParaRPr lang="en-US" altLang="ko-KR" sz="1300" dirty="0">
+              <a:solidFill>
+                <a:prstClr val="white"/>
+              </a:solidFill>
+              <a:cs typeface="Aharoni" panose="02010803020104030203" pitchFamily="2" charset="-79"/>
+            </a:endParaRPr>
+          </a:p>
+          <a:p>
+            <a:pPr>
+              <a:lnSpc>
+                <a:spcPct val="150000"/>
+              </a:lnSpc>
+            </a:pPr>
+            <a:endParaRPr lang="en-US" altLang="ko-KR" sz="1300" dirty="0">
+              <a:solidFill>
+                <a:prstClr val="white"/>
+              </a:solidFill>
+              <a:cs typeface="Aharoni" panose="02010803020104030203" pitchFamily="2" charset="-79"/>
+            </a:endParaRPr>
+          </a:p>
+          <a:p>
+            <a:pPr>
+              <a:lnSpc>
+                <a:spcPct val="150000"/>
+              </a:lnSpc>
+            </a:pPr>
+            <a:r>
+              <a:rPr lang="ko-KR" altLang="en-US" sz="1300" dirty="0">
+                <a:solidFill>
+                  <a:prstClr val="white"/>
+                </a:solidFill>
+                <a:cs typeface="Aharoni" panose="02010803020104030203" pitchFamily="2" charset="-79"/>
+              </a:rPr>
+              <a:t>시스템의 성능을 향상시키기 위해 데이터 모델을 통합하는 과정이다</a:t>
+            </a:r>
+            <a:endParaRPr lang="en-US" altLang="ko-KR" sz="1300" dirty="0">
+              <a:solidFill>
+                <a:prstClr val="white"/>
+              </a:solidFill>
+              <a:cs typeface="Aharoni" panose="02010803020104030203" pitchFamily="2" charset="-79"/>
+            </a:endParaRPr>
+          </a:p>
+          <a:p>
+            <a:pPr>
+              <a:lnSpc>
+                <a:spcPct val="150000"/>
+              </a:lnSpc>
+            </a:pPr>
+            <a:endParaRPr lang="en-US" altLang="ko-KR" sz="1300" dirty="0">
+              <a:solidFill>
+                <a:prstClr val="white"/>
+              </a:solidFill>
+              <a:cs typeface="Aharoni" panose="02010803020104030203" pitchFamily="2" charset="-79"/>
+            </a:endParaRPr>
+          </a:p>
+          <a:p>
+            <a:pPr>
+              <a:lnSpc>
+                <a:spcPct val="150000"/>
+              </a:lnSpc>
+            </a:pPr>
+            <a:endParaRPr lang="en-US" altLang="ko-KR" sz="1300" dirty="0">
+              <a:solidFill>
+                <a:prstClr val="white"/>
+              </a:solidFill>
+              <a:cs typeface="Aharoni" panose="02010803020104030203" pitchFamily="2" charset="-79"/>
+            </a:endParaRPr>
+          </a:p>
+          <a:p>
+            <a:pPr>
+              <a:lnSpc>
+                <a:spcPct val="150000"/>
+              </a:lnSpc>
+            </a:pPr>
+            <a:r>
+              <a:rPr lang="ko-KR" altLang="en-US" sz="1300" dirty="0">
+                <a:solidFill>
+                  <a:prstClr val="white"/>
+                </a:solidFill>
+                <a:cs typeface="Aharoni" panose="02010803020104030203" pitchFamily="2" charset="-79"/>
+              </a:rPr>
+              <a:t>데이터 무결성이 보장되지 않으므로 제한적으로 사용해야 한다</a:t>
+            </a:r>
+            <a:endParaRPr lang="en-US" altLang="ko-KR" sz="1300" dirty="0">
+              <a:solidFill>
+                <a:prstClr val="white"/>
+              </a:solidFill>
+              <a:cs typeface="Aharoni" panose="02010803020104030203" pitchFamily="2" charset="-79"/>
+            </a:endParaRPr>
+          </a:p>
+        </p:txBody>
+      </p:sp>
+      <p:sp>
+        <p:nvSpPr>
+          <p:cNvPr id="7" name="직사각형 6">
+            <a:extLst>
+              <a:ext uri="{FF2B5EF4-FFF2-40B4-BE49-F238E27FC236}">
+                <a16:creationId xmlns:a16="http://schemas.microsoft.com/office/drawing/2014/main" id="{19EE7002-2FFC-49CB-A086-DAF5376C4FAC}"/>
+              </a:ext>
+            </a:extLst>
+          </p:cNvPr>
+          <p:cNvSpPr/>
+          <p:nvPr/>
+        </p:nvSpPr>
+        <p:spPr>
+          <a:xfrm>
+            <a:off x="3657600" y="0"/>
+            <a:ext cx="8534399" cy="6858000"/>
+          </a:xfrm>
+          <a:prstGeom prst="rect">
+            <a:avLst/>
+          </a:prstGeom>
+          <a:solidFill>
+            <a:schemeClr val="bg1"/>
+          </a:solidFill>
+          <a:ln>
+            <a:noFill/>
+          </a:ln>
+        </p:spPr>
+        <p:style>
+          <a:lnRef idx="2">
+            <a:schemeClr val="accent1">
+              <a:shade val="50000"/>
+            </a:schemeClr>
+          </a:lnRef>
+          <a:fillRef idx="1">
+            <a:schemeClr val="accent1"/>
+          </a:fillRef>
+          <a:effectRef idx="0">
+            <a:schemeClr val="accent1"/>
+          </a:effectRef>
+          <a:fontRef idx="minor">
+            <a:schemeClr val="lt1"/>
+          </a:fontRef>
+        </p:style>
+        <p:txBody>
+          <a:bodyPr rtlCol="0" anchor="ctr"/>
+          <a:lstStyle/>
+          <a:p>
+            <a:pPr algn="ctr"/>
+            <a:endParaRPr lang="ko-KR" altLang="en-US"/>
+          </a:p>
+        </p:txBody>
+      </p:sp>
+      <p:pic>
+        <p:nvPicPr>
+          <p:cNvPr id="13" name="그림 12">
+            <a:extLst>
+              <a:ext uri="{FF2B5EF4-FFF2-40B4-BE49-F238E27FC236}">
+                <a16:creationId xmlns:a16="http://schemas.microsoft.com/office/drawing/2014/main" id="{377D50B4-2747-435F-83D3-F6AC75B65987}"/>
+              </a:ext>
+            </a:extLst>
+          </p:cNvPr>
+          <p:cNvPicPr>
+            <a:picLocks noChangeAspect="1"/>
+          </p:cNvPicPr>
+          <p:nvPr/>
+        </p:nvPicPr>
+        <p:blipFill>
+          <a:blip r:embed="rId2">
+            <a:extLst>
+              <a:ext uri="{28A0092B-C50C-407E-A947-70E740481C1C}">
+                <a14:useLocalDpi xmlns:a14="http://schemas.microsoft.com/office/drawing/2010/main" val="0"/>
+              </a:ext>
+            </a:extLst>
+          </a:blip>
+          <a:srcRect/>
+          <a:stretch/>
+        </p:blipFill>
+        <p:spPr>
+          <a:xfrm>
+            <a:off x="4269402" y="1091629"/>
+            <a:ext cx="7390692" cy="3104639"/>
+          </a:xfrm>
+          <a:prstGeom prst="rect">
+            <a:avLst/>
+          </a:prstGeom>
+        </p:spPr>
+      </p:pic>
+      <p:sp>
+        <p:nvSpPr>
+          <p:cNvPr id="14" name="사각형: 둥근 모서리 13">
+            <a:extLst>
+              <a:ext uri="{FF2B5EF4-FFF2-40B4-BE49-F238E27FC236}">
+                <a16:creationId xmlns:a16="http://schemas.microsoft.com/office/drawing/2014/main" id="{F4AAA4F8-DE05-4509-A813-0E69BC0639A9}"/>
+              </a:ext>
+            </a:extLst>
+          </p:cNvPr>
+          <p:cNvSpPr/>
+          <p:nvPr/>
+        </p:nvSpPr>
+        <p:spPr>
+          <a:xfrm>
+            <a:off x="4189504" y="630147"/>
+            <a:ext cx="7519882" cy="3746836"/>
+          </a:xfrm>
+          <a:prstGeom prst="roundRect">
+            <a:avLst/>
+          </a:prstGeom>
+          <a:noFill/>
+          <a:ln w="25400">
+            <a:solidFill>
+              <a:schemeClr val="accent1">
+                <a:shade val="50000"/>
+              </a:schemeClr>
+            </a:solidFill>
+          </a:ln>
+        </p:spPr>
+        <p:style>
+          <a:lnRef idx="2">
+            <a:schemeClr val="accent1">
+              <a:shade val="50000"/>
+            </a:schemeClr>
+          </a:lnRef>
+          <a:fillRef idx="1">
+            <a:schemeClr val="accent1"/>
+          </a:fillRef>
+          <a:effectRef idx="0">
+            <a:schemeClr val="accent1"/>
+          </a:effectRef>
+          <a:fontRef idx="minor">
+            <a:schemeClr val="lt1"/>
+          </a:fontRef>
+        </p:style>
+        <p:txBody>
+          <a:bodyPr rtlCol="0" anchor="ctr"/>
+          <a:lstStyle/>
+          <a:p>
+            <a:pPr algn="ctr"/>
+            <a:endParaRPr lang="ko-KR" altLang="en-US" dirty="0"/>
+          </a:p>
+        </p:txBody>
+      </p:sp>
+      <p:sp>
+        <p:nvSpPr>
+          <p:cNvPr id="15" name="TextBox 14">
+            <a:extLst>
+              <a:ext uri="{FF2B5EF4-FFF2-40B4-BE49-F238E27FC236}">
+                <a16:creationId xmlns:a16="http://schemas.microsoft.com/office/drawing/2014/main" id="{EEA0F4D4-82E8-4CCB-B5BC-B10388D584CF}"/>
+              </a:ext>
+            </a:extLst>
+          </p:cNvPr>
+          <p:cNvSpPr txBox="1"/>
+          <p:nvPr/>
+        </p:nvSpPr>
+        <p:spPr>
+          <a:xfrm>
+            <a:off x="6969496" y="458243"/>
+            <a:ext cx="1990504" cy="369332"/>
+          </a:xfrm>
+          <a:prstGeom prst="rect">
+            <a:avLst/>
+          </a:prstGeom>
+          <a:solidFill>
+            <a:schemeClr val="bg1"/>
+          </a:solidFill>
+        </p:spPr>
+        <p:txBody>
+          <a:bodyPr wrap="square" rtlCol="0">
+            <a:spAutoFit/>
+          </a:bodyPr>
+          <a:lstStyle/>
+          <a:p>
+            <a:pPr algn="ctr"/>
+            <a:r>
+              <a:rPr lang="ko-KR" altLang="en-US" b="1" dirty="0">
+                <a:solidFill>
+                  <a:srgbClr val="002060"/>
+                </a:solidFill>
+              </a:rPr>
+              <a:t>반정규화의 절차</a:t>
+            </a:r>
+          </a:p>
+        </p:txBody>
+      </p:sp>
+      <p:graphicFrame>
+        <p:nvGraphicFramePr>
+          <p:cNvPr id="23" name="표 23">
+            <a:extLst>
+              <a:ext uri="{FF2B5EF4-FFF2-40B4-BE49-F238E27FC236}">
+                <a16:creationId xmlns:a16="http://schemas.microsoft.com/office/drawing/2014/main" id="{A14BEE6A-E0B4-458F-976D-15162F247A25}"/>
+              </a:ext>
+            </a:extLst>
+          </p:cNvPr>
+          <p:cNvGraphicFramePr>
+            <a:graphicFrameLocks noGrp="1"/>
+          </p:cNvGraphicFramePr>
+          <p:nvPr>
+            <p:extLst>
+              <p:ext uri="{D42A27DB-BD31-4B8C-83A1-F6EECF244321}">
+                <p14:modId xmlns:p14="http://schemas.microsoft.com/office/powerpoint/2010/main" val="790037772"/>
+              </p:ext>
+            </p:extLst>
+          </p:nvPr>
+        </p:nvGraphicFramePr>
+        <p:xfrm>
+          <a:off x="4241459" y="4903416"/>
+          <a:ext cx="7470590" cy="1529135"/>
+        </p:xfrm>
+        <a:graphic>
+          <a:graphicData uri="http://schemas.openxmlformats.org/drawingml/2006/table">
+            <a:tbl>
+              <a:tblPr firstRow="1" bandRow="1">
+                <a:tableStyleId>{5C22544A-7EE6-4342-B048-85BDC9FD1C3A}</a:tableStyleId>
+              </a:tblPr>
+              <a:tblGrid>
+                <a:gridCol w="3735295">
+                  <a:extLst>
+                    <a:ext uri="{9D8B030D-6E8A-4147-A177-3AD203B41FA5}">
+                      <a16:colId xmlns:a16="http://schemas.microsoft.com/office/drawing/2014/main" val="1204437417"/>
+                    </a:ext>
+                  </a:extLst>
+                </a:gridCol>
+                <a:gridCol w="3735295">
+                  <a:extLst>
+                    <a:ext uri="{9D8B030D-6E8A-4147-A177-3AD203B41FA5}">
+                      <a16:colId xmlns:a16="http://schemas.microsoft.com/office/drawing/2014/main" val="3697324478"/>
+                    </a:ext>
+                  </a:extLst>
+                </a:gridCol>
+              </a:tblGrid>
+              <a:tr h="475801">
+                <a:tc>
+                  <a:txBody>
+                    <a:bodyPr/>
+                    <a:lstStyle/>
+                    <a:p>
+                      <a:pPr algn="ctr" latinLnBrk="1"/>
+                      <a:r>
+                        <a:rPr lang="ko-KR" altLang="en-US" sz="1600" dirty="0">
+                          <a:solidFill>
+                            <a:srgbClr val="595959"/>
+                          </a:solidFill>
+                        </a:rPr>
+                        <a:t>개념</a:t>
+                      </a:r>
+                    </a:p>
+                  </a:txBody>
+                  <a:tcPr anchor="ctr">
+                    <a:solidFill>
+                      <a:schemeClr val="accent1">
+                        <a:lumMod val="40000"/>
+                        <a:lumOff val="60000"/>
+                      </a:schemeClr>
+                    </a:solidFill>
+                  </a:tcPr>
+                </a:tc>
+                <a:tc>
+                  <a:txBody>
+                    <a:bodyPr/>
+                    <a:lstStyle/>
+                    <a:p>
+                      <a:pPr algn="ctr" latinLnBrk="1"/>
+                      <a:r>
+                        <a:rPr lang="ko-KR" altLang="en-US" sz="1600" dirty="0">
+                          <a:solidFill>
+                            <a:srgbClr val="595959"/>
+                          </a:solidFill>
+                        </a:rPr>
+                        <a:t>필요성</a:t>
+                      </a:r>
+                    </a:p>
+                  </a:txBody>
+                  <a:tcPr anchor="ctr">
+                    <a:solidFill>
+                      <a:schemeClr val="accent1">
+                        <a:lumMod val="40000"/>
+                        <a:lumOff val="60000"/>
+                      </a:schemeClr>
+                    </a:solidFill>
+                  </a:tcPr>
+                </a:tc>
+                <a:extLst>
+                  <a:ext uri="{0D108BD9-81ED-4DB2-BD59-A6C34878D82A}">
+                    <a16:rowId xmlns:a16="http://schemas.microsoft.com/office/drawing/2014/main" val="628604607"/>
+                  </a:ext>
+                </a:extLst>
+              </a:tr>
+              <a:tr h="1053334">
+                <a:tc>
+                  <a:txBody>
+                    <a:bodyPr/>
+                    <a:lstStyle/>
+                    <a:p>
+                      <a:pPr marL="0" marR="0" lvl="0" indent="0" algn="ctr" defTabSz="914400" rtl="0" eaLnBrk="1" fontAlgn="auto" latinLnBrk="1" hangingPunct="1">
+                        <a:lnSpc>
+                          <a:spcPct val="100000"/>
+                        </a:lnSpc>
+                        <a:spcBef>
+                          <a:spcPts val="0"/>
+                        </a:spcBef>
+                        <a:spcAft>
+                          <a:spcPts val="0"/>
+                        </a:spcAft>
+                        <a:buClrTx/>
+                        <a:buSzTx/>
+                        <a:buFontTx/>
+                        <a:buNone/>
+                        <a:tabLst/>
+                        <a:defRPr/>
+                      </a:pPr>
+                      <a:r>
+                        <a:rPr lang="ko-KR" altLang="en-US" sz="1300" dirty="0"/>
+                        <a:t>데이터 베이스 정규화 후 성능향상</a:t>
+                      </a:r>
+                      <a:r>
+                        <a:rPr lang="en-US" altLang="ko-KR" sz="1300" dirty="0"/>
+                        <a:t>, </a:t>
+                      </a:r>
+                    </a:p>
+                    <a:p>
+                      <a:pPr marL="0" marR="0" lvl="0" indent="0" algn="ctr" defTabSz="914400" rtl="0" eaLnBrk="1" fontAlgn="auto" latinLnBrk="1" hangingPunct="1">
+                        <a:lnSpc>
+                          <a:spcPct val="100000"/>
+                        </a:lnSpc>
+                        <a:spcBef>
+                          <a:spcPts val="0"/>
+                        </a:spcBef>
+                        <a:spcAft>
+                          <a:spcPts val="0"/>
+                        </a:spcAft>
+                        <a:buClrTx/>
+                        <a:buSzTx/>
+                        <a:buFontTx/>
+                        <a:buNone/>
+                        <a:tabLst/>
+                        <a:defRPr/>
+                      </a:pPr>
+                      <a:r>
+                        <a:rPr lang="ko-KR" altLang="en-US" sz="1300" dirty="0"/>
+                        <a:t>개발 편의성 등을 위해 정규화 기법 위배행위를 의도적으로 수행하는 기법</a:t>
+                      </a:r>
+                    </a:p>
+                  </a:txBody>
+                  <a:tcPr anchor="ctr">
+                    <a:solidFill>
+                      <a:schemeClr val="bg1">
+                        <a:lumMod val="95000"/>
+                      </a:schemeClr>
+                    </a:solidFill>
+                  </a:tcPr>
+                </a:tc>
+                <a:tc>
+                  <a:txBody>
+                    <a:bodyPr/>
+                    <a:lstStyle/>
+                    <a:p>
+                      <a:pPr marL="742950" lvl="1" indent="-285750" algn="l" latinLnBrk="1">
+                        <a:buFontTx/>
+                        <a:buChar char="-"/>
+                      </a:pPr>
+                      <a:r>
+                        <a:rPr lang="ko-KR" altLang="en-US" sz="1300" dirty="0"/>
+                        <a:t>다수 </a:t>
+                      </a:r>
+                      <a:r>
+                        <a:rPr lang="en-US" altLang="ko-KR" sz="1300" dirty="0"/>
+                        <a:t>Join</a:t>
+                      </a:r>
+                      <a:r>
+                        <a:rPr lang="ko-KR" altLang="en-US" sz="1300" dirty="0"/>
+                        <a:t>시 성능하락 방지</a:t>
+                      </a:r>
+                      <a:endParaRPr lang="en-US" altLang="ko-KR" sz="1300" dirty="0"/>
+                    </a:p>
+                    <a:p>
+                      <a:pPr marL="742950" lvl="1" indent="-285750" algn="l" latinLnBrk="1">
+                        <a:buFontTx/>
+                        <a:buChar char="-"/>
+                      </a:pPr>
+                      <a:r>
+                        <a:rPr lang="ko-KR" altLang="en-US" sz="1300" dirty="0"/>
+                        <a:t>개발 및 운영 단순화</a:t>
+                      </a:r>
+                      <a:endParaRPr lang="en-US" altLang="ko-KR" sz="1300" dirty="0"/>
+                    </a:p>
+                    <a:p>
+                      <a:pPr marL="742950" lvl="1" indent="-285750" algn="l" latinLnBrk="1">
+                        <a:buFontTx/>
+                        <a:buChar char="-"/>
+                      </a:pPr>
+                      <a:r>
+                        <a:rPr lang="en-US" altLang="ko-KR" sz="1300" dirty="0"/>
+                        <a:t>DB </a:t>
+                      </a:r>
+                      <a:r>
+                        <a:rPr lang="ko-KR" altLang="en-US" sz="1300" dirty="0"/>
+                        <a:t>검색 성능 향상</a:t>
+                      </a:r>
+                    </a:p>
+                  </a:txBody>
+                  <a:tcPr anchor="ctr">
+                    <a:solidFill>
+                      <a:schemeClr val="bg1">
+                        <a:lumMod val="95000"/>
+                      </a:schemeClr>
+                    </a:solidFill>
+                  </a:tcPr>
+                </a:tc>
+                <a:extLst>
+                  <a:ext uri="{0D108BD9-81ED-4DB2-BD59-A6C34878D82A}">
+                    <a16:rowId xmlns:a16="http://schemas.microsoft.com/office/drawing/2014/main" val="486186421"/>
+                  </a:ext>
+                </a:extLst>
+              </a:tr>
+            </a:tbl>
+          </a:graphicData>
+        </a:graphic>
+      </p:graphicFrame>
+    </p:spTree>
+    <p:extLst>
+      <p:ext uri="{BB962C8B-B14F-4D97-AF65-F5344CB8AC3E}">
+        <p14:creationId xmlns:p14="http://schemas.microsoft.com/office/powerpoint/2010/main" val="4139373756"/>
+      </p:ext>
+    </p:extLst>
+  </p:cSld>
+  <p:clrMapOvr>
+    <a:masterClrMapping/>
+  </p:clrMapOvr>
+</p:sld>
+</file>
+
+<file path=ppt/slides/slide8.xml><?xml version="1.0" encoding="utf-8"?>
+<p:sld xmlns:a="http://schemas.openxmlformats.org/drawingml/2006/main" xmlns:r="http://schemas.openxmlformats.org/officeDocument/2006/relationships" xmlns:p="http://schemas.openxmlformats.org/presentationml/2006/main">
+  <p:cSld>
+    <p:spTree>
+      <p:nvGrpSpPr>
+        <p:cNvPr id="1" name=""/>
+        <p:cNvGrpSpPr/>
+        <p:nvPr/>
+      </p:nvGrpSpPr>
+      <p:grpSpPr>
+        <a:xfrm>
+          <a:off x="0" y="0"/>
+          <a:ext cx="0" cy="0"/>
+          <a:chOff x="0" y="0"/>
+          <a:chExt cx="0" cy="0"/>
+        </a:xfrm>
+      </p:grpSpPr>
+      <p:cxnSp>
+        <p:nvCxnSpPr>
+          <p:cNvPr id="8" name="직선 연결선 7">
+            <a:extLst>
+              <a:ext uri="{FF2B5EF4-FFF2-40B4-BE49-F238E27FC236}">
+                <a16:creationId xmlns:a16="http://schemas.microsoft.com/office/drawing/2014/main" id="{6EA19975-759C-41E4-BE94-5BF7C5E983EF}"/>
+              </a:ext>
+            </a:extLst>
+          </p:cNvPr>
+          <p:cNvCxnSpPr>
+            <a:cxnSpLocks/>
+          </p:cNvCxnSpPr>
+          <p:nvPr/>
+        </p:nvCxnSpPr>
+        <p:spPr>
+          <a:xfrm>
+            <a:off x="4706334" y="1714088"/>
+            <a:ext cx="4433177" cy="2224430"/>
+          </a:xfrm>
+          <a:prstGeom prst="line">
+            <a:avLst/>
+          </a:prstGeom>
+          <a:ln>
+            <a:solidFill>
+              <a:schemeClr val="bg1"/>
+            </a:solidFill>
+          </a:ln>
+        </p:spPr>
+        <p:style>
+          <a:lnRef idx="1">
+            <a:schemeClr val="accent1"/>
+          </a:lnRef>
+          <a:fillRef idx="0">
+            <a:schemeClr val="accent1"/>
+          </a:fillRef>
+          <a:effectRef idx="0">
+            <a:schemeClr val="accent1"/>
+          </a:effectRef>
+          <a:fontRef idx="minor">
+            <a:schemeClr val="tx1"/>
+          </a:fontRef>
+        </p:style>
+      </p:cxnSp>
+      <p:sp>
+        <p:nvSpPr>
+          <p:cNvPr id="16" name="TextBox 15">
+            <a:extLst>
+              <a:ext uri="{FF2B5EF4-FFF2-40B4-BE49-F238E27FC236}">
+                <a16:creationId xmlns:a16="http://schemas.microsoft.com/office/drawing/2014/main" id="{7BF02EE5-EE07-4898-B650-888CBB8ECDDA}"/>
+              </a:ext>
+            </a:extLst>
+          </p:cNvPr>
+          <p:cNvSpPr txBox="1"/>
+          <p:nvPr/>
+        </p:nvSpPr>
+        <p:spPr>
+          <a:xfrm>
+            <a:off x="9819861" y="4003214"/>
+            <a:ext cx="2053613" cy="1333570"/>
+          </a:xfrm>
+          <a:prstGeom prst="rect">
+            <a:avLst/>
+          </a:prstGeom>
+          <a:noFill/>
+        </p:spPr>
+        <p:txBody>
+          <a:bodyPr wrap="square" rtlCol="0">
+            <a:spAutoFit/>
+          </a:bodyPr>
+          <a:lstStyle/>
+          <a:p>
+            <a:pPr marL="285750" indent="-285750">
+              <a:lnSpc>
+                <a:spcPct val="200000"/>
+              </a:lnSpc>
+              <a:buFont typeface="+mj-lt"/>
+              <a:buAutoNum type="romanUcPeriod"/>
+            </a:pPr>
+            <a:r>
+              <a:rPr lang="ko-KR" altLang="en-US" sz="1050" dirty="0">
+                <a:solidFill>
+                  <a:prstClr val="white"/>
+                </a:solidFill>
+                <a:cs typeface="Aharoni" panose="02010803020104030203" pitchFamily="2" charset="-79"/>
+              </a:rPr>
+              <a:t>서버 기반 인증 방식</a:t>
+            </a:r>
+            <a:endParaRPr lang="en-US" altLang="ko-KR" sz="1050" dirty="0">
+              <a:solidFill>
+                <a:prstClr val="white"/>
+              </a:solidFill>
+              <a:cs typeface="Aharoni" panose="02010803020104030203" pitchFamily="2" charset="-79"/>
+            </a:endParaRPr>
+          </a:p>
+          <a:p>
+            <a:pPr marL="285750" indent="-285750">
+              <a:lnSpc>
+                <a:spcPct val="200000"/>
+              </a:lnSpc>
+              <a:buFont typeface="+mj-lt"/>
+              <a:buAutoNum type="romanUcPeriod"/>
+            </a:pPr>
+            <a:r>
+              <a:rPr lang="ko-KR" altLang="en-US" sz="1050" dirty="0">
+                <a:solidFill>
+                  <a:prstClr val="white"/>
+                </a:solidFill>
+                <a:cs typeface="Aharoni" panose="02010803020104030203" pitchFamily="2" charset="-79"/>
+              </a:rPr>
+              <a:t>토큰 기반 인증 방식</a:t>
+            </a:r>
+            <a:endParaRPr lang="en-US" altLang="ko-KR" sz="1050" dirty="0">
+              <a:solidFill>
+                <a:prstClr val="white"/>
+              </a:solidFill>
+              <a:cs typeface="Aharoni" panose="02010803020104030203" pitchFamily="2" charset="-79"/>
+            </a:endParaRPr>
+          </a:p>
+          <a:p>
+            <a:pPr marL="285750" indent="-285750">
+              <a:lnSpc>
+                <a:spcPct val="200000"/>
+              </a:lnSpc>
+              <a:buFont typeface="+mj-lt"/>
+              <a:buAutoNum type="romanUcPeriod"/>
+            </a:pPr>
+            <a:r>
+              <a:rPr lang="en-US" altLang="ko-KR" sz="1050" dirty="0">
+                <a:solidFill>
+                  <a:prstClr val="white"/>
+                </a:solidFill>
+                <a:cs typeface="Aharoni" panose="02010803020104030203" pitchFamily="2" charset="-79"/>
+              </a:rPr>
+              <a:t>Sliding</a:t>
+            </a:r>
+            <a:r>
+              <a:rPr lang="ko-KR" altLang="en-US" sz="1050" dirty="0">
+                <a:solidFill>
+                  <a:prstClr val="white"/>
+                </a:solidFill>
+                <a:cs typeface="Aharoni" panose="02010803020104030203" pitchFamily="2" charset="-79"/>
+              </a:rPr>
+              <a:t> </a:t>
+            </a:r>
+            <a:r>
+              <a:rPr lang="en-US" altLang="ko-KR" sz="1050" dirty="0">
+                <a:solidFill>
+                  <a:prstClr val="white"/>
+                </a:solidFill>
+                <a:cs typeface="Aharoni" panose="02010803020104030203" pitchFamily="2" charset="-79"/>
+              </a:rPr>
+              <a:t>Sessions</a:t>
+            </a:r>
+          </a:p>
+          <a:p>
+            <a:pPr marL="285750" indent="-285750">
+              <a:lnSpc>
+                <a:spcPct val="200000"/>
+              </a:lnSpc>
+              <a:buFont typeface="+mj-lt"/>
+              <a:buAutoNum type="romanUcPeriod"/>
+            </a:pPr>
+            <a:r>
+              <a:rPr lang="en-US" altLang="ko-KR" sz="1050" dirty="0">
+                <a:solidFill>
+                  <a:prstClr val="white"/>
+                </a:solidFill>
+                <a:cs typeface="Aharoni" panose="02010803020104030203" pitchFamily="2" charset="-79"/>
+              </a:rPr>
+              <a:t>Refresh</a:t>
+            </a:r>
+            <a:r>
+              <a:rPr lang="ko-KR" altLang="en-US" sz="1050" dirty="0">
+                <a:solidFill>
+                  <a:prstClr val="white"/>
+                </a:solidFill>
+                <a:cs typeface="Aharoni" panose="02010803020104030203" pitchFamily="2" charset="-79"/>
+              </a:rPr>
+              <a:t> </a:t>
+            </a:r>
+            <a:r>
+              <a:rPr lang="en-US" altLang="ko-KR" sz="1050" dirty="0">
+                <a:solidFill>
+                  <a:prstClr val="white"/>
+                </a:solidFill>
+                <a:cs typeface="Aharoni" panose="02010803020104030203" pitchFamily="2" charset="-79"/>
+              </a:rPr>
+              <a:t>Token</a:t>
+            </a:r>
+          </a:p>
+        </p:txBody>
+      </p:sp>
+      <p:sp>
+        <p:nvSpPr>
+          <p:cNvPr id="38" name="TextBox 37">
+            <a:extLst>
+              <a:ext uri="{FF2B5EF4-FFF2-40B4-BE49-F238E27FC236}">
+                <a16:creationId xmlns:a16="http://schemas.microsoft.com/office/drawing/2014/main" id="{D7EB52D8-023D-4E81-9586-9D518643AACE}"/>
+              </a:ext>
+            </a:extLst>
+          </p:cNvPr>
+          <p:cNvSpPr txBox="1"/>
+          <p:nvPr/>
+        </p:nvSpPr>
+        <p:spPr>
+          <a:xfrm>
+            <a:off x="359960" y="3432611"/>
+            <a:ext cx="2739293" cy="1555747"/>
+          </a:xfrm>
+          <a:prstGeom prst="rect">
+            <a:avLst/>
+          </a:prstGeom>
+          <a:noFill/>
+        </p:spPr>
+        <p:txBody>
+          <a:bodyPr wrap="square" rtlCol="0">
+            <a:spAutoFit/>
+          </a:bodyPr>
+          <a:lstStyle/>
+          <a:p>
+            <a:pPr algn="ctr">
+              <a:lnSpc>
+                <a:spcPct val="150000"/>
+              </a:lnSpc>
+            </a:pPr>
+            <a:r>
+              <a:rPr lang="en-US" altLang="ko-KR" sz="1400" b="1" u="sng" dirty="0">
+                <a:solidFill>
+                  <a:srgbClr val="C5A48D"/>
+                </a:solidFill>
+              </a:rPr>
+              <a:t>AD SOFT 5</a:t>
+            </a:r>
+            <a:r>
+              <a:rPr lang="ko-KR" altLang="en-US" sz="1400" b="1" u="sng" dirty="0">
+                <a:solidFill>
+                  <a:srgbClr val="C5A48D"/>
+                </a:solidFill>
+              </a:rPr>
+              <a:t>주차 교육 과정</a:t>
+            </a:r>
+            <a:endParaRPr lang="en-US" altLang="ko-KR" sz="1400" b="1" u="sng" dirty="0">
+              <a:solidFill>
+                <a:srgbClr val="C5A48D"/>
+              </a:solidFill>
+            </a:endParaRPr>
+          </a:p>
+          <a:p>
+            <a:pPr algn="ctr">
+              <a:lnSpc>
+                <a:spcPct val="250000"/>
+              </a:lnSpc>
+            </a:pPr>
+            <a:r>
+              <a:rPr lang="en-US" altLang="ko-KR" sz="1050" dirty="0">
+                <a:solidFill>
+                  <a:prstClr val="white"/>
+                </a:solidFill>
+                <a:cs typeface="Aharoni" panose="02010803020104030203" pitchFamily="2" charset="-79"/>
+              </a:rPr>
+              <a:t>DB </a:t>
+            </a:r>
+            <a:r>
+              <a:rPr lang="ko-KR" altLang="en-US" sz="1050" dirty="0">
+                <a:solidFill>
+                  <a:prstClr val="white"/>
+                </a:solidFill>
+                <a:cs typeface="Aharoni" panose="02010803020104030203" pitchFamily="2" charset="-79"/>
+              </a:rPr>
+              <a:t>테이블 설계 </a:t>
+            </a:r>
+            <a:r>
+              <a:rPr lang="en-US" altLang="ko-KR" sz="1050" dirty="0">
+                <a:solidFill>
+                  <a:prstClr val="white"/>
+                </a:solidFill>
+                <a:cs typeface="Aharoni" panose="02010803020104030203" pitchFamily="2" charset="-79"/>
+              </a:rPr>
+              <a:t>– </a:t>
+            </a:r>
+            <a:r>
+              <a:rPr lang="ko-KR" altLang="en-US" sz="1050" dirty="0">
+                <a:solidFill>
+                  <a:prstClr val="white"/>
+                </a:solidFill>
+                <a:cs typeface="Aharoni" panose="02010803020104030203" pitchFamily="2" charset="-79"/>
+              </a:rPr>
+              <a:t>정규화와 반정규화</a:t>
+            </a:r>
+            <a:r>
+              <a:rPr lang="en-US" altLang="ko-KR" sz="1050" dirty="0">
+                <a:solidFill>
+                  <a:prstClr val="white"/>
+                </a:solidFill>
+                <a:cs typeface="Aharoni" panose="02010803020104030203" pitchFamily="2" charset="-79"/>
+              </a:rPr>
+              <a:t>,</a:t>
+            </a:r>
+          </a:p>
+          <a:p>
+            <a:pPr algn="ctr">
+              <a:lnSpc>
+                <a:spcPct val="250000"/>
+              </a:lnSpc>
+            </a:pPr>
+            <a:r>
+              <a:rPr lang="ko-KR" altLang="en-US" sz="1050" dirty="0">
+                <a:solidFill>
+                  <a:prstClr val="white"/>
+                </a:solidFill>
+                <a:cs typeface="Aharoni" panose="02010803020104030203" pitchFamily="2" charset="-79"/>
+              </a:rPr>
+              <a:t>사용자 계정 로그인 기능 </a:t>
+            </a:r>
+            <a:r>
+              <a:rPr lang="en-US" altLang="ko-KR" sz="1050" dirty="0">
+                <a:solidFill>
+                  <a:prstClr val="white"/>
+                </a:solidFill>
+                <a:cs typeface="Aharoni" panose="02010803020104030203" pitchFamily="2" charset="-79"/>
+              </a:rPr>
+              <a:t>– </a:t>
+            </a:r>
+            <a:r>
+              <a:rPr lang="ko-KR" altLang="en-US" sz="1050" dirty="0">
+                <a:solidFill>
+                  <a:prstClr val="white"/>
+                </a:solidFill>
+                <a:cs typeface="Aharoni" panose="02010803020104030203" pitchFamily="2" charset="-79"/>
+              </a:rPr>
+              <a:t>세션</a:t>
+            </a:r>
+            <a:r>
+              <a:rPr lang="en-US" altLang="ko-KR" sz="1050" dirty="0">
+                <a:solidFill>
+                  <a:prstClr val="white"/>
+                </a:solidFill>
+                <a:cs typeface="Aharoni" panose="02010803020104030203" pitchFamily="2" charset="-79"/>
+              </a:rPr>
+              <a:t>, </a:t>
+            </a:r>
+            <a:r>
+              <a:rPr lang="ko-KR" altLang="en-US" sz="1050" dirty="0">
+                <a:solidFill>
+                  <a:prstClr val="white"/>
+                </a:solidFill>
+                <a:cs typeface="Aharoni" panose="02010803020104030203" pitchFamily="2" charset="-79"/>
+              </a:rPr>
+              <a:t>토큰</a:t>
+            </a:r>
+            <a:r>
+              <a:rPr lang="en-US" altLang="ko-KR" sz="1050" dirty="0">
+                <a:solidFill>
+                  <a:prstClr val="white"/>
+                </a:solidFill>
+                <a:cs typeface="Aharoni" panose="02010803020104030203" pitchFamily="2" charset="-79"/>
+              </a:rPr>
+              <a:t>, JWT </a:t>
+            </a:r>
+            <a:r>
+              <a:rPr lang="ko-KR" altLang="en-US" sz="1050" dirty="0">
+                <a:solidFill>
+                  <a:prstClr val="white"/>
+                </a:solidFill>
+                <a:cs typeface="Aharoni" panose="02010803020104030203" pitchFamily="2" charset="-79"/>
+              </a:rPr>
+              <a:t>인증 방식과 만료 시 연장 방법</a:t>
+            </a:r>
+            <a:r>
+              <a:rPr lang="en-US" altLang="ko-KR" sz="1050" dirty="0">
+                <a:solidFill>
+                  <a:prstClr val="white"/>
+                </a:solidFill>
+                <a:cs typeface="Aharoni" panose="02010803020104030203" pitchFamily="2" charset="-79"/>
+              </a:rPr>
+              <a:t> </a:t>
+            </a:r>
+          </a:p>
+        </p:txBody>
+      </p:sp>
+      <p:sp>
+        <p:nvSpPr>
+          <p:cNvPr id="40" name="타원 39">
+            <a:extLst>
+              <a:ext uri="{FF2B5EF4-FFF2-40B4-BE49-F238E27FC236}">
+                <a16:creationId xmlns:a16="http://schemas.microsoft.com/office/drawing/2014/main" id="{2BD16B41-F7FD-471B-9BA2-685E4CBA434D}"/>
+              </a:ext>
+            </a:extLst>
+          </p:cNvPr>
+          <p:cNvSpPr/>
+          <p:nvPr/>
+        </p:nvSpPr>
+        <p:spPr>
+          <a:xfrm>
+            <a:off x="1189607" y="2218534"/>
+            <a:ext cx="1080000" cy="1080000"/>
+          </a:xfrm>
+          <a:prstGeom prst="ellipse">
+            <a:avLst/>
+          </a:prstGeom>
+          <a:solidFill>
+            <a:schemeClr val="tx2">
+              <a:lumMod val="75000"/>
+            </a:schemeClr>
+          </a:solidFill>
+          <a:ln>
+            <a:solidFill>
+              <a:schemeClr val="bg1"/>
+            </a:solidFill>
+          </a:ln>
+        </p:spPr>
+        <p:style>
+          <a:lnRef idx="2">
+            <a:schemeClr val="accent1">
+              <a:shade val="50000"/>
+            </a:schemeClr>
+          </a:lnRef>
+          <a:fillRef idx="1">
+            <a:schemeClr val="accent1"/>
+          </a:fillRef>
+          <a:effectRef idx="0">
+            <a:schemeClr val="accent1"/>
+          </a:effectRef>
+          <a:fontRef idx="minor">
+            <a:schemeClr val="lt1"/>
+          </a:fontRef>
+        </p:style>
+        <p:txBody>
+          <a:bodyPr rtlCol="0" anchor="ctr"/>
+          <a:lstStyle/>
+          <a:p>
+            <a:pPr algn="ctr"/>
+            <a:endParaRPr lang="ko-KR" altLang="en-US" dirty="0">
+              <a:solidFill>
+                <a:prstClr val="white"/>
+              </a:solidFill>
+            </a:endParaRPr>
+          </a:p>
+        </p:txBody>
+      </p:sp>
+      <p:sp>
+        <p:nvSpPr>
+          <p:cNvPr id="6" name="직사각형 5">
+            <a:extLst>
+              <a:ext uri="{FF2B5EF4-FFF2-40B4-BE49-F238E27FC236}">
+                <a16:creationId xmlns:a16="http://schemas.microsoft.com/office/drawing/2014/main" id="{13F20A7C-65C8-4325-83F7-99B54500B6C6}"/>
+              </a:ext>
+            </a:extLst>
+          </p:cNvPr>
+          <p:cNvSpPr/>
+          <p:nvPr/>
+        </p:nvSpPr>
+        <p:spPr>
+          <a:xfrm>
+            <a:off x="4706334" y="2064043"/>
+            <a:ext cx="4433178" cy="1477328"/>
+          </a:xfrm>
+          <a:prstGeom prst="rect">
+            <a:avLst/>
+          </a:prstGeom>
+          <a:solidFill>
+            <a:srgbClr val="536580"/>
+          </a:solidFill>
+        </p:spPr>
+        <p:txBody>
+          <a:bodyPr wrap="square">
+            <a:spAutoFit/>
+          </a:bodyPr>
+          <a:lstStyle/>
+          <a:p>
+            <a:pPr latinLnBrk="0">
+              <a:defRPr/>
+            </a:pPr>
+            <a:r>
+              <a:rPr lang="ko-KR" altLang="en-US" sz="4000" b="1" kern="0" dirty="0">
+                <a:solidFill>
+                  <a:prstClr val="white"/>
+                </a:solidFill>
+              </a:rPr>
+              <a:t>서버 인증</a:t>
+            </a:r>
+            <a:endParaRPr lang="en-US" altLang="ko-KR" sz="4000" b="1" kern="0" dirty="0">
+              <a:solidFill>
+                <a:prstClr val="white"/>
+              </a:solidFill>
+            </a:endParaRPr>
+          </a:p>
+          <a:p>
+            <a:pPr latinLnBrk="0">
+              <a:defRPr/>
+            </a:pPr>
+            <a:r>
+              <a:rPr lang="ko-KR" altLang="en-US" sz="4000" b="1" kern="0" dirty="0">
+                <a:solidFill>
+                  <a:prstClr val="white"/>
+                </a:solidFill>
+              </a:rPr>
+              <a:t>세션 </a:t>
+            </a:r>
+            <a:r>
+              <a:rPr lang="en-US" altLang="ko-KR" sz="4000" b="1" kern="0" dirty="0">
+                <a:solidFill>
+                  <a:prstClr val="white"/>
+                </a:solidFill>
+              </a:rPr>
+              <a:t>/ </a:t>
+            </a:r>
+            <a:r>
+              <a:rPr lang="ko-KR" altLang="en-US" sz="4000" b="1" kern="0" dirty="0">
+                <a:solidFill>
+                  <a:prstClr val="white"/>
+                </a:solidFill>
+              </a:rPr>
+              <a:t>토큰</a:t>
+            </a:r>
+            <a:r>
+              <a:rPr lang="en-US" altLang="ko-KR" sz="4000" b="1" kern="0" dirty="0">
+                <a:solidFill>
+                  <a:prstClr val="white"/>
+                </a:solidFill>
+              </a:rPr>
+              <a:t> (JWT)</a:t>
+            </a:r>
+            <a:r>
+              <a:rPr lang="en-US" altLang="ko-KR" sz="1000" kern="0" dirty="0">
+                <a:solidFill>
+                  <a:srgbClr val="8899B2"/>
+                </a:solidFill>
+              </a:rPr>
+              <a:t> </a:t>
+            </a:r>
+          </a:p>
+          <a:p>
+            <a:pPr latinLnBrk="0">
+              <a:defRPr/>
+            </a:pPr>
+            <a:r>
+              <a:rPr lang="ko-KR" altLang="en-US" sz="1000" kern="0" dirty="0">
+                <a:solidFill>
+                  <a:srgbClr val="8899B2"/>
+                </a:solidFill>
+              </a:rPr>
+              <a:t>김은비 사원 </a:t>
+            </a:r>
+            <a:endParaRPr lang="en-US" altLang="ko-KR" sz="1000" kern="0" dirty="0">
+              <a:solidFill>
+                <a:srgbClr val="8899B2"/>
+              </a:solidFill>
+            </a:endParaRPr>
+          </a:p>
+        </p:txBody>
+      </p:sp>
+      <p:pic>
+        <p:nvPicPr>
+          <p:cNvPr id="4" name="그래픽 3" descr="자물쇠">
+            <a:extLst>
+              <a:ext uri="{FF2B5EF4-FFF2-40B4-BE49-F238E27FC236}">
+                <a16:creationId xmlns:a16="http://schemas.microsoft.com/office/drawing/2014/main" id="{285162C7-4269-4BBE-A94D-B6855249EF0E}"/>
+              </a:ext>
+            </a:extLst>
+          </p:cNvPr>
+          <p:cNvPicPr>
+            <a:picLocks noChangeAspect="1"/>
+          </p:cNvPicPr>
+          <p:nvPr/>
+        </p:nvPicPr>
+        <p:blipFill>
+          <a:blip r:embed="rId2">
+            <a:extLst>
+              <a:ext uri="{28A0092B-C50C-407E-A947-70E740481C1C}">
+                <a14:useLocalDpi xmlns:a14="http://schemas.microsoft.com/office/drawing/2010/main" val="0"/>
+              </a:ext>
+              <a:ext uri="{96DAC541-7B7A-43D3-8B79-37D633B846F1}">
+                <asvg:svgBlip xmlns:asvg="http://schemas.microsoft.com/office/drawing/2016/SVG/main" r:embed="rId3"/>
+              </a:ext>
+            </a:extLst>
+          </a:blip>
+          <a:stretch>
+            <a:fillRect/>
+          </a:stretch>
+        </p:blipFill>
+        <p:spPr>
+          <a:xfrm>
+            <a:off x="1272406" y="2301334"/>
+            <a:ext cx="914400" cy="914400"/>
+          </a:xfrm>
+          <a:prstGeom prst="rect">
+            <a:avLst/>
+          </a:prstGeom>
+        </p:spPr>
+      </p:pic>
+    </p:spTree>
+    <p:extLst>
+      <p:ext uri="{BB962C8B-B14F-4D97-AF65-F5344CB8AC3E}">
+        <p14:creationId xmlns:p14="http://schemas.microsoft.com/office/powerpoint/2010/main" val="16190307"/>
+      </p:ext>
+    </p:extLst>
+  </p:cSld>
+  <p:clrMapOvr>
+    <a:masterClrMapping/>
+  </p:clrMapOvr>
+</p:sld>
+</file>
+
+<file path=ppt/slides/slide9.xml><?xml version="1.0" encoding="utf-8"?>
+<p:sld xmlns:a="http://schemas.openxmlformats.org/drawingml/2006/main" xmlns:r="http://schemas.openxmlformats.org/officeDocument/2006/relationships" xmlns:p="http://schemas.openxmlformats.org/presentationml/2006/main">
+  <p:cSld>
+    <p:spTree>
+      <p:nvGrpSpPr>
+        <p:cNvPr id="1" name=""/>
+        <p:cNvGrpSpPr/>
+        <p:nvPr/>
+      </p:nvGrpSpPr>
+      <p:grpSpPr>
+        <a:xfrm>
+          <a:off x="0" y="0"/>
+          <a:ext cx="0" cy="0"/>
+          <a:chOff x="0" y="0"/>
+          <a:chExt cx="0" cy="0"/>
+        </a:xfrm>
+      </p:grpSpPr>
+      <p:sp>
+        <p:nvSpPr>
+          <p:cNvPr id="2" name="직사각형 1">
+            <a:extLst>
+              <a:ext uri="{FF2B5EF4-FFF2-40B4-BE49-F238E27FC236}">
+                <a16:creationId xmlns:a16="http://schemas.microsoft.com/office/drawing/2014/main" id="{1CA2AFE9-4109-45BA-B0EF-2AF66378F239}"/>
+              </a:ext>
+            </a:extLst>
+          </p:cNvPr>
+          <p:cNvSpPr/>
+          <p:nvPr/>
+        </p:nvSpPr>
+        <p:spPr>
+          <a:xfrm>
+            <a:off x="3657600" y="0"/>
+            <a:ext cx="8534399" cy="6858000"/>
+          </a:xfrm>
+          <a:prstGeom prst="rect">
+            <a:avLst/>
+          </a:prstGeom>
+          <a:solidFill>
+            <a:schemeClr val="bg1"/>
+          </a:solidFill>
+          <a:ln>
+            <a:noFill/>
+          </a:ln>
+        </p:spPr>
+        <p:style>
+          <a:lnRef idx="2">
+            <a:schemeClr val="accent1">
+              <a:shade val="50000"/>
+            </a:schemeClr>
+          </a:lnRef>
+          <a:fillRef idx="1">
+            <a:schemeClr val="accent1"/>
+          </a:fillRef>
+          <a:effectRef idx="0">
+            <a:schemeClr val="accent1"/>
+          </a:effectRef>
+          <a:fontRef idx="minor">
+            <a:schemeClr val="lt1"/>
+          </a:fontRef>
+        </p:style>
+        <p:txBody>
+          <a:bodyPr rtlCol="0" anchor="ctr"/>
+          <a:lstStyle/>
+          <a:p>
+            <a:pPr algn="ctr"/>
+            <a:endParaRPr lang="ko-KR" altLang="en-US"/>
+          </a:p>
+        </p:txBody>
+      </p:sp>
+      <p:sp>
+        <p:nvSpPr>
+          <p:cNvPr id="6" name="직사각형 5">
+            <a:extLst>
+              <a:ext uri="{FF2B5EF4-FFF2-40B4-BE49-F238E27FC236}">
+                <a16:creationId xmlns:a16="http://schemas.microsoft.com/office/drawing/2014/main" id="{13F20A7C-65C8-4325-83F7-99B54500B6C6}"/>
+              </a:ext>
+            </a:extLst>
+          </p:cNvPr>
+          <p:cNvSpPr/>
+          <p:nvPr/>
+        </p:nvSpPr>
+        <p:spPr>
+          <a:xfrm>
+            <a:off x="521146" y="458243"/>
+            <a:ext cx="2885885" cy="846386"/>
+          </a:xfrm>
+          <a:prstGeom prst="rect">
+            <a:avLst/>
+          </a:prstGeom>
+        </p:spPr>
+        <p:txBody>
+          <a:bodyPr wrap="square">
+            <a:spAutoFit/>
+          </a:bodyPr>
+          <a:lstStyle/>
+          <a:p>
+            <a:pPr latinLnBrk="0">
+              <a:defRPr/>
+            </a:pPr>
+            <a:r>
+              <a:rPr lang="en-US" altLang="ko-KR" sz="2600" b="1" kern="0" dirty="0">
+                <a:solidFill>
+                  <a:prstClr val="white"/>
+                </a:solidFill>
+              </a:rPr>
+              <a:t>Session / Cookie</a:t>
+            </a:r>
+          </a:p>
+          <a:p>
+            <a:pPr latinLnBrk="0">
+              <a:defRPr/>
+            </a:pPr>
+            <a:r>
+              <a:rPr lang="ko-KR" altLang="en-US" sz="2300" kern="0" dirty="0">
+                <a:solidFill>
+                  <a:prstClr val="white"/>
+                </a:solidFill>
+              </a:rPr>
+              <a:t>서버 기반 인증 방식</a:t>
+            </a:r>
+            <a:endParaRPr lang="en-US" altLang="ko-KR" sz="2300" kern="0" dirty="0">
+              <a:solidFill>
+                <a:prstClr val="white"/>
+              </a:solidFill>
+            </a:endParaRPr>
+          </a:p>
+        </p:txBody>
+      </p:sp>
+      <p:cxnSp>
+        <p:nvCxnSpPr>
+          <p:cNvPr id="8" name="직선 연결선 7">
+            <a:extLst>
+              <a:ext uri="{FF2B5EF4-FFF2-40B4-BE49-F238E27FC236}">
+                <a16:creationId xmlns:a16="http://schemas.microsoft.com/office/drawing/2014/main" id="{6EA19975-759C-41E4-BE94-5BF7C5E983EF}"/>
+              </a:ext>
+            </a:extLst>
+          </p:cNvPr>
+          <p:cNvCxnSpPr>
+            <a:cxnSpLocks/>
+          </p:cNvCxnSpPr>
+          <p:nvPr/>
+        </p:nvCxnSpPr>
+        <p:spPr>
+          <a:xfrm>
+            <a:off x="157295" y="152884"/>
+            <a:ext cx="265847" cy="222345"/>
+          </a:xfrm>
+          <a:prstGeom prst="line">
+            <a:avLst/>
+          </a:prstGeom>
+          <a:ln>
+            <a:solidFill>
+              <a:schemeClr val="bg1"/>
+            </a:solidFill>
+          </a:ln>
+        </p:spPr>
+        <p:style>
+          <a:lnRef idx="1">
+            <a:schemeClr val="accent1"/>
+          </a:lnRef>
+          <a:fillRef idx="0">
+            <a:schemeClr val="accent1"/>
+          </a:fillRef>
+          <a:effectRef idx="0">
+            <a:schemeClr val="accent1"/>
+          </a:effectRef>
+          <a:fontRef idx="minor">
+            <a:schemeClr val="tx1"/>
+          </a:fontRef>
+        </p:style>
+      </p:cxnSp>
+      <p:cxnSp>
+        <p:nvCxnSpPr>
+          <p:cNvPr id="10" name="직선 연결선 9">
+            <a:extLst>
+              <a:ext uri="{FF2B5EF4-FFF2-40B4-BE49-F238E27FC236}">
+                <a16:creationId xmlns:a16="http://schemas.microsoft.com/office/drawing/2014/main" id="{33765D62-5155-4C2F-A986-997CEB1DA1BC}"/>
+              </a:ext>
+            </a:extLst>
+          </p:cNvPr>
+          <p:cNvCxnSpPr>
+            <a:cxnSpLocks/>
+          </p:cNvCxnSpPr>
+          <p:nvPr/>
+        </p:nvCxnSpPr>
+        <p:spPr>
+          <a:xfrm>
+            <a:off x="423142" y="1837036"/>
+            <a:ext cx="533855" cy="0"/>
+          </a:xfrm>
+          <a:prstGeom prst="line">
+            <a:avLst/>
+          </a:prstGeom>
+          <a:ln>
+            <a:solidFill>
+              <a:srgbClr val="8899B2"/>
+            </a:solidFill>
+          </a:ln>
+        </p:spPr>
+        <p:style>
+          <a:lnRef idx="1">
+            <a:schemeClr val="accent1"/>
+          </a:lnRef>
+          <a:fillRef idx="0">
+            <a:schemeClr val="accent1"/>
+          </a:fillRef>
+          <a:effectRef idx="0">
+            <a:schemeClr val="accent1"/>
+          </a:effectRef>
+          <a:fontRef idx="minor">
+            <a:schemeClr val="tx1"/>
+          </a:fontRef>
+        </p:style>
+      </p:cxnSp>
+      <p:sp>
+        <p:nvSpPr>
+          <p:cNvPr id="16" name="TextBox 15">
+            <a:extLst>
+              <a:ext uri="{FF2B5EF4-FFF2-40B4-BE49-F238E27FC236}">
+                <a16:creationId xmlns:a16="http://schemas.microsoft.com/office/drawing/2014/main" id="{7BF02EE5-EE07-4898-B650-888CBB8ECDDA}"/>
+              </a:ext>
+            </a:extLst>
+          </p:cNvPr>
+          <p:cNvSpPr txBox="1"/>
+          <p:nvPr/>
+        </p:nvSpPr>
+        <p:spPr>
+          <a:xfrm>
+            <a:off x="374554" y="2041063"/>
+            <a:ext cx="2885885" cy="3654655"/>
+          </a:xfrm>
+          <a:prstGeom prst="rect">
+            <a:avLst/>
+          </a:prstGeom>
+          <a:noFill/>
+        </p:spPr>
+        <p:txBody>
+          <a:bodyPr wrap="square" rtlCol="0">
+            <a:spAutoFit/>
+          </a:bodyPr>
+          <a:lstStyle/>
+          <a:p>
+            <a:pPr>
+              <a:lnSpc>
+                <a:spcPct val="150000"/>
+              </a:lnSpc>
+            </a:pPr>
+            <a:r>
+              <a:rPr lang="ko-KR" altLang="en-US" sz="1300" b="1" dirty="0">
+                <a:solidFill>
+                  <a:prstClr val="white"/>
+                </a:solidFill>
+                <a:cs typeface="Aharoni" panose="02010803020104030203" pitchFamily="2" charset="-79"/>
+              </a:rPr>
+              <a:t>서버 측에서 사용자들의 정보를 기억하는 방식</a:t>
+            </a:r>
+            <a:r>
+              <a:rPr lang="ko-KR" altLang="en-US" sz="1300" dirty="0">
+                <a:solidFill>
+                  <a:prstClr val="white"/>
+                </a:solidFill>
+                <a:cs typeface="Aharoni" panose="02010803020104030203" pitchFamily="2" charset="-79"/>
+              </a:rPr>
+              <a:t>이며 이를 위해서는 세션을 유지해야 하는데</a:t>
+            </a:r>
+            <a:r>
+              <a:rPr lang="en-US" altLang="ko-KR" sz="1300" dirty="0">
+                <a:solidFill>
+                  <a:prstClr val="white"/>
+                </a:solidFill>
+                <a:cs typeface="Aharoni" panose="02010803020104030203" pitchFamily="2" charset="-79"/>
+              </a:rPr>
+              <a:t>, </a:t>
+            </a:r>
+            <a:r>
+              <a:rPr lang="ko-KR" altLang="en-US" sz="1300" dirty="0">
+                <a:solidFill>
+                  <a:prstClr val="white"/>
+                </a:solidFill>
+                <a:cs typeface="Aharoni" panose="02010803020104030203" pitchFamily="2" charset="-79"/>
+              </a:rPr>
+              <a:t>메모리나 디스크 또는 데이터베이스 등을 통해 관리한다</a:t>
+            </a:r>
+            <a:endParaRPr lang="en-US" altLang="ko-KR" sz="1300" dirty="0">
+              <a:solidFill>
+                <a:prstClr val="white"/>
+              </a:solidFill>
+              <a:cs typeface="Aharoni" panose="02010803020104030203" pitchFamily="2" charset="-79"/>
+            </a:endParaRPr>
+          </a:p>
+          <a:p>
+            <a:pPr>
+              <a:lnSpc>
+                <a:spcPct val="150000"/>
+              </a:lnSpc>
+            </a:pPr>
+            <a:endParaRPr lang="en-US" altLang="ko-KR" sz="1300" dirty="0">
+              <a:solidFill>
+                <a:prstClr val="white"/>
+              </a:solidFill>
+              <a:cs typeface="Aharoni" panose="02010803020104030203" pitchFamily="2" charset="-79"/>
+            </a:endParaRPr>
+          </a:p>
+          <a:p>
+            <a:pPr>
+              <a:lnSpc>
+                <a:spcPct val="150000"/>
+              </a:lnSpc>
+            </a:pPr>
+            <a:r>
+              <a:rPr lang="ko-KR" altLang="en-US" sz="1300" dirty="0">
+                <a:solidFill>
+                  <a:prstClr val="white"/>
+                </a:solidFill>
+                <a:cs typeface="Aharoni" panose="02010803020104030203" pitchFamily="2" charset="-79"/>
+              </a:rPr>
+              <a:t>서버 기반의 인증 시스템은 클라이언트로부터 요청을 받으면</a:t>
+            </a:r>
+            <a:r>
+              <a:rPr lang="en-US" altLang="ko-KR" sz="1300" dirty="0">
+                <a:solidFill>
+                  <a:prstClr val="white"/>
+                </a:solidFill>
+                <a:cs typeface="Aharoni" panose="02010803020104030203" pitchFamily="2" charset="-79"/>
+              </a:rPr>
+              <a:t>, </a:t>
+            </a:r>
+            <a:r>
+              <a:rPr lang="ko-KR" altLang="en-US" sz="1300" dirty="0">
+                <a:solidFill>
+                  <a:prstClr val="white"/>
+                </a:solidFill>
+                <a:cs typeface="Aharoni" panose="02010803020104030203" pitchFamily="2" charset="-79"/>
+              </a:rPr>
+              <a:t>클라이언트의 상태를 계속해서 유지하고 이 정보를 서비스에 이용하며 이러한 서버를 </a:t>
+            </a:r>
+            <a:r>
+              <a:rPr lang="en-US" altLang="ko-KR" sz="1300" dirty="0">
+                <a:solidFill>
+                  <a:prstClr val="white"/>
+                </a:solidFill>
+                <a:cs typeface="Aharoni" panose="02010803020104030203" pitchFamily="2" charset="-79"/>
+              </a:rPr>
+              <a:t>Stateful(</a:t>
+            </a:r>
+            <a:r>
+              <a:rPr lang="ko-KR" altLang="en-US" sz="1300" dirty="0">
+                <a:solidFill>
+                  <a:prstClr val="white"/>
+                </a:solidFill>
+                <a:cs typeface="Aharoni" panose="02010803020104030203" pitchFamily="2" charset="-79"/>
+              </a:rPr>
+              <a:t>이전 상태를 기억</a:t>
+            </a:r>
+            <a:r>
+              <a:rPr lang="en-US" altLang="ko-KR" sz="1300" dirty="0">
+                <a:solidFill>
+                  <a:prstClr val="white"/>
+                </a:solidFill>
+                <a:cs typeface="Aharoni" panose="02010803020104030203" pitchFamily="2" charset="-79"/>
+              </a:rPr>
+              <a:t>) </a:t>
+            </a:r>
+            <a:r>
+              <a:rPr lang="ko-KR" altLang="en-US" sz="1300" dirty="0">
+                <a:solidFill>
+                  <a:prstClr val="white"/>
+                </a:solidFill>
+                <a:cs typeface="Aharoni" panose="02010803020104030203" pitchFamily="2" charset="-79"/>
+              </a:rPr>
+              <a:t>서버라 한다</a:t>
+            </a:r>
+            <a:endParaRPr lang="ko-KR" altLang="en-US" sz="1300" dirty="0">
+              <a:solidFill>
+                <a:srgbClr val="8899B2"/>
+              </a:solidFill>
+              <a:cs typeface="Aharoni" panose="02010803020104030203" pitchFamily="2" charset="-79"/>
+            </a:endParaRPr>
+          </a:p>
+        </p:txBody>
+      </p:sp>
+      <p:sp>
+        <p:nvSpPr>
+          <p:cNvPr id="4" name="TextBox 3">
+            <a:extLst>
+              <a:ext uri="{FF2B5EF4-FFF2-40B4-BE49-F238E27FC236}">
+                <a16:creationId xmlns:a16="http://schemas.microsoft.com/office/drawing/2014/main" id="{2B4B231A-ABB4-4F22-9EE6-B4747A4305C6}"/>
+              </a:ext>
+            </a:extLst>
+          </p:cNvPr>
+          <p:cNvSpPr txBox="1"/>
+          <p:nvPr/>
+        </p:nvSpPr>
+        <p:spPr>
+          <a:xfrm>
+            <a:off x="4557582" y="4968770"/>
+            <a:ext cx="6805246" cy="1092607"/>
+          </a:xfrm>
+          <a:prstGeom prst="rect">
+            <a:avLst/>
+          </a:prstGeom>
+          <a:noFill/>
+        </p:spPr>
+        <p:txBody>
+          <a:bodyPr wrap="square" rtlCol="0">
+            <a:spAutoFit/>
+          </a:bodyPr>
+          <a:lstStyle/>
+          <a:p>
+            <a:r>
+              <a:rPr lang="ko-KR" altLang="en-US" sz="1300" dirty="0"/>
+              <a:t>서버에서 로그인한 사용자를 확인한 후 사용자의 고유한 </a:t>
+            </a:r>
+            <a:r>
+              <a:rPr lang="en-US" altLang="ko-KR" sz="1300" dirty="0"/>
+              <a:t>ID</a:t>
+            </a:r>
+            <a:r>
+              <a:rPr lang="ko-KR" altLang="en-US" sz="1300" dirty="0"/>
+              <a:t>값을 부여하여 </a:t>
+            </a:r>
+            <a:r>
+              <a:rPr lang="ko-KR" altLang="en-US" sz="1300" b="1" dirty="0">
+                <a:solidFill>
+                  <a:srgbClr val="FF0000"/>
+                </a:solidFill>
+              </a:rPr>
+              <a:t>세션 저장소에 저장</a:t>
+            </a:r>
+            <a:r>
+              <a:rPr lang="ko-KR" altLang="en-US" sz="1300" dirty="0"/>
+              <a:t>한 후 이와 연결되는 </a:t>
+            </a:r>
+            <a:r>
+              <a:rPr lang="ko-KR" altLang="en-US" sz="1300" b="1" dirty="0">
+                <a:solidFill>
+                  <a:srgbClr val="FF0000"/>
+                </a:solidFill>
+              </a:rPr>
+              <a:t>세션 </a:t>
+            </a:r>
+            <a:r>
+              <a:rPr lang="en-US" altLang="ko-KR" sz="1300" b="1" dirty="0">
+                <a:solidFill>
+                  <a:srgbClr val="FF0000"/>
+                </a:solidFill>
+              </a:rPr>
+              <a:t>ID</a:t>
+            </a:r>
+            <a:r>
+              <a:rPr lang="ko-KR" altLang="en-US" sz="1300" dirty="0"/>
+              <a:t>를 발행</a:t>
+            </a:r>
+            <a:endParaRPr lang="en-US" altLang="ko-KR" sz="1300" dirty="0"/>
+          </a:p>
+          <a:p>
+            <a:endParaRPr lang="en-US" altLang="ko-KR" sz="1300" dirty="0"/>
+          </a:p>
+          <a:p>
+            <a:r>
+              <a:rPr lang="ko-KR" altLang="en-US" sz="1300" dirty="0"/>
+              <a:t>사용자는 </a:t>
+            </a:r>
+            <a:r>
+              <a:rPr lang="ko-KR" altLang="en-US" sz="1300" b="1" dirty="0"/>
+              <a:t>세션</a:t>
+            </a:r>
+            <a:r>
+              <a:rPr lang="en-US" altLang="ko-KR" sz="1300" b="1" dirty="0"/>
+              <a:t>ID</a:t>
+            </a:r>
+            <a:r>
+              <a:rPr lang="ko-KR" altLang="en-US" sz="1300" b="1" dirty="0"/>
+              <a:t>를 받아 쿠키로 저장</a:t>
+            </a:r>
+            <a:r>
+              <a:rPr lang="ko-KR" altLang="en-US" sz="1300" dirty="0"/>
+              <a:t>한 후 인증이 필요한 요청마다 </a:t>
+            </a:r>
+            <a:r>
+              <a:rPr lang="ko-KR" altLang="en-US" sz="1300" b="1" dirty="0"/>
+              <a:t>쿠키를 </a:t>
+            </a:r>
+            <a:r>
+              <a:rPr lang="en-US" altLang="ko-KR" sz="1300" b="1" dirty="0"/>
+              <a:t>HTTP </a:t>
+            </a:r>
+            <a:r>
+              <a:rPr lang="ko-KR" altLang="en-US" sz="1300" b="1" dirty="0"/>
+              <a:t>헤더에 실어 보냄</a:t>
+            </a:r>
+            <a:endParaRPr lang="en-US" altLang="ko-KR" sz="1300" b="1" dirty="0"/>
+          </a:p>
+        </p:txBody>
+      </p:sp>
+      <p:sp>
+        <p:nvSpPr>
+          <p:cNvPr id="5" name="사각형: 둥근 모서리 4">
+            <a:extLst>
+              <a:ext uri="{FF2B5EF4-FFF2-40B4-BE49-F238E27FC236}">
+                <a16:creationId xmlns:a16="http://schemas.microsoft.com/office/drawing/2014/main" id="{B64CC82E-B4B0-4773-91CA-8A203925A3FA}"/>
+              </a:ext>
+            </a:extLst>
+          </p:cNvPr>
+          <p:cNvSpPr/>
+          <p:nvPr/>
+        </p:nvSpPr>
+        <p:spPr>
+          <a:xfrm>
+            <a:off x="4200264" y="4714273"/>
+            <a:ext cx="7519882" cy="1644963"/>
+          </a:xfrm>
+          <a:prstGeom prst="roundRect">
+            <a:avLst/>
+          </a:prstGeom>
+          <a:noFill/>
+          <a:ln w="25400">
+            <a:solidFill>
+              <a:schemeClr val="accent1">
+                <a:shade val="50000"/>
+              </a:schemeClr>
+            </a:solidFill>
+          </a:ln>
+        </p:spPr>
+        <p:style>
+          <a:lnRef idx="2">
+            <a:schemeClr val="accent1">
+              <a:shade val="50000"/>
+            </a:schemeClr>
+          </a:lnRef>
+          <a:fillRef idx="1">
+            <a:schemeClr val="accent1"/>
+          </a:fillRef>
+          <a:effectRef idx="0">
+            <a:schemeClr val="accent1"/>
+          </a:effectRef>
+          <a:fontRef idx="minor">
+            <a:schemeClr val="lt1"/>
+          </a:fontRef>
+        </p:style>
+        <p:txBody>
+          <a:bodyPr rtlCol="0" anchor="ctr"/>
+          <a:lstStyle/>
+          <a:p>
+            <a:pPr algn="ctr"/>
+            <a:endParaRPr lang="ko-KR" altLang="en-US" dirty="0"/>
+          </a:p>
+        </p:txBody>
+      </p:sp>
+      <p:pic>
+        <p:nvPicPr>
+          <p:cNvPr id="14" name="그림 13">
+            <a:extLst>
+              <a:ext uri="{FF2B5EF4-FFF2-40B4-BE49-F238E27FC236}">
+                <a16:creationId xmlns:a16="http://schemas.microsoft.com/office/drawing/2014/main" id="{13A442D3-C7CC-41DD-ABB3-4E7B2E6DC120}"/>
+              </a:ext>
+            </a:extLst>
+          </p:cNvPr>
+          <p:cNvPicPr>
+            <a:picLocks noChangeAspect="1"/>
+          </p:cNvPicPr>
+          <p:nvPr/>
+        </p:nvPicPr>
+        <p:blipFill>
+          <a:blip r:embed="rId2">
+            <a:extLst>
+              <a:ext uri="{28A0092B-C50C-407E-A947-70E740481C1C}">
+                <a14:useLocalDpi xmlns:a14="http://schemas.microsoft.com/office/drawing/2010/main" val="0"/>
+              </a:ext>
+            </a:extLst>
+          </a:blip>
+          <a:stretch>
+            <a:fillRect/>
+          </a:stretch>
+        </p:blipFill>
+        <p:spPr>
+          <a:xfrm>
+            <a:off x="3871346" y="264056"/>
+            <a:ext cx="8106906" cy="4048690"/>
+          </a:xfrm>
+          <a:prstGeom prst="rect">
+            <a:avLst/>
+          </a:prstGeom>
+        </p:spPr>
+      </p:pic>
+    </p:spTree>
+    <p:extLst>
+      <p:ext uri="{BB962C8B-B14F-4D97-AF65-F5344CB8AC3E}">
+        <p14:creationId xmlns:p14="http://schemas.microsoft.com/office/powerpoint/2010/main" val="3972487725"/>
+      </p:ext>
+    </p:extLst>
+  </p:cSld>
+  <p:clrMapOvr>
+    <a:masterClrMapping/>
+  </p:clrMapOvr>
 </p:sld>
 </file>
 

--- a/교육/5주차_DB정규화_반정규화_서버인증_세션과쿠키.pptx
+++ b/교육/5주차_DB정규화_반정규화_서버인증_세션과쿠키.pptx
@@ -16,15 +16,15 @@
     <p:sldId id="269" r:id="rId10"/>
     <p:sldId id="271" r:id="rId11"/>
     <p:sldId id="272" r:id="rId12"/>
-    <p:sldId id="284" r:id="rId13"/>
-    <p:sldId id="274" r:id="rId14"/>
-    <p:sldId id="275" r:id="rId15"/>
-    <p:sldId id="276" r:id="rId16"/>
-    <p:sldId id="277" r:id="rId17"/>
-    <p:sldId id="278" r:id="rId18"/>
-    <p:sldId id="279" r:id="rId19"/>
-    <p:sldId id="280" r:id="rId20"/>
-    <p:sldId id="282" r:id="rId21"/>
+    <p:sldId id="274" r:id="rId13"/>
+    <p:sldId id="275" r:id="rId14"/>
+    <p:sldId id="276" r:id="rId15"/>
+    <p:sldId id="277" r:id="rId16"/>
+    <p:sldId id="278" r:id="rId17"/>
+    <p:sldId id="279" r:id="rId18"/>
+    <p:sldId id="280" r:id="rId19"/>
+    <p:sldId id="282" r:id="rId20"/>
+    <p:sldId id="284" r:id="rId21"/>
     <p:sldId id="281" r:id="rId22"/>
   </p:sldIdLst>
   <p:sldSz cx="12192000" cy="6858000"/>
@@ -4609,7 +4609,7 @@
                 </a:solidFill>
                 <a:cs typeface="Aharoni" panose="02010803020104030203" pitchFamily="2" charset="-79"/>
               </a:rPr>
-              <a:t>이며 이를 위해서는 세션을 유지해야 하는데</a:t>
+              <a:t>이며 이를 위해 세션을 사용하여 유지하며</a:t>
             </a:r>
             <a:r>
               <a:rPr lang="en-US" altLang="ko-KR" sz="1300" dirty="0">
@@ -4618,7 +4618,7 @@
                 </a:solidFill>
                 <a:cs typeface="Aharoni" panose="02010803020104030203" pitchFamily="2" charset="-79"/>
               </a:rPr>
-              <a:t>, </a:t>
+              <a:t> </a:t>
             </a:r>
             <a:r>
               <a:rPr lang="ko-KR" altLang="en-US" sz="1300" dirty="0">
@@ -4754,8 +4754,8 @@
         </p:nvSpPr>
         <p:spPr>
           <a:xfrm>
-            <a:off x="4557582" y="4968770"/>
-            <a:ext cx="6805246" cy="1092607"/>
+            <a:off x="4465026" y="4990450"/>
+            <a:ext cx="6919546" cy="1092607"/>
           </a:xfrm>
           <a:prstGeom prst="rect">
             <a:avLst/>
@@ -4810,7 +4810,7 @@
             </a:r>
             <a:r>
               <a:rPr lang="ko-KR" altLang="en-US" sz="1300" dirty="0"/>
-              <a:t>를 발행</a:t>
+              <a:t>를 발행한다</a:t>
             </a:r>
             <a:endParaRPr lang="en-US" altLang="ko-KR" sz="1300" dirty="0"/>
           </a:p>
@@ -4848,7 +4848,7 @@
             </a:r>
             <a:r>
               <a:rPr lang="ko-KR" altLang="en-US" sz="1300" b="1" dirty="0"/>
-              <a:t>헤더에 실어 보냄</a:t>
+              <a:t>헤더에 실어 보낸다</a:t>
             </a:r>
             <a:endParaRPr lang="en-US" altLang="ko-KR" sz="1300" b="1" dirty="0"/>
           </a:p>
@@ -4904,7 +4904,11 @@
           <a:lstStyle/>
           <a:p>
             <a:pPr algn="ctr"/>
-            <a:endParaRPr lang="ko-KR" altLang="en-US" dirty="0"/>
+            <a:endParaRPr lang="ko-KR" altLang="en-US" dirty="0">
+              <a:solidFill>
+                <a:srgbClr val="777272"/>
+              </a:solidFill>
+            </a:endParaRPr>
           </a:p>
         </p:txBody>
       </p:sp>
@@ -4936,7 +4940,7 @@
         </p:blipFill>
         <p:spPr>
           <a:xfrm>
-            <a:off x="3871346" y="264056"/>
+            <a:off x="3897722" y="129832"/>
             <a:ext cx="8106906" cy="4048690"/>
           </a:xfrm>
           <a:prstGeom prst="rect">
@@ -5127,7 +5131,7 @@
         <p:spPr>
           <a:xfrm>
             <a:off x="410542" y="2487885"/>
-            <a:ext cx="2885885" cy="2641942"/>
+            <a:ext cx="2885885" cy="2942024"/>
           </a:xfrm>
           <a:prstGeom prst="rect">
             <a:avLst/>
@@ -5236,6 +5240,19 @@
                 <a:spcPct val="150000"/>
               </a:lnSpc>
             </a:pPr>
+            <a:endParaRPr lang="en-US" altLang="ko-KR" sz="1300" dirty="0">
+              <a:solidFill>
+                <a:prstClr val="white"/>
+              </a:solidFill>
+              <a:cs typeface="Aharoni" panose="02010803020104030203" pitchFamily="2" charset="-79"/>
+            </a:endParaRPr>
+          </a:p>
+          <a:p>
+            <a:pPr>
+              <a:lnSpc>
+                <a:spcPct val="150000"/>
+              </a:lnSpc>
+            </a:pPr>
             <a:r>
               <a:rPr lang="ko-KR" altLang="en-US" sz="1300" b="1" dirty="0">
                 <a:solidFill>
@@ -5294,7 +5311,7 @@
         <p:spPr>
           <a:xfrm>
             <a:off x="521146" y="458243"/>
-            <a:ext cx="2885885" cy="846386"/>
+            <a:ext cx="2885885" cy="800219"/>
           </a:xfrm>
           <a:prstGeom prst="rect">
             <a:avLst/>
@@ -5310,25 +5327,30 @@
               <a:defRPr/>
             </a:pPr>
             <a:r>
-              <a:rPr lang="en-US" altLang="ko-KR" sz="2600" b="1" kern="0" dirty="0">
-                <a:solidFill>
-                  <a:prstClr val="white"/>
-                </a:solidFill>
-              </a:rPr>
-              <a:t>Session / Cookie</a:t>
-            </a:r>
+              <a:rPr lang="ko-KR" altLang="en-US" sz="2000" kern="0" dirty="0">
+                <a:solidFill>
+                  <a:prstClr val="white"/>
+                </a:solidFill>
+              </a:rPr>
+              <a:t>분산 서버에서의</a:t>
+            </a:r>
+            <a:endParaRPr lang="en-US" altLang="ko-KR" sz="2000" b="1" kern="0" dirty="0">
+              <a:solidFill>
+                <a:prstClr val="white"/>
+              </a:solidFill>
+            </a:endParaRPr>
           </a:p>
           <a:p>
             <a:pPr latinLnBrk="0">
               <a:defRPr/>
             </a:pPr>
             <a:r>
-              <a:rPr lang="ko-KR" altLang="en-US" sz="2300" kern="0" dirty="0">
-                <a:solidFill>
-                  <a:prstClr val="white"/>
-                </a:solidFill>
-              </a:rPr>
-              <a:t>서버 기반 인증 방식</a:t>
+              <a:rPr lang="en-US" altLang="ko-KR" sz="2600" b="1" kern="0" dirty="0">
+                <a:solidFill>
+                  <a:prstClr val="white"/>
+                </a:solidFill>
+              </a:rPr>
+              <a:t>Session / Cookie</a:t>
             </a:r>
             <a:endParaRPr lang="en-US" altLang="ko-KR" sz="2300" kern="0" dirty="0">
               <a:solidFill>
@@ -5379,25 +5401,37 @@
               <a:t>방식을 사용할 시 분산된 서버는 </a:t>
             </a:r>
             <a:r>
+              <a:rPr lang="en-US" altLang="ko-KR" sz="1300" b="1" dirty="0">
+                <a:solidFill>
+                  <a:srgbClr val="FF0000"/>
+                </a:solidFill>
+              </a:rPr>
+              <a:t>Session</a:t>
+            </a:r>
+            <a:r>
+              <a:rPr lang="ko-KR" altLang="en-US" sz="1300" b="1" dirty="0">
+                <a:solidFill>
+                  <a:srgbClr val="FF0000"/>
+                </a:solidFill>
+              </a:rPr>
+              <a:t>을 공유하지 못함</a:t>
+            </a:r>
+            <a:r>
+              <a:rPr lang="ko-KR" altLang="en-US" sz="1300" dirty="0"/>
+              <a:t>으로 정보가 유지 되지 않는 문제가 있다</a:t>
+            </a:r>
+            <a:endParaRPr lang="en-US" altLang="ko-KR" sz="1300" dirty="0"/>
+          </a:p>
+          <a:p>
+            <a:endParaRPr lang="en-US" altLang="ko-KR" sz="1300" dirty="0"/>
+          </a:p>
+          <a:p>
+            <a:r>
               <a:rPr lang="en-US" altLang="ko-KR" sz="1300" dirty="0"/>
               <a:t>Session</a:t>
             </a:r>
             <a:r>
               <a:rPr lang="ko-KR" altLang="en-US" sz="1300" dirty="0"/>
-              <a:t>을 공유하지 못함으로 정보가 유지 되지 않는 문제가 있다</a:t>
-            </a:r>
-            <a:endParaRPr lang="en-US" altLang="ko-KR" sz="1300" dirty="0"/>
-          </a:p>
-          <a:p>
-            <a:endParaRPr lang="en-US" altLang="ko-KR" sz="1300" dirty="0"/>
-          </a:p>
-          <a:p>
-            <a:r>
-              <a:rPr lang="en-US" altLang="ko-KR" sz="1300" dirty="0"/>
-              <a:t>Session</a:t>
-            </a:r>
-            <a:r>
-              <a:rPr lang="ko-KR" altLang="en-US" sz="1300" dirty="0"/>
               <a:t>을 </a:t>
             </a:r>
             <a:r>
@@ -5406,9 +5440,13 @@
             </a:r>
             <a:r>
               <a:rPr lang="ko-KR" altLang="en-US" sz="1300" dirty="0"/>
-              <a:t>에 저장하여 사용하는 경우 공유가 가능하나 로그인 사용자가 늘어날 경우 데이터베이스에 무리를 줄 수 있다</a:t>
-            </a:r>
-            <a:endParaRPr lang="en-US" altLang="ko-KR" sz="1300" dirty="0"/>
+              <a:t>에 저장하여 사용하는 경우 공유가 가능하나 로그인 </a:t>
+            </a:r>
+            <a:r>
+              <a:rPr lang="ko-KR" altLang="en-US" sz="1300" b="1" dirty="0"/>
+              <a:t>사용자가 늘어날 경우 데이터베이스에 무리를 줄 수 있다</a:t>
+            </a:r>
+            <a:endParaRPr lang="en-US" altLang="ko-KR" sz="1300" b="1" dirty="0"/>
           </a:p>
         </p:txBody>
       </p:sp>
@@ -5468,10 +5506,10 @@
       </p:sp>
       <p:pic>
         <p:nvPicPr>
-          <p:cNvPr id="17" name="그림 16">
-            <a:extLst>
-              <a:ext uri="{FF2B5EF4-FFF2-40B4-BE49-F238E27FC236}">
-                <a16:creationId xmlns:a16="http://schemas.microsoft.com/office/drawing/2014/main" id="{B78378D6-35B4-4F66-BA5F-C5A8BDE5AAE5}"/>
+          <p:cNvPr id="27" name="그림 26">
+            <a:extLst>
+              <a:ext uri="{FF2B5EF4-FFF2-40B4-BE49-F238E27FC236}">
+                <a16:creationId xmlns:a16="http://schemas.microsoft.com/office/drawing/2014/main" id="{922D142D-588D-4E08-82E7-2C43581A05C7}"/>
               </a:ext>
             </a:extLst>
           </p:cNvPr>
@@ -5480,49 +5518,11 @@
           </p:cNvPicPr>
           <p:nvPr/>
         </p:nvPicPr>
-        <p:blipFill rotWithShape="1">
+        <p:blipFill>
           <a:blip r:embed="rId2">
             <a:extLst>
               <a:ext uri="{28A0092B-C50C-407E-A947-70E740481C1C}">
                 <a14:useLocalDpi xmlns:a14="http://schemas.microsoft.com/office/drawing/2010/main" val="0"/>
-              </a:ext>
-            </a:extLst>
-          </a:blip>
-          <a:srcRect l="63261" r="1"/>
-          <a:stretch/>
-        </p:blipFill>
-        <p:spPr>
-          <a:xfrm>
-            <a:off x="6576971" y="-1"/>
-            <a:ext cx="3273200" cy="4677113"/>
-          </a:xfrm>
-          <a:prstGeom prst="rect">
-            <a:avLst/>
-          </a:prstGeom>
-        </p:spPr>
-      </p:pic>
-      <p:pic>
-        <p:nvPicPr>
-          <p:cNvPr id="24" name="그래픽 23" descr="데이터베이스">
-            <a:extLst>
-              <a:ext uri="{FF2B5EF4-FFF2-40B4-BE49-F238E27FC236}">
-                <a16:creationId xmlns:a16="http://schemas.microsoft.com/office/drawing/2014/main" id="{E0ADEC36-4BB3-41EF-868F-FAA317F9BD41}"/>
-              </a:ext>
-            </a:extLst>
-          </p:cNvPr>
-          <p:cNvPicPr>
-            <a:picLocks noChangeAspect="1"/>
-          </p:cNvPicPr>
-          <p:nvPr/>
-        </p:nvPicPr>
-        <p:blipFill>
-          <a:blip r:embed="rId3">
-            <a:extLst>
-              <a:ext uri="{28A0092B-C50C-407E-A947-70E740481C1C}">
-                <a14:useLocalDpi xmlns:a14="http://schemas.microsoft.com/office/drawing/2010/main" val="0"/>
-              </a:ext>
-              <a:ext uri="{96DAC541-7B7A-43D3-8B79-37D633B846F1}">
-                <asvg:svgBlip xmlns:asvg="http://schemas.microsoft.com/office/drawing/2016/SVG/main" r:embed="rId4"/>
               </a:ext>
             </a:extLst>
           </a:blip>
@@ -5531,9 +5531,9 @@
           </a:stretch>
         </p:blipFill>
         <p:spPr>
-          <a:xfrm>
-            <a:off x="10659746" y="1865630"/>
-            <a:ext cx="1015100" cy="1015100"/>
+          <a:xfrm flipH="1">
+            <a:off x="9218147" y="915351"/>
+            <a:ext cx="1237327" cy="3204357"/>
           </a:xfrm>
           <a:prstGeom prst="rect">
             <a:avLst/>
@@ -5542,10 +5542,62 @@
       </p:pic>
       <p:sp>
         <p:nvSpPr>
-          <p:cNvPr id="25" name="TextBox 24">
-            <a:extLst>
-              <a:ext uri="{FF2B5EF4-FFF2-40B4-BE49-F238E27FC236}">
-                <a16:creationId xmlns:a16="http://schemas.microsoft.com/office/drawing/2014/main" id="{F2E308F4-ABDD-47A5-B546-E8C84BD0FB50}"/>
+          <p:cNvPr id="3" name="직사각형 2">
+            <a:extLst>
+              <a:ext uri="{FF2B5EF4-FFF2-40B4-BE49-F238E27FC236}">
+                <a16:creationId xmlns:a16="http://schemas.microsoft.com/office/drawing/2014/main" id="{A98919FE-B61E-4E1F-9217-FA165C7F6C2D}"/>
+              </a:ext>
+            </a:extLst>
+          </p:cNvPr>
+          <p:cNvSpPr/>
+          <p:nvPr/>
+        </p:nvSpPr>
+        <p:spPr>
+          <a:xfrm>
+            <a:off x="4235143" y="1174259"/>
+            <a:ext cx="1588140" cy="2550253"/>
+          </a:xfrm>
+          <a:prstGeom prst="rect">
+            <a:avLst/>
+          </a:prstGeom>
+          <a:solidFill>
+            <a:srgbClr val="C6E1B5"/>
+          </a:solidFill>
+          <a:ln>
+            <a:noFill/>
+          </a:ln>
+        </p:spPr>
+        <p:style>
+          <a:lnRef idx="2">
+            <a:schemeClr val="accent1">
+              <a:shade val="50000"/>
+            </a:schemeClr>
+          </a:lnRef>
+          <a:fillRef idx="1">
+            <a:schemeClr val="accent1"/>
+          </a:fillRef>
+          <a:effectRef idx="0">
+            <a:schemeClr val="accent1"/>
+          </a:effectRef>
+          <a:fontRef idx="minor">
+            <a:schemeClr val="lt1"/>
+          </a:fontRef>
+        </p:style>
+        <p:txBody>
+          <a:bodyPr rtlCol="0" anchor="ctr"/>
+          <a:lstStyle/>
+          <a:p>
+            <a:pPr algn="ctr"/>
+            <a:endParaRPr lang="ko-KR" altLang="en-US"/>
+          </a:p>
+        </p:txBody>
+      </p:sp>
+      <p:sp>
+        <p:nvSpPr>
+          <p:cNvPr id="31" name="TextBox 30">
+            <a:extLst>
+              <a:ext uri="{FF2B5EF4-FFF2-40B4-BE49-F238E27FC236}">
+                <a16:creationId xmlns:a16="http://schemas.microsoft.com/office/drawing/2014/main" id="{80224656-909B-4B92-9A55-8BB128CCF502}"/>
               </a:ext>
             </a:extLst>
           </p:cNvPr>
@@ -5554,8 +5606,8 @@
         </p:nvSpPr>
         <p:spPr>
           <a:xfrm>
-            <a:off x="10870195" y="2975671"/>
-            <a:ext cx="628551" cy="341673"/>
+            <a:off x="4518289" y="2689772"/>
+            <a:ext cx="1026392" cy="400110"/>
           </a:xfrm>
           <a:prstGeom prst="rect">
             <a:avLst/>
@@ -5570,27 +5622,22 @@
           <a:p>
             <a:pPr algn="ctr"/>
             <a:r>
-              <a:rPr lang="en-US" altLang="ko-KR" sz="1400" dirty="0">
-                <a:solidFill>
-                  <a:srgbClr val="324D5A"/>
-                </a:solidFill>
-              </a:rPr>
-              <a:t>DB</a:t>
-            </a:r>
-            <a:endParaRPr lang="ko-KR" altLang="en-US" sz="1400" dirty="0">
-              <a:solidFill>
-                <a:srgbClr val="324D5A"/>
-              </a:solidFill>
-            </a:endParaRPr>
+              <a:rPr lang="ko-KR" altLang="en-US" sz="2000" b="1" dirty="0">
+                <a:solidFill>
+                  <a:schemeClr val="bg1"/>
+                </a:solidFill>
+              </a:rPr>
+              <a:t>사용자</a:t>
+            </a:r>
           </a:p>
         </p:txBody>
       </p:sp>
       <p:pic>
         <p:nvPicPr>
-          <p:cNvPr id="27" name="그림 26">
-            <a:extLst>
-              <a:ext uri="{FF2B5EF4-FFF2-40B4-BE49-F238E27FC236}">
-                <a16:creationId xmlns:a16="http://schemas.microsoft.com/office/drawing/2014/main" id="{922D142D-588D-4E08-82E7-2C43581A05C7}"/>
+          <p:cNvPr id="30" name="그래픽 29" descr="프로그래머">
+            <a:extLst>
+              <a:ext uri="{FF2B5EF4-FFF2-40B4-BE49-F238E27FC236}">
+                <a16:creationId xmlns:a16="http://schemas.microsoft.com/office/drawing/2014/main" id="{7433A6C8-C710-482F-AD03-8734D94E29E9}"/>
               </a:ext>
             </a:extLst>
           </p:cNvPr>
@@ -5600,10 +5647,13 @@
           <p:nvPr/>
         </p:nvPicPr>
         <p:blipFill>
-          <a:blip r:embed="rId5">
+          <a:blip r:embed="rId3">
             <a:extLst>
               <a:ext uri="{28A0092B-C50C-407E-A947-70E740481C1C}">
                 <a14:useLocalDpi xmlns:a14="http://schemas.microsoft.com/office/drawing/2010/main" val="0"/>
+              </a:ext>
+              <a:ext uri="{96DAC541-7B7A-43D3-8B79-37D633B846F1}">
+                <asvg:svgBlip xmlns:asvg="http://schemas.microsoft.com/office/drawing/2016/SVG/main" r:embed="rId4"/>
               </a:ext>
             </a:extLst>
           </a:blip>
@@ -5612,9 +5662,9 @@
           </a:stretch>
         </p:blipFill>
         <p:spPr>
-          <a:xfrm flipH="1">
-            <a:off x="9218147" y="915351"/>
-            <a:ext cx="1237327" cy="3204357"/>
+          <a:xfrm>
+            <a:off x="4550292" y="1591213"/>
+            <a:ext cx="914400" cy="914400"/>
           </a:xfrm>
           <a:prstGeom prst="rect">
             <a:avLst/>
@@ -5623,83 +5673,222 @@
       </p:pic>
       <p:sp>
         <p:nvSpPr>
-          <p:cNvPr id="31" name="TextBox 30">
-            <a:extLst>
-              <a:ext uri="{FF2B5EF4-FFF2-40B4-BE49-F238E27FC236}">
-                <a16:creationId xmlns:a16="http://schemas.microsoft.com/office/drawing/2014/main" id="{80224656-909B-4B92-9A55-8BB128CCF502}"/>
-              </a:ext>
-            </a:extLst>
-          </p:cNvPr>
-          <p:cNvSpPr txBox="1"/>
+          <p:cNvPr id="4" name="직사각형 3">
+            <a:extLst>
+              <a:ext uri="{FF2B5EF4-FFF2-40B4-BE49-F238E27FC236}">
+                <a16:creationId xmlns:a16="http://schemas.microsoft.com/office/drawing/2014/main" id="{03C8BD75-29D9-4331-B8F4-ED97DE802AAA}"/>
+              </a:ext>
+            </a:extLst>
+          </p:cNvPr>
+          <p:cNvSpPr/>
           <p:nvPr/>
         </p:nvSpPr>
         <p:spPr>
           <a:xfrm>
-            <a:off x="4642572" y="2992618"/>
-            <a:ext cx="729842" cy="307777"/>
+            <a:off x="6726114" y="554130"/>
+            <a:ext cx="2306549" cy="722442"/>
           </a:xfrm>
           <a:prstGeom prst="rect">
             <a:avLst/>
           </a:prstGeom>
-          <a:noFill/>
-        </p:spPr>
+          <a:solidFill>
+            <a:srgbClr val="8598B1"/>
+          </a:solidFill>
+          <a:ln w="25400">
+            <a:noFill/>
+          </a:ln>
+        </p:spPr>
+        <p:style>
+          <a:lnRef idx="2">
+            <a:schemeClr val="accent1">
+              <a:shade val="50000"/>
+            </a:schemeClr>
+          </a:lnRef>
+          <a:fillRef idx="1">
+            <a:schemeClr val="accent1"/>
+          </a:fillRef>
+          <a:effectRef idx="0">
+            <a:schemeClr val="accent1"/>
+          </a:effectRef>
+          <a:fontRef idx="minor">
+            <a:schemeClr val="lt1"/>
+          </a:fontRef>
+        </p:style>
         <p:txBody>
-          <a:bodyPr wrap="square" rtlCol="0">
-            <a:spAutoFit/>
-          </a:bodyPr>
+          <a:bodyPr rtlCol="0" anchor="ctr"/>
           <a:lstStyle/>
           <a:p>
             <a:pPr algn="ctr"/>
             <a:r>
-              <a:rPr lang="ko-KR" altLang="en-US" sz="1400" dirty="0">
-                <a:solidFill>
-                  <a:srgbClr val="324D5A"/>
-                </a:solidFill>
-              </a:rPr>
-              <a:t>사용자</a:t>
+              <a:rPr lang="ko-KR" altLang="en-US" sz="2000" b="1" dirty="0"/>
+              <a:t>서버</a:t>
             </a:r>
           </a:p>
         </p:txBody>
       </p:sp>
-      <p:pic>
-        <p:nvPicPr>
-          <p:cNvPr id="30" name="그래픽 29" descr="프로그래머">
-            <a:extLst>
-              <a:ext uri="{FF2B5EF4-FFF2-40B4-BE49-F238E27FC236}">
-                <a16:creationId xmlns:a16="http://schemas.microsoft.com/office/drawing/2014/main" id="{7433A6C8-C710-482F-AD03-8734D94E29E9}"/>
-              </a:ext>
-            </a:extLst>
-          </p:cNvPr>
-          <p:cNvPicPr>
-            <a:picLocks noChangeAspect="1"/>
-          </p:cNvPicPr>
-          <p:nvPr/>
-        </p:nvPicPr>
-        <p:blipFill>
-          <a:blip r:embed="rId6">
-            <a:extLst>
-              <a:ext uri="{28A0092B-C50C-407E-A947-70E740481C1C}">
-                <a14:useLocalDpi xmlns:a14="http://schemas.microsoft.com/office/drawing/2010/main" val="0"/>
-              </a:ext>
-              <a:ext uri="{96DAC541-7B7A-43D3-8B79-37D633B846F1}">
-                <asvg:svgBlip xmlns:asvg="http://schemas.microsoft.com/office/drawing/2016/SVG/main" r:embed="rId7"/>
-              </a:ext>
-            </a:extLst>
-          </a:blip>
-          <a:stretch>
-            <a:fillRect/>
-          </a:stretch>
-        </p:blipFill>
-        <p:spPr>
-          <a:xfrm>
-            <a:off x="4550292" y="1881356"/>
-            <a:ext cx="914400" cy="914400"/>
+      <p:sp>
+        <p:nvSpPr>
+          <p:cNvPr id="19" name="직사각형 18">
+            <a:extLst>
+              <a:ext uri="{FF2B5EF4-FFF2-40B4-BE49-F238E27FC236}">
+                <a16:creationId xmlns:a16="http://schemas.microsoft.com/office/drawing/2014/main" id="{B09FC867-BD63-4F82-9702-380AD52BA10D}"/>
+              </a:ext>
+            </a:extLst>
+          </p:cNvPr>
+          <p:cNvSpPr/>
+          <p:nvPr/>
+        </p:nvSpPr>
+        <p:spPr>
+          <a:xfrm>
+            <a:off x="6726114" y="2011959"/>
+            <a:ext cx="2306549" cy="722442"/>
           </a:xfrm>
           <a:prstGeom prst="rect">
             <a:avLst/>
           </a:prstGeom>
-        </p:spPr>
-      </p:pic>
+          <a:solidFill>
+            <a:srgbClr val="8598B1"/>
+          </a:solidFill>
+          <a:ln w="25400">
+            <a:noFill/>
+          </a:ln>
+        </p:spPr>
+        <p:style>
+          <a:lnRef idx="2">
+            <a:schemeClr val="accent1">
+              <a:shade val="50000"/>
+            </a:schemeClr>
+          </a:lnRef>
+          <a:fillRef idx="1">
+            <a:schemeClr val="accent1"/>
+          </a:fillRef>
+          <a:effectRef idx="0">
+            <a:schemeClr val="accent1"/>
+          </a:effectRef>
+          <a:fontRef idx="minor">
+            <a:schemeClr val="lt1"/>
+          </a:fontRef>
+        </p:style>
+        <p:txBody>
+          <a:bodyPr rtlCol="0" anchor="ctr"/>
+          <a:lstStyle/>
+          <a:p>
+            <a:pPr algn="ctr"/>
+            <a:r>
+              <a:rPr lang="ko-KR" altLang="en-US" sz="2000" b="1" dirty="0"/>
+              <a:t>서버</a:t>
+            </a:r>
+          </a:p>
+        </p:txBody>
+      </p:sp>
+      <p:sp>
+        <p:nvSpPr>
+          <p:cNvPr id="20" name="직사각형 19">
+            <a:extLst>
+              <a:ext uri="{FF2B5EF4-FFF2-40B4-BE49-F238E27FC236}">
+                <a16:creationId xmlns:a16="http://schemas.microsoft.com/office/drawing/2014/main" id="{0B40F059-3B98-49E0-B4D0-0B1739265EFD}"/>
+              </a:ext>
+            </a:extLst>
+          </p:cNvPr>
+          <p:cNvSpPr/>
+          <p:nvPr/>
+        </p:nvSpPr>
+        <p:spPr>
+          <a:xfrm>
+            <a:off x="6726114" y="3428805"/>
+            <a:ext cx="2306549" cy="722442"/>
+          </a:xfrm>
+          <a:prstGeom prst="rect">
+            <a:avLst/>
+          </a:prstGeom>
+          <a:solidFill>
+            <a:srgbClr val="8598B1"/>
+          </a:solidFill>
+          <a:ln w="25400">
+            <a:noFill/>
+          </a:ln>
+        </p:spPr>
+        <p:style>
+          <a:lnRef idx="2">
+            <a:schemeClr val="accent1">
+              <a:shade val="50000"/>
+            </a:schemeClr>
+          </a:lnRef>
+          <a:fillRef idx="1">
+            <a:schemeClr val="accent1"/>
+          </a:fillRef>
+          <a:effectRef idx="0">
+            <a:schemeClr val="accent1"/>
+          </a:effectRef>
+          <a:fontRef idx="minor">
+            <a:schemeClr val="lt1"/>
+          </a:fontRef>
+        </p:style>
+        <p:txBody>
+          <a:bodyPr rtlCol="0" anchor="ctr"/>
+          <a:lstStyle/>
+          <a:p>
+            <a:pPr algn="ctr"/>
+            <a:r>
+              <a:rPr lang="ko-KR" altLang="en-US" sz="2000" b="1" dirty="0"/>
+              <a:t>서버</a:t>
+            </a:r>
+          </a:p>
+        </p:txBody>
+      </p:sp>
+      <p:sp>
+        <p:nvSpPr>
+          <p:cNvPr id="5" name="타원 4">
+            <a:extLst>
+              <a:ext uri="{FF2B5EF4-FFF2-40B4-BE49-F238E27FC236}">
+                <a16:creationId xmlns:a16="http://schemas.microsoft.com/office/drawing/2014/main" id="{44C9348B-A3DF-4672-9239-23707C71BE8F}"/>
+              </a:ext>
+            </a:extLst>
+          </p:cNvPr>
+          <p:cNvSpPr/>
+          <p:nvPr/>
+        </p:nvSpPr>
+        <p:spPr>
+          <a:xfrm>
+            <a:off x="10549459" y="1755343"/>
+            <a:ext cx="1235673" cy="1235673"/>
+          </a:xfrm>
+          <a:prstGeom prst="ellipse">
+            <a:avLst/>
+          </a:prstGeom>
+          <a:solidFill>
+            <a:srgbClr val="777272"/>
+          </a:solidFill>
+        </p:spPr>
+        <p:style>
+          <a:lnRef idx="2">
+            <a:schemeClr val="accent1">
+              <a:shade val="50000"/>
+            </a:schemeClr>
+          </a:lnRef>
+          <a:fillRef idx="1">
+            <a:schemeClr val="accent1"/>
+          </a:fillRef>
+          <a:effectRef idx="0">
+            <a:schemeClr val="accent1"/>
+          </a:effectRef>
+          <a:fontRef idx="minor">
+            <a:schemeClr val="lt1"/>
+          </a:fontRef>
+        </p:style>
+        <p:txBody>
+          <a:bodyPr rtlCol="0" anchor="ctr"/>
+          <a:lstStyle/>
+          <a:p>
+            <a:pPr algn="ctr"/>
+            <a:r>
+              <a:rPr lang="en-US" altLang="ko-KR" sz="2000" b="1" dirty="0"/>
+              <a:t>DB</a:t>
+            </a:r>
+            <a:endParaRPr lang="ko-KR" altLang="en-US" sz="2000" b="1" dirty="0"/>
+          </a:p>
+        </p:txBody>
+      </p:sp>
     </p:spTree>
     <p:extLst>
       <p:ext uri="{BB962C8B-B14F-4D97-AF65-F5344CB8AC3E}">
@@ -5797,7 +5986,7 @@
         <p:spPr>
           <a:xfrm>
             <a:off x="521146" y="458243"/>
-            <a:ext cx="2885885" cy="846386"/>
+            <a:ext cx="2885885" cy="892552"/>
           </a:xfrm>
           <a:prstGeom prst="rect">
             <a:avLst/>
@@ -5813,22 +6002,32 @@
               <a:defRPr/>
             </a:pPr>
             <a:r>
-              <a:rPr lang="en-US" altLang="ko-KR" sz="2600" b="1" kern="0" dirty="0">
-                <a:solidFill>
-                  <a:prstClr val="white"/>
-                </a:solidFill>
-              </a:rPr>
-              <a:t>Session / Cookie </a:t>
-            </a:r>
-            <a:r>
-              <a:rPr lang="ko-KR" altLang="en-US" sz="2300" kern="0" dirty="0">
-                <a:solidFill>
-                  <a:prstClr val="white"/>
-                </a:solidFill>
-              </a:rPr>
-              <a:t>장점과 단점</a:t>
-            </a:r>
-            <a:endParaRPr lang="en-US" altLang="ko-KR" sz="2300" kern="0" dirty="0">
+              <a:rPr lang="ko-KR" altLang="en-US" sz="2600" b="1" kern="0" dirty="0">
+                <a:solidFill>
+                  <a:prstClr val="white"/>
+                </a:solidFill>
+              </a:rPr>
+              <a:t>토큰 기반 </a:t>
+            </a:r>
+            <a:endParaRPr lang="en-US" altLang="ko-KR" sz="2600" b="1" kern="0" dirty="0">
+              <a:solidFill>
+                <a:prstClr val="white"/>
+              </a:solidFill>
+            </a:endParaRPr>
+          </a:p>
+          <a:p>
+            <a:pPr latinLnBrk="0">
+              <a:defRPr/>
+            </a:pPr>
+            <a:r>
+              <a:rPr lang="ko-KR" altLang="en-US" sz="2600" b="1" kern="0" dirty="0">
+                <a:solidFill>
+                  <a:prstClr val="white"/>
+                </a:solidFill>
+              </a:rPr>
+              <a:t>인증 방식 이란</a:t>
+            </a:r>
+            <a:endParaRPr lang="en-US" altLang="ko-KR" sz="2600" b="1" kern="0" dirty="0">
               <a:solidFill>
                 <a:prstClr val="white"/>
               </a:solidFill>
@@ -5936,8 +6135,8 @@
         </p:nvSpPr>
         <p:spPr>
           <a:xfrm>
-            <a:off x="410542" y="2317922"/>
-            <a:ext cx="2885885" cy="2754408"/>
+            <a:off x="374554" y="2041063"/>
+            <a:ext cx="2885885" cy="4554901"/>
           </a:xfrm>
           <a:prstGeom prst="rect">
             <a:avLst/>
@@ -5962,7 +6161,7 @@
                 </a:solidFill>
                 <a:cs typeface="Aharoni" panose="02010803020104030203" pitchFamily="2" charset="-79"/>
               </a:rPr>
-              <a:t>쿠키 </a:t>
+              <a:t>인증 받은 사용자들에게 토큰을 발급하고</a:t>
             </a:r>
             <a:r>
               <a:rPr lang="en-US" altLang="ko-KR" sz="1300" dirty="0">
@@ -5971,15 +6170,8 @@
                 </a:solidFill>
                 <a:cs typeface="Aharoni" panose="02010803020104030203" pitchFamily="2" charset="-79"/>
               </a:rPr>
-              <a:t>(Cookie)</a:t>
-            </a:r>
-          </a:p>
-          <a:p>
-            <a:pPr>
-              <a:lnSpc>
-                <a:spcPct val="150000"/>
-              </a:lnSpc>
-            </a:pPr>
+              <a:t>, </a:t>
+            </a:r>
             <a:r>
               <a:rPr lang="ko-KR" altLang="en-US" sz="1300" dirty="0">
                 <a:solidFill>
@@ -5987,25 +6179,7 @@
                 </a:solidFill>
                 <a:cs typeface="Aharoni" panose="02010803020104030203" pitchFamily="2" charset="-79"/>
               </a:rPr>
-              <a:t>클라이언트 로컬에 저장되는 키와 값이 들어있는 작은 데이터 파일이다 탈취</a:t>
-            </a:r>
-            <a:r>
-              <a:rPr lang="en-US" altLang="ko-KR" sz="1300" dirty="0">
-                <a:solidFill>
-                  <a:prstClr val="white"/>
-                </a:solidFill>
-                <a:cs typeface="Aharoni" panose="02010803020104030203" pitchFamily="2" charset="-79"/>
-              </a:rPr>
-              <a:t>, </a:t>
-            </a:r>
-            <a:r>
-              <a:rPr lang="ko-KR" altLang="en-US" sz="1300" dirty="0">
-                <a:solidFill>
-                  <a:prstClr val="white"/>
-                </a:solidFill>
-                <a:cs typeface="Aharoni" panose="02010803020104030203" pitchFamily="2" charset="-79"/>
-              </a:rPr>
-              <a:t>변조될 위험이 있다</a:t>
+              <a:t>서버에 요청을 할 때 헤더에 토큰을 함께 보내 유효성 검사를 한다</a:t>
             </a:r>
             <a:endParaRPr lang="en-US" altLang="ko-KR" sz="1300" dirty="0">
               <a:solidFill>
@@ -6033,6 +6207,15 @@
                 <a:spcPct val="150000"/>
               </a:lnSpc>
             </a:pPr>
+            <a:r>
+              <a:rPr lang="ko-KR" altLang="en-US" sz="1300" dirty="0">
+                <a:solidFill>
+                  <a:prstClr val="white"/>
+                </a:solidFill>
+                <a:cs typeface="Aharoni" panose="02010803020104030203" pitchFamily="2" charset="-79"/>
+              </a:rPr>
+              <a:t>사용자의 인증 정보를 서버나 세션에 유지하지 않고 클라이언트 측에서 들어오는 요청만으로 작업을 처리한다</a:t>
+            </a:r>
             <a:endParaRPr lang="en-US" altLang="ko-KR" sz="1300" dirty="0">
               <a:solidFill>
                 <a:prstClr val="white"/>
@@ -6046,24 +6229,12 @@
                 <a:spcPct val="150000"/>
               </a:lnSpc>
             </a:pPr>
-            <a:r>
-              <a:rPr lang="ko-KR" altLang="en-US" sz="1300" dirty="0">
-                <a:solidFill>
-                  <a:prstClr val="white"/>
-                </a:solidFill>
-                <a:cs typeface="Aharoni" panose="02010803020104030203" pitchFamily="2" charset="-79"/>
-              </a:rPr>
-              <a:t>세션 </a:t>
-            </a:r>
-            <a:r>
-              <a:rPr lang="en-US" altLang="ko-KR" sz="1300" dirty="0">
-                <a:solidFill>
-                  <a:prstClr val="white"/>
-                </a:solidFill>
-                <a:cs typeface="Aharoni" panose="02010803020104030203" pitchFamily="2" charset="-79"/>
-              </a:rPr>
-              <a:t>(Session)</a:t>
-            </a:r>
+            <a:endParaRPr lang="en-US" altLang="ko-KR" sz="1300" dirty="0">
+              <a:solidFill>
+                <a:prstClr val="white"/>
+              </a:solidFill>
+              <a:cs typeface="Aharoni" panose="02010803020104030203" pitchFamily="2" charset="-79"/>
+            </a:endParaRPr>
           </a:p>
           <a:p>
             <a:pPr>
@@ -6078,11 +6249,60 @@
                 </a:solidFill>
                 <a:cs typeface="Aharoni" panose="02010803020104030203" pitchFamily="2" charset="-79"/>
               </a:rPr>
-              <a:t>서버에 클라이언트의 상태 정보를 저장하는 기술이며 비교적 안전하다</a:t>
-            </a:r>
-            <a:endParaRPr lang="ko-KR" altLang="en-US" sz="1300" dirty="0">
+              <a:t>토큰 기반 시스템은 </a:t>
+            </a:r>
+            <a:r>
+              <a:rPr lang="en-US" altLang="ko-KR" sz="1300" dirty="0">
+                <a:solidFill>
+                  <a:prstClr val="white"/>
+                </a:solidFill>
+                <a:cs typeface="Aharoni" panose="02010803020104030203" pitchFamily="2" charset="-79"/>
+              </a:rPr>
+              <a:t>stateless</a:t>
+            </a:r>
+            <a:r>
+              <a:rPr lang="ko-KR" altLang="en-US" sz="1300" dirty="0">
+                <a:solidFill>
+                  <a:prstClr val="white"/>
+                </a:solidFill>
+                <a:cs typeface="Aharoni" panose="02010803020104030203" pitchFamily="2" charset="-79"/>
+              </a:rPr>
+              <a:t> 하여 클라이언트와 서버의 연결고리가 없기 때문에 서버의 확장성 </a:t>
+            </a:r>
+            <a:r>
+              <a:rPr lang="en-US" altLang="ko-KR" sz="1300" dirty="0">
+                <a:solidFill>
+                  <a:prstClr val="white"/>
+                </a:solidFill>
+                <a:cs typeface="Aharoni" panose="02010803020104030203" pitchFamily="2" charset="-79"/>
+              </a:rPr>
+              <a:t>(Scalability)</a:t>
+            </a:r>
+            <a:r>
+              <a:rPr lang="ko-KR" altLang="en-US" sz="1300" dirty="0">
+                <a:solidFill>
+                  <a:prstClr val="white"/>
+                </a:solidFill>
+                <a:cs typeface="Aharoni" panose="02010803020104030203" pitchFamily="2" charset="-79"/>
+              </a:rPr>
+              <a:t>이 높아진다</a:t>
+            </a:r>
+            <a:endParaRPr lang="en-US" altLang="ko-KR" sz="1300" dirty="0">
               <a:solidFill>
-                <a:srgbClr val="8899B2"/>
+                <a:prstClr val="white"/>
+              </a:solidFill>
+              <a:cs typeface="Aharoni" panose="02010803020104030203" pitchFamily="2" charset="-79"/>
+            </a:endParaRPr>
+          </a:p>
+          <a:p>
+            <a:pPr>
+              <a:lnSpc>
+                <a:spcPct val="150000"/>
+              </a:lnSpc>
+            </a:pPr>
+            <a:endParaRPr lang="en-US" altLang="ko-KR" sz="1300" b="1" dirty="0">
+              <a:solidFill>
+                <a:prstClr val="white"/>
               </a:solidFill>
               <a:cs typeface="Aharoni" panose="02010803020104030203" pitchFamily="2" charset="-79"/>
             </a:endParaRPr>
@@ -6103,8 +6323,8 @@
         </p:nvSpPr>
         <p:spPr>
           <a:xfrm>
-            <a:off x="4557582" y="1394732"/>
-            <a:ext cx="6805246" cy="1292662"/>
+            <a:off x="4378923" y="5090478"/>
+            <a:ext cx="7162564" cy="892552"/>
           </a:xfrm>
           <a:prstGeom prst="rect">
             <a:avLst/>
@@ -6117,80 +6337,53 @@
           </a:bodyPr>
           <a:lstStyle/>
           <a:p>
-            <a:pPr marL="342900" indent="-342900">
-              <a:buFont typeface="+mj-lt"/>
-              <a:buAutoNum type="arabicPeriod"/>
-            </a:pPr>
             <a:r>
               <a:rPr lang="ko-KR" altLang="en-US" sz="1300" dirty="0"/>
-              <a:t>쿠키</a:t>
-            </a:r>
-            <a:r>
-              <a:rPr lang="en-US" altLang="ko-KR" sz="1300" dirty="0"/>
-              <a:t>(</a:t>
-            </a:r>
+              <a:t>사용자 로그인 시 서버 측에서 해당 정보를 검증 후 </a:t>
+            </a:r>
+            <a:r>
+              <a:rPr lang="ko-KR" altLang="en-US" sz="1300" b="1" dirty="0"/>
+              <a:t>정보가 정확할 시 </a:t>
+            </a:r>
+            <a:r>
+              <a:rPr lang="en-US" altLang="ko-KR" sz="1300" b="1" dirty="0">
+                <a:solidFill>
+                  <a:srgbClr val="FF0000"/>
+                </a:solidFill>
+              </a:rPr>
+              <a:t>Signed </a:t>
+            </a:r>
+            <a:r>
+              <a:rPr lang="ko-KR" altLang="en-US" sz="1300" b="1" dirty="0">
+                <a:solidFill>
+                  <a:srgbClr val="FF0000"/>
+                </a:solidFill>
+              </a:rPr>
+              <a:t>토큰을 발급</a:t>
+            </a:r>
+            <a:r>
+              <a:rPr lang="ko-KR" altLang="en-US" sz="1300" b="1" dirty="0"/>
+              <a:t>한다</a:t>
+            </a:r>
+            <a:endParaRPr lang="en-US" altLang="ko-KR" sz="1300" b="1" dirty="0"/>
+          </a:p>
+          <a:p>
+            <a:endParaRPr lang="en-US" altLang="ko-KR" sz="1300" b="1" dirty="0"/>
+          </a:p>
+          <a:p>
             <a:r>
               <a:rPr lang="ko-KR" altLang="en-US" sz="1300" dirty="0"/>
-              <a:t>서버에 저장된 세션에 접근하기 위한 세션</a:t>
-            </a:r>
-            <a:r>
-              <a:rPr lang="en-US" altLang="ko-KR" sz="1300" dirty="0"/>
-              <a:t>ID)</a:t>
-            </a:r>
-            <a:r>
-              <a:rPr lang="ko-KR" altLang="en-US" sz="1300" dirty="0"/>
-              <a:t>가 </a:t>
-            </a:r>
-            <a:r>
-              <a:rPr lang="en-US" altLang="ko-KR" sz="1300" dirty="0"/>
+              <a:t>클라이언트 측에서는 전달받은 토큰을 저장해두고 서버에 요청 시 마다 해당 토큰을 함께 전달하며 이때 </a:t>
+            </a:r>
+            <a:r>
+              <a:rPr lang="en-US" altLang="ko-KR" sz="1300" b="1" dirty="0"/>
               <a:t>HTTP </a:t>
             </a:r>
             <a:r>
-              <a:rPr lang="ko-KR" altLang="en-US" sz="1300" dirty="0"/>
-              <a:t>요청 중 노출되어도 쿠키 자체에 중요한 정보는 담겨있지 않다</a:t>
-            </a:r>
-            <a:endParaRPr lang="en-US" altLang="ko-KR" sz="1300" dirty="0"/>
-          </a:p>
-          <a:p>
-            <a:pPr marL="342900" indent="-342900">
-              <a:buFont typeface="+mj-lt"/>
-              <a:buAutoNum type="arabicPeriod"/>
-            </a:pPr>
-            <a:endParaRPr lang="en-US" altLang="ko-KR" sz="1300" dirty="0"/>
-          </a:p>
-          <a:p>
-            <a:pPr marL="342900" indent="-342900">
-              <a:buFont typeface="+mj-lt"/>
-              <a:buAutoNum type="arabicPeriod"/>
-            </a:pPr>
-            <a:r>
-              <a:rPr lang="ko-KR" altLang="en-US" sz="1300" dirty="0"/>
-              <a:t>사용자 </a:t>
-            </a:r>
-            <a:r>
-              <a:rPr lang="en-US" altLang="ko-KR" sz="1300" dirty="0"/>
-              <a:t>A = 1, </a:t>
-            </a:r>
-            <a:r>
-              <a:rPr lang="ko-KR" altLang="en-US" sz="1300" dirty="0"/>
-              <a:t>사용자 </a:t>
-            </a:r>
-            <a:r>
-              <a:rPr lang="en-US" altLang="ko-KR" sz="1300" dirty="0"/>
-              <a:t>B = 2 </a:t>
-            </a:r>
-            <a:r>
-              <a:rPr lang="ko-KR" altLang="en-US" sz="1300" dirty="0"/>
-              <a:t>식으로 고유의 </a:t>
-            </a:r>
-            <a:r>
-              <a:rPr lang="en-US" altLang="ko-KR" sz="1300" dirty="0"/>
-              <a:t>ID</a:t>
-            </a:r>
-            <a:r>
-              <a:rPr lang="ko-KR" altLang="en-US" sz="1300" dirty="0"/>
-              <a:t>값을 발급받게 되며 서버에서는 쿠키 값을 받았을 때 회원정보를 일일이 확인할 필요 없이 바로 식별하여 서버 자원에 접근이 용이하다 </a:t>
-            </a:r>
+              <a:rPr lang="ko-KR" altLang="en-US" sz="1300" b="1" dirty="0"/>
+              <a:t>요청 헤더에 토큰을 포함시킨다</a:t>
+            </a:r>
+            <a:endParaRPr lang="en-US" altLang="ko-KR" sz="1300" b="1" dirty="0"/>
           </a:p>
         </p:txBody>
       </p:sp>
@@ -6208,8 +6401,8 @@
         </p:nvSpPr>
         <p:spPr>
           <a:xfrm>
-            <a:off x="4200264" y="923201"/>
-            <a:ext cx="7519882" cy="2197790"/>
+            <a:off x="4200264" y="4714273"/>
+            <a:ext cx="7519882" cy="1644963"/>
           </a:xfrm>
           <a:prstGeom prst="roundRect">
             <a:avLst/>
@@ -6248,262 +6441,46 @@
           </a:p>
         </p:txBody>
       </p:sp>
-      <p:sp>
-        <p:nvSpPr>
-          <p:cNvPr id="3" name="TextBox 2">
-            <a:extLst>
-              <a:ext uri="{FF2B5EF4-FFF2-40B4-BE49-F238E27FC236}">
-                <a16:creationId xmlns:a16="http://schemas.microsoft.com/office/drawing/2014/main" id="{E4192904-DED6-457B-980B-0677C96C8829}"/>
-              </a:ext>
-            </a:extLst>
-          </p:cNvPr>
-          <p:cNvSpPr txBox="1"/>
-          <p:nvPr/>
-        </p:nvSpPr>
-        <p:spPr>
-          <a:xfrm>
-            <a:off x="4557582" y="4182247"/>
-            <a:ext cx="6805246" cy="1692771"/>
+      <p:pic>
+        <p:nvPicPr>
+          <p:cNvPr id="7" name="그림 6">
+            <a:extLst>
+              <a:ext uri="{FF2B5EF4-FFF2-40B4-BE49-F238E27FC236}">
+                <a16:creationId xmlns:a16="http://schemas.microsoft.com/office/drawing/2014/main" id="{F24D3D19-B6AB-418F-9FD8-515D0BAB4843}"/>
+              </a:ext>
+            </a:extLst>
+          </p:cNvPr>
+          <p:cNvPicPr>
+            <a:picLocks noChangeAspect="1"/>
+          </p:cNvPicPr>
+          <p:nvPr/>
+        </p:nvPicPr>
+        <p:blipFill>
+          <a:blip r:embed="rId2">
+            <a:extLst>
+              <a:ext uri="{28A0092B-C50C-407E-A947-70E740481C1C}">
+                <a14:useLocalDpi xmlns:a14="http://schemas.microsoft.com/office/drawing/2010/main" val="0"/>
+              </a:ext>
+            </a:extLst>
+          </a:blip>
+          <a:stretch>
+            <a:fillRect/>
+          </a:stretch>
+        </p:blipFill>
+        <p:spPr>
+          <a:xfrm>
+            <a:off x="5638799" y="264056"/>
+            <a:ext cx="4572000" cy="4200525"/>
           </a:xfrm>
           <a:prstGeom prst="rect">
             <a:avLst/>
           </a:prstGeom>
-          <a:noFill/>
-        </p:spPr>
-        <p:txBody>
-          <a:bodyPr wrap="square" rtlCol="0">
-            <a:spAutoFit/>
-          </a:bodyPr>
-          <a:lstStyle/>
-          <a:p>
-            <a:pPr marL="342900" indent="-342900">
-              <a:buFont typeface="+mj-lt"/>
-              <a:buAutoNum type="arabicPeriod"/>
-            </a:pPr>
-            <a:r>
-              <a:rPr lang="ko-KR" altLang="en-US" sz="1300" dirty="0"/>
-              <a:t>해커가 사용자의 쿠키</a:t>
-            </a:r>
-            <a:r>
-              <a:rPr lang="en-US" altLang="ko-KR" sz="1300" dirty="0"/>
-              <a:t>(</a:t>
-            </a:r>
-            <a:r>
-              <a:rPr lang="ko-KR" altLang="en-US" sz="1300" dirty="0"/>
-              <a:t>세션</a:t>
-            </a:r>
-            <a:r>
-              <a:rPr lang="en-US" altLang="ko-KR" sz="1300" dirty="0"/>
-              <a:t>ID)</a:t>
-            </a:r>
-            <a:r>
-              <a:rPr lang="ko-KR" altLang="en-US" sz="1300" dirty="0"/>
-              <a:t>를 훔쳐 서버로 </a:t>
-            </a:r>
-            <a:r>
-              <a:rPr lang="en-US" altLang="ko-KR" sz="1300" dirty="0"/>
-              <a:t>HTTP </a:t>
-            </a:r>
-            <a:r>
-              <a:rPr lang="ko-KR" altLang="en-US" sz="1300" dirty="0"/>
-              <a:t>요청을 보내면 서버의 세션저장소에서 정상 사용자로 오인하여 정보를 제공할 수 있다</a:t>
-            </a:r>
-            <a:endParaRPr lang="en-US" altLang="ko-KR" sz="1300" dirty="0"/>
-          </a:p>
-          <a:p>
-            <a:pPr marL="342900" indent="-342900">
-              <a:buFont typeface="+mj-lt"/>
-              <a:buAutoNum type="arabicPeriod"/>
-            </a:pPr>
-            <a:endParaRPr lang="en-US" altLang="ko-KR" sz="1300" dirty="0"/>
-          </a:p>
-          <a:p>
-            <a:pPr marL="342900" indent="-342900">
-              <a:buFont typeface="+mj-lt"/>
-              <a:buAutoNum type="arabicPeriod"/>
-            </a:pPr>
-            <a:r>
-              <a:rPr lang="ko-KR" altLang="en-US" sz="1300" dirty="0"/>
-              <a:t>로그인 중인 사용자가 늘어날 경우 서버의 </a:t>
-            </a:r>
-            <a:r>
-              <a:rPr lang="en-US" altLang="ko-KR" sz="1300" dirty="0"/>
-              <a:t>RAM </a:t>
-            </a:r>
-            <a:r>
-              <a:rPr lang="ko-KR" altLang="en-US" sz="1300" dirty="0"/>
-              <a:t>또는 데이터베이스에 무리를 줄 수 있다</a:t>
-            </a:r>
-            <a:endParaRPr lang="en-US" altLang="ko-KR" sz="1300" dirty="0"/>
-          </a:p>
-          <a:p>
-            <a:pPr marL="342900" indent="-342900">
-              <a:buFont typeface="+mj-lt"/>
-              <a:buAutoNum type="arabicPeriod"/>
-            </a:pPr>
-            <a:endParaRPr lang="en-US" altLang="ko-KR" sz="1300" dirty="0"/>
-          </a:p>
-          <a:p>
-            <a:pPr marL="342900" indent="-342900">
-              <a:buFont typeface="+mj-lt"/>
-              <a:buAutoNum type="arabicPeriod"/>
-            </a:pPr>
-            <a:r>
-              <a:rPr lang="en-US" altLang="ko-KR" sz="1300" dirty="0"/>
-              <a:t>2</a:t>
-            </a:r>
-            <a:r>
-              <a:rPr lang="ko-KR" altLang="en-US" sz="1300" dirty="0"/>
-              <a:t>번 해결을 위해서버를 확장해야 할 경우 세션을 분산시키는 시스템을 설계해야 하지만 이러한 과정은 매우 어렵고 복잡하다</a:t>
-            </a:r>
-          </a:p>
-        </p:txBody>
-      </p:sp>
-      <p:sp>
-        <p:nvSpPr>
-          <p:cNvPr id="7" name="사각형: 둥근 모서리 6">
-            <a:extLst>
-              <a:ext uri="{FF2B5EF4-FFF2-40B4-BE49-F238E27FC236}">
-                <a16:creationId xmlns:a16="http://schemas.microsoft.com/office/drawing/2014/main" id="{94739689-8233-40DE-A419-F634D0DF85DA}"/>
-              </a:ext>
-            </a:extLst>
-          </p:cNvPr>
-          <p:cNvSpPr/>
-          <p:nvPr/>
-        </p:nvSpPr>
-        <p:spPr>
-          <a:xfrm>
-            <a:off x="4200264" y="3924047"/>
-            <a:ext cx="7519882" cy="2197790"/>
-          </a:xfrm>
-          <a:prstGeom prst="roundRect">
-            <a:avLst/>
-          </a:prstGeom>
-          <a:noFill/>
-          <a:ln w="25400">
-            <a:solidFill>
-              <a:srgbClr val="FF0000"/>
-            </a:solidFill>
-          </a:ln>
-        </p:spPr>
-        <p:style>
-          <a:lnRef idx="2">
-            <a:schemeClr val="accent1">
-              <a:shade val="50000"/>
-            </a:schemeClr>
-          </a:lnRef>
-          <a:fillRef idx="1">
-            <a:schemeClr val="accent1"/>
-          </a:fillRef>
-          <a:effectRef idx="0">
-            <a:schemeClr val="accent1"/>
-          </a:effectRef>
-          <a:fontRef idx="minor">
-            <a:schemeClr val="lt1"/>
-          </a:fontRef>
-        </p:style>
-        <p:txBody>
-          <a:bodyPr rtlCol="0" anchor="ctr"/>
-          <a:lstStyle/>
-          <a:p>
-            <a:pPr algn="ctr"/>
-            <a:endParaRPr lang="ko-KR" altLang="en-US" dirty="0"/>
-          </a:p>
-        </p:txBody>
-      </p:sp>
-      <p:sp>
-        <p:nvSpPr>
-          <p:cNvPr id="9" name="TextBox 8">
-            <a:extLst>
-              <a:ext uri="{FF2B5EF4-FFF2-40B4-BE49-F238E27FC236}">
-                <a16:creationId xmlns:a16="http://schemas.microsoft.com/office/drawing/2014/main" id="{9999B532-9837-492C-815A-3A7C77B8B497}"/>
-              </a:ext>
-            </a:extLst>
-          </p:cNvPr>
-          <p:cNvSpPr txBox="1"/>
-          <p:nvPr/>
-        </p:nvSpPr>
-        <p:spPr>
-          <a:xfrm>
-            <a:off x="7409486" y="738535"/>
-            <a:ext cx="1101438" cy="369332"/>
-          </a:xfrm>
-          <a:prstGeom prst="rect">
-            <a:avLst/>
-          </a:prstGeom>
-          <a:solidFill>
-            <a:schemeClr val="bg1"/>
-          </a:solidFill>
-        </p:spPr>
-        <p:txBody>
-          <a:bodyPr wrap="square" rtlCol="0">
-            <a:spAutoFit/>
-          </a:bodyPr>
-          <a:lstStyle/>
-          <a:p>
-            <a:pPr algn="ctr"/>
-            <a:r>
-              <a:rPr lang="ko-KR" altLang="en-US" b="1">
-                <a:solidFill>
-                  <a:srgbClr val="002060"/>
-                </a:solidFill>
-              </a:rPr>
-              <a:t>장점</a:t>
-            </a:r>
-            <a:endParaRPr lang="ko-KR" altLang="en-US" b="1" dirty="0">
-              <a:solidFill>
-                <a:srgbClr val="002060"/>
-              </a:solidFill>
-            </a:endParaRPr>
-          </a:p>
-        </p:txBody>
-      </p:sp>
-      <p:sp>
-        <p:nvSpPr>
-          <p:cNvPr id="19" name="TextBox 18">
-            <a:extLst>
-              <a:ext uri="{FF2B5EF4-FFF2-40B4-BE49-F238E27FC236}">
-                <a16:creationId xmlns:a16="http://schemas.microsoft.com/office/drawing/2014/main" id="{82356309-CE26-47AE-93F6-157FAEBA5954}"/>
-              </a:ext>
-            </a:extLst>
-          </p:cNvPr>
-          <p:cNvSpPr txBox="1"/>
-          <p:nvPr/>
-        </p:nvSpPr>
-        <p:spPr>
-          <a:xfrm>
-            <a:off x="7409486" y="3739381"/>
-            <a:ext cx="1101438" cy="369332"/>
-          </a:xfrm>
-          <a:prstGeom prst="rect">
-            <a:avLst/>
-          </a:prstGeom>
-          <a:solidFill>
-            <a:schemeClr val="bg1"/>
-          </a:solidFill>
-        </p:spPr>
-        <p:txBody>
-          <a:bodyPr wrap="square" rtlCol="0">
-            <a:spAutoFit/>
-          </a:bodyPr>
-          <a:lstStyle/>
-          <a:p>
-            <a:pPr algn="ctr"/>
-            <a:r>
-              <a:rPr lang="ko-KR" altLang="en-US" b="1" dirty="0">
-                <a:solidFill>
-                  <a:srgbClr val="002060"/>
-                </a:solidFill>
-              </a:rPr>
-              <a:t>단점</a:t>
-            </a:r>
-          </a:p>
-        </p:txBody>
-      </p:sp>
+        </p:spPr>
+      </p:pic>
     </p:spTree>
     <p:extLst>
       <p:ext uri="{BB962C8B-B14F-4D97-AF65-F5344CB8AC3E}">
-        <p14:creationId xmlns:p14="http://schemas.microsoft.com/office/powerpoint/2010/main" val="869994443"/>
+        <p14:creationId xmlns:p14="http://schemas.microsoft.com/office/powerpoint/2010/main" val="3193621254"/>
       </p:ext>
     </p:extLst>
   </p:cSld>
@@ -6597,7 +6574,7 @@
         <p:spPr>
           <a:xfrm>
             <a:off x="521146" y="458243"/>
-            <a:ext cx="2885885" cy="892552"/>
+            <a:ext cx="2885885" cy="523220"/>
           </a:xfrm>
           <a:prstGeom prst="rect">
             <a:avLst/>
@@ -6613,36 +6590,69 @@
               <a:defRPr/>
             </a:pPr>
             <a:r>
-              <a:rPr lang="ko-KR" altLang="en-US" sz="2600" b="1" kern="0" dirty="0">
-                <a:solidFill>
-                  <a:prstClr val="white"/>
-                </a:solidFill>
-              </a:rPr>
-              <a:t>토큰 기반 </a:t>
-            </a:r>
-            <a:endParaRPr lang="en-US" altLang="ko-KR" sz="2600" b="1" kern="0" dirty="0">
-              <a:solidFill>
-                <a:prstClr val="white"/>
-              </a:solidFill>
-            </a:endParaRPr>
-          </a:p>
-          <a:p>
-            <a:pPr latinLnBrk="0">
-              <a:defRPr/>
-            </a:pPr>
-            <a:r>
-              <a:rPr lang="ko-KR" altLang="en-US" sz="2600" b="1" kern="0" dirty="0">
-                <a:solidFill>
-                  <a:prstClr val="white"/>
-                </a:solidFill>
-              </a:rPr>
-              <a:t>인증 방식 이란</a:t>
-            </a:r>
-            <a:endParaRPr lang="en-US" altLang="ko-KR" sz="2600" b="1" kern="0" dirty="0">
-              <a:solidFill>
-                <a:prstClr val="white"/>
-              </a:solidFill>
-            </a:endParaRPr>
+              <a:rPr lang="en-US" altLang="ko-KR" sz="2800" b="1" kern="0" dirty="0">
+                <a:solidFill>
+                  <a:prstClr val="white"/>
+                </a:solidFill>
+              </a:rPr>
+              <a:t>J</a:t>
+            </a:r>
+            <a:r>
+              <a:rPr lang="en-US" altLang="ko-KR" sz="2000" kern="0" dirty="0">
+                <a:solidFill>
+                  <a:prstClr val="white"/>
+                </a:solidFill>
+              </a:rPr>
+              <a:t>son </a:t>
+            </a:r>
+            <a:r>
+              <a:rPr lang="en-US" altLang="ko-KR" sz="2800" b="1" kern="0" dirty="0">
+                <a:solidFill>
+                  <a:prstClr val="white"/>
+                </a:solidFill>
+              </a:rPr>
+              <a:t>W</a:t>
+            </a:r>
+            <a:r>
+              <a:rPr lang="en-US" altLang="ko-KR" sz="2000" kern="0" dirty="0">
+                <a:solidFill>
+                  <a:prstClr val="white"/>
+                </a:solidFill>
+              </a:rPr>
+              <a:t>eb </a:t>
+            </a:r>
+            <a:r>
+              <a:rPr lang="en-US" altLang="ko-KR" sz="2800" b="1" kern="0" dirty="0">
+                <a:solidFill>
+                  <a:prstClr val="white"/>
+                </a:solidFill>
+              </a:rPr>
+              <a:t>T</a:t>
+            </a:r>
+            <a:r>
+              <a:rPr lang="en-US" altLang="ko-KR" sz="2000" kern="0" dirty="0">
+                <a:solidFill>
+                  <a:prstClr val="white"/>
+                </a:solidFill>
+              </a:rPr>
+              <a:t>oken </a:t>
+            </a:r>
+            <a:r>
+              <a:rPr lang="ko-KR" altLang="en-US" sz="2200" kern="0" dirty="0">
+                <a:solidFill>
+                  <a:prstClr val="white"/>
+                </a:solidFill>
+              </a:rPr>
+              <a:t>란</a:t>
+            </a:r>
+            <a:r>
+              <a:rPr lang="en-US" altLang="ko-KR" sz="2200" kern="0" dirty="0">
+                <a:solidFill>
+                  <a:prstClr val="white"/>
+                </a:solidFill>
+              </a:rPr>
+              <a:t>?</a:t>
+            </a:r>
           </a:p>
         </p:txBody>
       </p:sp>
@@ -6747,7 +6757,7 @@
         <p:spPr>
           <a:xfrm>
             <a:off x="374554" y="2041063"/>
-            <a:ext cx="2885885" cy="4554901"/>
+            <a:ext cx="2885885" cy="3954737"/>
           </a:xfrm>
           <a:prstGeom prst="rect">
             <a:avLst/>
@@ -6766,13 +6776,22 @@
               </a:lnSpc>
             </a:pPr>
             <a:r>
+              <a:rPr lang="en-US" altLang="ko-KR" sz="1300" dirty="0">
+                <a:solidFill>
+                  <a:prstClr val="white"/>
+                </a:solidFill>
+                <a:cs typeface="Aharoni" panose="02010803020104030203" pitchFamily="2" charset="-79"/>
+              </a:rPr>
+              <a:t>Json </a:t>
+            </a:r>
+            <a:r>
               <a:rPr lang="ko-KR" altLang="en-US" sz="1300" dirty="0">
                 <a:solidFill>
                   <a:prstClr val="white"/>
                 </a:solidFill>
                 <a:cs typeface="Aharoni" panose="02010803020104030203" pitchFamily="2" charset="-79"/>
               </a:rPr>
-              <a:t>인증 받은 사용자들에게 토큰을 발급하고</a:t>
+              <a:t>포맷을 이용하여 사용자에 대한 속성을 저장하는 </a:t>
             </a:r>
             <a:r>
               <a:rPr lang="en-US" altLang="ko-KR" sz="1300" dirty="0">
@@ -6781,7 +6800,7 @@
                 </a:solidFill>
                 <a:cs typeface="Aharoni" panose="02010803020104030203" pitchFamily="2" charset="-79"/>
               </a:rPr>
-              <a:t>, </a:t>
+              <a:t>Claim </a:t>
             </a:r>
             <a:r>
               <a:rPr lang="ko-KR" altLang="en-US" sz="1300" dirty="0">
@@ -6790,7 +6809,25 @@
                 </a:solidFill>
                 <a:cs typeface="Aharoni" panose="02010803020104030203" pitchFamily="2" charset="-79"/>
               </a:rPr>
-              <a:t>서버에 요청을 할 때 헤더에 토큰을 함께 보내 유효성 검사를 한다</a:t>
+              <a:t>기반의 </a:t>
+            </a:r>
+            <a:r>
+              <a:rPr lang="en-US" altLang="ko-KR" sz="1300" dirty="0">
+                <a:solidFill>
+                  <a:prstClr val="white"/>
+                </a:solidFill>
+                <a:cs typeface="Aharoni" panose="02010803020104030203" pitchFamily="2" charset="-79"/>
+              </a:rPr>
+              <a:t>Web Token</a:t>
+            </a:r>
+            <a:r>
+              <a:rPr lang="ko-KR" altLang="en-US" sz="1300" dirty="0">
+                <a:solidFill>
+                  <a:prstClr val="white"/>
+                </a:solidFill>
+                <a:cs typeface="Aharoni" panose="02010803020104030203" pitchFamily="2" charset="-79"/>
+              </a:rPr>
+              <a:t>이다</a:t>
             </a:r>
             <a:endParaRPr lang="en-US" altLang="ko-KR" sz="1300" dirty="0">
               <a:solidFill>
@@ -6818,6 +6855,28 @@
                 <a:spcPct val="150000"/>
               </a:lnSpc>
             </a:pPr>
+            <a:endParaRPr lang="en-US" altLang="ko-KR" sz="1300" dirty="0">
+              <a:solidFill>
+                <a:prstClr val="white"/>
+              </a:solidFill>
+              <a:cs typeface="Aharoni" panose="02010803020104030203" pitchFamily="2" charset="-79"/>
+            </a:endParaRPr>
+          </a:p>
+          <a:p>
+            <a:pPr>
+              <a:lnSpc>
+                <a:spcPct val="150000"/>
+              </a:lnSpc>
+            </a:pPr>
+            <a:r>
+              <a:rPr lang="en-US" altLang="ko-KR" sz="1300" dirty="0">
+                <a:solidFill>
+                  <a:prstClr val="white"/>
+                </a:solidFill>
+                <a:cs typeface="Aharoni" panose="02010803020104030203" pitchFamily="2" charset="-79"/>
+              </a:rPr>
+              <a:t>JWT</a:t>
+            </a:r>
             <a:r>
               <a:rPr lang="ko-KR" altLang="en-US" sz="1300" dirty="0">
                 <a:solidFill>
@@ -6825,7 +6884,25 @@
                 </a:solidFill>
                 <a:cs typeface="Aharoni" panose="02010803020104030203" pitchFamily="2" charset="-79"/>
               </a:rPr>
-              <a:t>사용자의 인증 정보를 서버나 세션에 유지하지 않고 클라이언트 측에서 들어오는 요청만으로 작업을 처리한다</a:t>
+              <a:t>는 토큰 자체를 정보로 사용하는 </a:t>
+            </a:r>
+            <a:r>
+              <a:rPr lang="en-US" altLang="ko-KR" sz="1300" dirty="0">
+                <a:solidFill>
+                  <a:prstClr val="white"/>
+                </a:solidFill>
+                <a:cs typeface="Aharoni" panose="02010803020104030203" pitchFamily="2" charset="-79"/>
+              </a:rPr>
+              <a:t>Self-Contained </a:t>
+            </a:r>
+            <a:r>
+              <a:rPr lang="ko-KR" altLang="en-US" sz="1300" dirty="0">
+                <a:solidFill>
+                  <a:prstClr val="white"/>
+                </a:solidFill>
+                <a:cs typeface="Aharoni" panose="02010803020104030203" pitchFamily="2" charset="-79"/>
+              </a:rPr>
+              <a:t>방식으로 정보를 안전하게 전달한다</a:t>
             </a:r>
             <a:endParaRPr lang="en-US" altLang="ko-KR" sz="1300" dirty="0">
               <a:solidFill>
@@ -6853,6 +6930,19 @@
                 <a:spcPct val="150000"/>
               </a:lnSpc>
             </a:pPr>
+            <a:endParaRPr lang="en-US" altLang="ko-KR" sz="1300" dirty="0">
+              <a:solidFill>
+                <a:prstClr val="white"/>
+              </a:solidFill>
+              <a:cs typeface="Aharoni" panose="02010803020104030203" pitchFamily="2" charset="-79"/>
+            </a:endParaRPr>
+          </a:p>
+          <a:p>
+            <a:pPr>
+              <a:lnSpc>
+                <a:spcPct val="150000"/>
+              </a:lnSpc>
+            </a:pPr>
             <a:r>
               <a:rPr lang="ko-KR" altLang="en-US" sz="1300" dirty="0">
                 <a:solidFill>
@@ -6860,43 +6950,7 @@
                 </a:solidFill>
                 <a:cs typeface="Aharoni" panose="02010803020104030203" pitchFamily="2" charset="-79"/>
               </a:rPr>
-              <a:t>토큰 기반 시스템은 </a:t>
-            </a:r>
-            <a:r>
-              <a:rPr lang="en-US" altLang="ko-KR" sz="1300" dirty="0">
-                <a:solidFill>
-                  <a:prstClr val="white"/>
-                </a:solidFill>
-                <a:cs typeface="Aharoni" panose="02010803020104030203" pitchFamily="2" charset="-79"/>
-              </a:rPr>
-              <a:t>stateless</a:t>
-            </a:r>
-            <a:r>
-              <a:rPr lang="ko-KR" altLang="en-US" sz="1300" dirty="0">
-                <a:solidFill>
-                  <a:prstClr val="white"/>
-                </a:solidFill>
-                <a:cs typeface="Aharoni" panose="02010803020104030203" pitchFamily="2" charset="-79"/>
-              </a:rPr>
-              <a:t> 하여 클라이언트와 서버의 연결고리가 없기 때문에 서버의 확장성 </a:t>
-            </a:r>
-            <a:r>
-              <a:rPr lang="en-US" altLang="ko-KR" sz="1300" dirty="0">
-                <a:solidFill>
-                  <a:prstClr val="white"/>
-                </a:solidFill>
-                <a:cs typeface="Aharoni" panose="02010803020104030203" pitchFamily="2" charset="-79"/>
-              </a:rPr>
-              <a:t>(Scalability)</a:t>
-            </a:r>
-            <a:r>
-              <a:rPr lang="ko-KR" altLang="en-US" sz="1300" dirty="0">
-                <a:solidFill>
-                  <a:prstClr val="white"/>
-                </a:solidFill>
-                <a:cs typeface="Aharoni" panose="02010803020104030203" pitchFamily="2" charset="-79"/>
-              </a:rPr>
-              <a:t>이 높아진다</a:t>
+              <a:t> 주로 회원 인증이나 정보 전달에 사용된다</a:t>
             </a:r>
             <a:endParaRPr lang="en-US" altLang="ko-KR" sz="1300" dirty="0">
               <a:solidFill>
@@ -6934,8 +6988,8 @@
         </p:nvSpPr>
         <p:spPr>
           <a:xfrm>
-            <a:off x="4378923" y="5090478"/>
-            <a:ext cx="7162564" cy="892552"/>
+            <a:off x="4557582" y="4968770"/>
+            <a:ext cx="6805246" cy="1092607"/>
           </a:xfrm>
           <a:prstGeom prst="rect">
             <a:avLst/>
@@ -6949,52 +7003,96 @@
           <a:lstStyle/>
           <a:p>
             <a:r>
+              <a:rPr lang="en-US" altLang="ko-KR" sz="1300" dirty="0"/>
+              <a:t>Static </a:t>
+            </a:r>
+            <a:r>
               <a:rPr lang="ko-KR" altLang="en-US" sz="1300" dirty="0"/>
-              <a:t>사용자 로그인 시 서버 측에서 해당 정보를 검증 후 </a:t>
+              <a:t>변수에 저장되는 이유는 </a:t>
+            </a:r>
+            <a:r>
+              <a:rPr lang="en-US" altLang="ko-KR" sz="1300" dirty="0"/>
+              <a:t>HTTP </a:t>
+            </a:r>
+            <a:r>
+              <a:rPr lang="ko-KR" altLang="en-US" sz="1300" dirty="0"/>
+              <a:t>통신을 할 때마다 </a:t>
+            </a:r>
+            <a:r>
+              <a:rPr lang="en-US" altLang="ko-KR" sz="1300" dirty="0"/>
+              <a:t>JWT</a:t>
+            </a:r>
+            <a:r>
+              <a:rPr lang="ko-KR" altLang="en-US" sz="1300" dirty="0"/>
+              <a:t>를 </a:t>
+            </a:r>
+            <a:r>
+              <a:rPr lang="en-US" altLang="ko-KR" sz="1300" dirty="0"/>
+              <a:t>HTTP </a:t>
+            </a:r>
+            <a:r>
+              <a:rPr lang="ko-KR" altLang="en-US" sz="1300" dirty="0"/>
+              <a:t>헤더에 담아 보내야 하는데</a:t>
+            </a:r>
+            <a:r>
+              <a:rPr lang="en-US" altLang="ko-KR" sz="1300" dirty="0"/>
+              <a:t>, </a:t>
+            </a:r>
+            <a:r>
+              <a:rPr lang="ko-KR" altLang="en-US" sz="1300" dirty="0"/>
+              <a:t>이를 </a:t>
             </a:r>
             <a:r>
               <a:rPr lang="ko-KR" altLang="en-US" sz="1300" b="1" dirty="0"/>
-              <a:t>정보가 정확할 시 </a:t>
-            </a:r>
-            <a:r>
-              <a:rPr lang="en-US" altLang="ko-KR" sz="1300" b="1" dirty="0">
-                <a:solidFill>
-                  <a:srgbClr val="FF0000"/>
-                </a:solidFill>
-              </a:rPr>
-              <a:t>Signed </a:t>
-            </a:r>
-            <a:r>
-              <a:rPr lang="ko-KR" altLang="en-US" sz="1300" b="1" dirty="0">
-                <a:solidFill>
-                  <a:srgbClr val="FF0000"/>
-                </a:solidFill>
-              </a:rPr>
-              <a:t>토큰을 발급</a:t>
+              <a:t>로컬 스토리지에서 계속 불러올 시 오버헤드가 발생하기 때문</a:t>
+            </a:r>
+            <a:r>
+              <a:rPr lang="ko-KR" altLang="en-US" sz="1300" dirty="0"/>
+              <a:t>이다</a:t>
+            </a:r>
+            <a:endParaRPr lang="en-US" altLang="ko-KR" sz="1300" dirty="0"/>
+          </a:p>
+          <a:p>
+            <a:endParaRPr lang="en-US" altLang="ko-KR" sz="1300" dirty="0"/>
+          </a:p>
+          <a:p>
+            <a:r>
+              <a:rPr lang="ko-KR" altLang="en-US" sz="1300" dirty="0"/>
+              <a:t>클라이언트에서 </a:t>
+            </a:r>
+            <a:r>
+              <a:rPr lang="en-US" altLang="ko-KR" sz="1300" dirty="0"/>
+              <a:t>JWT</a:t>
+            </a:r>
+            <a:r>
+              <a:rPr lang="ko-KR" altLang="en-US" sz="1300" dirty="0"/>
+              <a:t>를 포함해 요청을 보내면 서버는 허가된 </a:t>
+            </a:r>
+            <a:r>
+              <a:rPr lang="en-US" altLang="ko-KR" sz="1300" dirty="0"/>
+              <a:t>JWT</a:t>
+            </a:r>
+            <a:r>
+              <a:rPr lang="ko-KR" altLang="en-US" sz="1300" dirty="0"/>
+              <a:t>인지 검사하며 </a:t>
             </a:r>
             <a:r>
               <a:rPr lang="ko-KR" altLang="en-US" sz="1300" b="1" dirty="0"/>
+              <a:t>로그아웃을 할 경우 로컬 스토리지에 저장된 </a:t>
+            </a:r>
+            <a:r>
+              <a:rPr lang="en-US" altLang="ko-KR" sz="1300" b="1" dirty="0"/>
+              <a:t>JWT</a:t>
+            </a:r>
+            <a:r>
+              <a:rPr lang="ko-KR" altLang="en-US" sz="1300" b="1" dirty="0"/>
+              <a:t>데이터를 제거</a:t>
+            </a:r>
+            <a:r>
+              <a:rPr lang="ko-KR" altLang="en-US" sz="1300" dirty="0"/>
               <a:t>한다</a:t>
             </a:r>
-            <a:endParaRPr lang="en-US" altLang="ko-KR" sz="1300" b="1" dirty="0"/>
-          </a:p>
-          <a:p>
-            <a:endParaRPr lang="en-US" altLang="ko-KR" sz="1300" b="1" dirty="0"/>
-          </a:p>
-          <a:p>
-            <a:r>
-              <a:rPr lang="ko-KR" altLang="en-US" sz="1300" dirty="0"/>
-              <a:t>클라이언트 측에서는 전달받은 토큰을 저장해두고 서버에 요청 시 마다 해당 토큰을 함께 전달하며 이때 </a:t>
-            </a:r>
-            <a:r>
-              <a:rPr lang="en-US" altLang="ko-KR" sz="1300" b="1" dirty="0"/>
-              <a:t>HTTP </a:t>
-            </a:r>
-            <a:r>
-              <a:rPr lang="ko-KR" altLang="en-US" sz="1300" b="1" dirty="0"/>
-              <a:t>요청 헤더에 토큰을 포함시킨다</a:t>
-            </a:r>
-            <a:endParaRPr lang="en-US" altLang="ko-KR" sz="1300" b="1" dirty="0"/>
+            <a:endParaRPr lang="en-US" altLang="ko-KR" sz="1300" dirty="0"/>
           </a:p>
         </p:txBody>
       </p:sp>
@@ -7074,14 +7172,13 @@
               </a:ext>
             </a:extLst>
           </a:blip>
-          <a:stretch>
-            <a:fillRect/>
-          </a:stretch>
+          <a:srcRect/>
+          <a:stretch/>
         </p:blipFill>
         <p:spPr>
           <a:xfrm>
-            <a:off x="5638799" y="264056"/>
-            <a:ext cx="4572000" cy="4200525"/>
+            <a:off x="4200264" y="161499"/>
+            <a:ext cx="7519881" cy="4379607"/>
           </a:xfrm>
           <a:prstGeom prst="rect">
             <a:avLst/>
@@ -7091,7 +7188,7 @@
     </p:spTree>
     <p:extLst>
       <p:ext uri="{BB962C8B-B14F-4D97-AF65-F5344CB8AC3E}">
-        <p14:creationId xmlns:p14="http://schemas.microsoft.com/office/powerpoint/2010/main" val="3193621254"/>
+        <p14:creationId xmlns:p14="http://schemas.microsoft.com/office/powerpoint/2010/main" val="3730522226"/>
       </p:ext>
     </p:extLst>
   </p:cSld>
@@ -7185,7 +7282,7 @@
         <p:spPr>
           <a:xfrm>
             <a:off x="521146" y="458243"/>
-            <a:ext cx="2885885" cy="523220"/>
+            <a:ext cx="2885885" cy="584775"/>
           </a:xfrm>
           <a:prstGeom prst="rect">
             <a:avLst/>
@@ -7201,69 +7298,34 @@
               <a:defRPr/>
             </a:pPr>
             <a:r>
-              <a:rPr lang="en-US" altLang="ko-KR" sz="2800" b="1" kern="0" dirty="0">
-                <a:solidFill>
-                  <a:prstClr val="white"/>
-                </a:solidFill>
-              </a:rPr>
-              <a:t>J</a:t>
-            </a:r>
-            <a:r>
-              <a:rPr lang="en-US" altLang="ko-KR" sz="2000" kern="0" dirty="0">
-                <a:solidFill>
-                  <a:prstClr val="white"/>
-                </a:solidFill>
-              </a:rPr>
-              <a:t>son </a:t>
-            </a:r>
-            <a:r>
-              <a:rPr lang="en-US" altLang="ko-KR" sz="2800" b="1" kern="0" dirty="0">
-                <a:solidFill>
-                  <a:prstClr val="white"/>
-                </a:solidFill>
-              </a:rPr>
-              <a:t>W</a:t>
-            </a:r>
-            <a:r>
-              <a:rPr lang="en-US" altLang="ko-KR" sz="2000" kern="0" dirty="0">
-                <a:solidFill>
-                  <a:prstClr val="white"/>
-                </a:solidFill>
-              </a:rPr>
-              <a:t>eb </a:t>
-            </a:r>
-            <a:r>
-              <a:rPr lang="en-US" altLang="ko-KR" sz="2800" b="1" kern="0" dirty="0">
-                <a:solidFill>
-                  <a:prstClr val="white"/>
-                </a:solidFill>
-              </a:rPr>
-              <a:t>T</a:t>
-            </a:r>
-            <a:r>
-              <a:rPr lang="en-US" altLang="ko-KR" sz="2000" kern="0" dirty="0">
-                <a:solidFill>
-                  <a:prstClr val="white"/>
-                </a:solidFill>
-              </a:rPr>
-              <a:t>oken </a:t>
-            </a:r>
-            <a:r>
-              <a:rPr lang="ko-KR" altLang="en-US" sz="2200" kern="0" dirty="0">
-                <a:solidFill>
-                  <a:prstClr val="white"/>
-                </a:solidFill>
-              </a:rPr>
-              <a:t>란</a:t>
-            </a:r>
-            <a:r>
-              <a:rPr lang="en-US" altLang="ko-KR" sz="2200" kern="0" dirty="0">
-                <a:solidFill>
-                  <a:prstClr val="white"/>
-                </a:solidFill>
-              </a:rPr>
-              <a:t>?</a:t>
-            </a:r>
+              <a:rPr lang="en-US" altLang="ko-KR" sz="3200" b="1" kern="0" dirty="0">
+                <a:solidFill>
+                  <a:prstClr val="white"/>
+                </a:solidFill>
+              </a:rPr>
+              <a:t>JWT</a:t>
+            </a:r>
+            <a:r>
+              <a:rPr lang="en-US" altLang="ko-KR" sz="2400" kern="0" dirty="0">
+                <a:solidFill>
+                  <a:prstClr val="white"/>
+                </a:solidFill>
+              </a:rPr>
+              <a:t> </a:t>
+            </a:r>
+            <a:r>
+              <a:rPr lang="ko-KR" altLang="en-US" sz="2400" kern="0" dirty="0">
+                <a:solidFill>
+                  <a:prstClr val="white"/>
+                </a:solidFill>
+              </a:rPr>
+              <a:t>의 구조</a:t>
+            </a:r>
+            <a:endParaRPr lang="en-US" altLang="ko-KR" sz="2400" kern="0" dirty="0">
+              <a:solidFill>
+                <a:prstClr val="white"/>
+              </a:solidFill>
+            </a:endParaRPr>
           </a:p>
         </p:txBody>
       </p:sp>
@@ -7368,7 +7430,7 @@
         <p:spPr>
           <a:xfrm>
             <a:off x="374554" y="2041063"/>
-            <a:ext cx="2885885" cy="3954737"/>
+            <a:ext cx="2885885" cy="3654655"/>
           </a:xfrm>
           <a:prstGeom prst="rect">
             <a:avLst/>
@@ -7393,7 +7455,7 @@
                 </a:solidFill>
                 <a:cs typeface="Aharoni" panose="02010803020104030203" pitchFamily="2" charset="-79"/>
               </a:rPr>
-              <a:t>Json </a:t>
+              <a:t>JWT</a:t>
             </a:r>
             <a:r>
               <a:rPr lang="ko-KR" altLang="en-US" sz="1300" dirty="0">
@@ -7402,7 +7464,25 @@
                 </a:solidFill>
                 <a:cs typeface="Aharoni" panose="02010803020104030203" pitchFamily="2" charset="-79"/>
               </a:rPr>
-              <a:t>포맷을 이용하여 사용자에 대한 속성을 저장하는 </a:t>
+              <a:t>는 </a:t>
+            </a:r>
+            <a:r>
+              <a:rPr lang="en-US" altLang="ko-KR" sz="1300" b="1" dirty="0">
+                <a:solidFill>
+                  <a:prstClr val="white"/>
+                </a:solidFill>
+                <a:cs typeface="Aharoni" panose="02010803020104030203" pitchFamily="2" charset="-79"/>
+              </a:rPr>
+              <a:t>header, Payload, Signature</a:t>
+            </a:r>
+            <a:r>
+              <a:rPr lang="ko-KR" altLang="en-US" sz="1300" dirty="0">
+                <a:solidFill>
+                  <a:prstClr val="white"/>
+                </a:solidFill>
+                <a:cs typeface="Aharoni" panose="02010803020104030203" pitchFamily="2" charset="-79"/>
+              </a:rPr>
+              <a:t>의 </a:t>
             </a:r>
             <a:r>
               <a:rPr lang="en-US" altLang="ko-KR" sz="1300" dirty="0">
@@ -7411,7 +7491,7 @@
                 </a:solidFill>
                 <a:cs typeface="Aharoni" panose="02010803020104030203" pitchFamily="2" charset="-79"/>
               </a:rPr>
-              <a:t>Claim </a:t>
+              <a:t>3 </a:t>
             </a:r>
             <a:r>
               <a:rPr lang="ko-KR" altLang="en-US" sz="1300" dirty="0">
@@ -7420,148 +7500,7 @@
                 </a:solidFill>
                 <a:cs typeface="Aharoni" panose="02010803020104030203" pitchFamily="2" charset="-79"/>
               </a:rPr>
-              <a:t>기반의 </a:t>
-            </a:r>
-            <a:r>
-              <a:rPr lang="en-US" altLang="ko-KR" sz="1300" dirty="0">
-                <a:solidFill>
-                  <a:prstClr val="white"/>
-                </a:solidFill>
-                <a:cs typeface="Aharoni" panose="02010803020104030203" pitchFamily="2" charset="-79"/>
-              </a:rPr>
-              <a:t>Web Token</a:t>
-            </a:r>
-            <a:r>
-              <a:rPr lang="ko-KR" altLang="en-US" sz="1300" dirty="0">
-                <a:solidFill>
-                  <a:prstClr val="white"/>
-                </a:solidFill>
-                <a:cs typeface="Aharoni" panose="02010803020104030203" pitchFamily="2" charset="-79"/>
-              </a:rPr>
-              <a:t>이다</a:t>
-            </a:r>
-            <a:endParaRPr lang="en-US" altLang="ko-KR" sz="1300" dirty="0">
-              <a:solidFill>
-                <a:prstClr val="white"/>
-              </a:solidFill>
-              <a:cs typeface="Aharoni" panose="02010803020104030203" pitchFamily="2" charset="-79"/>
-            </a:endParaRPr>
-          </a:p>
-          <a:p>
-            <a:pPr>
-              <a:lnSpc>
-                <a:spcPct val="150000"/>
-              </a:lnSpc>
-            </a:pPr>
-            <a:endParaRPr lang="en-US" altLang="ko-KR" sz="1300" dirty="0">
-              <a:solidFill>
-                <a:prstClr val="white"/>
-              </a:solidFill>
-              <a:cs typeface="Aharoni" panose="02010803020104030203" pitchFamily="2" charset="-79"/>
-            </a:endParaRPr>
-          </a:p>
-          <a:p>
-            <a:pPr>
-              <a:lnSpc>
-                <a:spcPct val="150000"/>
-              </a:lnSpc>
-            </a:pPr>
-            <a:endParaRPr lang="en-US" altLang="ko-KR" sz="1300" dirty="0">
-              <a:solidFill>
-                <a:prstClr val="white"/>
-              </a:solidFill>
-              <a:cs typeface="Aharoni" panose="02010803020104030203" pitchFamily="2" charset="-79"/>
-            </a:endParaRPr>
-          </a:p>
-          <a:p>
-            <a:pPr>
-              <a:lnSpc>
-                <a:spcPct val="150000"/>
-              </a:lnSpc>
-            </a:pPr>
-            <a:r>
-              <a:rPr lang="en-US" altLang="ko-KR" sz="1300" dirty="0">
-                <a:solidFill>
-                  <a:prstClr val="white"/>
-                </a:solidFill>
-                <a:cs typeface="Aharoni" panose="02010803020104030203" pitchFamily="2" charset="-79"/>
-              </a:rPr>
-              <a:t>JWT</a:t>
-            </a:r>
-            <a:r>
-              <a:rPr lang="ko-KR" altLang="en-US" sz="1300" dirty="0">
-                <a:solidFill>
-                  <a:prstClr val="white"/>
-                </a:solidFill>
-                <a:cs typeface="Aharoni" panose="02010803020104030203" pitchFamily="2" charset="-79"/>
-              </a:rPr>
-              <a:t>는 토큰 자체를 정보로 사용하는 </a:t>
-            </a:r>
-            <a:r>
-              <a:rPr lang="en-US" altLang="ko-KR" sz="1300" dirty="0">
-                <a:solidFill>
-                  <a:prstClr val="white"/>
-                </a:solidFill>
-                <a:cs typeface="Aharoni" panose="02010803020104030203" pitchFamily="2" charset="-79"/>
-              </a:rPr>
-              <a:t>Self-Contained </a:t>
-            </a:r>
-            <a:r>
-              <a:rPr lang="ko-KR" altLang="en-US" sz="1300" dirty="0">
-                <a:solidFill>
-                  <a:prstClr val="white"/>
-                </a:solidFill>
-                <a:cs typeface="Aharoni" panose="02010803020104030203" pitchFamily="2" charset="-79"/>
-              </a:rPr>
-              <a:t>방식으로 정보를 안전하게 전달한다</a:t>
-            </a:r>
-            <a:endParaRPr lang="en-US" altLang="ko-KR" sz="1300" dirty="0">
-              <a:solidFill>
-                <a:prstClr val="white"/>
-              </a:solidFill>
-              <a:cs typeface="Aharoni" panose="02010803020104030203" pitchFamily="2" charset="-79"/>
-            </a:endParaRPr>
-          </a:p>
-          <a:p>
-            <a:pPr>
-              <a:lnSpc>
-                <a:spcPct val="150000"/>
-              </a:lnSpc>
-            </a:pPr>
-            <a:endParaRPr lang="en-US" altLang="ko-KR" sz="1300" dirty="0">
-              <a:solidFill>
-                <a:prstClr val="white"/>
-              </a:solidFill>
-              <a:cs typeface="Aharoni" panose="02010803020104030203" pitchFamily="2" charset="-79"/>
-            </a:endParaRPr>
-          </a:p>
-          <a:p>
-            <a:pPr>
-              <a:lnSpc>
-                <a:spcPct val="150000"/>
-              </a:lnSpc>
-            </a:pPr>
-            <a:endParaRPr lang="en-US" altLang="ko-KR" sz="1300" dirty="0">
-              <a:solidFill>
-                <a:prstClr val="white"/>
-              </a:solidFill>
-              <a:cs typeface="Aharoni" panose="02010803020104030203" pitchFamily="2" charset="-79"/>
-            </a:endParaRPr>
-          </a:p>
-          <a:p>
-            <a:pPr>
-              <a:lnSpc>
-                <a:spcPct val="150000"/>
-              </a:lnSpc>
-            </a:pPr>
-            <a:r>
-              <a:rPr lang="ko-KR" altLang="en-US" sz="1300" dirty="0">
-                <a:solidFill>
-                  <a:prstClr val="white"/>
-                </a:solidFill>
-                <a:cs typeface="Aharoni" panose="02010803020104030203" pitchFamily="2" charset="-79"/>
-              </a:rPr>
-              <a:t> 주로 회원 인증이나 정보 전달에 사용된다</a:t>
+              <a:t>부분으로 이루어진다</a:t>
             </a:r>
             <a:endParaRPr lang="en-US" altLang="ko-KR" sz="1300" dirty="0">
               <a:solidFill>
@@ -7583,127 +7522,161 @@
               <a:cs typeface="Aharoni" panose="02010803020104030203" pitchFamily="2" charset="-79"/>
             </a:endParaRPr>
           </a:p>
-        </p:txBody>
-      </p:sp>
-      <p:sp>
-        <p:nvSpPr>
-          <p:cNvPr id="4" name="TextBox 3">
-            <a:extLst>
-              <a:ext uri="{FF2B5EF4-FFF2-40B4-BE49-F238E27FC236}">
-                <a16:creationId xmlns:a16="http://schemas.microsoft.com/office/drawing/2014/main" id="{2B4B231A-ABB4-4F22-9EE6-B4747A4305C6}"/>
-              </a:ext>
-            </a:extLst>
-          </p:cNvPr>
-          <p:cNvSpPr txBox="1"/>
-          <p:nvPr/>
-        </p:nvSpPr>
-        <p:spPr>
-          <a:xfrm>
-            <a:off x="4557582" y="4968770"/>
-            <a:ext cx="6805246" cy="1092607"/>
-          </a:xfrm>
-          <a:prstGeom prst="rect">
-            <a:avLst/>
-          </a:prstGeom>
-          <a:noFill/>
-        </p:spPr>
-        <p:txBody>
-          <a:bodyPr wrap="square" rtlCol="0">
-            <a:spAutoFit/>
-          </a:bodyPr>
-          <a:lstStyle/>
-          <a:p>
-            <a:r>
-              <a:rPr lang="en-US" altLang="ko-KR" sz="1300" dirty="0"/>
-              <a:t>Static </a:t>
-            </a:r>
-            <a:r>
-              <a:rPr lang="ko-KR" altLang="en-US" sz="1300" dirty="0"/>
-              <a:t>변수에 저장되는 이유는 </a:t>
-            </a:r>
-            <a:r>
-              <a:rPr lang="en-US" altLang="ko-KR" sz="1300" dirty="0"/>
-              <a:t>HTTP </a:t>
-            </a:r>
-            <a:r>
-              <a:rPr lang="ko-KR" altLang="en-US" sz="1300" dirty="0"/>
-              <a:t>통신을 할 때마다 </a:t>
-            </a:r>
-            <a:r>
-              <a:rPr lang="en-US" altLang="ko-KR" sz="1300" dirty="0"/>
-              <a:t>JWT</a:t>
-            </a:r>
-            <a:r>
-              <a:rPr lang="ko-KR" altLang="en-US" sz="1300" dirty="0"/>
-              <a:t>를 </a:t>
-            </a:r>
-            <a:r>
-              <a:rPr lang="en-US" altLang="ko-KR" sz="1300" dirty="0"/>
-              <a:t>HTTP </a:t>
-            </a:r>
-            <a:r>
-              <a:rPr lang="ko-KR" altLang="en-US" sz="1300" dirty="0"/>
-              <a:t>헤더에 담아 보내야 하는데</a:t>
-            </a:r>
-            <a:r>
-              <a:rPr lang="en-US" altLang="ko-KR" sz="1300" dirty="0"/>
-              <a:t>, </a:t>
-            </a:r>
-            <a:r>
-              <a:rPr lang="ko-KR" altLang="en-US" sz="1300" dirty="0"/>
-              <a:t>이를 </a:t>
-            </a:r>
-            <a:r>
-              <a:rPr lang="ko-KR" altLang="en-US" sz="1300" b="1" dirty="0"/>
-              <a:t>로컬 스토리지에서 계속 불러올 시 오버헤드가 발생하기 때문</a:t>
-            </a:r>
-            <a:r>
-              <a:rPr lang="ko-KR" altLang="en-US" sz="1300" dirty="0"/>
-              <a:t>이다</a:t>
-            </a:r>
-            <a:endParaRPr lang="en-US" altLang="ko-KR" sz="1300" dirty="0"/>
-          </a:p>
-          <a:p>
-            <a:endParaRPr lang="en-US" altLang="ko-KR" sz="1300" dirty="0"/>
-          </a:p>
-          <a:p>
-            <a:r>
-              <a:rPr lang="ko-KR" altLang="en-US" sz="1300" dirty="0"/>
-              <a:t>클라이언트에서 </a:t>
-            </a:r>
-            <a:r>
-              <a:rPr lang="en-US" altLang="ko-KR" sz="1300" dirty="0"/>
-              <a:t>JWT</a:t>
-            </a:r>
-            <a:r>
-              <a:rPr lang="ko-KR" altLang="en-US" sz="1300" dirty="0"/>
-              <a:t>를 포함해 요청을 보내면 서버는 허가된 </a:t>
-            </a:r>
-            <a:r>
-              <a:rPr lang="en-US" altLang="ko-KR" sz="1300" dirty="0"/>
-              <a:t>JWT</a:t>
-            </a:r>
-            <a:r>
-              <a:rPr lang="ko-KR" altLang="en-US" sz="1300" dirty="0"/>
-              <a:t>인지 검사하며 </a:t>
-            </a:r>
-            <a:r>
-              <a:rPr lang="ko-KR" altLang="en-US" sz="1300" b="1" dirty="0"/>
-              <a:t>로그아웃을 할 경우 로컬 스토리지에 저장된 </a:t>
-            </a:r>
-            <a:r>
-              <a:rPr lang="en-US" altLang="ko-KR" sz="1300" b="1" dirty="0"/>
-              <a:t>JWT</a:t>
-            </a:r>
-            <a:r>
-              <a:rPr lang="ko-KR" altLang="en-US" sz="1300" b="1" dirty="0"/>
-              <a:t>데이터를 제거</a:t>
-            </a:r>
-            <a:r>
-              <a:rPr lang="ko-KR" altLang="en-US" sz="1300" dirty="0"/>
-              <a:t>한다</a:t>
-            </a:r>
-            <a:endParaRPr lang="en-US" altLang="ko-KR" sz="1300" dirty="0"/>
+          <a:p>
+            <a:pPr>
+              <a:lnSpc>
+                <a:spcPct val="150000"/>
+              </a:lnSpc>
+            </a:pPr>
+            <a:r>
+              <a:rPr lang="ko-KR" altLang="en-US" sz="1300" dirty="0">
+                <a:solidFill>
+                  <a:prstClr val="white"/>
+                </a:solidFill>
+                <a:cs typeface="Aharoni" panose="02010803020104030203" pitchFamily="2" charset="-79"/>
+              </a:rPr>
+              <a:t>웹 표준</a:t>
+            </a:r>
+            <a:r>
+              <a:rPr lang="en-US" altLang="ko-KR" sz="1300" dirty="0">
+                <a:solidFill>
+                  <a:prstClr val="white"/>
+                </a:solidFill>
+                <a:cs typeface="Aharoni" panose="02010803020104030203" pitchFamily="2" charset="-79"/>
+              </a:rPr>
+              <a:t>(RFC 7519)</a:t>
+            </a:r>
+            <a:r>
+              <a:rPr lang="ko-KR" altLang="en-US" sz="1300" dirty="0">
+                <a:solidFill>
+                  <a:prstClr val="white"/>
+                </a:solidFill>
+                <a:cs typeface="Aharoni" panose="02010803020104030203" pitchFamily="2" charset="-79"/>
+              </a:rPr>
+              <a:t>으로서</a:t>
+            </a:r>
+            <a:r>
+              <a:rPr lang="en-US" altLang="ko-KR" sz="1300" dirty="0">
+                <a:solidFill>
+                  <a:prstClr val="white"/>
+                </a:solidFill>
+                <a:cs typeface="Aharoni" panose="02010803020104030203" pitchFamily="2" charset="-79"/>
+              </a:rPr>
+              <a:t> </a:t>
+            </a:r>
+            <a:r>
+              <a:rPr lang="ko-KR" altLang="en-US" sz="1300" dirty="0">
+                <a:solidFill>
+                  <a:prstClr val="white"/>
+                </a:solidFill>
+                <a:cs typeface="Aharoni" panose="02010803020104030203" pitchFamily="2" charset="-79"/>
+              </a:rPr>
+              <a:t>두 개체에서 </a:t>
+            </a:r>
+            <a:r>
+              <a:rPr lang="en-US" altLang="ko-KR" sz="1300" dirty="0">
+                <a:solidFill>
+                  <a:prstClr val="white"/>
+                </a:solidFill>
+                <a:cs typeface="Aharoni" panose="02010803020104030203" pitchFamily="2" charset="-79"/>
+              </a:rPr>
+              <a:t>JSON </a:t>
+            </a:r>
+            <a:r>
+              <a:rPr lang="ko-KR" altLang="en-US" sz="1300" dirty="0">
+                <a:solidFill>
+                  <a:prstClr val="white"/>
+                </a:solidFill>
+                <a:cs typeface="Aharoni" panose="02010803020104030203" pitchFamily="2" charset="-79"/>
+              </a:rPr>
+              <a:t>객체를 사용하여 가볍고 자가 수용적인 방식으로 정보를 안전성 있게 전달해준다</a:t>
+            </a:r>
+            <a:endParaRPr lang="en-US" altLang="ko-KR" sz="1300" dirty="0">
+              <a:solidFill>
+                <a:prstClr val="white"/>
+              </a:solidFill>
+              <a:cs typeface="Aharoni" panose="02010803020104030203" pitchFamily="2" charset="-79"/>
+            </a:endParaRPr>
+          </a:p>
+          <a:p>
+            <a:pPr>
+              <a:lnSpc>
+                <a:spcPct val="150000"/>
+              </a:lnSpc>
+            </a:pPr>
+            <a:endParaRPr lang="en-US" altLang="ko-KR" sz="1300" b="1" dirty="0">
+              <a:solidFill>
+                <a:prstClr val="white"/>
+              </a:solidFill>
+              <a:cs typeface="Aharoni" panose="02010803020104030203" pitchFamily="2" charset="-79"/>
+            </a:endParaRPr>
+          </a:p>
+          <a:p>
+            <a:pPr>
+              <a:lnSpc>
+                <a:spcPct val="150000"/>
+              </a:lnSpc>
+            </a:pPr>
+            <a:r>
+              <a:rPr lang="en-US" altLang="ko-KR" sz="1300" dirty="0">
+                <a:solidFill>
+                  <a:prstClr val="white"/>
+                </a:solidFill>
+                <a:cs typeface="Aharoni" panose="02010803020104030203" pitchFamily="2" charset="-79"/>
+              </a:rPr>
+              <a:t>Json </a:t>
+            </a:r>
+            <a:r>
+              <a:rPr lang="ko-KR" altLang="en-US" sz="1300" dirty="0">
+                <a:solidFill>
+                  <a:prstClr val="white"/>
+                </a:solidFill>
+                <a:cs typeface="Aharoni" panose="02010803020104030203" pitchFamily="2" charset="-79"/>
+              </a:rPr>
+              <a:t>형태인 각 부분은 </a:t>
+            </a:r>
+            <a:r>
+              <a:rPr lang="en-US" altLang="ko-KR" sz="1300" dirty="0">
+                <a:solidFill>
+                  <a:prstClr val="white"/>
+                </a:solidFill>
+                <a:cs typeface="Aharoni" panose="02010803020104030203" pitchFamily="2" charset="-79"/>
+              </a:rPr>
+              <a:t>Base64</a:t>
+            </a:r>
+            <a:r>
+              <a:rPr lang="ko-KR" altLang="en-US" sz="1300" dirty="0">
+                <a:solidFill>
+                  <a:prstClr val="white"/>
+                </a:solidFill>
+                <a:cs typeface="Aharoni" panose="02010803020104030203" pitchFamily="2" charset="-79"/>
+              </a:rPr>
+              <a:t>로 인코딩 되어 표현되며 또한 각각의 부분을 이어 주기 위해 </a:t>
+            </a:r>
+            <a:r>
+              <a:rPr lang="en-US" altLang="ko-KR" sz="1300" dirty="0">
+                <a:solidFill>
+                  <a:prstClr val="white"/>
+                </a:solidFill>
+                <a:cs typeface="Aharoni" panose="02010803020104030203" pitchFamily="2" charset="-79"/>
+              </a:rPr>
+              <a:t>. </a:t>
+            </a:r>
+            <a:r>
+              <a:rPr lang="ko-KR" altLang="en-US" sz="1300" dirty="0">
+                <a:solidFill>
+                  <a:prstClr val="white"/>
+                </a:solidFill>
+                <a:cs typeface="Aharoni" panose="02010803020104030203" pitchFamily="2" charset="-79"/>
+              </a:rPr>
+              <a:t>구분자를 사용하여 구분한다</a:t>
+            </a:r>
+            <a:endParaRPr lang="en-US" altLang="ko-KR" sz="1300" dirty="0">
+              <a:solidFill>
+                <a:prstClr val="white"/>
+              </a:solidFill>
+              <a:cs typeface="Aharoni" panose="02010803020104030203" pitchFamily="2" charset="-79"/>
+            </a:endParaRPr>
           </a:p>
         </p:txBody>
       </p:sp>
@@ -7788,18 +7761,92 @@
         </p:blipFill>
         <p:spPr>
           <a:xfrm>
-            <a:off x="4200264" y="161499"/>
-            <a:ext cx="7519881" cy="4379607"/>
+            <a:off x="4243336" y="1038752"/>
+            <a:ext cx="7519881" cy="2685671"/>
           </a:xfrm>
           <a:prstGeom prst="rect">
             <a:avLst/>
           </a:prstGeom>
         </p:spPr>
       </p:pic>
+      <p:sp>
+        <p:nvSpPr>
+          <p:cNvPr id="3" name="TextBox 2">
+            <a:extLst>
+              <a:ext uri="{FF2B5EF4-FFF2-40B4-BE49-F238E27FC236}">
+                <a16:creationId xmlns:a16="http://schemas.microsoft.com/office/drawing/2014/main" id="{4F11C851-48BD-43DF-A00D-B2E9032BE303}"/>
+              </a:ext>
+            </a:extLst>
+          </p:cNvPr>
+          <p:cNvSpPr txBox="1"/>
+          <p:nvPr/>
+        </p:nvSpPr>
+        <p:spPr>
+          <a:xfrm>
+            <a:off x="4546426" y="5190505"/>
+            <a:ext cx="6805246" cy="692497"/>
+          </a:xfrm>
+          <a:prstGeom prst="rect">
+            <a:avLst/>
+          </a:prstGeom>
+          <a:noFill/>
+        </p:spPr>
+        <p:txBody>
+          <a:bodyPr wrap="square" rtlCol="0">
+            <a:spAutoFit/>
+          </a:bodyPr>
+          <a:lstStyle/>
+          <a:p>
+            <a:r>
+              <a:rPr lang="en-US" altLang="ko-KR" sz="1300" dirty="0"/>
+              <a:t>Base64</a:t>
+            </a:r>
+            <a:r>
+              <a:rPr lang="ko-KR" altLang="en-US" sz="1300" dirty="0"/>
+              <a:t>는 </a:t>
+            </a:r>
+            <a:r>
+              <a:rPr lang="en-US" altLang="ko-KR" sz="1300" dirty="0"/>
+              <a:t>Binary Data</a:t>
+            </a:r>
+            <a:r>
+              <a:rPr lang="ko-KR" altLang="en-US" sz="1300" dirty="0"/>
+              <a:t>를 </a:t>
+            </a:r>
+            <a:r>
+              <a:rPr lang="en-US" altLang="ko-KR" sz="1300" dirty="0"/>
+              <a:t>Text</a:t>
+            </a:r>
+            <a:r>
+              <a:rPr lang="ko-KR" altLang="en-US" sz="1300" dirty="0"/>
+              <a:t>로 변경하는 </a:t>
+            </a:r>
+            <a:r>
+              <a:rPr lang="en-US" altLang="ko-KR" sz="1300" dirty="0"/>
+              <a:t>Encoding </a:t>
+            </a:r>
+            <a:r>
+              <a:rPr lang="ko-KR" altLang="en-US" sz="1300" dirty="0"/>
+              <a:t>이다</a:t>
+            </a:r>
+            <a:endParaRPr lang="en-US" altLang="ko-KR" sz="1300" dirty="0"/>
+          </a:p>
+          <a:p>
+            <a:endParaRPr lang="en-US" altLang="ko-KR" sz="1300" dirty="0"/>
+          </a:p>
+          <a:p>
+            <a:r>
+              <a:rPr lang="ko-KR" altLang="en-US" sz="1300" dirty="0"/>
+              <a:t>암호화된 문자열이 아니며 같은 문자열에 대해 항상 같은 인코딩 문자열을 반환한다</a:t>
+            </a:r>
+            <a:endParaRPr lang="en-US" altLang="ko-KR" sz="1300" dirty="0"/>
+          </a:p>
+        </p:txBody>
+      </p:sp>
     </p:spTree>
     <p:extLst>
       <p:ext uri="{BB962C8B-B14F-4D97-AF65-F5344CB8AC3E}">
-        <p14:creationId xmlns:p14="http://schemas.microsoft.com/office/powerpoint/2010/main" val="3730522226"/>
+        <p14:creationId xmlns:p14="http://schemas.microsoft.com/office/powerpoint/2010/main" val="3898690690"/>
       </p:ext>
     </p:extLst>
   </p:cSld>
@@ -7893,7 +7940,7 @@
         <p:spPr>
           <a:xfrm>
             <a:off x="521146" y="458243"/>
-            <a:ext cx="2885885" cy="584775"/>
+            <a:ext cx="2885885" cy="954107"/>
           </a:xfrm>
           <a:prstGeom prst="rect">
             <a:avLst/>
@@ -7937,6 +7984,19 @@
                 <a:prstClr val="white"/>
               </a:solidFill>
             </a:endParaRPr>
+          </a:p>
+          <a:p>
+            <a:pPr latinLnBrk="0">
+              <a:defRPr/>
+            </a:pPr>
+            <a:r>
+              <a:rPr lang="en-US" altLang="ko-KR" sz="2400" b="1" kern="0" dirty="0">
+                <a:solidFill>
+                  <a:prstClr val="white"/>
+                </a:solidFill>
+              </a:rPr>
+              <a:t>- HEADER</a:t>
+            </a:r>
           </a:p>
         </p:txBody>
       </p:sp>
@@ -8041,7 +8101,7 @@
         <p:spPr>
           <a:xfrm>
             <a:off x="374554" y="2041063"/>
-            <a:ext cx="2885885" cy="3654655"/>
+            <a:ext cx="2885885" cy="3954737"/>
           </a:xfrm>
           <a:prstGeom prst="rect">
             <a:avLst/>
@@ -8066,7 +8126,7 @@
                 </a:solidFill>
                 <a:cs typeface="Aharoni" panose="02010803020104030203" pitchFamily="2" charset="-79"/>
               </a:rPr>
-              <a:t>JWT</a:t>
+              <a:t>Header</a:t>
             </a:r>
             <a:r>
               <a:rPr lang="ko-KR" altLang="en-US" sz="1300" dirty="0">
@@ -8075,43 +8135,7 @@
                 </a:solidFill>
                 <a:cs typeface="Aharoni" panose="02010803020104030203" pitchFamily="2" charset="-79"/>
               </a:rPr>
-              <a:t>는 </a:t>
-            </a:r>
-            <a:r>
-              <a:rPr lang="en-US" altLang="ko-KR" sz="1300" b="1" dirty="0">
-                <a:solidFill>
-                  <a:prstClr val="white"/>
-                </a:solidFill>
-                <a:cs typeface="Aharoni" panose="02010803020104030203" pitchFamily="2" charset="-79"/>
-              </a:rPr>
-              <a:t>header, Payload, Signature</a:t>
-            </a:r>
-            <a:r>
-              <a:rPr lang="ko-KR" altLang="en-US" sz="1300" dirty="0">
-                <a:solidFill>
-                  <a:prstClr val="white"/>
-                </a:solidFill>
-                <a:cs typeface="Aharoni" panose="02010803020104030203" pitchFamily="2" charset="-79"/>
-              </a:rPr>
-              <a:t>의 </a:t>
-            </a:r>
-            <a:r>
-              <a:rPr lang="en-US" altLang="ko-KR" sz="1300" dirty="0">
-                <a:solidFill>
-                  <a:prstClr val="white"/>
-                </a:solidFill>
-                <a:cs typeface="Aharoni" panose="02010803020104030203" pitchFamily="2" charset="-79"/>
-              </a:rPr>
-              <a:t>3 </a:t>
-            </a:r>
-            <a:r>
-              <a:rPr lang="ko-KR" altLang="en-US" sz="1300" dirty="0">
-                <a:solidFill>
-                  <a:prstClr val="white"/>
-                </a:solidFill>
-                <a:cs typeface="Aharoni" panose="02010803020104030203" pitchFamily="2" charset="-79"/>
-              </a:rPr>
-              <a:t>부분으로 이루어진다</a:t>
+              <a:t>는 두가지의 정보를 지니고 있다</a:t>
             </a:r>
             <a:endParaRPr lang="en-US" altLang="ko-KR" sz="1300" dirty="0">
               <a:solidFill>
@@ -8126,82 +8150,6 @@
                 <a:spcPct val="150000"/>
               </a:lnSpc>
             </a:pPr>
-            <a:endParaRPr lang="en-US" altLang="ko-KR" sz="1300" b="1" dirty="0">
-              <a:solidFill>
-                <a:prstClr val="white"/>
-              </a:solidFill>
-              <a:cs typeface="Aharoni" panose="02010803020104030203" pitchFamily="2" charset="-79"/>
-            </a:endParaRPr>
-          </a:p>
-          <a:p>
-            <a:pPr>
-              <a:lnSpc>
-                <a:spcPct val="150000"/>
-              </a:lnSpc>
-            </a:pPr>
-            <a:r>
-              <a:rPr lang="ko-KR" altLang="en-US" sz="1300" dirty="0">
-                <a:solidFill>
-                  <a:prstClr val="white"/>
-                </a:solidFill>
-                <a:cs typeface="Aharoni" panose="02010803020104030203" pitchFamily="2" charset="-79"/>
-              </a:rPr>
-              <a:t>웹 표준</a:t>
-            </a:r>
-            <a:r>
-              <a:rPr lang="en-US" altLang="ko-KR" sz="1300" dirty="0">
-                <a:solidFill>
-                  <a:prstClr val="white"/>
-                </a:solidFill>
-                <a:cs typeface="Aharoni" panose="02010803020104030203" pitchFamily="2" charset="-79"/>
-              </a:rPr>
-              <a:t>(RFC 7519)</a:t>
-            </a:r>
-            <a:r>
-              <a:rPr lang="ko-KR" altLang="en-US" sz="1300" dirty="0">
-                <a:solidFill>
-                  <a:prstClr val="white"/>
-                </a:solidFill>
-                <a:cs typeface="Aharoni" panose="02010803020104030203" pitchFamily="2" charset="-79"/>
-              </a:rPr>
-              <a:t>으로서</a:t>
-            </a:r>
-            <a:r>
-              <a:rPr lang="en-US" altLang="ko-KR" sz="1300" dirty="0">
-                <a:solidFill>
-                  <a:prstClr val="white"/>
-                </a:solidFill>
-                <a:cs typeface="Aharoni" panose="02010803020104030203" pitchFamily="2" charset="-79"/>
-              </a:rPr>
-              <a:t> </a:t>
-            </a:r>
-            <a:r>
-              <a:rPr lang="ko-KR" altLang="en-US" sz="1300" dirty="0">
-                <a:solidFill>
-                  <a:prstClr val="white"/>
-                </a:solidFill>
-                <a:cs typeface="Aharoni" panose="02010803020104030203" pitchFamily="2" charset="-79"/>
-              </a:rPr>
-              <a:t>두 개체에서 </a:t>
-            </a:r>
-            <a:r>
-              <a:rPr lang="en-US" altLang="ko-KR" sz="1300" dirty="0">
-                <a:solidFill>
-                  <a:prstClr val="white"/>
-                </a:solidFill>
-                <a:cs typeface="Aharoni" panose="02010803020104030203" pitchFamily="2" charset="-79"/>
-              </a:rPr>
-              <a:t>JSON </a:t>
-            </a:r>
-            <a:r>
-              <a:rPr lang="ko-KR" altLang="en-US" sz="1300" dirty="0">
-                <a:solidFill>
-                  <a:prstClr val="white"/>
-                </a:solidFill>
-                <a:cs typeface="Aharoni" panose="02010803020104030203" pitchFamily="2" charset="-79"/>
-              </a:rPr>
-              <a:t>객체를 사용하여 가볍고 자가 수용적인 방식으로 정보를 안전성 있게 전달해준다</a:t>
-            </a:r>
             <a:endParaRPr lang="en-US" altLang="ko-KR" sz="1300" dirty="0">
               <a:solidFill>
                 <a:prstClr val="white"/>
@@ -8215,73 +8163,6 @@
                 <a:spcPct val="150000"/>
               </a:lnSpc>
             </a:pPr>
-            <a:endParaRPr lang="en-US" altLang="ko-KR" sz="1300" b="1" dirty="0">
-              <a:solidFill>
-                <a:prstClr val="white"/>
-              </a:solidFill>
-              <a:cs typeface="Aharoni" panose="02010803020104030203" pitchFamily="2" charset="-79"/>
-            </a:endParaRPr>
-          </a:p>
-          <a:p>
-            <a:pPr>
-              <a:lnSpc>
-                <a:spcPct val="150000"/>
-              </a:lnSpc>
-            </a:pPr>
-            <a:r>
-              <a:rPr lang="en-US" altLang="ko-KR" sz="1300" dirty="0">
-                <a:solidFill>
-                  <a:prstClr val="white"/>
-                </a:solidFill>
-                <a:cs typeface="Aharoni" panose="02010803020104030203" pitchFamily="2" charset="-79"/>
-              </a:rPr>
-              <a:t>Json </a:t>
-            </a:r>
-            <a:r>
-              <a:rPr lang="ko-KR" altLang="en-US" sz="1300" dirty="0">
-                <a:solidFill>
-                  <a:prstClr val="white"/>
-                </a:solidFill>
-                <a:cs typeface="Aharoni" panose="02010803020104030203" pitchFamily="2" charset="-79"/>
-              </a:rPr>
-              <a:t>형태인 각 부분은 </a:t>
-            </a:r>
-            <a:r>
-              <a:rPr lang="en-US" altLang="ko-KR" sz="1300" dirty="0">
-                <a:solidFill>
-                  <a:prstClr val="white"/>
-                </a:solidFill>
-                <a:cs typeface="Aharoni" panose="02010803020104030203" pitchFamily="2" charset="-79"/>
-              </a:rPr>
-              <a:t>Base64</a:t>
-            </a:r>
-            <a:r>
-              <a:rPr lang="ko-KR" altLang="en-US" sz="1300" dirty="0">
-                <a:solidFill>
-                  <a:prstClr val="white"/>
-                </a:solidFill>
-                <a:cs typeface="Aharoni" panose="02010803020104030203" pitchFamily="2" charset="-79"/>
-              </a:rPr>
-              <a:t>로 인코딩 되어 표현되며 또한 각각의 부분을 이어 주기 위해 </a:t>
-            </a:r>
-            <a:r>
-              <a:rPr lang="en-US" altLang="ko-KR" sz="1300" dirty="0">
-                <a:solidFill>
-                  <a:prstClr val="white"/>
-                </a:solidFill>
-                <a:cs typeface="Aharoni" panose="02010803020104030203" pitchFamily="2" charset="-79"/>
-              </a:rPr>
-              <a:t>. </a:t>
-            </a:r>
-            <a:r>
-              <a:rPr lang="ko-KR" altLang="en-US" sz="1300" dirty="0">
-                <a:solidFill>
-                  <a:prstClr val="white"/>
-                </a:solidFill>
-                <a:cs typeface="Aharoni" panose="02010803020104030203" pitchFamily="2" charset="-79"/>
-              </a:rPr>
-              <a:t>구분자를 사용하여 구분한다</a:t>
-            </a:r>
             <a:endParaRPr lang="en-US" altLang="ko-KR" sz="1300" dirty="0">
               <a:solidFill>
                 <a:prstClr val="white"/>
@@ -8289,68 +8170,164 @@
               <a:cs typeface="Aharoni" panose="02010803020104030203" pitchFamily="2" charset="-79"/>
             </a:endParaRPr>
           </a:p>
-        </p:txBody>
-      </p:sp>
-      <p:sp>
-        <p:nvSpPr>
-          <p:cNvPr id="5" name="사각형: 둥근 모서리 4">
-            <a:extLst>
-              <a:ext uri="{FF2B5EF4-FFF2-40B4-BE49-F238E27FC236}">
-                <a16:creationId xmlns:a16="http://schemas.microsoft.com/office/drawing/2014/main" id="{B64CC82E-B4B0-4773-91CA-8A203925A3FA}"/>
-              </a:ext>
-            </a:extLst>
-          </p:cNvPr>
-          <p:cNvSpPr/>
-          <p:nvPr/>
-        </p:nvSpPr>
-        <p:spPr>
-          <a:xfrm>
-            <a:off x="4200264" y="4714273"/>
-            <a:ext cx="7519882" cy="1644963"/>
-          </a:xfrm>
-          <a:prstGeom prst="roundRect">
-            <a:avLst/>
-          </a:prstGeom>
-          <a:noFill/>
-          <a:ln w="25400">
-            <a:solidFill>
-              <a:schemeClr val="accent1">
-                <a:shade val="50000"/>
-              </a:schemeClr>
-            </a:solidFill>
-          </a:ln>
-        </p:spPr>
-        <p:style>
-          <a:lnRef idx="2">
-            <a:schemeClr val="accent1">
-              <a:shade val="50000"/>
-            </a:schemeClr>
-          </a:lnRef>
-          <a:fillRef idx="1">
-            <a:schemeClr val="accent1"/>
-          </a:fillRef>
-          <a:effectRef idx="0">
-            <a:schemeClr val="accent1"/>
-          </a:effectRef>
-          <a:fontRef idx="minor">
-            <a:schemeClr val="lt1"/>
-          </a:fontRef>
-        </p:style>
-        <p:txBody>
-          <a:bodyPr rtlCol="0" anchor="ctr"/>
-          <a:lstStyle/>
-          <a:p>
-            <a:pPr algn="ctr"/>
-            <a:endParaRPr lang="ko-KR" altLang="en-US" dirty="0"/>
+          <a:p>
+            <a:pPr marL="285750" indent="-285750">
+              <a:lnSpc>
+                <a:spcPct val="150000"/>
+              </a:lnSpc>
+              <a:buFont typeface="Arial" panose="020B0604020202020204" pitchFamily="34" charset="0"/>
+              <a:buChar char="•"/>
+            </a:pPr>
+            <a:r>
+              <a:rPr lang="en-US" altLang="ko-KR" sz="1300" b="1" dirty="0">
+                <a:solidFill>
+                  <a:prstClr val="white"/>
+                </a:solidFill>
+                <a:cs typeface="Aharoni" panose="02010803020104030203" pitchFamily="2" charset="-79"/>
+              </a:rPr>
+              <a:t>Typ</a:t>
+            </a:r>
+          </a:p>
+          <a:p>
+            <a:pPr>
+              <a:lnSpc>
+                <a:spcPct val="150000"/>
+              </a:lnSpc>
+            </a:pPr>
+            <a:r>
+              <a:rPr lang="ko-KR" altLang="en-US" sz="1300" dirty="0">
+                <a:solidFill>
+                  <a:prstClr val="white"/>
+                </a:solidFill>
+                <a:cs typeface="Aharoni" panose="02010803020104030203" pitchFamily="2" charset="-79"/>
+              </a:rPr>
+              <a:t>토큰의 타입을 지정한다 </a:t>
+            </a:r>
+            <a:r>
+              <a:rPr lang="en-US" altLang="ko-KR" sz="1300" dirty="0">
+                <a:solidFill>
+                  <a:prstClr val="white"/>
+                </a:solidFill>
+                <a:cs typeface="Aharoni" panose="02010803020104030203" pitchFamily="2" charset="-79"/>
+              </a:rPr>
+              <a:t>– JWT</a:t>
+            </a:r>
+          </a:p>
+          <a:p>
+            <a:pPr>
+              <a:lnSpc>
+                <a:spcPct val="150000"/>
+              </a:lnSpc>
+            </a:pPr>
+            <a:endParaRPr lang="en-US" altLang="ko-KR" sz="1300" dirty="0">
+              <a:solidFill>
+                <a:prstClr val="white"/>
+              </a:solidFill>
+              <a:cs typeface="Aharoni" panose="02010803020104030203" pitchFamily="2" charset="-79"/>
+            </a:endParaRPr>
+          </a:p>
+          <a:p>
+            <a:pPr marL="285750" indent="-285750">
+              <a:lnSpc>
+                <a:spcPct val="150000"/>
+              </a:lnSpc>
+              <a:buFont typeface="Arial" panose="020B0604020202020204" pitchFamily="34" charset="0"/>
+              <a:buChar char="•"/>
+            </a:pPr>
+            <a:r>
+              <a:rPr lang="en-US" altLang="ko-KR" sz="1300" b="1" dirty="0">
+                <a:solidFill>
+                  <a:prstClr val="white"/>
+                </a:solidFill>
+                <a:cs typeface="Aharoni" panose="02010803020104030203" pitchFamily="2" charset="-79"/>
+              </a:rPr>
+              <a:t>Alg</a:t>
+            </a:r>
+          </a:p>
+          <a:p>
+            <a:pPr>
+              <a:lnSpc>
+                <a:spcPct val="150000"/>
+              </a:lnSpc>
+            </a:pPr>
+            <a:r>
+              <a:rPr lang="ko-KR" altLang="en-US" sz="1300" dirty="0">
+                <a:solidFill>
+                  <a:prstClr val="white"/>
+                </a:solidFill>
+                <a:cs typeface="Aharoni" panose="02010803020104030203" pitchFamily="2" charset="-79"/>
+              </a:rPr>
+              <a:t>해싱 알고리즘을 지정한다 해싱 알고리즘으로는 보통 </a:t>
+            </a:r>
+            <a:r>
+              <a:rPr lang="en-US" altLang="ko-KR" sz="1300" dirty="0">
+                <a:solidFill>
+                  <a:prstClr val="white"/>
+                </a:solidFill>
+                <a:cs typeface="Aharoni" panose="02010803020104030203" pitchFamily="2" charset="-79"/>
+              </a:rPr>
+              <a:t>HMAC SHA256 </a:t>
+            </a:r>
+            <a:r>
+              <a:rPr lang="ko-KR" altLang="en-US" sz="1300" dirty="0">
+                <a:solidFill>
+                  <a:prstClr val="white"/>
+                </a:solidFill>
+                <a:cs typeface="Aharoni" panose="02010803020104030203" pitchFamily="2" charset="-79"/>
+              </a:rPr>
+              <a:t>혹은 </a:t>
+            </a:r>
+            <a:r>
+              <a:rPr lang="en-US" altLang="ko-KR" sz="1300" dirty="0">
+                <a:solidFill>
+                  <a:prstClr val="white"/>
+                </a:solidFill>
+                <a:cs typeface="Aharoni" panose="02010803020104030203" pitchFamily="2" charset="-79"/>
+              </a:rPr>
+              <a:t>RSA</a:t>
+            </a:r>
+            <a:r>
+              <a:rPr lang="ko-KR" altLang="en-US" sz="1300" dirty="0">
+                <a:solidFill>
+                  <a:prstClr val="white"/>
+                </a:solidFill>
+                <a:cs typeface="Aharoni" panose="02010803020104030203" pitchFamily="2" charset="-79"/>
+              </a:rPr>
+              <a:t>가 사용되며 해당 알고리즘은 토큰을 검증할 때 사용되는 </a:t>
+            </a:r>
+            <a:r>
+              <a:rPr lang="en-US" altLang="ko-KR" sz="1300" dirty="0">
+                <a:solidFill>
+                  <a:prstClr val="white"/>
+                </a:solidFill>
+                <a:cs typeface="Aharoni" panose="02010803020104030203" pitchFamily="2" charset="-79"/>
+              </a:rPr>
+              <a:t>signature </a:t>
+            </a:r>
+            <a:r>
+              <a:rPr lang="ko-KR" altLang="en-US" sz="1300" dirty="0">
+                <a:solidFill>
+                  <a:prstClr val="white"/>
+                </a:solidFill>
+                <a:cs typeface="Aharoni" panose="02010803020104030203" pitchFamily="2" charset="-79"/>
+              </a:rPr>
+              <a:t>부분에서 사용된다</a:t>
+            </a:r>
+            <a:endParaRPr lang="en-US" altLang="ko-KR" sz="1300" dirty="0">
+              <a:solidFill>
+                <a:prstClr val="white"/>
+              </a:solidFill>
+              <a:cs typeface="Aharoni" panose="02010803020104030203" pitchFamily="2" charset="-79"/>
+            </a:endParaRPr>
           </a:p>
         </p:txBody>
       </p:sp>
       <p:pic>
         <p:nvPicPr>
-          <p:cNvPr id="7" name="그림 6">
-            <a:extLst>
-              <a:ext uri="{FF2B5EF4-FFF2-40B4-BE49-F238E27FC236}">
-                <a16:creationId xmlns:a16="http://schemas.microsoft.com/office/drawing/2014/main" id="{F24D3D19-B6AB-418F-9FD8-515D0BAB4843}"/>
+          <p:cNvPr id="11" name="그림 10">
+            <a:extLst>
+              <a:ext uri="{FF2B5EF4-FFF2-40B4-BE49-F238E27FC236}">
+                <a16:creationId xmlns:a16="http://schemas.microsoft.com/office/drawing/2014/main" id="{670DC7B0-2CBD-4510-A78F-C104156637EB}"/>
               </a:ext>
             </a:extLst>
           </p:cNvPr>
@@ -8367,13 +8344,14 @@
               </a:ext>
             </a:extLst>
           </a:blip>
-          <a:srcRect/>
-          <a:stretch/>
+          <a:stretch>
+            <a:fillRect/>
+          </a:stretch>
         </p:blipFill>
         <p:spPr>
           <a:xfrm>
-            <a:off x="4243336" y="1038752"/>
-            <a:ext cx="7519881" cy="2685671"/>
+            <a:off x="4880049" y="837466"/>
+            <a:ext cx="6089500" cy="1812101"/>
           </a:xfrm>
           <a:prstGeom prst="rect">
             <a:avLst/>
@@ -8382,10 +8360,10 @@
       </p:pic>
       <p:sp>
         <p:nvSpPr>
-          <p:cNvPr id="3" name="TextBox 2">
-            <a:extLst>
-              <a:ext uri="{FF2B5EF4-FFF2-40B4-BE49-F238E27FC236}">
-                <a16:creationId xmlns:a16="http://schemas.microsoft.com/office/drawing/2014/main" id="{4F11C851-48BD-43DF-A00D-B2E9032BE303}"/>
+          <p:cNvPr id="14" name="TextBox 13">
+            <a:extLst>
+              <a:ext uri="{FF2B5EF4-FFF2-40B4-BE49-F238E27FC236}">
+                <a16:creationId xmlns:a16="http://schemas.microsoft.com/office/drawing/2014/main" id="{E8BDBCE3-7F24-4136-95E2-13481122F276}"/>
               </a:ext>
             </a:extLst>
           </p:cNvPr>
@@ -8394,13 +8372,20 @@
         </p:nvSpPr>
         <p:spPr>
           <a:xfrm>
-            <a:off x="4546426" y="5190505"/>
-            <a:ext cx="6805246" cy="692497"/>
+            <a:off x="4880049" y="3175893"/>
+            <a:ext cx="6089500" cy="692497"/>
           </a:xfrm>
           <a:prstGeom prst="rect">
             <a:avLst/>
           </a:prstGeom>
           <a:noFill/>
+          <a:ln>
+            <a:solidFill>
+              <a:schemeClr val="bg1">
+                <a:lumMod val="85000"/>
+              </a:schemeClr>
+            </a:solidFill>
+          </a:ln>
         </p:spPr>
         <p:txBody>
           <a:bodyPr wrap="square" rtlCol="0">
@@ -8408,56 +8393,268 @@
           </a:bodyPr>
           <a:lstStyle/>
           <a:p>
+            <a:pPr algn="ctr"/>
             <a:r>
               <a:rPr lang="en-US" altLang="ko-KR" sz="1300" dirty="0"/>
-              <a:t>Base64</a:t>
+              <a:t>JSON</a:t>
             </a:r>
             <a:r>
               <a:rPr lang="ko-KR" altLang="en-US" sz="1300" dirty="0"/>
-              <a:t>는 </a:t>
+              <a:t>형태의 객체가 </a:t>
             </a:r>
             <a:r>
               <a:rPr lang="en-US" altLang="ko-KR" sz="1300" dirty="0"/>
-              <a:t>Binary Data</a:t>
+              <a:t>BASE64</a:t>
             </a:r>
             <a:r>
               <a:rPr lang="ko-KR" altLang="en-US" sz="1300" dirty="0"/>
-              <a:t>를 </a:t>
+              <a:t>로 인코딩 되는 과정에서 공백</a:t>
             </a:r>
             <a:r>
               <a:rPr lang="en-US" altLang="ko-KR" sz="1300" dirty="0"/>
-              <a:t>Text</a:t>
+              <a:t>/</a:t>
             </a:r>
             <a:r>
               <a:rPr lang="ko-KR" altLang="en-US" sz="1300" dirty="0"/>
-              <a:t>로 변경하는 </a:t>
-            </a:r>
-            <a:r>
-              <a:rPr lang="en-US" altLang="ko-KR" sz="1300" dirty="0"/>
-              <a:t>Encoding </a:t>
-            </a:r>
-            <a:r>
-              <a:rPr lang="ko-KR" altLang="en-US" sz="1300" dirty="0"/>
-              <a:t>이다</a:t>
+              <a:t>엔터가 사라진다</a:t>
             </a:r>
             <a:endParaRPr lang="en-US" altLang="ko-KR" sz="1300" dirty="0"/>
           </a:p>
           <a:p>
+            <a:pPr algn="ctr"/>
             <a:endParaRPr lang="en-US" altLang="ko-KR" sz="1300" dirty="0"/>
           </a:p>
           <a:p>
-            <a:r>
-              <a:rPr lang="ko-KR" altLang="en-US" sz="1300" dirty="0"/>
-              <a:t>암호화된 문자열이 아니며 같은 문자열에 대해 항상 같은 인코딩 문자열을 반환한다</a:t>
-            </a:r>
+            <a:pPr algn="ctr"/>
             <a:endParaRPr lang="en-US" altLang="ko-KR" sz="1300" dirty="0"/>
           </a:p>
         </p:txBody>
       </p:sp>
+      <p:pic>
+        <p:nvPicPr>
+          <p:cNvPr id="18" name="그림 17">
+            <a:extLst>
+              <a:ext uri="{FF2B5EF4-FFF2-40B4-BE49-F238E27FC236}">
+                <a16:creationId xmlns:a16="http://schemas.microsoft.com/office/drawing/2014/main" id="{0900E9B5-1B2E-461C-9C62-36E4CF7FC931}"/>
+              </a:ext>
+            </a:extLst>
+          </p:cNvPr>
+          <p:cNvPicPr>
+            <a:picLocks noChangeAspect="1"/>
+          </p:cNvPicPr>
+          <p:nvPr/>
+        </p:nvPicPr>
+        <p:blipFill>
+          <a:blip r:embed="rId3">
+            <a:extLst>
+              <a:ext uri="{28A0092B-C50C-407E-A947-70E740481C1C}">
+                <a14:useLocalDpi xmlns:a14="http://schemas.microsoft.com/office/drawing/2010/main" val="0"/>
+              </a:ext>
+            </a:extLst>
+          </a:blip>
+          <a:stretch>
+            <a:fillRect/>
+          </a:stretch>
+        </p:blipFill>
+        <p:spPr>
+          <a:xfrm>
+            <a:off x="6367277" y="3522141"/>
+            <a:ext cx="2657846" cy="285790"/>
+          </a:xfrm>
+          <a:prstGeom prst="rect">
+            <a:avLst/>
+          </a:prstGeom>
+        </p:spPr>
+      </p:pic>
+      <p:sp>
+        <p:nvSpPr>
+          <p:cNvPr id="19" name="TextBox 18">
+            <a:extLst>
+              <a:ext uri="{FF2B5EF4-FFF2-40B4-BE49-F238E27FC236}">
+                <a16:creationId xmlns:a16="http://schemas.microsoft.com/office/drawing/2014/main" id="{5E51B2DD-BCA7-4EA8-A154-96A37538FF7E}"/>
+              </a:ext>
+            </a:extLst>
+          </p:cNvPr>
+          <p:cNvSpPr txBox="1"/>
+          <p:nvPr/>
+        </p:nvSpPr>
+        <p:spPr>
+          <a:xfrm>
+            <a:off x="4880049" y="4537102"/>
+            <a:ext cx="6089500" cy="1292662"/>
+          </a:xfrm>
+          <a:prstGeom prst="rect">
+            <a:avLst/>
+          </a:prstGeom>
+          <a:noFill/>
+          <a:ln w="12700">
+            <a:solidFill>
+              <a:srgbClr val="FF0000"/>
+            </a:solidFill>
+          </a:ln>
+        </p:spPr>
+        <p:txBody>
+          <a:bodyPr wrap="square" rtlCol="0">
+            <a:spAutoFit/>
+          </a:bodyPr>
+          <a:lstStyle/>
+          <a:p>
+            <a:pPr algn="ctr"/>
+            <a:endParaRPr lang="en-US" altLang="ko-KR" sz="1300" dirty="0"/>
+          </a:p>
+          <a:p>
+            <a:pPr algn="ctr"/>
+            <a:r>
+              <a:rPr lang="en-US" altLang="ko-KR" sz="1300" b="1" dirty="0"/>
+              <a:t>BASE64</a:t>
+            </a:r>
+            <a:r>
+              <a:rPr lang="ko-KR" altLang="en-US" sz="1300" b="1" dirty="0"/>
+              <a:t> 인코딩 후</a:t>
+            </a:r>
+            <a:endParaRPr lang="en-US" altLang="ko-KR" sz="1300" b="1" dirty="0"/>
+          </a:p>
+          <a:p>
+            <a:pPr algn="ctr"/>
+            <a:endParaRPr lang="en-US" altLang="ko-KR" sz="1300" dirty="0"/>
+          </a:p>
+          <a:p>
+            <a:pPr algn="ctr"/>
+            <a:endParaRPr lang="en-US" altLang="ko-KR" sz="1300" dirty="0"/>
+          </a:p>
+          <a:p>
+            <a:pPr algn="ctr"/>
+            <a:endParaRPr lang="en-US" altLang="ko-KR" sz="1300" dirty="0"/>
+          </a:p>
+          <a:p>
+            <a:pPr algn="ctr"/>
+            <a:endParaRPr lang="en-US" altLang="ko-KR" sz="1300" dirty="0"/>
+          </a:p>
+        </p:txBody>
+      </p:sp>
+      <p:pic>
+        <p:nvPicPr>
+          <p:cNvPr id="21" name="그림 20">
+            <a:extLst>
+              <a:ext uri="{FF2B5EF4-FFF2-40B4-BE49-F238E27FC236}">
+                <a16:creationId xmlns:a16="http://schemas.microsoft.com/office/drawing/2014/main" id="{DC22B557-3DA3-4903-A047-23CE16ABC659}"/>
+              </a:ext>
+            </a:extLst>
+          </p:cNvPr>
+          <p:cNvPicPr>
+            <a:picLocks noChangeAspect="1"/>
+          </p:cNvPicPr>
+          <p:nvPr/>
+        </p:nvPicPr>
+        <p:blipFill>
+          <a:blip r:embed="rId4">
+            <a:extLst>
+              <a:ext uri="{28A0092B-C50C-407E-A947-70E740481C1C}">
+                <a14:useLocalDpi xmlns:a14="http://schemas.microsoft.com/office/drawing/2010/main" val="0"/>
+              </a:ext>
+            </a:extLst>
+          </a:blip>
+          <a:srcRect/>
+          <a:stretch/>
+        </p:blipFill>
+        <p:spPr>
+          <a:xfrm>
+            <a:off x="5216170" y="5186582"/>
+            <a:ext cx="5417256" cy="393089"/>
+          </a:xfrm>
+          <a:prstGeom prst="rect">
+            <a:avLst/>
+          </a:prstGeom>
+        </p:spPr>
+      </p:pic>
+      <p:cxnSp>
+        <p:nvCxnSpPr>
+          <p:cNvPr id="23" name="직선 화살표 연결선 22">
+            <a:extLst>
+              <a:ext uri="{FF2B5EF4-FFF2-40B4-BE49-F238E27FC236}">
+                <a16:creationId xmlns:a16="http://schemas.microsoft.com/office/drawing/2014/main" id="{ED050DB2-34FE-4EB7-B792-BCCD41320DEC}"/>
+              </a:ext>
+            </a:extLst>
+          </p:cNvPr>
+          <p:cNvCxnSpPr/>
+          <p:nvPr/>
+        </p:nvCxnSpPr>
+        <p:spPr>
+          <a:xfrm>
+            <a:off x="7924798" y="2701521"/>
+            <a:ext cx="0" cy="415751"/>
+          </a:xfrm>
+          <a:prstGeom prst="straightConnector1">
+            <a:avLst/>
+          </a:prstGeom>
+          <a:ln w="19050">
+            <a:solidFill>
+              <a:srgbClr val="FF0000"/>
+            </a:solidFill>
+            <a:tailEnd type="triangle"/>
+          </a:ln>
+        </p:spPr>
+        <p:style>
+          <a:lnRef idx="1">
+            <a:schemeClr val="accent1"/>
+          </a:lnRef>
+          <a:fillRef idx="0">
+            <a:schemeClr val="accent1"/>
+          </a:fillRef>
+          <a:effectRef idx="0">
+            <a:schemeClr val="accent1"/>
+          </a:effectRef>
+          <a:fontRef idx="minor">
+            <a:schemeClr val="tx1"/>
+          </a:fontRef>
+        </p:style>
+      </p:cxnSp>
+      <p:cxnSp>
+        <p:nvCxnSpPr>
+          <p:cNvPr id="24" name="직선 화살표 연결선 23">
+            <a:extLst>
+              <a:ext uri="{FF2B5EF4-FFF2-40B4-BE49-F238E27FC236}">
+                <a16:creationId xmlns:a16="http://schemas.microsoft.com/office/drawing/2014/main" id="{0D8E5B07-4161-4DD1-82D4-2FBFB06A71EE}"/>
+              </a:ext>
+            </a:extLst>
+          </p:cNvPr>
+          <p:cNvCxnSpPr/>
+          <p:nvPr/>
+        </p:nvCxnSpPr>
+        <p:spPr>
+          <a:xfrm>
+            <a:off x="7924798" y="3979603"/>
+            <a:ext cx="0" cy="415751"/>
+          </a:xfrm>
+          <a:prstGeom prst="straightConnector1">
+            <a:avLst/>
+          </a:prstGeom>
+          <a:ln w="19050">
+            <a:solidFill>
+              <a:srgbClr val="FF0000"/>
+            </a:solidFill>
+            <a:tailEnd type="triangle"/>
+          </a:ln>
+        </p:spPr>
+        <p:style>
+          <a:lnRef idx="1">
+            <a:schemeClr val="accent1"/>
+          </a:lnRef>
+          <a:fillRef idx="0">
+            <a:schemeClr val="accent1"/>
+          </a:fillRef>
+          <a:effectRef idx="0">
+            <a:schemeClr val="accent1"/>
+          </a:effectRef>
+          <a:fontRef idx="minor">
+            <a:schemeClr val="tx1"/>
+          </a:fontRef>
+        </p:style>
+      </p:cxnSp>
     </p:spTree>
     <p:extLst>
       <p:ext uri="{BB962C8B-B14F-4D97-AF65-F5344CB8AC3E}">
-        <p14:creationId xmlns:p14="http://schemas.microsoft.com/office/powerpoint/2010/main" val="3898690690"/>
+        <p14:creationId xmlns:p14="http://schemas.microsoft.com/office/powerpoint/2010/main" val="153884346"/>
       </p:ext>
     </p:extLst>
   </p:cSld>
@@ -8532,7 +8729,7 @@
           <a:lstStyle/>
           <a:p>
             <a:pPr algn="ctr"/>
-            <a:endParaRPr lang="ko-KR" altLang="en-US"/>
+            <a:endParaRPr lang="ko-KR" altLang="en-US" dirty="0"/>
           </a:p>
         </p:txBody>
       </p:sp>
@@ -8606,7 +8803,7 @@
                   <a:prstClr val="white"/>
                 </a:solidFill>
               </a:rPr>
-              <a:t>- HEADER</a:t>
+              <a:t>- PAYLOAD</a:t>
             </a:r>
           </a:p>
         </p:txBody>
@@ -8712,7 +8909,7 @@
         <p:spPr>
           <a:xfrm>
             <a:off x="374554" y="2041063"/>
-            <a:ext cx="2885885" cy="3654655"/>
+            <a:ext cx="2885885" cy="2454326"/>
           </a:xfrm>
           <a:prstGeom prst="rect">
             <a:avLst/>
@@ -8737,7 +8934,7 @@
                 </a:solidFill>
                 <a:cs typeface="Aharoni" panose="02010803020104030203" pitchFamily="2" charset="-79"/>
               </a:rPr>
-              <a:t>Header</a:t>
+              <a:t>Payload </a:t>
             </a:r>
             <a:r>
               <a:rPr lang="ko-KR" altLang="en-US" sz="1300" dirty="0">
@@ -8746,7 +8943,79 @@
                 </a:solidFill>
                 <a:cs typeface="Aharoni" panose="02010803020104030203" pitchFamily="2" charset="-79"/>
               </a:rPr>
-              <a:t>는 두가지의 정보를 지니고 있다</a:t>
+              <a:t>부분에는 토큰에 담을 정보가 들어있다 정보의 한 </a:t>
+            </a:r>
+            <a:r>
+              <a:rPr lang="en-US" altLang="ko-KR" sz="1300" dirty="0">
+                <a:solidFill>
+                  <a:prstClr val="white"/>
+                </a:solidFill>
+                <a:cs typeface="Aharoni" panose="02010803020104030203" pitchFamily="2" charset="-79"/>
+              </a:rPr>
+              <a:t>‘</a:t>
+            </a:r>
+            <a:r>
+              <a:rPr lang="ko-KR" altLang="en-US" sz="1300" dirty="0">
+                <a:solidFill>
+                  <a:prstClr val="white"/>
+                </a:solidFill>
+                <a:cs typeface="Aharoni" panose="02010803020104030203" pitchFamily="2" charset="-79"/>
+              </a:rPr>
+              <a:t>조각</a:t>
+            </a:r>
+            <a:r>
+              <a:rPr lang="en-US" altLang="ko-KR" sz="1300" dirty="0">
+                <a:solidFill>
+                  <a:prstClr val="white"/>
+                </a:solidFill>
+                <a:cs typeface="Aharoni" panose="02010803020104030203" pitchFamily="2" charset="-79"/>
+              </a:rPr>
+              <a:t>＇</a:t>
+            </a:r>
+            <a:r>
+              <a:rPr lang="ko-KR" altLang="en-US" sz="1300" dirty="0">
+                <a:solidFill>
+                  <a:prstClr val="white"/>
+                </a:solidFill>
+                <a:cs typeface="Aharoni" panose="02010803020104030203" pitchFamily="2" charset="-79"/>
+              </a:rPr>
+              <a:t>을 클레임</a:t>
+            </a:r>
+            <a:r>
+              <a:rPr lang="en-US" altLang="ko-KR" sz="1300" dirty="0">
+                <a:solidFill>
+                  <a:prstClr val="white"/>
+                </a:solidFill>
+                <a:cs typeface="Aharoni" panose="02010803020104030203" pitchFamily="2" charset="-79"/>
+              </a:rPr>
+              <a:t>(Claim)</a:t>
+            </a:r>
+            <a:r>
+              <a:rPr lang="ko-KR" altLang="en-US" sz="1300" dirty="0">
+                <a:solidFill>
+                  <a:prstClr val="white"/>
+                </a:solidFill>
+                <a:cs typeface="Aharoni" panose="02010803020104030203" pitchFamily="2" charset="-79"/>
+              </a:rPr>
+              <a:t>이라 부르며 이는 </a:t>
+            </a:r>
+            <a:r>
+              <a:rPr lang="en-US" altLang="ko-KR" sz="1300" dirty="0">
+                <a:solidFill>
+                  <a:prstClr val="white"/>
+                </a:solidFill>
+                <a:cs typeface="Aharoni" panose="02010803020104030203" pitchFamily="2" charset="-79"/>
+              </a:rPr>
+              <a:t>name/value</a:t>
+            </a:r>
+            <a:r>
+              <a:rPr lang="ko-KR" altLang="en-US" sz="1300" dirty="0">
+                <a:solidFill>
+                  <a:prstClr val="white"/>
+                </a:solidFill>
+                <a:cs typeface="Aharoni" panose="02010803020104030203" pitchFamily="2" charset="-79"/>
+              </a:rPr>
+              <a:t>한 쌍으로 이루어져 있다</a:t>
             </a:r>
             <a:endParaRPr lang="en-US" altLang="ko-KR" sz="1300" dirty="0">
               <a:solidFill>
@@ -8774,47 +9043,6 @@
                 <a:spcPct val="150000"/>
               </a:lnSpc>
             </a:pPr>
-            <a:r>
-              <a:rPr lang="en-US" altLang="ko-KR" sz="1300" b="1" dirty="0">
-                <a:solidFill>
-                  <a:prstClr val="white"/>
-                </a:solidFill>
-                <a:cs typeface="Aharoni" panose="02010803020104030203" pitchFamily="2" charset="-79"/>
-              </a:rPr>
-              <a:t>Typ</a:t>
-            </a:r>
-          </a:p>
-          <a:p>
-            <a:pPr>
-              <a:lnSpc>
-                <a:spcPct val="150000"/>
-              </a:lnSpc>
-            </a:pPr>
-            <a:r>
-              <a:rPr lang="ko-KR" altLang="en-US" sz="1300" dirty="0">
-                <a:solidFill>
-                  <a:prstClr val="white"/>
-                </a:solidFill>
-                <a:cs typeface="Aharoni" panose="02010803020104030203" pitchFamily="2" charset="-79"/>
-              </a:rPr>
-              <a:t>토큰의 타입을 지정한다 </a:t>
-            </a:r>
-            <a:r>
-              <a:rPr lang="en-US" altLang="ko-KR" sz="1300" dirty="0">
-                <a:solidFill>
-                  <a:prstClr val="white"/>
-                </a:solidFill>
-                <a:cs typeface="Aharoni" panose="02010803020104030203" pitchFamily="2" charset="-79"/>
-              </a:rPr>
-              <a:t>– JWT</a:t>
-            </a:r>
-          </a:p>
-          <a:p>
-            <a:pPr>
-              <a:lnSpc>
-                <a:spcPct val="150000"/>
-              </a:lnSpc>
-            </a:pPr>
             <a:endParaRPr lang="en-US" altLang="ko-KR" sz="1300" dirty="0">
               <a:solidFill>
                 <a:prstClr val="white"/>
@@ -8829,85 +9057,15 @@
               </a:lnSpc>
             </a:pPr>
             <a:r>
-              <a:rPr lang="en-US" altLang="ko-KR" sz="1300" b="1" dirty="0">
-                <a:solidFill>
-                  <a:prstClr val="white"/>
-                </a:solidFill>
-                <a:cs typeface="Aharoni" panose="02010803020104030203" pitchFamily="2" charset="-79"/>
-              </a:rPr>
-              <a:t>Alg</a:t>
-            </a:r>
-          </a:p>
-          <a:p>
-            <a:pPr>
-              <a:lnSpc>
-                <a:spcPct val="150000"/>
-              </a:lnSpc>
-            </a:pPr>
-            <a:r>
               <a:rPr lang="ko-KR" altLang="en-US" sz="1300" dirty="0">
                 <a:solidFill>
                   <a:prstClr val="white"/>
                 </a:solidFill>
                 <a:cs typeface="Aharoni" panose="02010803020104030203" pitchFamily="2" charset="-79"/>
               </a:rPr>
-              <a:t>해싱 알고리즘을 지정한다 해싱 알고리즘으로는 보통 </a:t>
-            </a:r>
-            <a:r>
-              <a:rPr lang="en-US" altLang="ko-KR" sz="1300" dirty="0">
-                <a:solidFill>
-                  <a:prstClr val="white"/>
-                </a:solidFill>
-                <a:cs typeface="Aharoni" panose="02010803020104030203" pitchFamily="2" charset="-79"/>
-              </a:rPr>
-              <a:t>HMAC SHA256 </a:t>
-            </a:r>
-            <a:r>
-              <a:rPr lang="ko-KR" altLang="en-US" sz="1300" dirty="0">
-                <a:solidFill>
-                  <a:prstClr val="white"/>
-                </a:solidFill>
-                <a:cs typeface="Aharoni" panose="02010803020104030203" pitchFamily="2" charset="-79"/>
-              </a:rPr>
-              <a:t>혹은 </a:t>
-            </a:r>
-            <a:r>
-              <a:rPr lang="en-US" altLang="ko-KR" sz="1300" dirty="0">
-                <a:solidFill>
-                  <a:prstClr val="white"/>
-                </a:solidFill>
-                <a:cs typeface="Aharoni" panose="02010803020104030203" pitchFamily="2" charset="-79"/>
-              </a:rPr>
-              <a:t>RSA</a:t>
-            </a:r>
-            <a:r>
-              <a:rPr lang="ko-KR" altLang="en-US" sz="1300" dirty="0">
-                <a:solidFill>
-                  <a:prstClr val="white"/>
-                </a:solidFill>
-                <a:cs typeface="Aharoni" panose="02010803020104030203" pitchFamily="2" charset="-79"/>
-              </a:rPr>
-              <a:t>가 사용되며 해당 알고리즘은 토큰을 검증할 때 사용되는 </a:t>
-            </a:r>
-            <a:r>
-              <a:rPr lang="en-US" altLang="ko-KR" sz="1300" dirty="0">
-                <a:solidFill>
-                  <a:prstClr val="white"/>
-                </a:solidFill>
-                <a:cs typeface="Aharoni" panose="02010803020104030203" pitchFamily="2" charset="-79"/>
-              </a:rPr>
-              <a:t>signature </a:t>
-            </a:r>
-            <a:r>
-              <a:rPr lang="ko-KR" altLang="en-US" sz="1300" dirty="0">
-                <a:solidFill>
-                  <a:prstClr val="white"/>
-                </a:solidFill>
-                <a:cs typeface="Aharoni" panose="02010803020104030203" pitchFamily="2" charset="-79"/>
-              </a:rPr>
-              <a:t>부분에서 사용된다</a:t>
-            </a:r>
-            <a:endParaRPr lang="en-US" altLang="ko-KR" sz="1300" dirty="0">
+              <a:t>클레임의 종류는 크게 세분류로 나뉘어져 있다</a:t>
+            </a:r>
+            <a:endParaRPr lang="en-US" altLang="ko-KR" sz="1400" b="1" dirty="0">
               <a:solidFill>
                 <a:prstClr val="white"/>
               </a:solidFill>
@@ -8916,12 +9074,429 @@
           </a:p>
         </p:txBody>
       </p:sp>
+      <p:sp>
+        <p:nvSpPr>
+          <p:cNvPr id="3" name="사각형: 둥근 모서리 2">
+            <a:extLst>
+              <a:ext uri="{FF2B5EF4-FFF2-40B4-BE49-F238E27FC236}">
+                <a16:creationId xmlns:a16="http://schemas.microsoft.com/office/drawing/2014/main" id="{5759FE6F-8AFA-4E7D-B6F5-047BC463873F}"/>
+              </a:ext>
+            </a:extLst>
+          </p:cNvPr>
+          <p:cNvSpPr/>
+          <p:nvPr/>
+        </p:nvSpPr>
+        <p:spPr>
+          <a:xfrm>
+            <a:off x="4200264" y="155293"/>
+            <a:ext cx="7519882" cy="2477601"/>
+          </a:xfrm>
+          <a:prstGeom prst="roundRect">
+            <a:avLst/>
+          </a:prstGeom>
+          <a:noFill/>
+          <a:ln w="25400">
+            <a:solidFill>
+              <a:schemeClr val="accent1">
+                <a:shade val="50000"/>
+              </a:schemeClr>
+            </a:solidFill>
+          </a:ln>
+        </p:spPr>
+        <p:style>
+          <a:lnRef idx="2">
+            <a:schemeClr val="accent1">
+              <a:shade val="50000"/>
+            </a:schemeClr>
+          </a:lnRef>
+          <a:fillRef idx="1">
+            <a:schemeClr val="accent1"/>
+          </a:fillRef>
+          <a:effectRef idx="0">
+            <a:schemeClr val="accent1"/>
+          </a:effectRef>
+          <a:fontRef idx="minor">
+            <a:schemeClr val="lt1"/>
+          </a:fontRef>
+        </p:style>
+        <p:txBody>
+          <a:bodyPr rtlCol="0" anchor="ctr"/>
+          <a:lstStyle/>
+          <a:p>
+            <a:pPr algn="ctr"/>
+            <a:endParaRPr lang="ko-KR" altLang="en-US" dirty="0"/>
+          </a:p>
+        </p:txBody>
+      </p:sp>
+      <p:sp>
+        <p:nvSpPr>
+          <p:cNvPr id="4" name="TextBox 3">
+            <a:extLst>
+              <a:ext uri="{FF2B5EF4-FFF2-40B4-BE49-F238E27FC236}">
+                <a16:creationId xmlns:a16="http://schemas.microsoft.com/office/drawing/2014/main" id="{1E8C23A2-1049-48F1-9E53-0581AF8C2521}"/>
+              </a:ext>
+            </a:extLst>
+          </p:cNvPr>
+          <p:cNvSpPr txBox="1"/>
+          <p:nvPr/>
+        </p:nvSpPr>
+        <p:spPr>
+          <a:xfrm>
+            <a:off x="4606294" y="262572"/>
+            <a:ext cx="6805246" cy="2477601"/>
+          </a:xfrm>
+          <a:prstGeom prst="rect">
+            <a:avLst/>
+          </a:prstGeom>
+          <a:noFill/>
+        </p:spPr>
+        <p:txBody>
+          <a:bodyPr wrap="square" rtlCol="0">
+            <a:spAutoFit/>
+          </a:bodyPr>
+          <a:lstStyle/>
+          <a:p>
+            <a:pPr marL="342900" indent="-342900">
+              <a:buFont typeface="+mj-lt"/>
+              <a:buAutoNum type="arabicPeriod"/>
+            </a:pPr>
+            <a:r>
+              <a:rPr lang="ko-KR" altLang="en-US" sz="1600" b="1" dirty="0"/>
+              <a:t>등록된</a:t>
+            </a:r>
+            <a:r>
+              <a:rPr lang="en-US" altLang="ko-KR" sz="1600" b="1" dirty="0"/>
+              <a:t>(registered)</a:t>
+            </a:r>
+            <a:r>
+              <a:rPr lang="ko-KR" altLang="en-US" sz="1600" b="1" dirty="0"/>
+              <a:t> 클레임</a:t>
+            </a:r>
+            <a:endParaRPr lang="en-US" altLang="ko-KR" sz="1600" b="1" dirty="0"/>
+          </a:p>
+          <a:p>
+            <a:endParaRPr lang="en-US" altLang="ko-KR" sz="1100" dirty="0"/>
+          </a:p>
+          <a:p>
+            <a:r>
+              <a:rPr lang="ko-KR" altLang="en-US" sz="1100" dirty="0"/>
+              <a:t>토큰에 대한 정보들을 담기 위하여 이름이 이미 정해진 클레임들이며 등록된 클레임의 사용은 모두 선택적이다</a:t>
+            </a:r>
+            <a:endParaRPr lang="en-US" altLang="ko-KR" sz="1100" dirty="0"/>
+          </a:p>
+          <a:p>
+            <a:endParaRPr lang="en-US" altLang="ko-KR" sz="1100" dirty="0"/>
+          </a:p>
+          <a:p>
+            <a:pPr marL="285750" indent="-285750">
+              <a:buFont typeface="Arial" panose="020B0604020202020204" pitchFamily="34" charset="0"/>
+              <a:buChar char="•"/>
+            </a:pPr>
+            <a:r>
+              <a:rPr lang="en-US" altLang="ko-KR" sz="1200" b="1" dirty="0">
+                <a:solidFill>
+                  <a:srgbClr val="0070C0"/>
+                </a:solidFill>
+              </a:rPr>
+              <a:t>iss : </a:t>
+            </a:r>
+            <a:r>
+              <a:rPr lang="ko-KR" altLang="en-US" sz="1100" dirty="0"/>
+              <a:t>토큰 발급자</a:t>
+            </a:r>
+            <a:endParaRPr lang="en-US" altLang="ko-KR" sz="1100" dirty="0"/>
+          </a:p>
+          <a:p>
+            <a:pPr marL="285750" indent="-285750">
+              <a:buFont typeface="Arial" panose="020B0604020202020204" pitchFamily="34" charset="0"/>
+              <a:buChar char="•"/>
+            </a:pPr>
+            <a:r>
+              <a:rPr lang="en-US" altLang="ko-KR" sz="1200" b="1" dirty="0">
+                <a:solidFill>
+                  <a:srgbClr val="0070C0"/>
+                </a:solidFill>
+              </a:rPr>
+              <a:t>sub : </a:t>
+            </a:r>
+            <a:r>
+              <a:rPr lang="ko-KR" altLang="en-US" sz="1100" dirty="0"/>
+              <a:t>토큰 제목</a:t>
+            </a:r>
+            <a:endParaRPr lang="en-US" altLang="ko-KR" sz="1100" dirty="0"/>
+          </a:p>
+          <a:p>
+            <a:pPr marL="285750" indent="-285750">
+              <a:buFont typeface="Arial" panose="020B0604020202020204" pitchFamily="34" charset="0"/>
+              <a:buChar char="•"/>
+            </a:pPr>
+            <a:r>
+              <a:rPr lang="en-US" altLang="ko-KR" sz="1200" b="1" dirty="0">
+                <a:solidFill>
+                  <a:srgbClr val="0070C0"/>
+                </a:solidFill>
+              </a:rPr>
+              <a:t>aud </a:t>
+            </a:r>
+            <a:r>
+              <a:rPr lang="en-US" altLang="ko-KR" sz="1100" dirty="0"/>
+              <a:t>: </a:t>
+            </a:r>
+            <a:r>
+              <a:rPr lang="ko-KR" altLang="en-US" sz="1100" dirty="0"/>
+              <a:t>토큰 대상자</a:t>
+            </a:r>
+            <a:endParaRPr lang="en-US" altLang="ko-KR" sz="1100" dirty="0"/>
+          </a:p>
+          <a:p>
+            <a:pPr marL="285750" indent="-285750">
+              <a:buFont typeface="Arial" panose="020B0604020202020204" pitchFamily="34" charset="0"/>
+              <a:buChar char="•"/>
+            </a:pPr>
+            <a:r>
+              <a:rPr lang="en-US" altLang="ko-KR" sz="1200" b="1" dirty="0">
+                <a:solidFill>
+                  <a:srgbClr val="0070C0"/>
+                </a:solidFill>
+              </a:rPr>
+              <a:t>exp : </a:t>
+            </a:r>
+            <a:r>
+              <a:rPr lang="ko-KR" altLang="en-US" sz="1100" u="sng" dirty="0">
+                <a:solidFill>
+                  <a:srgbClr val="FF0000"/>
+                </a:solidFill>
+              </a:rPr>
+              <a:t>토큰의 만료시간</a:t>
+            </a:r>
+            <a:r>
+              <a:rPr lang="en-US" altLang="ko-KR" sz="1100" dirty="0"/>
+              <a:t>. </a:t>
+            </a:r>
+            <a:r>
+              <a:rPr lang="ko-KR" altLang="en-US" sz="1100" dirty="0"/>
+              <a:t>언제나 현재 시간보다 이후로 설정되어 있어야 한다</a:t>
+            </a:r>
+            <a:endParaRPr lang="en-US" altLang="ko-KR" sz="1100" dirty="0"/>
+          </a:p>
+          <a:p>
+            <a:pPr marL="285750" indent="-285750">
+              <a:buFont typeface="Arial" panose="020B0604020202020204" pitchFamily="34" charset="0"/>
+              <a:buChar char="•"/>
+            </a:pPr>
+            <a:r>
+              <a:rPr lang="en-US" altLang="ko-KR" sz="1200" b="1" dirty="0">
+                <a:solidFill>
+                  <a:srgbClr val="0070C0"/>
+                </a:solidFill>
+              </a:rPr>
+              <a:t>nbf : </a:t>
+            </a:r>
+            <a:r>
+              <a:rPr lang="en-US" altLang="ko-KR" sz="1100" dirty="0"/>
+              <a:t>Not Before</a:t>
+            </a:r>
+            <a:r>
+              <a:rPr lang="ko-KR" altLang="en-US" sz="1100" dirty="0"/>
+              <a:t>를 의미하며 이 날짜가 지나기 전까지는 토큰이 처리되지 않는다</a:t>
+            </a:r>
+            <a:endParaRPr lang="en-US" altLang="ko-KR" sz="1100" dirty="0"/>
+          </a:p>
+          <a:p>
+            <a:pPr marL="285750" indent="-285750">
+              <a:buFont typeface="Arial" panose="020B0604020202020204" pitchFamily="34" charset="0"/>
+              <a:buChar char="•"/>
+            </a:pPr>
+            <a:r>
+              <a:rPr lang="en-US" altLang="ko-KR" sz="1200" b="1" dirty="0">
+                <a:solidFill>
+                  <a:srgbClr val="0070C0"/>
+                </a:solidFill>
+              </a:rPr>
+              <a:t>jat : </a:t>
+            </a:r>
+            <a:r>
+              <a:rPr lang="ko-KR" altLang="en-US" sz="1100" dirty="0"/>
+              <a:t>토큰이 발급된 시간</a:t>
+            </a:r>
+            <a:r>
+              <a:rPr lang="en-US" altLang="ko-KR" sz="1100" dirty="0"/>
+              <a:t>. </a:t>
+            </a:r>
+            <a:r>
+              <a:rPr lang="ko-KR" altLang="en-US" sz="1100" dirty="0"/>
+              <a:t>이 값을 사용하여 토큰의 </a:t>
+            </a:r>
+            <a:r>
+              <a:rPr lang="en-US" altLang="ko-KR" sz="1100" dirty="0"/>
+              <a:t>age</a:t>
+            </a:r>
+            <a:r>
+              <a:rPr lang="ko-KR" altLang="en-US" sz="1100" dirty="0"/>
+              <a:t>가 얼마나 되었는지 판단 가능</a:t>
+            </a:r>
+            <a:endParaRPr lang="en-US" altLang="ko-KR" sz="1100" dirty="0"/>
+          </a:p>
+          <a:p>
+            <a:pPr marL="285750" indent="-285750">
+              <a:buFont typeface="Arial" panose="020B0604020202020204" pitchFamily="34" charset="0"/>
+              <a:buChar char="•"/>
+            </a:pPr>
+            <a:r>
+              <a:rPr lang="en-US" altLang="ko-KR" sz="1200" b="1" dirty="0">
+                <a:solidFill>
+                  <a:srgbClr val="0070C0"/>
+                </a:solidFill>
+              </a:rPr>
+              <a:t>jti : </a:t>
+            </a:r>
+            <a:r>
+              <a:rPr lang="en-US" altLang="ko-KR" sz="1100" dirty="0"/>
+              <a:t>JWT</a:t>
+            </a:r>
+            <a:r>
+              <a:rPr lang="ko-KR" altLang="en-US" sz="1100" dirty="0"/>
+              <a:t>의 고유 식별자로서</a:t>
+            </a:r>
+            <a:r>
+              <a:rPr lang="en-US" altLang="ko-KR" sz="1100" dirty="0"/>
+              <a:t>, </a:t>
+            </a:r>
+            <a:r>
+              <a:rPr lang="ko-KR" altLang="en-US" sz="1100" dirty="0"/>
+              <a:t>주로 중복적인 처리를 방지하기 위해 사용</a:t>
+            </a:r>
+            <a:endParaRPr lang="en-US" altLang="ko-KR" sz="1100" dirty="0"/>
+          </a:p>
+          <a:p>
+            <a:endParaRPr lang="en-US" altLang="ko-KR" sz="1100" dirty="0"/>
+          </a:p>
+        </p:txBody>
+      </p:sp>
+      <p:sp>
+        <p:nvSpPr>
+          <p:cNvPr id="7" name="사각형: 둥근 모서리 6">
+            <a:extLst>
+              <a:ext uri="{FF2B5EF4-FFF2-40B4-BE49-F238E27FC236}">
+                <a16:creationId xmlns:a16="http://schemas.microsoft.com/office/drawing/2014/main" id="{D37333AE-728A-4AD2-B83C-31AC4378D09A}"/>
+              </a:ext>
+            </a:extLst>
+          </p:cNvPr>
+          <p:cNvSpPr/>
+          <p:nvPr/>
+        </p:nvSpPr>
+        <p:spPr>
+          <a:xfrm>
+            <a:off x="4200264" y="2756957"/>
+            <a:ext cx="7519882" cy="1908558"/>
+          </a:xfrm>
+          <a:prstGeom prst="roundRect">
+            <a:avLst/>
+          </a:prstGeom>
+          <a:noFill/>
+          <a:ln w="25400">
+            <a:solidFill>
+              <a:schemeClr val="accent2"/>
+            </a:solidFill>
+          </a:ln>
+        </p:spPr>
+        <p:style>
+          <a:lnRef idx="2">
+            <a:schemeClr val="accent1">
+              <a:shade val="50000"/>
+            </a:schemeClr>
+          </a:lnRef>
+          <a:fillRef idx="1">
+            <a:schemeClr val="accent1"/>
+          </a:fillRef>
+          <a:effectRef idx="0">
+            <a:schemeClr val="accent1"/>
+          </a:effectRef>
+          <a:fontRef idx="minor">
+            <a:schemeClr val="lt1"/>
+          </a:fontRef>
+        </p:style>
+        <p:txBody>
+          <a:bodyPr rtlCol="0" anchor="ctr"/>
+          <a:lstStyle/>
+          <a:p>
+            <a:pPr algn="ctr"/>
+            <a:endParaRPr lang="ko-KR" altLang="en-US" dirty="0"/>
+          </a:p>
+        </p:txBody>
+      </p:sp>
+      <p:sp>
+        <p:nvSpPr>
+          <p:cNvPr id="15" name="TextBox 14">
+            <a:extLst>
+              <a:ext uri="{FF2B5EF4-FFF2-40B4-BE49-F238E27FC236}">
+                <a16:creationId xmlns:a16="http://schemas.microsoft.com/office/drawing/2014/main" id="{4178FBF5-A232-46ED-8EFC-B5FAEDFB0295}"/>
+              </a:ext>
+            </a:extLst>
+          </p:cNvPr>
+          <p:cNvSpPr txBox="1"/>
+          <p:nvPr/>
+        </p:nvSpPr>
+        <p:spPr>
+          <a:xfrm>
+            <a:off x="4557582" y="2885983"/>
+            <a:ext cx="6805246" cy="846386"/>
+          </a:xfrm>
+          <a:prstGeom prst="rect">
+            <a:avLst/>
+          </a:prstGeom>
+          <a:noFill/>
+        </p:spPr>
+        <p:txBody>
+          <a:bodyPr wrap="square" rtlCol="0">
+            <a:spAutoFit/>
+          </a:bodyPr>
+          <a:lstStyle/>
+          <a:p>
+            <a:pPr marL="457200" indent="-457200">
+              <a:buFont typeface="+mj-lt"/>
+              <a:buAutoNum type="arabicPeriod" startAt="2"/>
+            </a:pPr>
+            <a:r>
+              <a:rPr lang="ko-KR" altLang="en-US" sz="1600" b="1" dirty="0"/>
+              <a:t>공개</a:t>
+            </a:r>
+            <a:r>
+              <a:rPr lang="en-US" altLang="ko-KR" sz="1600" b="1" dirty="0"/>
+              <a:t>(public)</a:t>
+            </a:r>
+            <a:r>
+              <a:rPr lang="ko-KR" altLang="en-US" sz="1600" b="1" dirty="0"/>
+              <a:t> 클레임</a:t>
+            </a:r>
+            <a:endParaRPr lang="en-US" altLang="ko-KR" sz="1600" b="1" dirty="0"/>
+          </a:p>
+          <a:p>
+            <a:endParaRPr lang="en-US" altLang="ko-KR" sz="1100" dirty="0"/>
+          </a:p>
+          <a:p>
+            <a:r>
+              <a:rPr lang="ko-KR" altLang="en-US" sz="1100" dirty="0"/>
+              <a:t>공개 클레임은 충돌이 방지된 이름을 가지고 있어야 하며 충돌을 방지하기 위해서 클레임 이름을 </a:t>
+            </a:r>
+            <a:r>
+              <a:rPr lang="en-US" altLang="ko-KR" sz="1100" dirty="0"/>
+              <a:t>URI </a:t>
+            </a:r>
+            <a:r>
+              <a:rPr lang="ko-KR" altLang="en-US" sz="1100" dirty="0"/>
+              <a:t>형식으로 한다</a:t>
+            </a:r>
+            <a:endParaRPr lang="en-US" altLang="ko-KR" sz="1100" dirty="0"/>
+          </a:p>
+        </p:txBody>
+      </p:sp>
       <p:pic>
         <p:nvPicPr>
-          <p:cNvPr id="11" name="그림 10">
-            <a:extLst>
-              <a:ext uri="{FF2B5EF4-FFF2-40B4-BE49-F238E27FC236}">
-                <a16:creationId xmlns:a16="http://schemas.microsoft.com/office/drawing/2014/main" id="{670DC7B0-2CBD-4510-A78F-C104156637EB}"/>
+          <p:cNvPr id="19" name="그림 18">
+            <a:extLst>
+              <a:ext uri="{FF2B5EF4-FFF2-40B4-BE49-F238E27FC236}">
+                <a16:creationId xmlns:a16="http://schemas.microsoft.com/office/drawing/2014/main" id="{895B67BE-1854-4774-97D0-2738B544FD5E}"/>
               </a:ext>
             </a:extLst>
           </p:cNvPr>
@@ -8932,6 +9507,151 @@
         </p:nvPicPr>
         <p:blipFill>
           <a:blip r:embed="rId2">
+            <a:extLst>
+              <a:ext uri="{28A0092B-C50C-407E-A947-70E740481C1C}">
+                <a14:useLocalDpi xmlns:a14="http://schemas.microsoft.com/office/drawing/2010/main" val="0"/>
+              </a:ext>
+            </a:extLst>
+          </a:blip>
+          <a:srcRect/>
+          <a:stretch/>
+        </p:blipFill>
+        <p:spPr>
+          <a:xfrm>
+            <a:off x="5213544" y="3784504"/>
+            <a:ext cx="5422510" cy="783599"/>
+          </a:xfrm>
+          <a:prstGeom prst="rect">
+            <a:avLst/>
+          </a:prstGeom>
+        </p:spPr>
+      </p:pic>
+      <p:sp>
+        <p:nvSpPr>
+          <p:cNvPr id="21" name="사각형: 둥근 모서리 20">
+            <a:extLst>
+              <a:ext uri="{FF2B5EF4-FFF2-40B4-BE49-F238E27FC236}">
+                <a16:creationId xmlns:a16="http://schemas.microsoft.com/office/drawing/2014/main" id="{0721C0AF-B152-4F32-B0CE-071FAFAA8EB8}"/>
+              </a:ext>
+            </a:extLst>
+          </p:cNvPr>
+          <p:cNvSpPr/>
+          <p:nvPr/>
+        </p:nvSpPr>
+        <p:spPr>
+          <a:xfrm>
+            <a:off x="4200264" y="4780860"/>
+            <a:ext cx="7519882" cy="1921847"/>
+          </a:xfrm>
+          <a:prstGeom prst="roundRect">
+            <a:avLst/>
+          </a:prstGeom>
+          <a:noFill/>
+          <a:ln w="25400">
+            <a:solidFill>
+              <a:schemeClr val="accent6"/>
+            </a:solidFill>
+          </a:ln>
+        </p:spPr>
+        <p:style>
+          <a:lnRef idx="2">
+            <a:schemeClr val="accent1">
+              <a:shade val="50000"/>
+            </a:schemeClr>
+          </a:lnRef>
+          <a:fillRef idx="1">
+            <a:schemeClr val="accent1"/>
+          </a:fillRef>
+          <a:effectRef idx="0">
+            <a:schemeClr val="accent1"/>
+          </a:effectRef>
+          <a:fontRef idx="minor">
+            <a:schemeClr val="lt1"/>
+          </a:fontRef>
+        </p:style>
+        <p:txBody>
+          <a:bodyPr rtlCol="0" anchor="ctr"/>
+          <a:lstStyle/>
+          <a:p>
+            <a:pPr algn="ctr"/>
+            <a:endParaRPr lang="ko-KR" altLang="en-US" dirty="0"/>
+          </a:p>
+        </p:txBody>
+      </p:sp>
+      <p:sp>
+        <p:nvSpPr>
+          <p:cNvPr id="23" name="TextBox 22">
+            <a:extLst>
+              <a:ext uri="{FF2B5EF4-FFF2-40B4-BE49-F238E27FC236}">
+                <a16:creationId xmlns:a16="http://schemas.microsoft.com/office/drawing/2014/main" id="{EC0A1ACF-02C4-4144-ADA3-C95511A17540}"/>
+              </a:ext>
+            </a:extLst>
+          </p:cNvPr>
+          <p:cNvSpPr txBox="1"/>
+          <p:nvPr/>
+        </p:nvSpPr>
+        <p:spPr>
+          <a:xfrm>
+            <a:off x="4557582" y="4911920"/>
+            <a:ext cx="6805246" cy="846386"/>
+          </a:xfrm>
+          <a:prstGeom prst="rect">
+            <a:avLst/>
+          </a:prstGeom>
+          <a:noFill/>
+        </p:spPr>
+        <p:txBody>
+          <a:bodyPr wrap="square" rtlCol="0">
+            <a:spAutoFit/>
+          </a:bodyPr>
+          <a:lstStyle/>
+          <a:p>
+            <a:pPr marL="457200" indent="-457200">
+              <a:buFont typeface="+mj-lt"/>
+              <a:buAutoNum type="arabicPeriod" startAt="3"/>
+            </a:pPr>
+            <a:r>
+              <a:rPr lang="ko-KR" altLang="en-US" sz="1600" b="1" dirty="0"/>
+              <a:t>비공개</a:t>
+            </a:r>
+            <a:r>
+              <a:rPr lang="en-US" altLang="ko-KR" sz="1600" b="1" dirty="0"/>
+              <a:t>(private)</a:t>
+            </a:r>
+            <a:r>
+              <a:rPr lang="ko-KR" altLang="en-US" sz="1600" b="1" dirty="0"/>
+              <a:t> 클레임</a:t>
+            </a:r>
+            <a:endParaRPr lang="en-US" altLang="ko-KR" sz="1600" b="1" dirty="0"/>
+          </a:p>
+          <a:p>
+            <a:endParaRPr lang="en-US" altLang="ko-KR" sz="1100" dirty="0"/>
+          </a:p>
+          <a:p>
+            <a:r>
+              <a:rPr lang="ko-KR" altLang="en-US" sz="1100" dirty="0"/>
+              <a:t>등록 및 공개된 클레임이 아닌 클라이언트 서버 양측간의 협의 하에 사용되는 클레임 이름이다 공개 클레임과는 달리 이름이 중복되어 충돌될 수 있어 사용에 유의해야 한다</a:t>
+            </a:r>
+            <a:endParaRPr lang="en-US" altLang="ko-KR" sz="1100" dirty="0"/>
+          </a:p>
+        </p:txBody>
+      </p:sp>
+      <p:pic>
+        <p:nvPicPr>
+          <p:cNvPr id="25" name="그림 24">
+            <a:extLst>
+              <a:ext uri="{FF2B5EF4-FFF2-40B4-BE49-F238E27FC236}">
+                <a16:creationId xmlns:a16="http://schemas.microsoft.com/office/drawing/2014/main" id="{0B37A1B4-E35F-4809-937C-6CC6081A497C}"/>
+              </a:ext>
+            </a:extLst>
+          </p:cNvPr>
+          <p:cNvPicPr>
+            <a:picLocks noChangeAspect="1"/>
+          </p:cNvPicPr>
+          <p:nvPr/>
+        </p:nvPicPr>
+        <p:blipFill>
+          <a:blip r:embed="rId3">
             <a:extLst>
               <a:ext uri="{28A0092B-C50C-407E-A947-70E740481C1C}">
                 <a14:useLocalDpi xmlns:a14="http://schemas.microsoft.com/office/drawing/2010/main" val="0"/>
@@ -8944,311 +9664,18 @@
         </p:blipFill>
         <p:spPr>
           <a:xfrm>
-            <a:off x="4880049" y="837466"/>
-            <a:ext cx="6089500" cy="1812101"/>
+            <a:off x="5435990" y="5790920"/>
+            <a:ext cx="4778274" cy="848479"/>
           </a:xfrm>
           <a:prstGeom prst="rect">
             <a:avLst/>
           </a:prstGeom>
         </p:spPr>
       </p:pic>
-      <p:sp>
-        <p:nvSpPr>
-          <p:cNvPr id="14" name="TextBox 13">
-            <a:extLst>
-              <a:ext uri="{FF2B5EF4-FFF2-40B4-BE49-F238E27FC236}">
-                <a16:creationId xmlns:a16="http://schemas.microsoft.com/office/drawing/2014/main" id="{E8BDBCE3-7F24-4136-95E2-13481122F276}"/>
-              </a:ext>
-            </a:extLst>
-          </p:cNvPr>
-          <p:cNvSpPr txBox="1"/>
-          <p:nvPr/>
-        </p:nvSpPr>
-        <p:spPr>
-          <a:xfrm>
-            <a:off x="4880049" y="3175893"/>
-            <a:ext cx="6089500" cy="692497"/>
-          </a:xfrm>
-          <a:prstGeom prst="rect">
-            <a:avLst/>
-          </a:prstGeom>
-          <a:noFill/>
-          <a:ln>
-            <a:solidFill>
-              <a:schemeClr val="bg1">
-                <a:lumMod val="85000"/>
-              </a:schemeClr>
-            </a:solidFill>
-          </a:ln>
-        </p:spPr>
-        <p:txBody>
-          <a:bodyPr wrap="square" rtlCol="0">
-            <a:spAutoFit/>
-          </a:bodyPr>
-          <a:lstStyle/>
-          <a:p>
-            <a:pPr algn="ctr"/>
-            <a:r>
-              <a:rPr lang="en-US" altLang="ko-KR" sz="1300" dirty="0"/>
-              <a:t>JSON</a:t>
-            </a:r>
-            <a:r>
-              <a:rPr lang="ko-KR" altLang="en-US" sz="1300" dirty="0"/>
-              <a:t>형태의 객체가 </a:t>
-            </a:r>
-            <a:r>
-              <a:rPr lang="en-US" altLang="ko-KR" sz="1300" dirty="0"/>
-              <a:t>BASE64</a:t>
-            </a:r>
-            <a:r>
-              <a:rPr lang="ko-KR" altLang="en-US" sz="1300" dirty="0"/>
-              <a:t>로 인코딩 되는 과정에서 공백</a:t>
-            </a:r>
-            <a:r>
-              <a:rPr lang="en-US" altLang="ko-KR" sz="1300" dirty="0"/>
-              <a:t>/</a:t>
-            </a:r>
-            <a:r>
-              <a:rPr lang="ko-KR" altLang="en-US" sz="1300" dirty="0"/>
-              <a:t>엔터가 사라진다</a:t>
-            </a:r>
-            <a:endParaRPr lang="en-US" altLang="ko-KR" sz="1300" dirty="0"/>
-          </a:p>
-          <a:p>
-            <a:pPr algn="ctr"/>
-            <a:endParaRPr lang="en-US" altLang="ko-KR" sz="1300" dirty="0"/>
-          </a:p>
-          <a:p>
-            <a:pPr algn="ctr"/>
-            <a:endParaRPr lang="en-US" altLang="ko-KR" sz="1300" dirty="0"/>
-          </a:p>
-        </p:txBody>
-      </p:sp>
-      <p:pic>
-        <p:nvPicPr>
-          <p:cNvPr id="18" name="그림 17">
-            <a:extLst>
-              <a:ext uri="{FF2B5EF4-FFF2-40B4-BE49-F238E27FC236}">
-                <a16:creationId xmlns:a16="http://schemas.microsoft.com/office/drawing/2014/main" id="{0900E9B5-1B2E-461C-9C62-36E4CF7FC931}"/>
-              </a:ext>
-            </a:extLst>
-          </p:cNvPr>
-          <p:cNvPicPr>
-            <a:picLocks noChangeAspect="1"/>
-          </p:cNvPicPr>
-          <p:nvPr/>
-        </p:nvPicPr>
-        <p:blipFill>
-          <a:blip r:embed="rId3">
-            <a:extLst>
-              <a:ext uri="{28A0092B-C50C-407E-A947-70E740481C1C}">
-                <a14:useLocalDpi xmlns:a14="http://schemas.microsoft.com/office/drawing/2010/main" val="0"/>
-              </a:ext>
-            </a:extLst>
-          </a:blip>
-          <a:stretch>
-            <a:fillRect/>
-          </a:stretch>
-        </p:blipFill>
-        <p:spPr>
-          <a:xfrm>
-            <a:off x="6367277" y="3522141"/>
-            <a:ext cx="2657846" cy="285790"/>
-          </a:xfrm>
-          <a:prstGeom prst="rect">
-            <a:avLst/>
-          </a:prstGeom>
-        </p:spPr>
-      </p:pic>
-      <p:sp>
-        <p:nvSpPr>
-          <p:cNvPr id="19" name="TextBox 18">
-            <a:extLst>
-              <a:ext uri="{FF2B5EF4-FFF2-40B4-BE49-F238E27FC236}">
-                <a16:creationId xmlns:a16="http://schemas.microsoft.com/office/drawing/2014/main" id="{5E51B2DD-BCA7-4EA8-A154-96A37538FF7E}"/>
-              </a:ext>
-            </a:extLst>
-          </p:cNvPr>
-          <p:cNvSpPr txBox="1"/>
-          <p:nvPr/>
-        </p:nvSpPr>
-        <p:spPr>
-          <a:xfrm>
-            <a:off x="4880049" y="4537102"/>
-            <a:ext cx="6089500" cy="1292662"/>
-          </a:xfrm>
-          <a:prstGeom prst="rect">
-            <a:avLst/>
-          </a:prstGeom>
-          <a:noFill/>
-          <a:ln w="12700">
-            <a:solidFill>
-              <a:srgbClr val="FF0000"/>
-            </a:solidFill>
-          </a:ln>
-        </p:spPr>
-        <p:txBody>
-          <a:bodyPr wrap="square" rtlCol="0">
-            <a:spAutoFit/>
-          </a:bodyPr>
-          <a:lstStyle/>
-          <a:p>
-            <a:pPr algn="ctr"/>
-            <a:endParaRPr lang="en-US" altLang="ko-KR" sz="1300" dirty="0"/>
-          </a:p>
-          <a:p>
-            <a:pPr algn="ctr"/>
-            <a:r>
-              <a:rPr lang="en-US" altLang="ko-KR" sz="1300" b="1" dirty="0"/>
-              <a:t>BASE64</a:t>
-            </a:r>
-            <a:r>
-              <a:rPr lang="ko-KR" altLang="en-US" sz="1300" b="1" dirty="0"/>
-              <a:t> 인코딩 후</a:t>
-            </a:r>
-            <a:endParaRPr lang="en-US" altLang="ko-KR" sz="1300" b="1" dirty="0"/>
-          </a:p>
-          <a:p>
-            <a:pPr algn="ctr"/>
-            <a:endParaRPr lang="en-US" altLang="ko-KR" sz="1300" dirty="0"/>
-          </a:p>
-          <a:p>
-            <a:pPr algn="ctr"/>
-            <a:endParaRPr lang="en-US" altLang="ko-KR" sz="1300" dirty="0"/>
-          </a:p>
-          <a:p>
-            <a:pPr algn="ctr"/>
-            <a:endParaRPr lang="en-US" altLang="ko-KR" sz="1300" dirty="0"/>
-          </a:p>
-          <a:p>
-            <a:pPr algn="ctr"/>
-            <a:endParaRPr lang="en-US" altLang="ko-KR" sz="1300" dirty="0"/>
-          </a:p>
-        </p:txBody>
-      </p:sp>
-      <p:pic>
-        <p:nvPicPr>
-          <p:cNvPr id="21" name="그림 20">
-            <a:extLst>
-              <a:ext uri="{FF2B5EF4-FFF2-40B4-BE49-F238E27FC236}">
-                <a16:creationId xmlns:a16="http://schemas.microsoft.com/office/drawing/2014/main" id="{DC22B557-3DA3-4903-A047-23CE16ABC659}"/>
-              </a:ext>
-            </a:extLst>
-          </p:cNvPr>
-          <p:cNvPicPr>
-            <a:picLocks noChangeAspect="1"/>
-          </p:cNvPicPr>
-          <p:nvPr/>
-        </p:nvPicPr>
-        <p:blipFill>
-          <a:blip r:embed="rId4">
-            <a:extLst>
-              <a:ext uri="{28A0092B-C50C-407E-A947-70E740481C1C}">
-                <a14:useLocalDpi xmlns:a14="http://schemas.microsoft.com/office/drawing/2010/main" val="0"/>
-              </a:ext>
-            </a:extLst>
-          </a:blip>
-          <a:srcRect/>
-          <a:stretch/>
-        </p:blipFill>
-        <p:spPr>
-          <a:xfrm>
-            <a:off x="5216170" y="5186582"/>
-            <a:ext cx="5417256" cy="393089"/>
-          </a:xfrm>
-          <a:prstGeom prst="rect">
-            <a:avLst/>
-          </a:prstGeom>
-        </p:spPr>
-      </p:pic>
-      <p:cxnSp>
-        <p:nvCxnSpPr>
-          <p:cNvPr id="23" name="직선 화살표 연결선 22">
-            <a:extLst>
-              <a:ext uri="{FF2B5EF4-FFF2-40B4-BE49-F238E27FC236}">
-                <a16:creationId xmlns:a16="http://schemas.microsoft.com/office/drawing/2014/main" id="{ED050DB2-34FE-4EB7-B792-BCCD41320DEC}"/>
-              </a:ext>
-            </a:extLst>
-          </p:cNvPr>
-          <p:cNvCxnSpPr/>
-          <p:nvPr/>
-        </p:nvCxnSpPr>
-        <p:spPr>
-          <a:xfrm>
-            <a:off x="7924798" y="2701521"/>
-            <a:ext cx="0" cy="415751"/>
-          </a:xfrm>
-          <a:prstGeom prst="straightConnector1">
-            <a:avLst/>
-          </a:prstGeom>
-          <a:ln w="19050">
-            <a:solidFill>
-              <a:srgbClr val="FF0000"/>
-            </a:solidFill>
-            <a:tailEnd type="triangle"/>
-          </a:ln>
-        </p:spPr>
-        <p:style>
-          <a:lnRef idx="1">
-            <a:schemeClr val="accent1"/>
-          </a:lnRef>
-          <a:fillRef idx="0">
-            <a:schemeClr val="accent1"/>
-          </a:fillRef>
-          <a:effectRef idx="0">
-            <a:schemeClr val="accent1"/>
-          </a:effectRef>
-          <a:fontRef idx="minor">
-            <a:schemeClr val="tx1"/>
-          </a:fontRef>
-        </p:style>
-      </p:cxnSp>
-      <p:cxnSp>
-        <p:nvCxnSpPr>
-          <p:cNvPr id="24" name="직선 화살표 연결선 23">
-            <a:extLst>
-              <a:ext uri="{FF2B5EF4-FFF2-40B4-BE49-F238E27FC236}">
-                <a16:creationId xmlns:a16="http://schemas.microsoft.com/office/drawing/2014/main" id="{0D8E5B07-4161-4DD1-82D4-2FBFB06A71EE}"/>
-              </a:ext>
-            </a:extLst>
-          </p:cNvPr>
-          <p:cNvCxnSpPr/>
-          <p:nvPr/>
-        </p:nvCxnSpPr>
-        <p:spPr>
-          <a:xfrm>
-            <a:off x="7924798" y="3979603"/>
-            <a:ext cx="0" cy="415751"/>
-          </a:xfrm>
-          <a:prstGeom prst="straightConnector1">
-            <a:avLst/>
-          </a:prstGeom>
-          <a:ln w="19050">
-            <a:solidFill>
-              <a:srgbClr val="FF0000"/>
-            </a:solidFill>
-            <a:tailEnd type="triangle"/>
-          </a:ln>
-        </p:spPr>
-        <p:style>
-          <a:lnRef idx="1">
-            <a:schemeClr val="accent1"/>
-          </a:lnRef>
-          <a:fillRef idx="0">
-            <a:schemeClr val="accent1"/>
-          </a:fillRef>
-          <a:effectRef idx="0">
-            <a:schemeClr val="accent1"/>
-          </a:effectRef>
-          <a:fontRef idx="minor">
-            <a:schemeClr val="tx1"/>
-          </a:fontRef>
-        </p:style>
-      </p:cxnSp>
     </p:spTree>
     <p:extLst>
       <p:ext uri="{BB962C8B-B14F-4D97-AF65-F5344CB8AC3E}">
-        <p14:creationId xmlns:p14="http://schemas.microsoft.com/office/powerpoint/2010/main" val="153884346"/>
+        <p14:creationId xmlns:p14="http://schemas.microsoft.com/office/powerpoint/2010/main" val="3137568852"/>
       </p:ext>
     </p:extLst>
   </p:cSld>
@@ -9503,7 +9930,7 @@
         <p:spPr>
           <a:xfrm>
             <a:off x="374554" y="2041063"/>
-            <a:ext cx="2885885" cy="3954737"/>
+            <a:ext cx="2885885" cy="2454326"/>
           </a:xfrm>
           <a:prstGeom prst="rect">
             <a:avLst/>
@@ -9650,6 +10077,15 @@
                 <a:spcPct val="150000"/>
               </a:lnSpc>
             </a:pPr>
+            <a:r>
+              <a:rPr lang="ko-KR" altLang="en-US" sz="1300" dirty="0">
+                <a:solidFill>
+                  <a:prstClr val="white"/>
+                </a:solidFill>
+                <a:cs typeface="Aharoni" panose="02010803020104030203" pitchFamily="2" charset="-79"/>
+              </a:rPr>
+              <a:t>클레임의 종류는 크게 세분류로 나뉘어져 있다</a:t>
+            </a:r>
             <a:endParaRPr lang="en-US" altLang="ko-KR" sz="1300" dirty="0">
               <a:solidFill>
                 <a:prstClr val="white"/>
@@ -9657,244 +10093,106 @@
               <a:cs typeface="Aharoni" panose="02010803020104030203" pitchFamily="2" charset="-79"/>
             </a:endParaRPr>
           </a:p>
-          <a:p>
-            <a:pPr>
-              <a:lnSpc>
-                <a:spcPct val="150000"/>
-              </a:lnSpc>
-            </a:pPr>
-            <a:r>
-              <a:rPr lang="ko-KR" altLang="en-US" sz="1300" dirty="0">
-                <a:solidFill>
-                  <a:prstClr val="white"/>
-                </a:solidFill>
-                <a:cs typeface="Aharoni" panose="02010803020104030203" pitchFamily="2" charset="-79"/>
-              </a:rPr>
-              <a:t>클레임의 종류는 크게 세분류로 나뉘어져 있다</a:t>
-            </a:r>
-            <a:endParaRPr lang="en-US" altLang="ko-KR" sz="1300" dirty="0">
-              <a:solidFill>
-                <a:prstClr val="white"/>
-              </a:solidFill>
-              <a:cs typeface="Aharoni" panose="02010803020104030203" pitchFamily="2" charset="-79"/>
-            </a:endParaRPr>
-          </a:p>
-          <a:p>
-            <a:pPr>
-              <a:lnSpc>
-                <a:spcPct val="150000"/>
-              </a:lnSpc>
-            </a:pPr>
-            <a:endParaRPr lang="en-US" altLang="ko-KR" sz="1300" dirty="0">
-              <a:solidFill>
-                <a:prstClr val="white"/>
-              </a:solidFill>
-              <a:cs typeface="Aharoni" panose="02010803020104030203" pitchFamily="2" charset="-79"/>
-            </a:endParaRPr>
-          </a:p>
-          <a:p>
-            <a:pPr marL="342900" indent="-342900">
-              <a:lnSpc>
-                <a:spcPct val="150000"/>
-              </a:lnSpc>
-              <a:buFont typeface="+mj-lt"/>
-              <a:buAutoNum type="arabicPeriod"/>
-            </a:pPr>
-            <a:r>
-              <a:rPr lang="ko-KR" altLang="en-US" sz="1300" dirty="0">
-                <a:solidFill>
-                  <a:prstClr val="white"/>
-                </a:solidFill>
-                <a:cs typeface="Aharoni" panose="02010803020104030203" pitchFamily="2" charset="-79"/>
-              </a:rPr>
-              <a:t>등록된</a:t>
-            </a:r>
-            <a:r>
-              <a:rPr lang="en-US" altLang="ko-KR" sz="1300" dirty="0">
-                <a:solidFill>
-                  <a:prstClr val="white"/>
-                </a:solidFill>
-                <a:cs typeface="Aharoni" panose="02010803020104030203" pitchFamily="2" charset="-79"/>
-              </a:rPr>
-              <a:t>(registered)</a:t>
-            </a:r>
-            <a:r>
-              <a:rPr lang="ko-KR" altLang="en-US" sz="1300" dirty="0">
-                <a:solidFill>
-                  <a:prstClr val="white"/>
-                </a:solidFill>
-                <a:cs typeface="Aharoni" panose="02010803020104030203" pitchFamily="2" charset="-79"/>
-              </a:rPr>
-              <a:t> 클레임</a:t>
-            </a:r>
-            <a:endParaRPr lang="en-US" altLang="ko-KR" sz="1300" dirty="0">
-              <a:solidFill>
-                <a:prstClr val="white"/>
-              </a:solidFill>
-              <a:cs typeface="Aharoni" panose="02010803020104030203" pitchFamily="2" charset="-79"/>
-            </a:endParaRPr>
-          </a:p>
-          <a:p>
-            <a:pPr marL="342900" indent="-342900">
-              <a:lnSpc>
-                <a:spcPct val="150000"/>
-              </a:lnSpc>
-              <a:buFont typeface="+mj-lt"/>
-              <a:buAutoNum type="arabicPeriod"/>
-            </a:pPr>
-            <a:r>
-              <a:rPr lang="ko-KR" altLang="en-US" sz="1300" dirty="0">
-                <a:solidFill>
-                  <a:prstClr val="white"/>
-                </a:solidFill>
-                <a:cs typeface="Aharoni" panose="02010803020104030203" pitchFamily="2" charset="-79"/>
-              </a:rPr>
-              <a:t>공개</a:t>
-            </a:r>
-            <a:r>
-              <a:rPr lang="en-US" altLang="ko-KR" sz="1300" dirty="0">
-                <a:solidFill>
-                  <a:prstClr val="white"/>
-                </a:solidFill>
-                <a:cs typeface="Aharoni" panose="02010803020104030203" pitchFamily="2" charset="-79"/>
-              </a:rPr>
-              <a:t>(public) </a:t>
-            </a:r>
-            <a:r>
-              <a:rPr lang="ko-KR" altLang="en-US" sz="1300" dirty="0">
-                <a:solidFill>
-                  <a:prstClr val="white"/>
-                </a:solidFill>
-                <a:cs typeface="Aharoni" panose="02010803020104030203" pitchFamily="2" charset="-79"/>
-              </a:rPr>
-              <a:t>클레임</a:t>
-            </a:r>
-            <a:endParaRPr lang="en-US" altLang="ko-KR" sz="1300" dirty="0">
-              <a:solidFill>
-                <a:prstClr val="white"/>
-              </a:solidFill>
-              <a:cs typeface="Aharoni" panose="02010803020104030203" pitchFamily="2" charset="-79"/>
-            </a:endParaRPr>
-          </a:p>
-          <a:p>
-            <a:pPr marL="342900" indent="-342900">
-              <a:lnSpc>
-                <a:spcPct val="150000"/>
-              </a:lnSpc>
-              <a:buFont typeface="+mj-lt"/>
-              <a:buAutoNum type="arabicPeriod"/>
-            </a:pPr>
-            <a:r>
-              <a:rPr lang="ko-KR" altLang="en-US" sz="1300" dirty="0">
-                <a:solidFill>
-                  <a:prstClr val="white"/>
-                </a:solidFill>
-                <a:cs typeface="Aharoni" panose="02010803020104030203" pitchFamily="2" charset="-79"/>
-              </a:rPr>
-              <a:t>비공개</a:t>
-            </a:r>
-            <a:r>
-              <a:rPr lang="en-US" altLang="ko-KR" sz="1300" dirty="0">
-                <a:solidFill>
-                  <a:prstClr val="white"/>
-                </a:solidFill>
-                <a:cs typeface="Aharoni" panose="02010803020104030203" pitchFamily="2" charset="-79"/>
-              </a:rPr>
-              <a:t>(Private) </a:t>
-            </a:r>
-            <a:r>
-              <a:rPr lang="ko-KR" altLang="en-US" sz="1300" dirty="0">
-                <a:solidFill>
-                  <a:prstClr val="white"/>
-                </a:solidFill>
-                <a:cs typeface="Aharoni" panose="02010803020104030203" pitchFamily="2" charset="-79"/>
-              </a:rPr>
-              <a:t>클레임</a:t>
-            </a:r>
-            <a:endParaRPr lang="en-US" altLang="ko-KR" sz="1300" dirty="0">
-              <a:solidFill>
-                <a:prstClr val="white"/>
-              </a:solidFill>
-              <a:cs typeface="Aharoni" panose="02010803020104030203" pitchFamily="2" charset="-79"/>
-            </a:endParaRPr>
-          </a:p>
         </p:txBody>
       </p:sp>
+      <p:pic>
+        <p:nvPicPr>
+          <p:cNvPr id="15" name="그림 14">
+            <a:extLst>
+              <a:ext uri="{FF2B5EF4-FFF2-40B4-BE49-F238E27FC236}">
+                <a16:creationId xmlns:a16="http://schemas.microsoft.com/office/drawing/2014/main" id="{AD7AB066-D3DB-4F5F-BE6F-FDA1C6163D45}"/>
+              </a:ext>
+            </a:extLst>
+          </p:cNvPr>
+          <p:cNvPicPr>
+            <a:picLocks noChangeAspect="1"/>
+          </p:cNvPicPr>
+          <p:nvPr/>
+        </p:nvPicPr>
+        <p:blipFill>
+          <a:blip r:embed="rId2">
+            <a:extLst>
+              <a:ext uri="{28A0092B-C50C-407E-A947-70E740481C1C}">
+                <a14:useLocalDpi xmlns:a14="http://schemas.microsoft.com/office/drawing/2010/main" val="0"/>
+              </a:ext>
+            </a:extLst>
+          </a:blip>
+          <a:stretch>
+            <a:fillRect/>
+          </a:stretch>
+        </p:blipFill>
+        <p:spPr>
+          <a:xfrm>
+            <a:off x="5176453" y="375229"/>
+            <a:ext cx="5496692" cy="2200582"/>
+          </a:xfrm>
+          <a:prstGeom prst="rect">
+            <a:avLst/>
+          </a:prstGeom>
+        </p:spPr>
+      </p:pic>
+      <p:pic>
+        <p:nvPicPr>
+          <p:cNvPr id="18" name="그림 17">
+            <a:extLst>
+              <a:ext uri="{FF2B5EF4-FFF2-40B4-BE49-F238E27FC236}">
+                <a16:creationId xmlns:a16="http://schemas.microsoft.com/office/drawing/2014/main" id="{589C05FD-B58B-422E-A2B2-8C7192574659}"/>
+              </a:ext>
+            </a:extLst>
+          </p:cNvPr>
+          <p:cNvPicPr>
+            <a:picLocks noChangeAspect="1"/>
+          </p:cNvPicPr>
+          <p:nvPr/>
+        </p:nvPicPr>
+        <p:blipFill>
+          <a:blip r:embed="rId3">
+            <a:extLst>
+              <a:ext uri="{28A0092B-C50C-407E-A947-70E740481C1C}">
+                <a14:useLocalDpi xmlns:a14="http://schemas.microsoft.com/office/drawing/2010/main" val="0"/>
+              </a:ext>
+            </a:extLst>
+          </a:blip>
+          <a:stretch>
+            <a:fillRect/>
+          </a:stretch>
+        </p:blipFill>
+        <p:spPr>
+          <a:xfrm>
+            <a:off x="5633716" y="4252143"/>
+            <a:ext cx="4582164" cy="1428949"/>
+          </a:xfrm>
+          <a:prstGeom prst="rect">
+            <a:avLst/>
+          </a:prstGeom>
+        </p:spPr>
+      </p:pic>
       <p:sp>
         <p:nvSpPr>
-          <p:cNvPr id="3" name="사각형: 둥근 모서리 2">
-            <a:extLst>
-              <a:ext uri="{FF2B5EF4-FFF2-40B4-BE49-F238E27FC236}">
-                <a16:creationId xmlns:a16="http://schemas.microsoft.com/office/drawing/2014/main" id="{5759FE6F-8AFA-4E7D-B6F5-047BC463873F}"/>
-              </a:ext>
-            </a:extLst>
-          </p:cNvPr>
-          <p:cNvSpPr/>
+          <p:cNvPr id="25" name="TextBox 24">
+            <a:extLst>
+              <a:ext uri="{FF2B5EF4-FFF2-40B4-BE49-F238E27FC236}">
+                <a16:creationId xmlns:a16="http://schemas.microsoft.com/office/drawing/2014/main" id="{90FE92EF-FAB5-42F8-B691-829931A40DA8}"/>
+              </a:ext>
+            </a:extLst>
+          </p:cNvPr>
+          <p:cNvSpPr txBox="1"/>
           <p:nvPr/>
         </p:nvSpPr>
         <p:spPr>
           <a:xfrm>
-            <a:off x="4200264" y="155293"/>
-            <a:ext cx="7519882" cy="2477601"/>
-          </a:xfrm>
-          <a:prstGeom prst="roundRect">
+            <a:off x="4880049" y="3498122"/>
+            <a:ext cx="6089500" cy="2569934"/>
+          </a:xfrm>
+          <a:prstGeom prst="rect">
             <a:avLst/>
           </a:prstGeom>
           <a:noFill/>
-          <a:ln w="25400">
+          <a:ln w="12700">
             <a:solidFill>
-              <a:schemeClr val="accent1">
-                <a:shade val="50000"/>
-              </a:schemeClr>
+              <a:srgbClr val="FF0000"/>
             </a:solidFill>
           </a:ln>
-        </p:spPr>
-        <p:style>
-          <a:lnRef idx="2">
-            <a:schemeClr val="accent1">
-              <a:shade val="50000"/>
-            </a:schemeClr>
-          </a:lnRef>
-          <a:fillRef idx="1">
-            <a:schemeClr val="accent1"/>
-          </a:fillRef>
-          <a:effectRef idx="0">
-            <a:schemeClr val="accent1"/>
-          </a:effectRef>
-          <a:fontRef idx="minor">
-            <a:schemeClr val="lt1"/>
-          </a:fontRef>
-        </p:style>
-        <p:txBody>
-          <a:bodyPr rtlCol="0" anchor="ctr"/>
-          <a:lstStyle/>
-          <a:p>
-            <a:pPr algn="ctr"/>
-            <a:endParaRPr lang="ko-KR" altLang="en-US" dirty="0"/>
-          </a:p>
-        </p:txBody>
-      </p:sp>
-      <p:sp>
-        <p:nvSpPr>
-          <p:cNvPr id="4" name="TextBox 3">
-            <a:extLst>
-              <a:ext uri="{FF2B5EF4-FFF2-40B4-BE49-F238E27FC236}">
-                <a16:creationId xmlns:a16="http://schemas.microsoft.com/office/drawing/2014/main" id="{1E8C23A2-1049-48F1-9E53-0581AF8C2521}"/>
-              </a:ext>
-            </a:extLst>
-          </p:cNvPr>
-          <p:cNvSpPr txBox="1"/>
-          <p:nvPr/>
-        </p:nvSpPr>
-        <p:spPr>
-          <a:xfrm>
-            <a:off x="4606294" y="262572"/>
-            <a:ext cx="6805246" cy="2477601"/>
-          </a:xfrm>
-          <a:prstGeom prst="rect">
-            <a:avLst/>
-          </a:prstGeom>
-          <a:noFill/>
         </p:spPr>
         <p:txBody>
           <a:bodyPr wrap="square" rtlCol="0">
@@ -9902,526 +10200,109 @@
           </a:bodyPr>
           <a:lstStyle/>
           <a:p>
-            <a:pPr marL="342900" indent="-342900">
-              <a:buFont typeface="+mj-lt"/>
-              <a:buAutoNum type="arabicPeriod"/>
-            </a:pPr>
-            <a:r>
-              <a:rPr lang="ko-KR" altLang="en-US" sz="1600" b="1" dirty="0"/>
-              <a:t>등록된</a:t>
-            </a:r>
-            <a:r>
-              <a:rPr lang="en-US" altLang="ko-KR" sz="1600" b="1" dirty="0"/>
-              <a:t>(registered)</a:t>
-            </a:r>
-            <a:r>
-              <a:rPr lang="ko-KR" altLang="en-US" sz="1600" b="1" dirty="0"/>
-              <a:t> 클레임</a:t>
-            </a:r>
-            <a:endParaRPr lang="en-US" altLang="ko-KR" sz="1600" b="1" dirty="0"/>
-          </a:p>
-          <a:p>
-            <a:endParaRPr lang="en-US" altLang="ko-KR" sz="1100" dirty="0"/>
-          </a:p>
-          <a:p>
-            <a:r>
-              <a:rPr lang="ko-KR" altLang="en-US" sz="1100" dirty="0"/>
-              <a:t>토큰에 대한 정보들을 담기 위하여 이름이 이미 정해진 클레임들이며 등록된 클레임의 사용은 모두 선택적이다</a:t>
-            </a:r>
-            <a:endParaRPr lang="en-US" altLang="ko-KR" sz="1100" dirty="0"/>
-          </a:p>
-          <a:p>
-            <a:endParaRPr lang="en-US" altLang="ko-KR" sz="1100" dirty="0"/>
-          </a:p>
-          <a:p>
-            <a:pPr marL="285750" indent="-285750">
-              <a:buFont typeface="Arial" panose="020B0604020202020204" pitchFamily="34" charset="0"/>
-              <a:buChar char="•"/>
-            </a:pPr>
-            <a:r>
-              <a:rPr lang="en-US" altLang="ko-KR" sz="1200" b="1" dirty="0">
-                <a:solidFill>
-                  <a:srgbClr val="0070C0"/>
-                </a:solidFill>
-              </a:rPr>
-              <a:t>iss : </a:t>
-            </a:r>
-            <a:r>
-              <a:rPr lang="ko-KR" altLang="en-US" sz="1100" dirty="0"/>
-              <a:t>토큰 발급자</a:t>
-            </a:r>
-            <a:endParaRPr lang="en-US" altLang="ko-KR" sz="1100" dirty="0"/>
-          </a:p>
-          <a:p>
-            <a:pPr marL="285750" indent="-285750">
-              <a:buFont typeface="Arial" panose="020B0604020202020204" pitchFamily="34" charset="0"/>
-              <a:buChar char="•"/>
-            </a:pPr>
-            <a:r>
-              <a:rPr lang="en-US" altLang="ko-KR" sz="1200" b="1" dirty="0">
-                <a:solidFill>
-                  <a:srgbClr val="0070C0"/>
-                </a:solidFill>
-              </a:rPr>
-              <a:t>sub : </a:t>
-            </a:r>
-            <a:r>
-              <a:rPr lang="ko-KR" altLang="en-US" sz="1100" dirty="0"/>
-              <a:t>토큰 제목</a:t>
-            </a:r>
-            <a:endParaRPr lang="en-US" altLang="ko-KR" sz="1100" dirty="0"/>
-          </a:p>
-          <a:p>
-            <a:pPr marL="285750" indent="-285750">
-              <a:buFont typeface="Arial" panose="020B0604020202020204" pitchFamily="34" charset="0"/>
-              <a:buChar char="•"/>
-            </a:pPr>
-            <a:r>
-              <a:rPr lang="en-US" altLang="ko-KR" sz="1200" b="1" dirty="0">
-                <a:solidFill>
-                  <a:srgbClr val="0070C0"/>
-                </a:solidFill>
-              </a:rPr>
-              <a:t>aud </a:t>
-            </a:r>
-            <a:r>
-              <a:rPr lang="en-US" altLang="ko-KR" sz="1100" dirty="0"/>
-              <a:t>: </a:t>
-            </a:r>
-            <a:r>
-              <a:rPr lang="ko-KR" altLang="en-US" sz="1100" dirty="0"/>
-              <a:t>토큰 대상자</a:t>
-            </a:r>
-            <a:endParaRPr lang="en-US" altLang="ko-KR" sz="1100" dirty="0"/>
-          </a:p>
-          <a:p>
-            <a:pPr marL="285750" indent="-285750">
-              <a:buFont typeface="Arial" panose="020B0604020202020204" pitchFamily="34" charset="0"/>
-              <a:buChar char="•"/>
-            </a:pPr>
-            <a:r>
-              <a:rPr lang="en-US" altLang="ko-KR" sz="1200" b="1" dirty="0">
-                <a:solidFill>
-                  <a:srgbClr val="0070C0"/>
-                </a:solidFill>
-              </a:rPr>
-              <a:t>exp : </a:t>
-            </a:r>
-            <a:r>
-              <a:rPr lang="ko-KR" altLang="en-US" sz="1100" u="sng" dirty="0">
-                <a:solidFill>
-                  <a:srgbClr val="FF0000"/>
-                </a:solidFill>
-              </a:rPr>
-              <a:t>토큰의 만료시간</a:t>
-            </a:r>
-            <a:r>
-              <a:rPr lang="en-US" altLang="ko-KR" sz="1100" dirty="0"/>
-              <a:t>. </a:t>
-            </a:r>
-            <a:r>
-              <a:rPr lang="ko-KR" altLang="en-US" sz="1100" dirty="0"/>
-              <a:t>언제나 현재 시간보다 이후로 설정되어 있어야 한다</a:t>
-            </a:r>
-            <a:endParaRPr lang="en-US" altLang="ko-KR" sz="1100" dirty="0"/>
-          </a:p>
-          <a:p>
-            <a:pPr marL="285750" indent="-285750">
-              <a:buFont typeface="Arial" panose="020B0604020202020204" pitchFamily="34" charset="0"/>
-              <a:buChar char="•"/>
-            </a:pPr>
-            <a:r>
-              <a:rPr lang="en-US" altLang="ko-KR" sz="1200" b="1" dirty="0">
-                <a:solidFill>
-                  <a:srgbClr val="0070C0"/>
-                </a:solidFill>
-              </a:rPr>
-              <a:t>nbf : </a:t>
-            </a:r>
-            <a:r>
-              <a:rPr lang="en-US" altLang="ko-KR" sz="1100" dirty="0"/>
-              <a:t>Not Before</a:t>
-            </a:r>
-            <a:r>
-              <a:rPr lang="ko-KR" altLang="en-US" sz="1100" dirty="0"/>
-              <a:t>를 의미하며 이 날짜가 지나기 전까지는 토큰이 처리되지 않는다</a:t>
-            </a:r>
-            <a:endParaRPr lang="en-US" altLang="ko-KR" sz="1100" dirty="0"/>
-          </a:p>
-          <a:p>
-            <a:pPr marL="285750" indent="-285750">
-              <a:buFont typeface="Arial" panose="020B0604020202020204" pitchFamily="34" charset="0"/>
-              <a:buChar char="•"/>
-            </a:pPr>
-            <a:r>
-              <a:rPr lang="en-US" altLang="ko-KR" sz="1200" b="1" dirty="0">
-                <a:solidFill>
-                  <a:srgbClr val="0070C0"/>
-                </a:solidFill>
-              </a:rPr>
-              <a:t>jat : </a:t>
-            </a:r>
-            <a:r>
-              <a:rPr lang="ko-KR" altLang="en-US" sz="1100" dirty="0"/>
-              <a:t>토큰이 발급된 시간</a:t>
-            </a:r>
-            <a:r>
-              <a:rPr lang="en-US" altLang="ko-KR" sz="1100" dirty="0"/>
-              <a:t>. </a:t>
-            </a:r>
-            <a:r>
-              <a:rPr lang="ko-KR" altLang="en-US" sz="1100" dirty="0"/>
-              <a:t>이 값을 사용하여 토큰의 </a:t>
-            </a:r>
-            <a:r>
-              <a:rPr lang="en-US" altLang="ko-KR" sz="1100" dirty="0"/>
-              <a:t>age</a:t>
-            </a:r>
-            <a:r>
-              <a:rPr lang="ko-KR" altLang="en-US" sz="1100" dirty="0"/>
-              <a:t>가 얼마나 되었는지 판단 가능</a:t>
-            </a:r>
-            <a:endParaRPr lang="en-US" altLang="ko-KR" sz="1100" dirty="0"/>
-          </a:p>
-          <a:p>
-            <a:pPr marL="285750" indent="-285750">
-              <a:buFont typeface="Arial" panose="020B0604020202020204" pitchFamily="34" charset="0"/>
-              <a:buChar char="•"/>
-            </a:pPr>
-            <a:r>
-              <a:rPr lang="en-US" altLang="ko-KR" sz="1200" b="1" dirty="0">
-                <a:solidFill>
-                  <a:srgbClr val="0070C0"/>
-                </a:solidFill>
-              </a:rPr>
-              <a:t>jti : </a:t>
-            </a:r>
-            <a:r>
-              <a:rPr lang="en-US" altLang="ko-KR" sz="1100" dirty="0"/>
-              <a:t>JWT</a:t>
-            </a:r>
-            <a:r>
-              <a:rPr lang="ko-KR" altLang="en-US" sz="1100" dirty="0"/>
-              <a:t>의 고유 식별자로서</a:t>
-            </a:r>
-            <a:r>
-              <a:rPr lang="en-US" altLang="ko-KR" sz="1100" dirty="0"/>
-              <a:t>, </a:t>
-            </a:r>
-            <a:r>
-              <a:rPr lang="ko-KR" altLang="en-US" sz="1100" dirty="0"/>
-              <a:t>주로 중복적인 처리를 방지하기 위해 사용</a:t>
-            </a:r>
-            <a:endParaRPr lang="en-US" altLang="ko-KR" sz="1100" dirty="0"/>
-          </a:p>
-          <a:p>
-            <a:endParaRPr lang="en-US" altLang="ko-KR" sz="1100" dirty="0"/>
+            <a:pPr algn="ctr"/>
+            <a:endParaRPr lang="en-US" altLang="ko-KR" sz="1300" dirty="0"/>
+          </a:p>
+          <a:p>
+            <a:pPr algn="ctr"/>
+            <a:r>
+              <a:rPr lang="en-US" altLang="ko-KR" b="1" dirty="0"/>
+              <a:t>BASE64</a:t>
+            </a:r>
+            <a:r>
+              <a:rPr lang="ko-KR" altLang="en-US" b="1" dirty="0"/>
+              <a:t> 인코딩 후</a:t>
+            </a:r>
+            <a:endParaRPr lang="en-US" altLang="ko-KR" b="1" dirty="0"/>
+          </a:p>
+          <a:p>
+            <a:pPr algn="ctr"/>
+            <a:endParaRPr lang="en-US" altLang="ko-KR" sz="1300" dirty="0"/>
+          </a:p>
+          <a:p>
+            <a:pPr algn="ctr"/>
+            <a:endParaRPr lang="en-US" altLang="ko-KR" sz="1300" dirty="0"/>
+          </a:p>
+          <a:p>
+            <a:pPr algn="ctr"/>
+            <a:endParaRPr lang="en-US" altLang="ko-KR" sz="1300" dirty="0"/>
+          </a:p>
+          <a:p>
+            <a:pPr algn="ctr"/>
+            <a:endParaRPr lang="en-US" altLang="ko-KR" sz="1300" dirty="0"/>
+          </a:p>
+          <a:p>
+            <a:pPr algn="ctr"/>
+            <a:endParaRPr lang="en-US" altLang="ko-KR" sz="1300" dirty="0"/>
+          </a:p>
+          <a:p>
+            <a:pPr algn="ctr"/>
+            <a:endParaRPr lang="en-US" altLang="ko-KR" sz="1300" dirty="0"/>
+          </a:p>
+          <a:p>
+            <a:pPr algn="ctr"/>
+            <a:endParaRPr lang="en-US" altLang="ko-KR" sz="1300" dirty="0"/>
+          </a:p>
+          <a:p>
+            <a:pPr algn="ctr"/>
+            <a:endParaRPr lang="en-US" altLang="ko-KR" sz="1300" dirty="0"/>
+          </a:p>
+          <a:p>
+            <a:pPr algn="ctr"/>
+            <a:endParaRPr lang="en-US" altLang="ko-KR" sz="1300" dirty="0"/>
+          </a:p>
+          <a:p>
+            <a:pPr algn="ctr"/>
+            <a:endParaRPr lang="en-US" altLang="ko-KR" sz="1300" dirty="0"/>
           </a:p>
         </p:txBody>
       </p:sp>
-      <p:sp>
-        <p:nvSpPr>
-          <p:cNvPr id="7" name="사각형: 둥근 모서리 6">
-            <a:extLst>
-              <a:ext uri="{FF2B5EF4-FFF2-40B4-BE49-F238E27FC236}">
-                <a16:creationId xmlns:a16="http://schemas.microsoft.com/office/drawing/2014/main" id="{D37333AE-728A-4AD2-B83C-31AC4378D09A}"/>
-              </a:ext>
-            </a:extLst>
-          </p:cNvPr>
-          <p:cNvSpPr/>
-          <p:nvPr/>
-        </p:nvSpPr>
-        <p:spPr>
-          <a:xfrm>
-            <a:off x="4200264" y="2756957"/>
-            <a:ext cx="7519882" cy="1908558"/>
-          </a:xfrm>
-          <a:prstGeom prst="roundRect">
-            <a:avLst/>
-          </a:prstGeom>
-          <a:noFill/>
-          <a:ln w="25400">
+      <p:cxnSp>
+        <p:nvCxnSpPr>
+          <p:cNvPr id="26" name="직선 화살표 연결선 25">
+            <a:extLst>
+              <a:ext uri="{FF2B5EF4-FFF2-40B4-BE49-F238E27FC236}">
+                <a16:creationId xmlns:a16="http://schemas.microsoft.com/office/drawing/2014/main" id="{952CBE4A-51E8-4F78-B788-8196E0E3264C}"/>
+              </a:ext>
+            </a:extLst>
+          </p:cNvPr>
+          <p:cNvCxnSpPr/>
+          <p:nvPr/>
+        </p:nvCxnSpPr>
+        <p:spPr>
+          <a:xfrm>
+            <a:off x="7924798" y="2769418"/>
+            <a:ext cx="0" cy="415751"/>
+          </a:xfrm>
+          <a:prstGeom prst="straightConnector1">
+            <a:avLst/>
+          </a:prstGeom>
+          <a:ln w="19050">
             <a:solidFill>
-              <a:schemeClr val="accent2"/>
+              <a:srgbClr val="FF0000"/>
             </a:solidFill>
+            <a:tailEnd type="triangle"/>
           </a:ln>
         </p:spPr>
         <p:style>
-          <a:lnRef idx="2">
-            <a:schemeClr val="accent1">
-              <a:shade val="50000"/>
-            </a:schemeClr>
+          <a:lnRef idx="1">
+            <a:schemeClr val="accent1"/>
           </a:lnRef>
-          <a:fillRef idx="1">
+          <a:fillRef idx="0">
             <a:schemeClr val="accent1"/>
           </a:fillRef>
           <a:effectRef idx="0">
             <a:schemeClr val="accent1"/>
           </a:effectRef>
           <a:fontRef idx="minor">
-            <a:schemeClr val="lt1"/>
+            <a:schemeClr val="tx1"/>
           </a:fontRef>
         </p:style>
-        <p:txBody>
-          <a:bodyPr rtlCol="0" anchor="ctr"/>
-          <a:lstStyle/>
-          <a:p>
-            <a:pPr algn="ctr"/>
-            <a:endParaRPr lang="ko-KR" altLang="en-US" dirty="0"/>
-          </a:p>
-        </p:txBody>
-      </p:sp>
-      <p:sp>
-        <p:nvSpPr>
-          <p:cNvPr id="15" name="TextBox 14">
-            <a:extLst>
-              <a:ext uri="{FF2B5EF4-FFF2-40B4-BE49-F238E27FC236}">
-                <a16:creationId xmlns:a16="http://schemas.microsoft.com/office/drawing/2014/main" id="{4178FBF5-A232-46ED-8EFC-B5FAEDFB0295}"/>
-              </a:ext>
-            </a:extLst>
-          </p:cNvPr>
-          <p:cNvSpPr txBox="1"/>
-          <p:nvPr/>
-        </p:nvSpPr>
-        <p:spPr>
-          <a:xfrm>
-            <a:off x="4557582" y="2885983"/>
-            <a:ext cx="6805246" cy="846386"/>
-          </a:xfrm>
-          <a:prstGeom prst="rect">
-            <a:avLst/>
-          </a:prstGeom>
-          <a:noFill/>
-        </p:spPr>
-        <p:txBody>
-          <a:bodyPr wrap="square" rtlCol="0">
-            <a:spAutoFit/>
-          </a:bodyPr>
-          <a:lstStyle/>
-          <a:p>
-            <a:pPr marL="457200" indent="-457200">
-              <a:buFont typeface="+mj-lt"/>
-              <a:buAutoNum type="arabicPeriod" startAt="2"/>
-            </a:pPr>
-            <a:r>
-              <a:rPr lang="ko-KR" altLang="en-US" sz="1600" b="1" dirty="0"/>
-              <a:t>공개</a:t>
-            </a:r>
-            <a:r>
-              <a:rPr lang="en-US" altLang="ko-KR" sz="1600" b="1" dirty="0"/>
-              <a:t>(public)</a:t>
-            </a:r>
-            <a:r>
-              <a:rPr lang="ko-KR" altLang="en-US" sz="1600" b="1" dirty="0"/>
-              <a:t> 클레임</a:t>
-            </a:r>
-            <a:endParaRPr lang="en-US" altLang="ko-KR" sz="1600" b="1" dirty="0"/>
-          </a:p>
-          <a:p>
-            <a:endParaRPr lang="en-US" altLang="ko-KR" sz="1100" dirty="0"/>
-          </a:p>
-          <a:p>
-            <a:r>
-              <a:rPr lang="ko-KR" altLang="en-US" sz="1100" dirty="0"/>
-              <a:t>공개 클레임은 충돌이 방지된 이름을 가지고 있어야 하며 충돌을 방지하기 위해서 클레임 이름을 </a:t>
-            </a:r>
-            <a:r>
-              <a:rPr lang="en-US" altLang="ko-KR" sz="1100" dirty="0"/>
-              <a:t>URI </a:t>
-            </a:r>
-            <a:r>
-              <a:rPr lang="ko-KR" altLang="en-US" sz="1100" dirty="0"/>
-              <a:t>형식으로 한다</a:t>
-            </a:r>
-            <a:endParaRPr lang="en-US" altLang="ko-KR" sz="1100" dirty="0"/>
-          </a:p>
-        </p:txBody>
-      </p:sp>
-      <p:pic>
-        <p:nvPicPr>
-          <p:cNvPr id="19" name="그림 18">
-            <a:extLst>
-              <a:ext uri="{FF2B5EF4-FFF2-40B4-BE49-F238E27FC236}">
-                <a16:creationId xmlns:a16="http://schemas.microsoft.com/office/drawing/2014/main" id="{895B67BE-1854-4774-97D0-2738B544FD5E}"/>
-              </a:ext>
-            </a:extLst>
-          </p:cNvPr>
-          <p:cNvPicPr>
-            <a:picLocks noChangeAspect="1"/>
-          </p:cNvPicPr>
-          <p:nvPr/>
-        </p:nvPicPr>
-        <p:blipFill>
-          <a:blip r:embed="rId2">
-            <a:extLst>
-              <a:ext uri="{28A0092B-C50C-407E-A947-70E740481C1C}">
-                <a14:useLocalDpi xmlns:a14="http://schemas.microsoft.com/office/drawing/2010/main" val="0"/>
-              </a:ext>
-            </a:extLst>
-          </a:blip>
-          <a:srcRect/>
-          <a:stretch/>
-        </p:blipFill>
-        <p:spPr>
-          <a:xfrm>
-            <a:off x="5213544" y="3784504"/>
-            <a:ext cx="5422510" cy="783599"/>
-          </a:xfrm>
-          <a:prstGeom prst="rect">
-            <a:avLst/>
-          </a:prstGeom>
-        </p:spPr>
-      </p:pic>
-      <p:sp>
-        <p:nvSpPr>
-          <p:cNvPr id="21" name="사각형: 둥근 모서리 20">
-            <a:extLst>
-              <a:ext uri="{FF2B5EF4-FFF2-40B4-BE49-F238E27FC236}">
-                <a16:creationId xmlns:a16="http://schemas.microsoft.com/office/drawing/2014/main" id="{0721C0AF-B152-4F32-B0CE-071FAFAA8EB8}"/>
-              </a:ext>
-            </a:extLst>
-          </p:cNvPr>
-          <p:cNvSpPr/>
-          <p:nvPr/>
-        </p:nvSpPr>
-        <p:spPr>
-          <a:xfrm>
-            <a:off x="4200264" y="4780860"/>
-            <a:ext cx="7519882" cy="1921847"/>
-          </a:xfrm>
-          <a:prstGeom prst="roundRect">
-            <a:avLst/>
-          </a:prstGeom>
-          <a:noFill/>
-          <a:ln w="25400">
-            <a:solidFill>
-              <a:schemeClr val="accent6"/>
-            </a:solidFill>
-          </a:ln>
-        </p:spPr>
-        <p:style>
-          <a:lnRef idx="2">
-            <a:schemeClr val="accent1">
-              <a:shade val="50000"/>
-            </a:schemeClr>
-          </a:lnRef>
-          <a:fillRef idx="1">
-            <a:schemeClr val="accent1"/>
-          </a:fillRef>
-          <a:effectRef idx="0">
-            <a:schemeClr val="accent1"/>
-          </a:effectRef>
-          <a:fontRef idx="minor">
-            <a:schemeClr val="lt1"/>
-          </a:fontRef>
-        </p:style>
-        <p:txBody>
-          <a:bodyPr rtlCol="0" anchor="ctr"/>
-          <a:lstStyle/>
-          <a:p>
-            <a:pPr algn="ctr"/>
-            <a:endParaRPr lang="ko-KR" altLang="en-US" dirty="0"/>
-          </a:p>
-        </p:txBody>
-      </p:sp>
-      <p:sp>
-        <p:nvSpPr>
-          <p:cNvPr id="23" name="TextBox 22">
-            <a:extLst>
-              <a:ext uri="{FF2B5EF4-FFF2-40B4-BE49-F238E27FC236}">
-                <a16:creationId xmlns:a16="http://schemas.microsoft.com/office/drawing/2014/main" id="{EC0A1ACF-02C4-4144-ADA3-C95511A17540}"/>
-              </a:ext>
-            </a:extLst>
-          </p:cNvPr>
-          <p:cNvSpPr txBox="1"/>
-          <p:nvPr/>
-        </p:nvSpPr>
-        <p:spPr>
-          <a:xfrm>
-            <a:off x="4557582" y="4911920"/>
-            <a:ext cx="6805246" cy="846386"/>
-          </a:xfrm>
-          <a:prstGeom prst="rect">
-            <a:avLst/>
-          </a:prstGeom>
-          <a:noFill/>
-        </p:spPr>
-        <p:txBody>
-          <a:bodyPr wrap="square" rtlCol="0">
-            <a:spAutoFit/>
-          </a:bodyPr>
-          <a:lstStyle/>
-          <a:p>
-            <a:pPr marL="457200" indent="-457200">
-              <a:buFont typeface="+mj-lt"/>
-              <a:buAutoNum type="arabicPeriod" startAt="3"/>
-            </a:pPr>
-            <a:r>
-              <a:rPr lang="ko-KR" altLang="en-US" sz="1600" b="1" dirty="0"/>
-              <a:t>비공개</a:t>
-            </a:r>
-            <a:r>
-              <a:rPr lang="en-US" altLang="ko-KR" sz="1600" b="1" dirty="0"/>
-              <a:t>(private)</a:t>
-            </a:r>
-            <a:r>
-              <a:rPr lang="ko-KR" altLang="en-US" sz="1600" b="1" dirty="0"/>
-              <a:t> 클레임</a:t>
-            </a:r>
-            <a:endParaRPr lang="en-US" altLang="ko-KR" sz="1600" b="1" dirty="0"/>
-          </a:p>
-          <a:p>
-            <a:endParaRPr lang="en-US" altLang="ko-KR" sz="1100" dirty="0"/>
-          </a:p>
-          <a:p>
-            <a:r>
-              <a:rPr lang="ko-KR" altLang="en-US" sz="1100" dirty="0"/>
-              <a:t>등록 및 공개된 클레임이 아닌 클라이언트 서버 양측간의 협의 하에 사용되는 클레임 이름이다 공개 클레임과는 달리 이름이 중복되어 충돌될 수 있어 사용에 유의해야 한다</a:t>
-            </a:r>
-            <a:endParaRPr lang="en-US" altLang="ko-KR" sz="1100" dirty="0"/>
-          </a:p>
-        </p:txBody>
-      </p:sp>
-      <p:pic>
-        <p:nvPicPr>
-          <p:cNvPr id="25" name="그림 24">
-            <a:extLst>
-              <a:ext uri="{FF2B5EF4-FFF2-40B4-BE49-F238E27FC236}">
-                <a16:creationId xmlns:a16="http://schemas.microsoft.com/office/drawing/2014/main" id="{0B37A1B4-E35F-4809-937C-6CC6081A497C}"/>
-              </a:ext>
-            </a:extLst>
-          </p:cNvPr>
-          <p:cNvPicPr>
-            <a:picLocks noChangeAspect="1"/>
-          </p:cNvPicPr>
-          <p:nvPr/>
-        </p:nvPicPr>
-        <p:blipFill>
-          <a:blip r:embed="rId3">
-            <a:extLst>
-              <a:ext uri="{28A0092B-C50C-407E-A947-70E740481C1C}">
-                <a14:useLocalDpi xmlns:a14="http://schemas.microsoft.com/office/drawing/2010/main" val="0"/>
-              </a:ext>
-            </a:extLst>
-          </a:blip>
-          <a:stretch>
-            <a:fillRect/>
-          </a:stretch>
-        </p:blipFill>
-        <p:spPr>
-          <a:xfrm>
-            <a:off x="5435990" y="5790920"/>
-            <a:ext cx="4778274" cy="848479"/>
-          </a:xfrm>
-          <a:prstGeom prst="rect">
-            <a:avLst/>
-          </a:prstGeom>
-        </p:spPr>
-      </p:pic>
+      </p:cxnSp>
     </p:spTree>
     <p:extLst>
       <p:ext uri="{BB962C8B-B14F-4D97-AF65-F5344CB8AC3E}">
-        <p14:creationId xmlns:p14="http://schemas.microsoft.com/office/powerpoint/2010/main" val="3137568852"/>
+        <p14:creationId xmlns:p14="http://schemas.microsoft.com/office/powerpoint/2010/main" val="2050273279"/>
       </p:ext>
     </p:extLst>
   </p:cSld>
@@ -10496,7 +10377,7 @@
           <a:lstStyle/>
           <a:p>
             <a:pPr algn="ctr"/>
-            <a:endParaRPr lang="ko-KR" altLang="en-US" dirty="0"/>
+            <a:endParaRPr lang="ko-KR" altLang="en-US"/>
           </a:p>
         </p:txBody>
       </p:sp>
@@ -10570,7 +10451,7 @@
                   <a:prstClr val="white"/>
                 </a:solidFill>
               </a:rPr>
-              <a:t>- PAYLOAD</a:t>
+              <a:t>- SIGNATURE</a:t>
             </a:r>
           </a:p>
         </p:txBody>
@@ -10676,7 +10557,7 @@
         <p:spPr>
           <a:xfrm>
             <a:off x="374554" y="2041063"/>
-            <a:ext cx="2885885" cy="3954737"/>
+            <a:ext cx="2885885" cy="3654655"/>
           </a:xfrm>
           <a:prstGeom prst="rect">
             <a:avLst/>
@@ -10695,13 +10576,22 @@
               </a:lnSpc>
             </a:pPr>
             <a:r>
+              <a:rPr lang="ko-KR" altLang="en-US" sz="1300" dirty="0">
+                <a:solidFill>
+                  <a:prstClr val="white"/>
+                </a:solidFill>
+                <a:cs typeface="Aharoni" panose="02010803020104030203" pitchFamily="2" charset="-79"/>
+              </a:rPr>
+              <a:t>서명</a:t>
+            </a:r>
+            <a:r>
               <a:rPr lang="en-US" altLang="ko-KR" sz="1300" dirty="0">
                 <a:solidFill>
                   <a:prstClr val="white"/>
                 </a:solidFill>
                 <a:cs typeface="Aharoni" panose="02010803020104030203" pitchFamily="2" charset="-79"/>
               </a:rPr>
-              <a:t>Payload </a:t>
+              <a:t>(Signature)</a:t>
             </a:r>
             <a:r>
               <a:rPr lang="ko-KR" altLang="en-US" sz="1300" dirty="0">
@@ -10710,79 +10600,7 @@
                 </a:solidFill>
                 <a:cs typeface="Aharoni" panose="02010803020104030203" pitchFamily="2" charset="-79"/>
               </a:rPr>
-              <a:t>부분에는 토큰에 담을 정보가 들어있다 정보의 한 </a:t>
-            </a:r>
-            <a:r>
-              <a:rPr lang="en-US" altLang="ko-KR" sz="1300" dirty="0">
-                <a:solidFill>
-                  <a:prstClr val="white"/>
-                </a:solidFill>
-                <a:cs typeface="Aharoni" panose="02010803020104030203" pitchFamily="2" charset="-79"/>
-              </a:rPr>
-              <a:t>‘</a:t>
-            </a:r>
-            <a:r>
-              <a:rPr lang="ko-KR" altLang="en-US" sz="1300" dirty="0">
-                <a:solidFill>
-                  <a:prstClr val="white"/>
-                </a:solidFill>
-                <a:cs typeface="Aharoni" panose="02010803020104030203" pitchFamily="2" charset="-79"/>
-              </a:rPr>
-              <a:t>조각</a:t>
-            </a:r>
-            <a:r>
-              <a:rPr lang="en-US" altLang="ko-KR" sz="1300" dirty="0">
-                <a:solidFill>
-                  <a:prstClr val="white"/>
-                </a:solidFill>
-                <a:cs typeface="Aharoni" panose="02010803020104030203" pitchFamily="2" charset="-79"/>
-              </a:rPr>
-              <a:t>＇</a:t>
-            </a:r>
-            <a:r>
-              <a:rPr lang="ko-KR" altLang="en-US" sz="1300" dirty="0">
-                <a:solidFill>
-                  <a:prstClr val="white"/>
-                </a:solidFill>
-                <a:cs typeface="Aharoni" panose="02010803020104030203" pitchFamily="2" charset="-79"/>
-              </a:rPr>
-              <a:t>을 클레임</a:t>
-            </a:r>
-            <a:r>
-              <a:rPr lang="en-US" altLang="ko-KR" sz="1300" dirty="0">
-                <a:solidFill>
-                  <a:prstClr val="white"/>
-                </a:solidFill>
-                <a:cs typeface="Aharoni" panose="02010803020104030203" pitchFamily="2" charset="-79"/>
-              </a:rPr>
-              <a:t>(Claim)</a:t>
-            </a:r>
-            <a:r>
-              <a:rPr lang="ko-KR" altLang="en-US" sz="1300" dirty="0">
-                <a:solidFill>
-                  <a:prstClr val="white"/>
-                </a:solidFill>
-                <a:cs typeface="Aharoni" panose="02010803020104030203" pitchFamily="2" charset="-79"/>
-              </a:rPr>
-              <a:t>이라 부르며 이는 </a:t>
-            </a:r>
-            <a:r>
-              <a:rPr lang="en-US" altLang="ko-KR" sz="1300" dirty="0">
-                <a:solidFill>
-                  <a:prstClr val="white"/>
-                </a:solidFill>
-                <a:cs typeface="Aharoni" panose="02010803020104030203" pitchFamily="2" charset="-79"/>
-              </a:rPr>
-              <a:t>name/value</a:t>
-            </a:r>
-            <a:r>
-              <a:rPr lang="ko-KR" altLang="en-US" sz="1300" dirty="0">
-                <a:solidFill>
-                  <a:prstClr val="white"/>
-                </a:solidFill>
-                <a:cs typeface="Aharoni" panose="02010803020104030203" pitchFamily="2" charset="-79"/>
-              </a:rPr>
-              <a:t>한 쌍으로 이루어져 있다</a:t>
+              <a:t>은 토큰을 인코딩하거나 유효성 검증을 할 때 사용하는 고유한 암호화 코드이다</a:t>
             </a:r>
             <a:endParaRPr lang="en-US" altLang="ko-KR" sz="1300" dirty="0">
               <a:solidFill>
@@ -10810,6 +10628,69 @@
                 <a:spcPct val="150000"/>
               </a:lnSpc>
             </a:pPr>
+            <a:r>
+              <a:rPr lang="ko-KR" altLang="en-US" sz="1300" dirty="0">
+                <a:solidFill>
+                  <a:prstClr val="white"/>
+                </a:solidFill>
+                <a:cs typeface="Aharoni" panose="02010803020104030203" pitchFamily="2" charset="-79"/>
+              </a:rPr>
+              <a:t>서명은 만들어진 헤더</a:t>
+            </a:r>
+            <a:r>
+              <a:rPr lang="en-US" altLang="ko-KR" sz="1300" dirty="0">
+                <a:solidFill>
+                  <a:prstClr val="white"/>
+                </a:solidFill>
+                <a:cs typeface="Aharoni" panose="02010803020104030203" pitchFamily="2" charset="-79"/>
+              </a:rPr>
+              <a:t>(Header)</a:t>
+            </a:r>
+            <a:r>
+              <a:rPr lang="ko-KR" altLang="en-US" sz="1300" dirty="0">
+                <a:solidFill>
+                  <a:prstClr val="white"/>
+                </a:solidFill>
+                <a:cs typeface="Aharoni" panose="02010803020104030203" pitchFamily="2" charset="-79"/>
+              </a:rPr>
+              <a:t>와 내용</a:t>
+            </a:r>
+            <a:r>
+              <a:rPr lang="en-US" altLang="ko-KR" sz="1300" dirty="0">
+                <a:solidFill>
+                  <a:prstClr val="white"/>
+                </a:solidFill>
+                <a:cs typeface="Aharoni" panose="02010803020104030203" pitchFamily="2" charset="-79"/>
+              </a:rPr>
+              <a:t>(Payload)</a:t>
+            </a:r>
+            <a:r>
+              <a:rPr lang="ko-KR" altLang="en-US" sz="1300" dirty="0">
+                <a:solidFill>
+                  <a:prstClr val="white"/>
+                </a:solidFill>
+                <a:cs typeface="Aharoni" panose="02010803020104030203" pitchFamily="2" charset="-79"/>
+              </a:rPr>
+              <a:t>의 값을 각각 </a:t>
+            </a:r>
+            <a:r>
+              <a:rPr lang="en-US" altLang="ko-KR" sz="1300" dirty="0">
+                <a:solidFill>
+                  <a:prstClr val="white"/>
+                </a:solidFill>
+                <a:cs typeface="Aharoni" panose="02010803020104030203" pitchFamily="2" charset="-79"/>
+              </a:rPr>
+              <a:t>BASE64</a:t>
+            </a:r>
+            <a:r>
+              <a:rPr lang="ko-KR" altLang="en-US" sz="1300" dirty="0">
+                <a:solidFill>
+                  <a:prstClr val="white"/>
+                </a:solidFill>
+                <a:cs typeface="Aharoni" panose="02010803020104030203" pitchFamily="2" charset="-79"/>
+              </a:rPr>
+              <a:t>로 인코딩한다</a:t>
+            </a:r>
             <a:endParaRPr lang="en-US" altLang="ko-KR" sz="1300" dirty="0">
               <a:solidFill>
                 <a:prstClr val="white"/>
@@ -10843,7 +10724,43 @@
                 </a:solidFill>
                 <a:cs typeface="Aharoni" panose="02010803020104030203" pitchFamily="2" charset="-79"/>
               </a:rPr>
-              <a:t>클레임의 종류는 크게 세분류로 나뉘어져 있다</a:t>
+              <a:t>인코딩한 값을 비밀 키를 이용해 헤더</a:t>
+            </a:r>
+            <a:r>
+              <a:rPr lang="en-US" altLang="ko-KR" sz="1300" dirty="0">
+                <a:solidFill>
+                  <a:prstClr val="white"/>
+                </a:solidFill>
+                <a:cs typeface="Aharoni" panose="02010803020104030203" pitchFamily="2" charset="-79"/>
+              </a:rPr>
+              <a:t>(Header)</a:t>
+            </a:r>
+            <a:r>
+              <a:rPr lang="ko-KR" altLang="en-US" sz="1300" dirty="0">
+                <a:solidFill>
+                  <a:prstClr val="white"/>
+                </a:solidFill>
+                <a:cs typeface="Aharoni" panose="02010803020104030203" pitchFamily="2" charset="-79"/>
+              </a:rPr>
+              <a:t>에서 정의한 알고리즘으로 해싱하여 이 값을 다시 </a:t>
+            </a:r>
+            <a:r>
+              <a:rPr lang="en-US" altLang="ko-KR" sz="1300" dirty="0">
+                <a:solidFill>
+                  <a:prstClr val="white"/>
+                </a:solidFill>
+                <a:cs typeface="Aharoni" panose="02010803020104030203" pitchFamily="2" charset="-79"/>
+              </a:rPr>
+              <a:t>BASE64</a:t>
+            </a:r>
+            <a:r>
+              <a:rPr lang="ko-KR" altLang="en-US" sz="1300" dirty="0">
+                <a:solidFill>
+                  <a:prstClr val="white"/>
+                </a:solidFill>
+                <a:cs typeface="Aharoni" panose="02010803020104030203" pitchFamily="2" charset="-79"/>
+              </a:rPr>
+              <a:t>로 인코딩하여 생성한다 </a:t>
             </a:r>
             <a:endParaRPr lang="en-US" altLang="ko-KR" sz="1300" dirty="0">
               <a:solidFill>
@@ -10852,153 +10769,14 @@
               <a:cs typeface="Aharoni" panose="02010803020104030203" pitchFamily="2" charset="-79"/>
             </a:endParaRPr>
           </a:p>
-          <a:p>
-            <a:pPr>
-              <a:lnSpc>
-                <a:spcPct val="150000"/>
-              </a:lnSpc>
-            </a:pPr>
-            <a:endParaRPr lang="en-US" altLang="ko-KR" sz="1300" dirty="0">
-              <a:solidFill>
-                <a:prstClr val="white"/>
-              </a:solidFill>
-              <a:cs typeface="Aharoni" panose="02010803020104030203" pitchFamily="2" charset="-79"/>
-            </a:endParaRPr>
-          </a:p>
-          <a:p>
-            <a:pPr marL="342900" indent="-342900">
-              <a:lnSpc>
-                <a:spcPct val="150000"/>
-              </a:lnSpc>
-              <a:buFont typeface="+mj-lt"/>
-              <a:buAutoNum type="arabicPeriod"/>
-            </a:pPr>
-            <a:r>
-              <a:rPr lang="ko-KR" altLang="en-US" sz="1300" dirty="0">
-                <a:solidFill>
-                  <a:prstClr val="white"/>
-                </a:solidFill>
-                <a:cs typeface="Aharoni" panose="02010803020104030203" pitchFamily="2" charset="-79"/>
-              </a:rPr>
-              <a:t>등록된</a:t>
-            </a:r>
-            <a:r>
-              <a:rPr lang="en-US" altLang="ko-KR" sz="1300" dirty="0">
-                <a:solidFill>
-                  <a:prstClr val="white"/>
-                </a:solidFill>
-                <a:cs typeface="Aharoni" panose="02010803020104030203" pitchFamily="2" charset="-79"/>
-              </a:rPr>
-              <a:t>(registered)</a:t>
-            </a:r>
-            <a:r>
-              <a:rPr lang="ko-KR" altLang="en-US" sz="1300" dirty="0">
-                <a:solidFill>
-                  <a:prstClr val="white"/>
-                </a:solidFill>
-                <a:cs typeface="Aharoni" panose="02010803020104030203" pitchFamily="2" charset="-79"/>
-              </a:rPr>
-              <a:t> 클레임</a:t>
-            </a:r>
-            <a:endParaRPr lang="en-US" altLang="ko-KR" sz="1300" dirty="0">
-              <a:solidFill>
-                <a:prstClr val="white"/>
-              </a:solidFill>
-              <a:cs typeface="Aharoni" panose="02010803020104030203" pitchFamily="2" charset="-79"/>
-            </a:endParaRPr>
-          </a:p>
-          <a:p>
-            <a:pPr marL="342900" indent="-342900">
-              <a:lnSpc>
-                <a:spcPct val="150000"/>
-              </a:lnSpc>
-              <a:buFont typeface="+mj-lt"/>
-              <a:buAutoNum type="arabicPeriod"/>
-            </a:pPr>
-            <a:r>
-              <a:rPr lang="ko-KR" altLang="en-US" sz="1300" dirty="0">
-                <a:solidFill>
-                  <a:prstClr val="white"/>
-                </a:solidFill>
-                <a:cs typeface="Aharoni" panose="02010803020104030203" pitchFamily="2" charset="-79"/>
-              </a:rPr>
-              <a:t>공개</a:t>
-            </a:r>
-            <a:r>
-              <a:rPr lang="en-US" altLang="ko-KR" sz="1300" dirty="0">
-                <a:solidFill>
-                  <a:prstClr val="white"/>
-                </a:solidFill>
-                <a:cs typeface="Aharoni" panose="02010803020104030203" pitchFamily="2" charset="-79"/>
-              </a:rPr>
-              <a:t>(public) </a:t>
-            </a:r>
-            <a:r>
-              <a:rPr lang="ko-KR" altLang="en-US" sz="1300" dirty="0">
-                <a:solidFill>
-                  <a:prstClr val="white"/>
-                </a:solidFill>
-                <a:cs typeface="Aharoni" panose="02010803020104030203" pitchFamily="2" charset="-79"/>
-              </a:rPr>
-              <a:t>클레임</a:t>
-            </a:r>
-            <a:endParaRPr lang="en-US" altLang="ko-KR" sz="1300" dirty="0">
-              <a:solidFill>
-                <a:prstClr val="white"/>
-              </a:solidFill>
-              <a:cs typeface="Aharoni" panose="02010803020104030203" pitchFamily="2" charset="-79"/>
-            </a:endParaRPr>
-          </a:p>
-          <a:p>
-            <a:pPr marL="342900" indent="-342900">
-              <a:lnSpc>
-                <a:spcPct val="150000"/>
-              </a:lnSpc>
-              <a:buFont typeface="+mj-lt"/>
-              <a:buAutoNum type="arabicPeriod"/>
-            </a:pPr>
-            <a:r>
-              <a:rPr lang="ko-KR" altLang="en-US" sz="1300" dirty="0">
-                <a:solidFill>
-                  <a:prstClr val="white"/>
-                </a:solidFill>
-                <a:cs typeface="Aharoni" panose="02010803020104030203" pitchFamily="2" charset="-79"/>
-              </a:rPr>
-              <a:t>비공개</a:t>
-            </a:r>
-            <a:r>
-              <a:rPr lang="en-US" altLang="ko-KR" sz="1300" dirty="0">
-                <a:solidFill>
-                  <a:prstClr val="white"/>
-                </a:solidFill>
-                <a:cs typeface="Aharoni" panose="02010803020104030203" pitchFamily="2" charset="-79"/>
-              </a:rPr>
-              <a:t>(Private) </a:t>
-            </a:r>
-            <a:r>
-              <a:rPr lang="ko-KR" altLang="en-US" sz="1300" dirty="0">
-                <a:solidFill>
-                  <a:prstClr val="white"/>
-                </a:solidFill>
-                <a:cs typeface="Aharoni" panose="02010803020104030203" pitchFamily="2" charset="-79"/>
-              </a:rPr>
-              <a:t>클레임</a:t>
-            </a:r>
-            <a:endParaRPr lang="en-US" altLang="ko-KR" sz="1300" dirty="0">
-              <a:solidFill>
-                <a:prstClr val="white"/>
-              </a:solidFill>
-              <a:cs typeface="Aharoni" panose="02010803020104030203" pitchFamily="2" charset="-79"/>
-            </a:endParaRPr>
-          </a:p>
         </p:txBody>
       </p:sp>
       <p:pic>
         <p:nvPicPr>
-          <p:cNvPr id="15" name="그림 14">
-            <a:extLst>
-              <a:ext uri="{FF2B5EF4-FFF2-40B4-BE49-F238E27FC236}">
-                <a16:creationId xmlns:a16="http://schemas.microsoft.com/office/drawing/2014/main" id="{AD7AB066-D3DB-4F5F-BE6F-FDA1C6163D45}"/>
+          <p:cNvPr id="4" name="그림 3">
+            <a:extLst>
+              <a:ext uri="{FF2B5EF4-FFF2-40B4-BE49-F238E27FC236}">
+                <a16:creationId xmlns:a16="http://schemas.microsoft.com/office/drawing/2014/main" id="{8F95EE83-D34C-46E8-BB6F-1A73CB0F8251}"/>
               </a:ext>
             </a:extLst>
           </p:cNvPr>
@@ -11007,8 +10785,43 @@
           </p:cNvPicPr>
           <p:nvPr/>
         </p:nvPicPr>
+        <p:blipFill rotWithShape="1">
+          <a:blip r:embed="rId2">
+            <a:extLst>
+              <a:ext uri="{28A0092B-C50C-407E-A947-70E740481C1C}">
+                <a14:useLocalDpi xmlns:a14="http://schemas.microsoft.com/office/drawing/2010/main" val="0"/>
+              </a:ext>
+            </a:extLst>
+          </a:blip>
+          <a:srcRect r="24698"/>
+          <a:stretch/>
+        </p:blipFill>
+        <p:spPr>
+          <a:xfrm>
+            <a:off x="3947217" y="299329"/>
+            <a:ext cx="3678376" cy="1081714"/>
+          </a:xfrm>
+          <a:prstGeom prst="rect">
+            <a:avLst/>
+          </a:prstGeom>
+        </p:spPr>
+      </p:pic>
+      <p:pic>
+        <p:nvPicPr>
+          <p:cNvPr id="7" name="그림 6">
+            <a:extLst>
+              <a:ext uri="{FF2B5EF4-FFF2-40B4-BE49-F238E27FC236}">
+                <a16:creationId xmlns:a16="http://schemas.microsoft.com/office/drawing/2014/main" id="{0BC6F39C-EB28-4C90-99BC-6AEA76C27F7B}"/>
+              </a:ext>
+            </a:extLst>
+          </p:cNvPr>
+          <p:cNvPicPr>
+            <a:picLocks noChangeAspect="1"/>
+          </p:cNvPicPr>
+          <p:nvPr/>
+        </p:nvPicPr>
         <p:blipFill>
-          <a:blip r:embed="rId2">
+          <a:blip r:embed="rId3">
             <a:extLst>
               <a:ext uri="{28A0092B-C50C-407E-A947-70E740481C1C}">
                 <a14:useLocalDpi xmlns:a14="http://schemas.microsoft.com/office/drawing/2010/main" val="0"/>
@@ -11021,8 +10834,8 @@
         </p:blipFill>
         <p:spPr>
           <a:xfrm>
-            <a:off x="5176453" y="375229"/>
-            <a:ext cx="5496692" cy="2200582"/>
+            <a:off x="8745015" y="338910"/>
+            <a:ext cx="2697880" cy="1002552"/>
           </a:xfrm>
           <a:prstGeom prst="rect">
             <a:avLst/>
@@ -11031,10 +10844,10 @@
       </p:pic>
       <p:pic>
         <p:nvPicPr>
-          <p:cNvPr id="18" name="그림 17">
-            <a:extLst>
-              <a:ext uri="{FF2B5EF4-FFF2-40B4-BE49-F238E27FC236}">
-                <a16:creationId xmlns:a16="http://schemas.microsoft.com/office/drawing/2014/main" id="{589C05FD-B58B-422E-A2B2-8C7192574659}"/>
+          <p:cNvPr id="12" name="그림 11">
+            <a:extLst>
+              <a:ext uri="{FF2B5EF4-FFF2-40B4-BE49-F238E27FC236}">
+                <a16:creationId xmlns:a16="http://schemas.microsoft.com/office/drawing/2014/main" id="{A5E17915-46E5-4C4F-AA7A-680D2D6E3F2A}"/>
               </a:ext>
             </a:extLst>
           </p:cNvPr>
@@ -11044,7 +10857,7 @@
           <p:nvPr/>
         </p:nvPicPr>
         <p:blipFill>
-          <a:blip r:embed="rId3">
+          <a:blip r:embed="rId4">
             <a:extLst>
               <a:ext uri="{28A0092B-C50C-407E-A947-70E740481C1C}">
                 <a14:useLocalDpi xmlns:a14="http://schemas.microsoft.com/office/drawing/2010/main" val="0"/>
@@ -11057,8 +10870,44 @@
         </p:blipFill>
         <p:spPr>
           <a:xfrm>
-            <a:off x="5633716" y="4270644"/>
-            <a:ext cx="4582164" cy="1428949"/>
+            <a:off x="6494897" y="1837036"/>
+            <a:ext cx="3282644" cy="422248"/>
+          </a:xfrm>
+          <a:prstGeom prst="rect">
+            <a:avLst/>
+          </a:prstGeom>
+        </p:spPr>
+      </p:pic>
+      <p:pic>
+        <p:nvPicPr>
+          <p:cNvPr id="18" name="그림 17">
+            <a:extLst>
+              <a:ext uri="{FF2B5EF4-FFF2-40B4-BE49-F238E27FC236}">
+                <a16:creationId xmlns:a16="http://schemas.microsoft.com/office/drawing/2014/main" id="{13ECAD41-9B81-48E9-B11B-EABD386D0D45}"/>
+              </a:ext>
+            </a:extLst>
+          </p:cNvPr>
+          <p:cNvPicPr>
+            <a:picLocks noChangeAspect="1"/>
+          </p:cNvPicPr>
+          <p:nvPr/>
+        </p:nvPicPr>
+        <p:blipFill>
+          <a:blip r:embed="rId5">
+            <a:extLst>
+              <a:ext uri="{28A0092B-C50C-407E-A947-70E740481C1C}">
+                <a14:useLocalDpi xmlns:a14="http://schemas.microsoft.com/office/drawing/2010/main" val="0"/>
+              </a:ext>
+            </a:extLst>
+          </a:blip>
+          <a:stretch>
+            <a:fillRect/>
+          </a:stretch>
+        </p:blipFill>
+        <p:spPr>
+          <a:xfrm>
+            <a:off x="4477855" y="2743994"/>
+            <a:ext cx="6924650" cy="3904572"/>
           </a:xfrm>
           <a:prstGeom prst="rect">
             <a:avLst/>
@@ -11067,104 +10916,172 @@
       </p:pic>
       <p:sp>
         <p:nvSpPr>
-          <p:cNvPr id="25" name="TextBox 24">
-            <a:extLst>
-              <a:ext uri="{FF2B5EF4-FFF2-40B4-BE49-F238E27FC236}">
-                <a16:creationId xmlns:a16="http://schemas.microsoft.com/office/drawing/2014/main" id="{90FE92EF-FAB5-42F8-B691-829931A40DA8}"/>
-              </a:ext>
-            </a:extLst>
-          </p:cNvPr>
-          <p:cNvSpPr txBox="1"/>
+          <p:cNvPr id="19" name="직사각형 18">
+            <a:extLst>
+              <a:ext uri="{FF2B5EF4-FFF2-40B4-BE49-F238E27FC236}">
+                <a16:creationId xmlns:a16="http://schemas.microsoft.com/office/drawing/2014/main" id="{CCB9F9A1-6DFB-4A38-9DCB-ADB28A07AC93}"/>
+              </a:ext>
+            </a:extLst>
+          </p:cNvPr>
+          <p:cNvSpPr/>
           <p:nvPr/>
         </p:nvSpPr>
         <p:spPr>
           <a:xfrm>
-            <a:off x="4880049" y="3354253"/>
-            <a:ext cx="6089500" cy="2693045"/>
+            <a:off x="8254767" y="299329"/>
+            <a:ext cx="3678376" cy="1081714"/>
           </a:xfrm>
           <a:prstGeom prst="rect">
             <a:avLst/>
           </a:prstGeom>
           <a:noFill/>
-          <a:ln w="12700">
+          <a:ln>
             <a:solidFill>
-              <a:srgbClr val="FF0000"/>
+              <a:schemeClr val="bg1">
+                <a:lumMod val="85000"/>
+              </a:schemeClr>
             </a:solidFill>
           </a:ln>
         </p:spPr>
+        <p:style>
+          <a:lnRef idx="2">
+            <a:schemeClr val="accent1">
+              <a:shade val="50000"/>
+            </a:schemeClr>
+          </a:lnRef>
+          <a:fillRef idx="1">
+            <a:schemeClr val="accent1"/>
+          </a:fillRef>
+          <a:effectRef idx="0">
+            <a:schemeClr val="accent1"/>
+          </a:effectRef>
+          <a:fontRef idx="minor">
+            <a:schemeClr val="lt1"/>
+          </a:fontRef>
+        </p:style>
         <p:txBody>
-          <a:bodyPr wrap="square" rtlCol="0">
-            <a:spAutoFit/>
-          </a:bodyPr>
+          <a:bodyPr rtlCol="0" anchor="ctr"/>
           <a:lstStyle/>
           <a:p>
             <a:pPr algn="ctr"/>
-            <a:endParaRPr lang="en-US" altLang="ko-KR" sz="1300" dirty="0"/>
-          </a:p>
+            <a:endParaRPr lang="ko-KR" altLang="en-US"/>
+          </a:p>
+        </p:txBody>
+      </p:sp>
+      <p:sp>
+        <p:nvSpPr>
+          <p:cNvPr id="20" name="직사각형 19">
+            <a:extLst>
+              <a:ext uri="{FF2B5EF4-FFF2-40B4-BE49-F238E27FC236}">
+                <a16:creationId xmlns:a16="http://schemas.microsoft.com/office/drawing/2014/main" id="{EA157385-1BF8-4B15-8607-1A231D57091A}"/>
+              </a:ext>
+            </a:extLst>
+          </p:cNvPr>
+          <p:cNvSpPr/>
+          <p:nvPr/>
+        </p:nvSpPr>
+        <p:spPr>
+          <a:xfrm>
+            <a:off x="6296891" y="1757653"/>
+            <a:ext cx="3678376" cy="501631"/>
+          </a:xfrm>
+          <a:prstGeom prst="rect">
+            <a:avLst/>
+          </a:prstGeom>
+          <a:noFill/>
+          <a:ln>
+            <a:solidFill>
+              <a:schemeClr val="bg1">
+                <a:lumMod val="85000"/>
+              </a:schemeClr>
+            </a:solidFill>
+          </a:ln>
+        </p:spPr>
+        <p:style>
+          <a:lnRef idx="2">
+            <a:schemeClr val="accent1">
+              <a:shade val="50000"/>
+            </a:schemeClr>
+          </a:lnRef>
+          <a:fillRef idx="1">
+            <a:schemeClr val="accent1"/>
+          </a:fillRef>
+          <a:effectRef idx="0">
+            <a:schemeClr val="accent1"/>
+          </a:effectRef>
+          <a:fontRef idx="minor">
+            <a:schemeClr val="lt1"/>
+          </a:fontRef>
+        </p:style>
+        <p:txBody>
+          <a:bodyPr rtlCol="0" anchor="ctr"/>
+          <a:lstStyle/>
           <a:p>
             <a:pPr algn="ctr"/>
-            <a:r>
-              <a:rPr lang="en-US" altLang="ko-KR" sz="1300" b="1" dirty="0"/>
-              <a:t>BASE64</a:t>
-            </a:r>
-            <a:r>
-              <a:rPr lang="ko-KR" altLang="en-US" sz="1300" b="1" dirty="0"/>
-              <a:t> 인코딩 후</a:t>
-            </a:r>
-            <a:endParaRPr lang="en-US" altLang="ko-KR" sz="1300" b="1" dirty="0"/>
-          </a:p>
+            <a:endParaRPr lang="ko-KR" altLang="en-US"/>
+          </a:p>
+        </p:txBody>
+      </p:sp>
+      <p:sp>
+        <p:nvSpPr>
+          <p:cNvPr id="21" name="직사각형 20">
+            <a:extLst>
+              <a:ext uri="{FF2B5EF4-FFF2-40B4-BE49-F238E27FC236}">
+                <a16:creationId xmlns:a16="http://schemas.microsoft.com/office/drawing/2014/main" id="{6A45C46B-AD99-417A-9D69-A83E44CE3308}"/>
+              </a:ext>
+            </a:extLst>
+          </p:cNvPr>
+          <p:cNvSpPr/>
+          <p:nvPr/>
+        </p:nvSpPr>
+        <p:spPr>
+          <a:xfrm>
+            <a:off x="3947217" y="2557753"/>
+            <a:ext cx="7985926" cy="4165165"/>
+          </a:xfrm>
+          <a:prstGeom prst="rect">
+            <a:avLst/>
+          </a:prstGeom>
+          <a:noFill/>
+          <a:ln>
+            <a:solidFill>
+              <a:schemeClr val="bg1">
+                <a:lumMod val="85000"/>
+              </a:schemeClr>
+            </a:solidFill>
+          </a:ln>
+        </p:spPr>
+        <p:style>
+          <a:lnRef idx="2">
+            <a:schemeClr val="accent1">
+              <a:shade val="50000"/>
+            </a:schemeClr>
+          </a:lnRef>
+          <a:fillRef idx="1">
+            <a:schemeClr val="accent1"/>
+          </a:fillRef>
+          <a:effectRef idx="0">
+            <a:schemeClr val="accent1"/>
+          </a:effectRef>
+          <a:fontRef idx="minor">
+            <a:schemeClr val="lt1"/>
+          </a:fontRef>
+        </p:style>
+        <p:txBody>
+          <a:bodyPr rtlCol="0" anchor="ctr"/>
+          <a:lstStyle/>
           <a:p>
             <a:pPr algn="ctr"/>
-            <a:endParaRPr lang="en-US" altLang="ko-KR" sz="1300" dirty="0"/>
-          </a:p>
-          <a:p>
-            <a:pPr algn="ctr"/>
-            <a:endParaRPr lang="en-US" altLang="ko-KR" sz="1300" dirty="0"/>
-          </a:p>
-          <a:p>
-            <a:pPr algn="ctr"/>
-            <a:endParaRPr lang="en-US" altLang="ko-KR" sz="1300" dirty="0"/>
-          </a:p>
-          <a:p>
-            <a:pPr algn="ctr"/>
-            <a:endParaRPr lang="en-US" altLang="ko-KR" sz="1300" dirty="0"/>
-          </a:p>
-          <a:p>
-            <a:pPr algn="ctr"/>
-            <a:endParaRPr lang="en-US" altLang="ko-KR" sz="1300" dirty="0"/>
-          </a:p>
-          <a:p>
-            <a:pPr algn="ctr"/>
-            <a:endParaRPr lang="en-US" altLang="ko-KR" sz="1300" dirty="0"/>
-          </a:p>
-          <a:p>
-            <a:pPr algn="ctr"/>
-            <a:endParaRPr lang="en-US" altLang="ko-KR" sz="1300" dirty="0"/>
-          </a:p>
-          <a:p>
-            <a:pPr algn="ctr"/>
-            <a:endParaRPr lang="en-US" altLang="ko-KR" sz="1300" dirty="0"/>
-          </a:p>
-          <a:p>
-            <a:pPr algn="ctr"/>
-            <a:endParaRPr lang="en-US" altLang="ko-KR" sz="1300" dirty="0"/>
-          </a:p>
-          <a:p>
-            <a:pPr algn="ctr"/>
-            <a:endParaRPr lang="en-US" altLang="ko-KR" sz="1300" dirty="0"/>
-          </a:p>
-          <a:p>
-            <a:pPr algn="ctr"/>
-            <a:endParaRPr lang="en-US" altLang="ko-KR" sz="1300" dirty="0"/>
+            <a:endParaRPr lang="ko-KR" altLang="en-US"/>
           </a:p>
         </p:txBody>
       </p:sp>
       <p:cxnSp>
         <p:nvCxnSpPr>
-          <p:cNvPr id="26" name="직선 화살표 연결선 25">
-            <a:extLst>
-              <a:ext uri="{FF2B5EF4-FFF2-40B4-BE49-F238E27FC236}">
-                <a16:creationId xmlns:a16="http://schemas.microsoft.com/office/drawing/2014/main" id="{952CBE4A-51E8-4F78-B788-8196E0E3264C}"/>
+          <p:cNvPr id="23" name="직선 화살표 연결선 22">
+            <a:extLst>
+              <a:ext uri="{FF2B5EF4-FFF2-40B4-BE49-F238E27FC236}">
+                <a16:creationId xmlns:a16="http://schemas.microsoft.com/office/drawing/2014/main" id="{9E438B75-7578-4175-88B8-BA7BA1B9075F}"/>
               </a:ext>
             </a:extLst>
           </p:cNvPr>
@@ -11173,8 +11090,8 @@
         </p:nvCxnSpPr>
         <p:spPr>
           <a:xfrm>
-            <a:off x="7924798" y="2701521"/>
-            <a:ext cx="0" cy="415751"/>
+            <a:off x="7751618" y="831273"/>
+            <a:ext cx="374073" cy="0"/>
           </a:xfrm>
           <a:prstGeom prst="straightConnector1">
             <a:avLst/>
@@ -11201,10 +11118,148 @@
           </a:fontRef>
         </p:style>
       </p:cxnSp>
+      <p:cxnSp>
+        <p:nvCxnSpPr>
+          <p:cNvPr id="27" name="직선 화살표 연결선 26">
+            <a:extLst>
+              <a:ext uri="{FF2B5EF4-FFF2-40B4-BE49-F238E27FC236}">
+                <a16:creationId xmlns:a16="http://schemas.microsoft.com/office/drawing/2014/main" id="{B637BF4C-080D-4A21-BFA5-80C232AD943C}"/>
+              </a:ext>
+            </a:extLst>
+          </p:cNvPr>
+          <p:cNvCxnSpPr/>
+          <p:nvPr/>
+        </p:nvCxnSpPr>
+        <p:spPr>
+          <a:xfrm>
+            <a:off x="9777541" y="1412350"/>
+            <a:ext cx="0" cy="250195"/>
+          </a:xfrm>
+          <a:prstGeom prst="straightConnector1">
+            <a:avLst/>
+          </a:prstGeom>
+          <a:ln w="19050">
+            <a:solidFill>
+              <a:srgbClr val="FF0000"/>
+            </a:solidFill>
+            <a:tailEnd type="triangle"/>
+          </a:ln>
+        </p:spPr>
+        <p:style>
+          <a:lnRef idx="1">
+            <a:schemeClr val="accent1"/>
+          </a:lnRef>
+          <a:fillRef idx="0">
+            <a:schemeClr val="accent1"/>
+          </a:fillRef>
+          <a:effectRef idx="0">
+            <a:schemeClr val="accent1"/>
+          </a:effectRef>
+          <a:fontRef idx="minor">
+            <a:schemeClr val="tx1"/>
+          </a:fontRef>
+        </p:style>
+      </p:cxnSp>
+      <p:cxnSp>
+        <p:nvCxnSpPr>
+          <p:cNvPr id="28" name="직선 화살표 연결선 27">
+            <a:extLst>
+              <a:ext uri="{FF2B5EF4-FFF2-40B4-BE49-F238E27FC236}">
+                <a16:creationId xmlns:a16="http://schemas.microsoft.com/office/drawing/2014/main" id="{D1998D48-CFF5-4505-83EA-A7B651DF043C}"/>
+              </a:ext>
+            </a:extLst>
+          </p:cNvPr>
+          <p:cNvCxnSpPr>
+            <a:cxnSpLocks/>
+          </p:cNvCxnSpPr>
+          <p:nvPr/>
+        </p:nvCxnSpPr>
+        <p:spPr>
+          <a:xfrm>
+            <a:off x="6618704" y="2307558"/>
+            <a:ext cx="0" cy="165478"/>
+          </a:xfrm>
+          <a:prstGeom prst="straightConnector1">
+            <a:avLst/>
+          </a:prstGeom>
+          <a:ln w="19050">
+            <a:solidFill>
+              <a:srgbClr val="FF0000"/>
+            </a:solidFill>
+            <a:tailEnd type="triangle"/>
+          </a:ln>
+        </p:spPr>
+        <p:style>
+          <a:lnRef idx="1">
+            <a:schemeClr val="accent1"/>
+          </a:lnRef>
+          <a:fillRef idx="0">
+            <a:schemeClr val="accent1"/>
+          </a:fillRef>
+          <a:effectRef idx="0">
+            <a:schemeClr val="accent1"/>
+          </a:effectRef>
+          <a:fontRef idx="minor">
+            <a:schemeClr val="tx1"/>
+          </a:fontRef>
+        </p:style>
+      </p:cxnSp>
+      <p:sp>
+        <p:nvSpPr>
+          <p:cNvPr id="31" name="직사각형 30">
+            <a:extLst>
+              <a:ext uri="{FF2B5EF4-FFF2-40B4-BE49-F238E27FC236}">
+                <a16:creationId xmlns:a16="http://schemas.microsoft.com/office/drawing/2014/main" id="{B1B9807B-04EE-46A8-96A7-6A81F7089450}"/>
+              </a:ext>
+            </a:extLst>
+          </p:cNvPr>
+          <p:cNvSpPr/>
+          <p:nvPr/>
+        </p:nvSpPr>
+        <p:spPr>
+          <a:xfrm>
+            <a:off x="4477856" y="3138696"/>
+            <a:ext cx="3147738" cy="1422913"/>
+          </a:xfrm>
+          <a:prstGeom prst="rect">
+            <a:avLst/>
+          </a:prstGeom>
+          <a:noFill/>
+          <a:ln w="25400">
+            <a:solidFill>
+              <a:srgbClr val="FF0000"/>
+            </a:solidFill>
+          </a:ln>
+        </p:spPr>
+        <p:style>
+          <a:lnRef idx="2">
+            <a:schemeClr val="accent1">
+              <a:shade val="50000"/>
+            </a:schemeClr>
+          </a:lnRef>
+          <a:fillRef idx="1">
+            <a:schemeClr val="accent1"/>
+          </a:fillRef>
+          <a:effectRef idx="0">
+            <a:schemeClr val="accent1"/>
+          </a:effectRef>
+          <a:fontRef idx="minor">
+            <a:schemeClr val="lt1"/>
+          </a:fontRef>
+        </p:style>
+        <p:txBody>
+          <a:bodyPr rtlCol="0" anchor="ctr"/>
+          <a:lstStyle/>
+          <a:p>
+            <a:pPr algn="ctr"/>
+            <a:endParaRPr lang="ko-KR" altLang="en-US"/>
+          </a:p>
+        </p:txBody>
+      </p:sp>
     </p:spTree>
     <p:extLst>
       <p:ext uri="{BB962C8B-B14F-4D97-AF65-F5344CB8AC3E}">
-        <p14:creationId xmlns:p14="http://schemas.microsoft.com/office/powerpoint/2010/main" val="2050273279"/>
+        <p14:creationId xmlns:p14="http://schemas.microsoft.com/office/powerpoint/2010/main" val="3438284583"/>
       </p:ext>
     </p:extLst>
   </p:cSld>
@@ -11298,7 +11353,7 @@
         <p:spPr>
           <a:xfrm>
             <a:off x="521146" y="458243"/>
-            <a:ext cx="2885885" cy="954107"/>
+            <a:ext cx="2885885" cy="584775"/>
           </a:xfrm>
           <a:prstGeom prst="rect">
             <a:avLst/>
@@ -11335,26 +11390,13 @@
                   <a:prstClr val="white"/>
                 </a:solidFill>
               </a:rPr>
-              <a:t>의 구조</a:t>
+              <a:t>의 보안전략</a:t>
             </a:r>
             <a:endParaRPr lang="en-US" altLang="ko-KR" sz="2400" kern="0" dirty="0">
               <a:solidFill>
                 <a:prstClr val="white"/>
               </a:solidFill>
             </a:endParaRPr>
-          </a:p>
-          <a:p>
-            <a:pPr latinLnBrk="0">
-              <a:defRPr/>
-            </a:pPr>
-            <a:r>
-              <a:rPr lang="en-US" altLang="ko-KR" sz="2400" b="1" kern="0" dirty="0">
-                <a:solidFill>
-                  <a:prstClr val="white"/>
-                </a:solidFill>
-              </a:rPr>
-              <a:t>- SIGNATURE</a:t>
-            </a:r>
           </a:p>
         </p:txBody>
       </p:sp>
@@ -11459,7 +11501,7 @@
         <p:spPr>
           <a:xfrm>
             <a:off x="374554" y="2041063"/>
-            <a:ext cx="2885885" cy="3654655"/>
+            <a:ext cx="2885885" cy="4021037"/>
           </a:xfrm>
           <a:prstGeom prst="rect">
             <a:avLst/>
@@ -11478,13 +11520,22 @@
               </a:lnSpc>
             </a:pPr>
             <a:r>
+              <a:rPr lang="en-US" altLang="ko-KR" sz="1300" dirty="0">
+                <a:solidFill>
+                  <a:prstClr val="white"/>
+                </a:solidFill>
+                <a:cs typeface="Aharoni" panose="02010803020104030203" pitchFamily="2" charset="-79"/>
+              </a:rPr>
+              <a:t>Access</a:t>
+            </a:r>
+            <a:r>
               <a:rPr lang="ko-KR" altLang="en-US" sz="1300" dirty="0">
                 <a:solidFill>
                   <a:prstClr val="white"/>
                 </a:solidFill>
                 <a:cs typeface="Aharoni" panose="02010803020104030203" pitchFamily="2" charset="-79"/>
               </a:rPr>
-              <a:t>서명</a:t>
+              <a:t> </a:t>
             </a:r>
             <a:r>
               <a:rPr lang="en-US" altLang="ko-KR" sz="1300" dirty="0">
@@ -11493,7 +11544,7 @@
                 </a:solidFill>
                 <a:cs typeface="Aharoni" panose="02010803020104030203" pitchFamily="2" charset="-79"/>
               </a:rPr>
-              <a:t>(Signature)</a:t>
+              <a:t>Token(JWT)</a:t>
             </a:r>
             <a:r>
               <a:rPr lang="ko-KR" altLang="en-US" sz="1300" dirty="0">
@@ -11502,7 +11553,25 @@
                 </a:solidFill>
                 <a:cs typeface="Aharoni" panose="02010803020104030203" pitchFamily="2" charset="-79"/>
               </a:rPr>
-              <a:t>은 토큰을 인코딩하거나 유효성 검증을 할 때 사용하는 고유한 암호화 코드이다</a:t>
+              <a:t>를 통한 인증 방식은 만일 제 </a:t>
+            </a:r>
+            <a:r>
+              <a:rPr lang="en-US" altLang="ko-KR" sz="1300" dirty="0">
+                <a:solidFill>
+                  <a:prstClr val="white"/>
+                </a:solidFill>
+                <a:cs typeface="Aharoni" panose="02010803020104030203" pitchFamily="2" charset="-79"/>
+              </a:rPr>
+              <a:t>3</a:t>
+            </a:r>
+            <a:r>
+              <a:rPr lang="ko-KR" altLang="en-US" sz="1300" dirty="0">
+                <a:solidFill>
+                  <a:prstClr val="white"/>
+                </a:solidFill>
+                <a:cs typeface="Aharoni" panose="02010803020104030203" pitchFamily="2" charset="-79"/>
+              </a:rPr>
+              <a:t>자에게 탈취당할 경우 보안에 취약하다는 문제점이 있다</a:t>
             </a:r>
             <a:endParaRPr lang="en-US" altLang="ko-KR" sz="1300" dirty="0">
               <a:solidFill>
@@ -11517,6 +11586,46 @@
                 <a:spcPct val="150000"/>
               </a:lnSpc>
             </a:pPr>
+            <a:endParaRPr lang="en-US" altLang="ko-KR" sz="1300" b="1" dirty="0">
+              <a:solidFill>
+                <a:prstClr val="white"/>
+              </a:solidFill>
+              <a:cs typeface="Aharoni" panose="02010803020104030203" pitchFamily="2" charset="-79"/>
+            </a:endParaRPr>
+          </a:p>
+          <a:p>
+            <a:pPr>
+              <a:lnSpc>
+                <a:spcPct val="150000"/>
+              </a:lnSpc>
+            </a:pPr>
+            <a:r>
+              <a:rPr lang="ko-KR" altLang="en-US" sz="1300" dirty="0">
+                <a:solidFill>
+                  <a:prstClr val="white"/>
+                </a:solidFill>
+                <a:cs typeface="Aharoni" panose="02010803020104030203" pitchFamily="2" charset="-79"/>
+              </a:rPr>
+              <a:t>위의 문제로 유효기간을 짧게 할 경우 그만큼 사용자는 로그인을 자주해서 새롭게 </a:t>
+            </a:r>
+            <a:r>
+              <a:rPr lang="en-US" altLang="ko-KR" sz="1300" dirty="0">
+                <a:solidFill>
+                  <a:prstClr val="white"/>
+                </a:solidFill>
+                <a:cs typeface="Aharoni" panose="02010803020104030203" pitchFamily="2" charset="-79"/>
+              </a:rPr>
+              <a:t>Token</a:t>
+            </a:r>
+            <a:r>
+              <a:rPr lang="ko-KR" altLang="en-US" sz="1300" dirty="0">
+                <a:solidFill>
+                  <a:prstClr val="white"/>
+                </a:solidFill>
+                <a:cs typeface="Aharoni" panose="02010803020104030203" pitchFamily="2" charset="-79"/>
+              </a:rPr>
+              <a:t>을 발급받아야 하는 불편함이 있다</a:t>
+            </a:r>
             <a:endParaRPr lang="en-US" altLang="ko-KR" sz="1300" dirty="0">
               <a:solidFill>
                 <a:prstClr val="white"/>
@@ -11530,70 +11639,7 @@
                 <a:spcPct val="150000"/>
               </a:lnSpc>
             </a:pPr>
-            <a:r>
-              <a:rPr lang="ko-KR" altLang="en-US" sz="1300" dirty="0">
-                <a:solidFill>
-                  <a:prstClr val="white"/>
-                </a:solidFill>
-                <a:cs typeface="Aharoni" panose="02010803020104030203" pitchFamily="2" charset="-79"/>
-              </a:rPr>
-              <a:t>서명은 만들어진 헤더</a:t>
-            </a:r>
-            <a:r>
-              <a:rPr lang="en-US" altLang="ko-KR" sz="1300" dirty="0">
-                <a:solidFill>
-                  <a:prstClr val="white"/>
-                </a:solidFill>
-                <a:cs typeface="Aharoni" panose="02010803020104030203" pitchFamily="2" charset="-79"/>
-              </a:rPr>
-              <a:t>(Header)</a:t>
-            </a:r>
-            <a:r>
-              <a:rPr lang="ko-KR" altLang="en-US" sz="1300" dirty="0">
-                <a:solidFill>
-                  <a:prstClr val="white"/>
-                </a:solidFill>
-                <a:cs typeface="Aharoni" panose="02010803020104030203" pitchFamily="2" charset="-79"/>
-              </a:rPr>
-              <a:t>와 내용</a:t>
-            </a:r>
-            <a:r>
-              <a:rPr lang="en-US" altLang="ko-KR" sz="1300" dirty="0">
-                <a:solidFill>
-                  <a:prstClr val="white"/>
-                </a:solidFill>
-                <a:cs typeface="Aharoni" panose="02010803020104030203" pitchFamily="2" charset="-79"/>
-              </a:rPr>
-              <a:t>(Payload)</a:t>
-            </a:r>
-            <a:r>
-              <a:rPr lang="ko-KR" altLang="en-US" sz="1300" dirty="0">
-                <a:solidFill>
-                  <a:prstClr val="white"/>
-                </a:solidFill>
-                <a:cs typeface="Aharoni" panose="02010803020104030203" pitchFamily="2" charset="-79"/>
-              </a:rPr>
-              <a:t>의 값을 각각 </a:t>
-            </a:r>
-            <a:r>
-              <a:rPr lang="en-US" altLang="ko-KR" sz="1300" dirty="0">
-                <a:solidFill>
-                  <a:prstClr val="white"/>
-                </a:solidFill>
-                <a:cs typeface="Aharoni" panose="02010803020104030203" pitchFamily="2" charset="-79"/>
-              </a:rPr>
-              <a:t>BASE64</a:t>
-            </a:r>
-            <a:r>
-              <a:rPr lang="ko-KR" altLang="en-US" sz="1300" dirty="0">
-                <a:solidFill>
-                  <a:prstClr val="white"/>
-                </a:solidFill>
-                <a:cs typeface="Aharoni" panose="02010803020104030203" pitchFamily="2" charset="-79"/>
-              </a:rPr>
-              <a:t>로 인코딩한다</a:t>
-            </a:r>
-            <a:endParaRPr lang="en-US" altLang="ko-KR" sz="1300" dirty="0">
+            <a:endParaRPr lang="en-US" altLang="ko-KR" sz="1300" b="1" dirty="0">
               <a:solidFill>
                 <a:prstClr val="white"/>
               </a:solidFill>
@@ -11606,7 +11652,7 @@
                 <a:spcPct val="150000"/>
               </a:lnSpc>
             </a:pPr>
-            <a:endParaRPr lang="en-US" altLang="ko-KR" sz="1300" dirty="0">
+            <a:endParaRPr lang="en-US" altLang="ko-KR" sz="1300" b="1" dirty="0">
               <a:solidFill>
                 <a:prstClr val="white"/>
               </a:solidFill>
@@ -11620,51 +11666,60 @@
               </a:lnSpc>
             </a:pPr>
             <a:r>
-              <a:rPr lang="ko-KR" altLang="en-US" sz="1300" dirty="0">
-                <a:solidFill>
-                  <a:prstClr val="white"/>
-                </a:solidFill>
-                <a:cs typeface="Aharoni" panose="02010803020104030203" pitchFamily="2" charset="-79"/>
-              </a:rPr>
-              <a:t>인코딩한 값을 비밀 키를 이용해 헤더</a:t>
-            </a:r>
-            <a:r>
-              <a:rPr lang="en-US" altLang="ko-KR" sz="1300" dirty="0">
-                <a:solidFill>
-                  <a:prstClr val="white"/>
-                </a:solidFill>
-                <a:cs typeface="Aharoni" panose="02010803020104030203" pitchFamily="2" charset="-79"/>
-              </a:rPr>
-              <a:t>(Header)</a:t>
-            </a:r>
-            <a:r>
-              <a:rPr lang="ko-KR" altLang="en-US" sz="1300" dirty="0">
-                <a:solidFill>
-                  <a:prstClr val="white"/>
-                </a:solidFill>
-                <a:cs typeface="Aharoni" panose="02010803020104030203" pitchFamily="2" charset="-79"/>
-              </a:rPr>
-              <a:t>에서 정의한 알고리즘으로 해싱하여 이 값을 다시 </a:t>
-            </a:r>
-            <a:r>
-              <a:rPr lang="en-US" altLang="ko-KR" sz="1300" dirty="0">
-                <a:solidFill>
-                  <a:prstClr val="white"/>
-                </a:solidFill>
-                <a:cs typeface="Aharoni" panose="02010803020104030203" pitchFamily="2" charset="-79"/>
-              </a:rPr>
-              <a:t>BASE64</a:t>
-            </a:r>
-            <a:r>
-              <a:rPr lang="ko-KR" altLang="en-US" sz="1300" dirty="0">
-                <a:solidFill>
-                  <a:prstClr val="white"/>
-                </a:solidFill>
-                <a:cs typeface="Aharoni" panose="02010803020104030203" pitchFamily="2" charset="-79"/>
-              </a:rPr>
-              <a:t>로 인코딩하여 생성한다 </a:t>
-            </a:r>
-            <a:endParaRPr lang="en-US" altLang="ko-KR" sz="1300" dirty="0">
+              <a:rPr lang="ko-KR" altLang="en-US" sz="1400" b="1" dirty="0">
+                <a:solidFill>
+                  <a:prstClr val="white"/>
+                </a:solidFill>
+                <a:cs typeface="Aharoni" panose="02010803020104030203" pitchFamily="2" charset="-79"/>
+              </a:rPr>
+              <a:t>보안성과 편의성 </a:t>
+            </a:r>
+            <a:r>
+              <a:rPr lang="ko-KR" altLang="en-US" sz="1400" dirty="0">
+                <a:solidFill>
+                  <a:prstClr val="white"/>
+                </a:solidFill>
+                <a:cs typeface="Aharoni" panose="02010803020104030203" pitchFamily="2" charset="-79"/>
+              </a:rPr>
+              <a:t>모두를 잡기위한 전략으로 </a:t>
+            </a:r>
+            <a:r>
+              <a:rPr lang="en-US" altLang="ko-KR" sz="1400" b="1" dirty="0">
+                <a:solidFill>
+                  <a:prstClr val="white"/>
+                </a:solidFill>
+                <a:cs typeface="Aharoni" panose="02010803020104030203" pitchFamily="2" charset="-79"/>
+              </a:rPr>
+              <a:t>Sliding Sessions</a:t>
+            </a:r>
+            <a:r>
+              <a:rPr lang="ko-KR" altLang="en-US" sz="1400" dirty="0">
+                <a:solidFill>
+                  <a:prstClr val="white"/>
+                </a:solidFill>
+                <a:cs typeface="Aharoni" panose="02010803020104030203" pitchFamily="2" charset="-79"/>
+              </a:rPr>
+              <a:t>과 </a:t>
+            </a:r>
+            <a:r>
+              <a:rPr lang="en-US" altLang="ko-KR" sz="1400" b="1" dirty="0">
+                <a:solidFill>
+                  <a:prstClr val="white"/>
+                </a:solidFill>
+                <a:cs typeface="Aharoni" panose="02010803020104030203" pitchFamily="2" charset="-79"/>
+              </a:rPr>
+              <a:t>Refresh Token</a:t>
+            </a:r>
+            <a:r>
+              <a:rPr lang="ko-KR" altLang="en-US" sz="1400" dirty="0">
+                <a:solidFill>
+                  <a:prstClr val="white"/>
+                </a:solidFill>
+                <a:cs typeface="Aharoni" panose="02010803020104030203" pitchFamily="2" charset="-79"/>
+              </a:rPr>
+              <a:t>이 있다</a:t>
+            </a:r>
+            <a:endParaRPr lang="en-US" altLang="ko-KR" sz="1400" dirty="0">
               <a:solidFill>
                 <a:prstClr val="white"/>
               </a:solidFill>
@@ -11673,155 +11728,12 @@
           </a:p>
         </p:txBody>
       </p:sp>
-      <p:pic>
-        <p:nvPicPr>
-          <p:cNvPr id="4" name="그림 3">
-            <a:extLst>
-              <a:ext uri="{FF2B5EF4-FFF2-40B4-BE49-F238E27FC236}">
-                <a16:creationId xmlns:a16="http://schemas.microsoft.com/office/drawing/2014/main" id="{8F95EE83-D34C-46E8-BB6F-1A73CB0F8251}"/>
-              </a:ext>
-            </a:extLst>
-          </p:cNvPr>
-          <p:cNvPicPr>
-            <a:picLocks noChangeAspect="1"/>
-          </p:cNvPicPr>
-          <p:nvPr/>
-        </p:nvPicPr>
-        <p:blipFill rotWithShape="1">
-          <a:blip r:embed="rId2">
-            <a:extLst>
-              <a:ext uri="{28A0092B-C50C-407E-A947-70E740481C1C}">
-                <a14:useLocalDpi xmlns:a14="http://schemas.microsoft.com/office/drawing/2010/main" val="0"/>
-              </a:ext>
-            </a:extLst>
-          </a:blip>
-          <a:srcRect r="24698"/>
-          <a:stretch/>
-        </p:blipFill>
-        <p:spPr>
-          <a:xfrm>
-            <a:off x="3947217" y="299329"/>
-            <a:ext cx="3678376" cy="1081714"/>
-          </a:xfrm>
-          <a:prstGeom prst="rect">
-            <a:avLst/>
-          </a:prstGeom>
-        </p:spPr>
-      </p:pic>
-      <p:pic>
-        <p:nvPicPr>
-          <p:cNvPr id="7" name="그림 6">
-            <a:extLst>
-              <a:ext uri="{FF2B5EF4-FFF2-40B4-BE49-F238E27FC236}">
-                <a16:creationId xmlns:a16="http://schemas.microsoft.com/office/drawing/2014/main" id="{0BC6F39C-EB28-4C90-99BC-6AEA76C27F7B}"/>
-              </a:ext>
-            </a:extLst>
-          </p:cNvPr>
-          <p:cNvPicPr>
-            <a:picLocks noChangeAspect="1"/>
-          </p:cNvPicPr>
-          <p:nvPr/>
-        </p:nvPicPr>
-        <p:blipFill>
-          <a:blip r:embed="rId3">
-            <a:extLst>
-              <a:ext uri="{28A0092B-C50C-407E-A947-70E740481C1C}">
-                <a14:useLocalDpi xmlns:a14="http://schemas.microsoft.com/office/drawing/2010/main" val="0"/>
-              </a:ext>
-            </a:extLst>
-          </a:blip>
-          <a:stretch>
-            <a:fillRect/>
-          </a:stretch>
-        </p:blipFill>
-        <p:spPr>
-          <a:xfrm>
-            <a:off x="8745015" y="338910"/>
-            <a:ext cx="2697880" cy="1002552"/>
-          </a:xfrm>
-          <a:prstGeom prst="rect">
-            <a:avLst/>
-          </a:prstGeom>
-        </p:spPr>
-      </p:pic>
-      <p:pic>
-        <p:nvPicPr>
-          <p:cNvPr id="12" name="그림 11">
-            <a:extLst>
-              <a:ext uri="{FF2B5EF4-FFF2-40B4-BE49-F238E27FC236}">
-                <a16:creationId xmlns:a16="http://schemas.microsoft.com/office/drawing/2014/main" id="{A5E17915-46E5-4C4F-AA7A-680D2D6E3F2A}"/>
-              </a:ext>
-            </a:extLst>
-          </p:cNvPr>
-          <p:cNvPicPr>
-            <a:picLocks noChangeAspect="1"/>
-          </p:cNvPicPr>
-          <p:nvPr/>
-        </p:nvPicPr>
-        <p:blipFill>
-          <a:blip r:embed="rId4">
-            <a:extLst>
-              <a:ext uri="{28A0092B-C50C-407E-A947-70E740481C1C}">
-                <a14:useLocalDpi xmlns:a14="http://schemas.microsoft.com/office/drawing/2010/main" val="0"/>
-              </a:ext>
-            </a:extLst>
-          </a:blip>
-          <a:stretch>
-            <a:fillRect/>
-          </a:stretch>
-        </p:blipFill>
-        <p:spPr>
-          <a:xfrm>
-            <a:off x="6494897" y="1837036"/>
-            <a:ext cx="3282644" cy="422248"/>
-          </a:xfrm>
-          <a:prstGeom prst="rect">
-            <a:avLst/>
-          </a:prstGeom>
-        </p:spPr>
-      </p:pic>
-      <p:pic>
-        <p:nvPicPr>
-          <p:cNvPr id="18" name="그림 17">
-            <a:extLst>
-              <a:ext uri="{FF2B5EF4-FFF2-40B4-BE49-F238E27FC236}">
-                <a16:creationId xmlns:a16="http://schemas.microsoft.com/office/drawing/2014/main" id="{13ECAD41-9B81-48E9-B11B-EABD386D0D45}"/>
-              </a:ext>
-            </a:extLst>
-          </p:cNvPr>
-          <p:cNvPicPr>
-            <a:picLocks noChangeAspect="1"/>
-          </p:cNvPicPr>
-          <p:nvPr/>
-        </p:nvPicPr>
-        <p:blipFill>
-          <a:blip r:embed="rId5">
-            <a:extLst>
-              <a:ext uri="{28A0092B-C50C-407E-A947-70E740481C1C}">
-                <a14:useLocalDpi xmlns:a14="http://schemas.microsoft.com/office/drawing/2010/main" val="0"/>
-              </a:ext>
-            </a:extLst>
-          </a:blip>
-          <a:stretch>
-            <a:fillRect/>
-          </a:stretch>
-        </p:blipFill>
-        <p:spPr>
-          <a:xfrm>
-            <a:off x="4477855" y="2743994"/>
-            <a:ext cx="6924650" cy="3904572"/>
-          </a:xfrm>
-          <a:prstGeom prst="rect">
-            <a:avLst/>
-          </a:prstGeom>
-        </p:spPr>
-      </p:pic>
       <p:sp>
         <p:nvSpPr>
-          <p:cNvPr id="19" name="직사각형 18">
-            <a:extLst>
-              <a:ext uri="{FF2B5EF4-FFF2-40B4-BE49-F238E27FC236}">
-                <a16:creationId xmlns:a16="http://schemas.microsoft.com/office/drawing/2014/main" id="{CCB9F9A1-6DFB-4A38-9DCB-ADB28A07AC93}"/>
+          <p:cNvPr id="5" name="사각형: 둥근 모서리 4">
+            <a:extLst>
+              <a:ext uri="{FF2B5EF4-FFF2-40B4-BE49-F238E27FC236}">
+                <a16:creationId xmlns:a16="http://schemas.microsoft.com/office/drawing/2014/main" id="{B64CC82E-B4B0-4773-91CA-8A203925A3FA}"/>
               </a:ext>
             </a:extLst>
           </p:cNvPr>
@@ -11830,18 +11742,16 @@
         </p:nvSpPr>
         <p:spPr>
           <a:xfrm>
-            <a:off x="8254767" y="299329"/>
-            <a:ext cx="3678376" cy="1081714"/>
-          </a:xfrm>
-          <a:prstGeom prst="rect">
+            <a:off x="4200264" y="367605"/>
+            <a:ext cx="7519882" cy="2126213"/>
+          </a:xfrm>
+          <a:prstGeom prst="roundRect">
             <a:avLst/>
           </a:prstGeom>
           <a:noFill/>
-          <a:ln>
+          <a:ln w="25400">
             <a:solidFill>
-              <a:schemeClr val="bg1">
-                <a:lumMod val="85000"/>
-              </a:schemeClr>
+              <a:schemeClr val="accent2"/>
             </a:solidFill>
           </a:ln>
         </p:spPr>
@@ -11866,16 +11776,161 @@
           <a:lstStyle/>
           <a:p>
             <a:pPr algn="ctr"/>
-            <a:endParaRPr lang="ko-KR" altLang="en-US"/>
+            <a:endParaRPr lang="ko-KR" altLang="en-US" dirty="0"/>
           </a:p>
         </p:txBody>
       </p:sp>
       <p:sp>
         <p:nvSpPr>
-          <p:cNvPr id="20" name="직사각형 19">
-            <a:extLst>
-              <a:ext uri="{FF2B5EF4-FFF2-40B4-BE49-F238E27FC236}">
-                <a16:creationId xmlns:a16="http://schemas.microsoft.com/office/drawing/2014/main" id="{EA157385-1BF8-4B15-8607-1A231D57091A}"/>
+          <p:cNvPr id="3" name="TextBox 2">
+            <a:extLst>
+              <a:ext uri="{FF2B5EF4-FFF2-40B4-BE49-F238E27FC236}">
+                <a16:creationId xmlns:a16="http://schemas.microsoft.com/office/drawing/2014/main" id="{4F11C851-48BD-43DF-A00D-B2E9032BE303}"/>
+              </a:ext>
+            </a:extLst>
+          </p:cNvPr>
+          <p:cNvSpPr txBox="1"/>
+          <p:nvPr/>
+        </p:nvSpPr>
+        <p:spPr>
+          <a:xfrm>
+            <a:off x="4557582" y="1575426"/>
+            <a:ext cx="6805246" cy="507831"/>
+          </a:xfrm>
+          <a:prstGeom prst="rect">
+            <a:avLst/>
+          </a:prstGeom>
+          <a:noFill/>
+        </p:spPr>
+        <p:txBody>
+          <a:bodyPr wrap="square" rtlCol="0">
+            <a:spAutoFit/>
+          </a:bodyPr>
+          <a:lstStyle/>
+          <a:p>
+            <a:endParaRPr lang="en-US" altLang="ko-KR" sz="1400" dirty="0">
+              <a:solidFill>
+                <a:srgbClr val="454545"/>
+              </a:solidFill>
+              <a:latin typeface="Apple SD Gothic Neo"/>
+            </a:endParaRPr>
+          </a:p>
+          <a:p>
+            <a:endParaRPr lang="en-US" altLang="ko-KR" sz="1300" dirty="0"/>
+          </a:p>
+        </p:txBody>
+      </p:sp>
+      <p:sp>
+        <p:nvSpPr>
+          <p:cNvPr id="4" name="TextBox 3">
+            <a:extLst>
+              <a:ext uri="{FF2B5EF4-FFF2-40B4-BE49-F238E27FC236}">
+                <a16:creationId xmlns:a16="http://schemas.microsoft.com/office/drawing/2014/main" id="{64D1174F-D95B-42F2-B22C-14B7820D91F0}"/>
+              </a:ext>
+            </a:extLst>
+          </p:cNvPr>
+          <p:cNvSpPr txBox="1"/>
+          <p:nvPr/>
+        </p:nvSpPr>
+        <p:spPr>
+          <a:xfrm>
+            <a:off x="4557582" y="543120"/>
+            <a:ext cx="6893200" cy="1746632"/>
+          </a:xfrm>
+          <a:prstGeom prst="rect">
+            <a:avLst/>
+          </a:prstGeom>
+          <a:noFill/>
+        </p:spPr>
+        <p:txBody>
+          <a:bodyPr wrap="square" rtlCol="0">
+            <a:spAutoFit/>
+          </a:bodyPr>
+          <a:lstStyle/>
+          <a:p>
+            <a:pPr marL="342900" indent="-342900">
+              <a:buFont typeface="+mj-lt"/>
+              <a:buAutoNum type="arabicPeriod"/>
+            </a:pPr>
+            <a:r>
+              <a:rPr lang="en-US" altLang="ko-KR" sz="1600" b="1" dirty="0"/>
+              <a:t>Sliding Sessions</a:t>
+            </a:r>
+          </a:p>
+          <a:p>
+            <a:endParaRPr lang="en-US" altLang="ko-KR" sz="1100" dirty="0"/>
+          </a:p>
+          <a:p>
+            <a:r>
+              <a:rPr lang="ko-KR" altLang="en-US" sz="1150" dirty="0"/>
+              <a:t>이 전략은 세션을 지속적으로 이용하는 유저에게 </a:t>
+            </a:r>
+            <a:r>
+              <a:rPr lang="ko-KR" altLang="en-US" sz="1150" b="1" dirty="0">
+                <a:solidFill>
+                  <a:srgbClr val="FF0000"/>
+                </a:solidFill>
+              </a:rPr>
+              <a:t>자동으로 만료 기한을 늘려주는 방법</a:t>
+            </a:r>
+            <a:r>
+              <a:rPr lang="ko-KR" altLang="en-US" sz="1150" dirty="0"/>
+              <a:t>이다</a:t>
+            </a:r>
+            <a:endParaRPr lang="en-US" altLang="ko-KR" sz="1150" dirty="0"/>
+          </a:p>
+          <a:p>
+            <a:endParaRPr lang="en-US" altLang="ko-KR" sz="1150" dirty="0"/>
+          </a:p>
+          <a:p>
+            <a:r>
+              <a:rPr lang="ko-KR" altLang="en-US" sz="1150" dirty="0"/>
+              <a:t>주로 유효한 </a:t>
+            </a:r>
+            <a:r>
+              <a:rPr lang="en-US" altLang="ko-KR" sz="1150" dirty="0"/>
+              <a:t>Access Token</a:t>
+            </a:r>
+            <a:r>
+              <a:rPr lang="ko-KR" altLang="en-US" sz="1150" dirty="0"/>
+              <a:t>을 가진 클라이언트의 요청에 대해 서버가 새로운 </a:t>
+            </a:r>
+            <a:r>
+              <a:rPr lang="en-US" altLang="ko-KR" sz="1150" dirty="0"/>
+              <a:t>Access Token</a:t>
+            </a:r>
+            <a:r>
+              <a:rPr lang="ko-KR" altLang="en-US" sz="1150" dirty="0"/>
+              <a:t>을 발급해주는 방법을 사용한다</a:t>
+            </a:r>
+            <a:endParaRPr lang="en-US" altLang="ko-KR" sz="1150" dirty="0"/>
+          </a:p>
+          <a:p>
+            <a:endParaRPr lang="en-US" altLang="ko-KR" sz="1150" dirty="0"/>
+          </a:p>
+          <a:p>
+            <a:r>
+              <a:rPr lang="ko-KR" altLang="en-US" sz="1150" dirty="0"/>
+              <a:t>매 요청마다 새로운 토큰을 내려주는 것도 가능하나 전략에 따라 </a:t>
+            </a:r>
+            <a:r>
+              <a:rPr lang="ko-KR" altLang="en-US" sz="1150" b="1" dirty="0"/>
+              <a:t>특정 요청 시에 발급해주는 등의 방법을 사용</a:t>
+            </a:r>
+            <a:r>
+              <a:rPr lang="ko-KR" altLang="en-US" sz="1150" dirty="0"/>
+              <a:t>한다</a:t>
+            </a:r>
+            <a:endParaRPr lang="en-US" altLang="ko-KR" sz="1150" dirty="0"/>
+          </a:p>
+        </p:txBody>
+      </p:sp>
+      <p:sp>
+        <p:nvSpPr>
+          <p:cNvPr id="14" name="사각형: 둥근 모서리 13">
+            <a:extLst>
+              <a:ext uri="{FF2B5EF4-FFF2-40B4-BE49-F238E27FC236}">
+                <a16:creationId xmlns:a16="http://schemas.microsoft.com/office/drawing/2014/main" id="{DB368C37-59A0-42C5-933A-B2AEC685DAEE}"/>
               </a:ext>
             </a:extLst>
           </p:cNvPr>
@@ -11884,18 +11939,18 @@
         </p:nvSpPr>
         <p:spPr>
           <a:xfrm>
-            <a:off x="6296891" y="1757653"/>
-            <a:ext cx="3678376" cy="501631"/>
-          </a:xfrm>
-          <a:prstGeom prst="rect">
-            <a:avLst/>
+            <a:off x="4200264" y="2861423"/>
+            <a:ext cx="7519882" cy="3716022"/>
+          </a:xfrm>
+          <a:prstGeom prst="roundRect">
+            <a:avLst>
+              <a:gd name="adj" fmla="val 9397"/>
+            </a:avLst>
           </a:prstGeom>
           <a:noFill/>
-          <a:ln>
+          <a:ln w="25400">
             <a:solidFill>
-              <a:schemeClr val="bg1">
-                <a:lumMod val="85000"/>
-              </a:schemeClr>
+              <a:schemeClr val="accent6"/>
             </a:solidFill>
           </a:ln>
         </p:spPr>
@@ -11920,248 +11975,510 @@
           <a:lstStyle/>
           <a:p>
             <a:pPr algn="ctr"/>
-            <a:endParaRPr lang="ko-KR" altLang="en-US"/>
+            <a:endParaRPr lang="ko-KR" altLang="en-US" dirty="0"/>
           </a:p>
         </p:txBody>
       </p:sp>
       <p:sp>
         <p:nvSpPr>
-          <p:cNvPr id="21" name="직사각형 20">
-            <a:extLst>
-              <a:ext uri="{FF2B5EF4-FFF2-40B4-BE49-F238E27FC236}">
-                <a16:creationId xmlns:a16="http://schemas.microsoft.com/office/drawing/2014/main" id="{6A45C46B-AD99-417A-9D69-A83E44CE3308}"/>
-              </a:ext>
-            </a:extLst>
-          </p:cNvPr>
-          <p:cNvSpPr/>
+          <p:cNvPr id="15" name="TextBox 14">
+            <a:extLst>
+              <a:ext uri="{FF2B5EF4-FFF2-40B4-BE49-F238E27FC236}">
+                <a16:creationId xmlns:a16="http://schemas.microsoft.com/office/drawing/2014/main" id="{69843A50-BB01-457D-88A2-4E996623D9DD}"/>
+              </a:ext>
+            </a:extLst>
+          </p:cNvPr>
+          <p:cNvSpPr txBox="1"/>
           <p:nvPr/>
         </p:nvSpPr>
         <p:spPr>
           <a:xfrm>
-            <a:off x="3947217" y="2557753"/>
-            <a:ext cx="7985926" cy="4165165"/>
+            <a:off x="4557582" y="3178787"/>
+            <a:ext cx="6893200" cy="3023905"/>
           </a:xfrm>
           <a:prstGeom prst="rect">
             <a:avLst/>
           </a:prstGeom>
           <a:noFill/>
-          <a:ln>
-            <a:solidFill>
-              <a:schemeClr val="bg1">
-                <a:lumMod val="85000"/>
-              </a:schemeClr>
-            </a:solidFill>
-          </a:ln>
-        </p:spPr>
-        <p:style>
-          <a:lnRef idx="2">
-            <a:schemeClr val="accent1">
-              <a:shade val="50000"/>
-            </a:schemeClr>
-          </a:lnRef>
-          <a:fillRef idx="1">
-            <a:schemeClr val="accent1"/>
-          </a:fillRef>
-          <a:effectRef idx="0">
-            <a:schemeClr val="accent1"/>
-          </a:effectRef>
-          <a:fontRef idx="minor">
-            <a:schemeClr val="lt1"/>
-          </a:fontRef>
-        </p:style>
+        </p:spPr>
         <p:txBody>
-          <a:bodyPr rtlCol="0" anchor="ctr"/>
+          <a:bodyPr wrap="square" rtlCol="0">
+            <a:spAutoFit/>
+          </a:bodyPr>
           <a:lstStyle/>
           <a:p>
-            <a:pPr algn="ctr"/>
-            <a:endParaRPr lang="ko-KR" altLang="en-US"/>
-          </a:p>
-        </p:txBody>
-      </p:sp>
-      <p:cxnSp>
-        <p:nvCxnSpPr>
-          <p:cNvPr id="23" name="직선 화살표 연결선 22">
-            <a:extLst>
-              <a:ext uri="{FF2B5EF4-FFF2-40B4-BE49-F238E27FC236}">
-                <a16:creationId xmlns:a16="http://schemas.microsoft.com/office/drawing/2014/main" id="{9E438B75-7578-4175-88B8-BA7BA1B9075F}"/>
-              </a:ext>
-            </a:extLst>
-          </p:cNvPr>
-          <p:cNvCxnSpPr/>
-          <p:nvPr/>
-        </p:nvCxnSpPr>
-        <p:spPr>
-          <a:xfrm>
-            <a:off x="7751618" y="831273"/>
-            <a:ext cx="374073" cy="0"/>
-          </a:xfrm>
-          <a:prstGeom prst="straightConnector1">
-            <a:avLst/>
-          </a:prstGeom>
-          <a:ln w="19050">
-            <a:solidFill>
-              <a:srgbClr val="FF0000"/>
-            </a:solidFill>
-            <a:tailEnd type="triangle"/>
-          </a:ln>
-        </p:spPr>
-        <p:style>
-          <a:lnRef idx="1">
-            <a:schemeClr val="accent1"/>
-          </a:lnRef>
-          <a:fillRef idx="0">
-            <a:schemeClr val="accent1"/>
-          </a:fillRef>
-          <a:effectRef idx="0">
-            <a:schemeClr val="accent1"/>
-          </a:effectRef>
-          <a:fontRef idx="minor">
-            <a:schemeClr val="tx1"/>
-          </a:fontRef>
-        </p:style>
-      </p:cxnSp>
-      <p:cxnSp>
-        <p:nvCxnSpPr>
-          <p:cNvPr id="27" name="직선 화살표 연결선 26">
-            <a:extLst>
-              <a:ext uri="{FF2B5EF4-FFF2-40B4-BE49-F238E27FC236}">
-                <a16:creationId xmlns:a16="http://schemas.microsoft.com/office/drawing/2014/main" id="{B637BF4C-080D-4A21-BFA5-80C232AD943C}"/>
-              </a:ext>
-            </a:extLst>
-          </p:cNvPr>
-          <p:cNvCxnSpPr/>
-          <p:nvPr/>
-        </p:nvCxnSpPr>
-        <p:spPr>
-          <a:xfrm>
-            <a:off x="9777541" y="1412350"/>
-            <a:ext cx="0" cy="250195"/>
-          </a:xfrm>
-          <a:prstGeom prst="straightConnector1">
-            <a:avLst/>
-          </a:prstGeom>
-          <a:ln w="19050">
-            <a:solidFill>
-              <a:srgbClr val="FF0000"/>
-            </a:solidFill>
-            <a:tailEnd type="triangle"/>
-          </a:ln>
-        </p:spPr>
-        <p:style>
-          <a:lnRef idx="1">
-            <a:schemeClr val="accent1"/>
-          </a:lnRef>
-          <a:fillRef idx="0">
-            <a:schemeClr val="accent1"/>
-          </a:fillRef>
-          <a:effectRef idx="0">
-            <a:schemeClr val="accent1"/>
-          </a:effectRef>
-          <a:fontRef idx="minor">
-            <a:schemeClr val="tx1"/>
-          </a:fontRef>
-        </p:style>
-      </p:cxnSp>
-      <p:cxnSp>
-        <p:nvCxnSpPr>
-          <p:cNvPr id="28" name="직선 화살표 연결선 27">
-            <a:extLst>
-              <a:ext uri="{FF2B5EF4-FFF2-40B4-BE49-F238E27FC236}">
-                <a16:creationId xmlns:a16="http://schemas.microsoft.com/office/drawing/2014/main" id="{D1998D48-CFF5-4505-83EA-A7B651DF043C}"/>
-              </a:ext>
-            </a:extLst>
-          </p:cNvPr>
-          <p:cNvCxnSpPr>
-            <a:cxnSpLocks/>
-          </p:cNvCxnSpPr>
-          <p:nvPr/>
-        </p:nvCxnSpPr>
-        <p:spPr>
-          <a:xfrm>
-            <a:off x="6618704" y="2307558"/>
-            <a:ext cx="0" cy="165478"/>
-          </a:xfrm>
-          <a:prstGeom prst="straightConnector1">
-            <a:avLst/>
-          </a:prstGeom>
-          <a:ln w="19050">
-            <a:solidFill>
-              <a:srgbClr val="FF0000"/>
-            </a:solidFill>
-            <a:tailEnd type="triangle"/>
-          </a:ln>
-        </p:spPr>
-        <p:style>
-          <a:lnRef idx="1">
-            <a:schemeClr val="accent1"/>
-          </a:lnRef>
-          <a:fillRef idx="0">
-            <a:schemeClr val="accent1"/>
-          </a:fillRef>
-          <a:effectRef idx="0">
-            <a:schemeClr val="accent1"/>
-          </a:effectRef>
-          <a:fontRef idx="minor">
-            <a:schemeClr val="tx1"/>
-          </a:fontRef>
-        </p:style>
-      </p:cxnSp>
-      <p:sp>
-        <p:nvSpPr>
-          <p:cNvPr id="31" name="직사각형 30">
-            <a:extLst>
-              <a:ext uri="{FF2B5EF4-FFF2-40B4-BE49-F238E27FC236}">
-                <a16:creationId xmlns:a16="http://schemas.microsoft.com/office/drawing/2014/main" id="{B1B9807B-04EE-46A8-96A7-6A81F7089450}"/>
-              </a:ext>
-            </a:extLst>
-          </p:cNvPr>
-          <p:cNvSpPr/>
-          <p:nvPr/>
-        </p:nvSpPr>
-        <p:spPr>
-          <a:xfrm>
-            <a:off x="4477856" y="3138696"/>
-            <a:ext cx="3147738" cy="1422913"/>
-          </a:xfrm>
-          <a:prstGeom prst="rect">
-            <a:avLst/>
-          </a:prstGeom>
-          <a:noFill/>
-          <a:ln w="25400">
-            <a:solidFill>
-              <a:srgbClr val="FF0000"/>
-            </a:solidFill>
-          </a:ln>
-        </p:spPr>
-        <p:style>
-          <a:lnRef idx="2">
-            <a:schemeClr val="accent1">
-              <a:shade val="50000"/>
-            </a:schemeClr>
-          </a:lnRef>
-          <a:fillRef idx="1">
-            <a:schemeClr val="accent1"/>
-          </a:fillRef>
-          <a:effectRef idx="0">
-            <a:schemeClr val="accent1"/>
-          </a:effectRef>
-          <a:fontRef idx="minor">
-            <a:schemeClr val="lt1"/>
-          </a:fontRef>
-        </p:style>
-        <p:txBody>
-          <a:bodyPr rtlCol="0" anchor="ctr"/>
-          <a:lstStyle/>
-          <a:p>
-            <a:pPr algn="ctr"/>
-            <a:endParaRPr lang="ko-KR" altLang="en-US"/>
+            <a:pPr marL="342900" indent="-342900">
+              <a:buFont typeface="+mj-lt"/>
+              <a:buAutoNum type="arabicPeriod" startAt="2"/>
+            </a:pPr>
+            <a:r>
+              <a:rPr lang="en-US" altLang="ko-KR" sz="1600" b="1" dirty="0"/>
+              <a:t>Refresh</a:t>
+            </a:r>
+            <a:r>
+              <a:rPr lang="ko-KR" altLang="en-US" sz="1600" b="1" dirty="0"/>
+              <a:t> </a:t>
+            </a:r>
+            <a:r>
+              <a:rPr lang="en-US" altLang="ko-KR" sz="1600" b="1" dirty="0"/>
+              <a:t>Token</a:t>
+            </a:r>
+          </a:p>
+          <a:p>
+            <a:endParaRPr lang="en-US" altLang="ko-KR" sz="1100" dirty="0"/>
+          </a:p>
+          <a:p>
+            <a:r>
+              <a:rPr lang="ko-KR" altLang="en-US" sz="1150" dirty="0"/>
+              <a:t>사용자가 로그인할 때 </a:t>
+            </a:r>
+            <a:r>
+              <a:rPr lang="en-US" altLang="ko-KR" sz="1150" dirty="0"/>
+              <a:t>Access Token</a:t>
+            </a:r>
+            <a:r>
+              <a:rPr lang="ko-KR" altLang="en-US" sz="1150" dirty="0"/>
+              <a:t>과 함께 그에 비해 </a:t>
+            </a:r>
+            <a:r>
+              <a:rPr lang="ko-KR" altLang="en-US" sz="1150" b="1" dirty="0">
+                <a:solidFill>
+                  <a:srgbClr val="FF0000"/>
+                </a:solidFill>
+              </a:rPr>
+              <a:t>긴 만료 시간을 갖는 </a:t>
+            </a:r>
+            <a:r>
+              <a:rPr lang="en-US" altLang="ko-KR" sz="1150" b="1" dirty="0">
+                <a:solidFill>
+                  <a:srgbClr val="FF0000"/>
+                </a:solidFill>
+              </a:rPr>
+              <a:t>Refresh Token</a:t>
+            </a:r>
+            <a:r>
+              <a:rPr lang="ko-KR" altLang="en-US" sz="1150" dirty="0"/>
+              <a:t>을 클라이언트에 함께 발급한다</a:t>
+            </a:r>
+            <a:endParaRPr lang="en-US" altLang="ko-KR" sz="1150" dirty="0"/>
+          </a:p>
+          <a:p>
+            <a:endParaRPr lang="en-US" altLang="ko-KR" sz="1150" dirty="0"/>
+          </a:p>
+          <a:p>
+            <a:r>
+              <a:rPr lang="ko-KR" altLang="en-US" sz="1150" dirty="0"/>
+              <a:t>주로 </a:t>
+            </a:r>
+            <a:r>
+              <a:rPr lang="en-US" altLang="ko-KR" sz="1150" dirty="0"/>
+              <a:t>Access Token</a:t>
+            </a:r>
+            <a:r>
+              <a:rPr lang="ko-KR" altLang="en-US" sz="1150" dirty="0"/>
+              <a:t>은 </a:t>
+            </a:r>
+            <a:r>
+              <a:rPr lang="en-US" altLang="ko-KR" sz="1150" dirty="0"/>
+              <a:t>30</a:t>
+            </a:r>
+            <a:r>
+              <a:rPr lang="ko-KR" altLang="en-US" sz="1150" dirty="0"/>
+              <a:t>분 내외</a:t>
+            </a:r>
+            <a:r>
+              <a:rPr lang="en-US" altLang="ko-KR" sz="1150" dirty="0"/>
+              <a:t>, Refresh Token</a:t>
+            </a:r>
+            <a:r>
+              <a:rPr lang="ko-KR" altLang="en-US" sz="1150" dirty="0"/>
+              <a:t>은 </a:t>
+            </a:r>
+            <a:r>
+              <a:rPr lang="en-US" altLang="ko-KR" sz="1150" dirty="0"/>
+              <a:t>2</a:t>
+            </a:r>
+            <a:r>
+              <a:rPr lang="ko-KR" altLang="en-US" sz="1150" dirty="0"/>
+              <a:t>주에서 한달 정도의 만료 기간을 부여한다</a:t>
+            </a:r>
+            <a:endParaRPr lang="en-US" altLang="ko-KR" sz="1150" dirty="0"/>
+          </a:p>
+          <a:p>
+            <a:endParaRPr lang="en-US" altLang="ko-KR" sz="1150" b="1" dirty="0"/>
+          </a:p>
+          <a:p>
+            <a:r>
+              <a:rPr lang="ko-KR" altLang="en-US" sz="1150" b="0" i="0" dirty="0">
+                <a:solidFill>
+                  <a:srgbClr val="333333"/>
+                </a:solidFill>
+                <a:effectLst/>
+                <a:latin typeface="Open Sans"/>
+              </a:rPr>
+              <a:t>클라이언트는 </a:t>
+            </a:r>
+            <a:r>
+              <a:rPr lang="en-US" altLang="ko-KR" sz="1150" b="0" i="0" dirty="0">
+                <a:solidFill>
+                  <a:srgbClr val="333333"/>
+                </a:solidFill>
+                <a:effectLst/>
+                <a:latin typeface="Open Sans"/>
+              </a:rPr>
+              <a:t>Access Token</a:t>
+            </a:r>
+            <a:r>
+              <a:rPr lang="ko-KR" altLang="en-US" sz="1150" b="0" i="0" dirty="0">
+                <a:solidFill>
+                  <a:srgbClr val="333333"/>
+                </a:solidFill>
+                <a:effectLst/>
+                <a:latin typeface="Open Sans"/>
+              </a:rPr>
+              <a:t>이 만료되었다는 오류를 받으면 따로 저장해 두었던 </a:t>
+            </a:r>
+            <a:r>
+              <a:rPr lang="en-US" altLang="ko-KR" sz="1150" b="1" i="0" dirty="0">
+                <a:solidFill>
+                  <a:srgbClr val="333333"/>
+                </a:solidFill>
+                <a:effectLst/>
+                <a:latin typeface="Open Sans"/>
+              </a:rPr>
+              <a:t>Refresh Token</a:t>
+            </a:r>
+            <a:r>
+              <a:rPr lang="ko-KR" altLang="en-US" sz="1150" b="1" i="0" dirty="0">
+                <a:solidFill>
+                  <a:srgbClr val="333333"/>
+                </a:solidFill>
+                <a:effectLst/>
+                <a:latin typeface="Open Sans"/>
+              </a:rPr>
+              <a:t>을 이용하여 </a:t>
+            </a:r>
+            <a:r>
+              <a:rPr lang="en-US" altLang="ko-KR" sz="1150" b="1" i="0" dirty="0">
+                <a:solidFill>
+                  <a:srgbClr val="333333"/>
+                </a:solidFill>
+                <a:effectLst/>
+                <a:latin typeface="Open Sans"/>
+              </a:rPr>
+              <a:t>Access Token</a:t>
+            </a:r>
+            <a:r>
+              <a:rPr lang="ko-KR" altLang="en-US" sz="1150" b="1" i="0" dirty="0">
+                <a:solidFill>
+                  <a:srgbClr val="333333"/>
+                </a:solidFill>
+                <a:effectLst/>
+                <a:latin typeface="Open Sans"/>
+              </a:rPr>
+              <a:t>의 재발급을 요청</a:t>
+            </a:r>
+            <a:r>
+              <a:rPr lang="ko-KR" altLang="en-US" sz="1150" b="0" i="0" dirty="0">
+                <a:solidFill>
+                  <a:srgbClr val="333333"/>
+                </a:solidFill>
+                <a:effectLst/>
+                <a:latin typeface="Open Sans"/>
+              </a:rPr>
+              <a:t>한다</a:t>
+            </a:r>
+            <a:endParaRPr lang="en-US" altLang="ko-KR" sz="1150" b="0" i="0" dirty="0">
+              <a:solidFill>
+                <a:srgbClr val="333333"/>
+              </a:solidFill>
+              <a:effectLst/>
+              <a:latin typeface="Open Sans"/>
+            </a:endParaRPr>
+          </a:p>
+          <a:p>
+            <a:endParaRPr lang="en-US" altLang="ko-KR" sz="1150" dirty="0">
+              <a:solidFill>
+                <a:srgbClr val="333333"/>
+              </a:solidFill>
+              <a:latin typeface="Open Sans"/>
+            </a:endParaRPr>
+          </a:p>
+          <a:p>
+            <a:r>
+              <a:rPr lang="ko-KR" altLang="en-US" sz="1150" b="0" i="0" dirty="0">
+                <a:solidFill>
+                  <a:srgbClr val="333333"/>
+                </a:solidFill>
+                <a:effectLst/>
+                <a:latin typeface="Open Sans"/>
+              </a:rPr>
+              <a:t>서버는 유효한 </a:t>
+            </a:r>
+            <a:r>
+              <a:rPr lang="en-US" altLang="ko-KR" sz="1150" b="0" i="0" dirty="0">
+                <a:solidFill>
+                  <a:srgbClr val="333333"/>
+                </a:solidFill>
+                <a:effectLst/>
+                <a:latin typeface="Open Sans"/>
+              </a:rPr>
+              <a:t>Refresh Token</a:t>
+            </a:r>
+            <a:r>
+              <a:rPr lang="ko-KR" altLang="en-US" sz="1150" b="0" i="0" dirty="0">
+                <a:solidFill>
+                  <a:srgbClr val="333333"/>
+                </a:solidFill>
+                <a:effectLst/>
+                <a:latin typeface="Open Sans"/>
+              </a:rPr>
+              <a:t>으로 요청이 들어오면 새로운 </a:t>
+            </a:r>
+            <a:r>
+              <a:rPr lang="en-US" altLang="ko-KR" sz="1150" b="0" i="0" dirty="0">
+                <a:solidFill>
+                  <a:srgbClr val="333333"/>
+                </a:solidFill>
+                <a:effectLst/>
+                <a:latin typeface="Open Sans"/>
+              </a:rPr>
+              <a:t>Access Token</a:t>
+            </a:r>
+            <a:r>
+              <a:rPr lang="ko-KR" altLang="en-US" sz="1150" b="0" i="0" dirty="0">
+                <a:solidFill>
+                  <a:srgbClr val="333333"/>
+                </a:solidFill>
+                <a:effectLst/>
+                <a:latin typeface="Open Sans"/>
+              </a:rPr>
+              <a:t>을 발급하며</a:t>
+            </a:r>
+            <a:r>
+              <a:rPr lang="en-US" altLang="ko-KR" sz="1150" b="0" i="0" dirty="0">
+                <a:solidFill>
+                  <a:srgbClr val="333333"/>
+                </a:solidFill>
+                <a:effectLst/>
+                <a:latin typeface="Open Sans"/>
+              </a:rPr>
+              <a:t> </a:t>
+            </a:r>
+            <a:r>
+              <a:rPr lang="ko-KR" altLang="en-US" sz="1150" b="0" i="0" dirty="0">
+                <a:solidFill>
+                  <a:srgbClr val="333333"/>
+                </a:solidFill>
+                <a:effectLst/>
+                <a:latin typeface="Open Sans"/>
+              </a:rPr>
+              <a:t>만료된 </a:t>
+            </a:r>
+            <a:r>
+              <a:rPr lang="en-US" altLang="ko-KR" sz="1150" b="0" i="0" dirty="0">
+                <a:solidFill>
+                  <a:srgbClr val="333333"/>
+                </a:solidFill>
+                <a:effectLst/>
+                <a:latin typeface="Open Sans"/>
+              </a:rPr>
+              <a:t>Refresh Token</a:t>
+            </a:r>
+            <a:r>
+              <a:rPr lang="ko-KR" altLang="en-US" sz="1150" b="0" i="0" dirty="0">
+                <a:solidFill>
+                  <a:srgbClr val="333333"/>
+                </a:solidFill>
+                <a:effectLst/>
+                <a:latin typeface="Open Sans"/>
+              </a:rPr>
+              <a:t>으로 요청이 들어오면 오류를 반환해</a:t>
+            </a:r>
+            <a:r>
+              <a:rPr lang="en-US" altLang="ko-KR" sz="1150" b="0" i="0" dirty="0">
+                <a:solidFill>
+                  <a:srgbClr val="333333"/>
+                </a:solidFill>
+                <a:effectLst/>
+                <a:latin typeface="Open Sans"/>
+              </a:rPr>
+              <a:t>, </a:t>
+            </a:r>
+            <a:r>
+              <a:rPr lang="ko-KR" altLang="en-US" sz="1150" b="0" i="0" dirty="0">
+                <a:solidFill>
+                  <a:srgbClr val="333333"/>
+                </a:solidFill>
+                <a:effectLst/>
+                <a:latin typeface="Open Sans"/>
+              </a:rPr>
+              <a:t>사용자에게 로그인을 요구한다</a:t>
+            </a:r>
+            <a:endParaRPr lang="en-US" altLang="ko-KR" sz="1150" b="0" i="0" dirty="0">
+              <a:solidFill>
+                <a:srgbClr val="333333"/>
+              </a:solidFill>
+              <a:effectLst/>
+              <a:latin typeface="Open Sans"/>
+            </a:endParaRPr>
+          </a:p>
+          <a:p>
+            <a:r>
+              <a:rPr lang="en-US" altLang="ko-KR" sz="1150" dirty="0">
+                <a:solidFill>
+                  <a:srgbClr val="333333"/>
+                </a:solidFill>
+                <a:latin typeface="Open Sans"/>
+              </a:rPr>
+              <a:t> </a:t>
+            </a:r>
+          </a:p>
+          <a:p>
+            <a:r>
+              <a:rPr lang="en-US" altLang="ko-KR" sz="1200" b="0" i="0" dirty="0">
+                <a:solidFill>
+                  <a:srgbClr val="333333"/>
+                </a:solidFill>
+                <a:effectLst/>
+                <a:latin typeface="Open Sans"/>
+              </a:rPr>
+              <a:t>Access Token</a:t>
+            </a:r>
+            <a:r>
+              <a:rPr lang="ko-KR" altLang="en-US" sz="1200" b="0" i="0" dirty="0">
+                <a:solidFill>
+                  <a:srgbClr val="333333"/>
+                </a:solidFill>
+                <a:effectLst/>
+                <a:latin typeface="Open Sans"/>
+              </a:rPr>
+              <a:t>은 서버에 따로 저장해 둘 필요가 없지만</a:t>
+            </a:r>
+            <a:r>
+              <a:rPr lang="en-US" altLang="ko-KR" sz="1200" b="0" i="0" dirty="0">
+                <a:solidFill>
+                  <a:srgbClr val="333333"/>
+                </a:solidFill>
+                <a:effectLst/>
+                <a:latin typeface="Open Sans"/>
+              </a:rPr>
+              <a:t>, </a:t>
+            </a:r>
+            <a:r>
+              <a:rPr lang="en-US" altLang="ko-KR" sz="1200" b="1" i="0" dirty="0">
+                <a:solidFill>
+                  <a:srgbClr val="333333"/>
+                </a:solidFill>
+                <a:effectLst/>
+                <a:latin typeface="Open Sans"/>
+              </a:rPr>
+              <a:t>Refresh Token</a:t>
+            </a:r>
+            <a:r>
+              <a:rPr lang="ko-KR" altLang="en-US" sz="1200" b="1" i="0" dirty="0">
+                <a:solidFill>
+                  <a:srgbClr val="333333"/>
+                </a:solidFill>
+                <a:effectLst/>
+                <a:latin typeface="Open Sans"/>
+              </a:rPr>
+              <a:t>의 경우 서버의 </a:t>
+            </a:r>
+            <a:r>
+              <a:rPr lang="en-US" altLang="ko-KR" sz="1200" b="1" i="0" dirty="0">
+                <a:solidFill>
+                  <a:srgbClr val="333333"/>
+                </a:solidFill>
+                <a:effectLst/>
+                <a:latin typeface="Open Sans"/>
+              </a:rPr>
+              <a:t>storage</a:t>
+            </a:r>
+            <a:r>
+              <a:rPr lang="ko-KR" altLang="en-US" sz="1200" b="1" i="0" dirty="0">
+                <a:solidFill>
+                  <a:srgbClr val="333333"/>
+                </a:solidFill>
+                <a:effectLst/>
+                <a:latin typeface="Open Sans"/>
+              </a:rPr>
+              <a:t>에 따로 저장해서 이후 검증에 활용</a:t>
+            </a:r>
+            <a:r>
+              <a:rPr lang="ko-KR" altLang="en-US" sz="1200" b="0" i="0" dirty="0">
+                <a:solidFill>
+                  <a:srgbClr val="333333"/>
+                </a:solidFill>
+                <a:effectLst/>
+                <a:latin typeface="Open Sans"/>
+              </a:rPr>
+              <a:t>한다 그러므로 </a:t>
+            </a:r>
+            <a:r>
+              <a:rPr lang="en-US" altLang="ko-KR" sz="1200" b="1" i="0" dirty="0">
+                <a:solidFill>
+                  <a:srgbClr val="FF0000"/>
+                </a:solidFill>
+                <a:effectLst/>
+                <a:latin typeface="Open Sans"/>
+              </a:rPr>
+              <a:t>Refresh Token</a:t>
+            </a:r>
+            <a:r>
+              <a:rPr lang="ko-KR" altLang="en-US" sz="1200" b="1" dirty="0">
+                <a:solidFill>
+                  <a:srgbClr val="FF0000"/>
+                </a:solidFill>
+                <a:latin typeface="Open Sans"/>
+              </a:rPr>
+              <a:t> 사용 시</a:t>
+            </a:r>
+            <a:r>
+              <a:rPr lang="ko-KR" altLang="en-US" sz="1200" b="1" i="0" dirty="0">
+                <a:solidFill>
+                  <a:srgbClr val="FF0000"/>
+                </a:solidFill>
+                <a:effectLst/>
+                <a:latin typeface="Open Sans"/>
+              </a:rPr>
+              <a:t> 추가적인 </a:t>
+            </a:r>
+            <a:r>
+              <a:rPr lang="en-US" altLang="ko-KR" sz="1200" b="1" i="0" dirty="0">
+                <a:solidFill>
+                  <a:srgbClr val="FF0000"/>
+                </a:solidFill>
+                <a:effectLst/>
+                <a:latin typeface="Open Sans"/>
+              </a:rPr>
+              <a:t>I/O </a:t>
+            </a:r>
+            <a:r>
+              <a:rPr lang="ko-KR" altLang="en-US" sz="1200" b="1" i="0" dirty="0">
+                <a:solidFill>
+                  <a:srgbClr val="FF0000"/>
+                </a:solidFill>
+                <a:effectLst/>
+                <a:latin typeface="Open Sans"/>
+              </a:rPr>
+              <a:t>작업이 필요하다</a:t>
+            </a:r>
+            <a:endParaRPr lang="en-US" altLang="ko-KR" sz="1150" b="1" dirty="0">
+              <a:solidFill>
+                <a:srgbClr val="FF0000"/>
+              </a:solidFill>
+            </a:endParaRPr>
+          </a:p>
+          <a:p>
+            <a:endParaRPr lang="en-US" altLang="ko-KR" sz="1300" dirty="0"/>
           </a:p>
         </p:txBody>
       </p:sp>
     </p:spTree>
     <p:extLst>
       <p:ext uri="{BB962C8B-B14F-4D97-AF65-F5344CB8AC3E}">
-        <p14:creationId xmlns:p14="http://schemas.microsoft.com/office/powerpoint/2010/main" val="3438284583"/>
+        <p14:creationId xmlns:p14="http://schemas.microsoft.com/office/powerpoint/2010/main" val="2065249927"/>
       </p:ext>
     </p:extLst>
   </p:cSld>
@@ -12387,7 +12704,7 @@
         <p:spPr>
           <a:xfrm>
             <a:off x="374554" y="2041063"/>
-            <a:ext cx="2885885" cy="3354573"/>
+            <a:ext cx="2885885" cy="3568285"/>
           </a:xfrm>
           <a:prstGeom prst="rect">
             <a:avLst/>
@@ -12461,6 +12778,19 @@
                 <a:spcPct val="150000"/>
               </a:lnSpc>
             </a:pPr>
+            <a:endParaRPr lang="en-US" altLang="ko-KR" sz="1300" dirty="0">
+              <a:solidFill>
+                <a:prstClr val="white"/>
+              </a:solidFill>
+              <a:cs typeface="Aharoni" panose="02010803020104030203" pitchFamily="2" charset="-79"/>
+            </a:endParaRPr>
+          </a:p>
+          <a:p>
+            <a:pPr>
+              <a:lnSpc>
+                <a:spcPct val="150000"/>
+              </a:lnSpc>
+            </a:pPr>
             <a:r>
               <a:rPr lang="ko-KR" altLang="en-US" sz="1300" dirty="0">
                 <a:solidFill>
@@ -12566,75 +12896,15 @@
               <a:buChar char="•"/>
             </a:pPr>
             <a:r>
-              <a:rPr lang="ko-KR" altLang="en-US" sz="1300" dirty="0">
-                <a:solidFill>
-                  <a:prstClr val="white"/>
-                </a:solidFill>
-                <a:cs typeface="Aharoni" panose="02010803020104030203" pitchFamily="2" charset="-79"/>
-              </a:rPr>
-              <a:t>불필요한 데이터를 제거한다</a:t>
-            </a:r>
-            <a:endParaRPr lang="en-US" altLang="ko-KR" sz="1300" dirty="0">
-              <a:solidFill>
-                <a:prstClr val="white"/>
-              </a:solidFill>
-              <a:cs typeface="Aharoni" panose="02010803020104030203" pitchFamily="2" charset="-79"/>
-            </a:endParaRPr>
-          </a:p>
-          <a:p>
-            <a:pPr marL="171450" indent="-171450">
-              <a:lnSpc>
-                <a:spcPct val="150000"/>
-              </a:lnSpc>
-              <a:buFont typeface="Arial" panose="020B0604020202020204" pitchFamily="34" charset="0"/>
-              <a:buChar char="•"/>
-            </a:pPr>
-            <a:r>
-              <a:rPr lang="ko-KR" altLang="en-US" sz="1300" dirty="0">
-                <a:solidFill>
-                  <a:prstClr val="white"/>
-                </a:solidFill>
-                <a:cs typeface="Aharoni" panose="02010803020104030203" pitchFamily="2" charset="-79"/>
-              </a:rPr>
-              <a:t>데이터 저장을 </a:t>
-            </a:r>
-            <a:r>
-              <a:rPr lang="en-US" altLang="ko-KR" sz="1300" dirty="0">
-                <a:solidFill>
-                  <a:prstClr val="white"/>
-                </a:solidFill>
-                <a:cs typeface="Aharoni" panose="02010803020104030203" pitchFamily="2" charset="-79"/>
-              </a:rPr>
-              <a:t>‘</a:t>
-            </a:r>
-            <a:r>
-              <a:rPr lang="ko-KR" altLang="en-US" sz="1300" dirty="0">
-                <a:solidFill>
-                  <a:prstClr val="white"/>
-                </a:solidFill>
-                <a:cs typeface="Aharoni" panose="02010803020104030203" pitchFamily="2" charset="-79"/>
-              </a:rPr>
-              <a:t>논리적으로</a:t>
-            </a:r>
-            <a:r>
-              <a:rPr lang="en-US" altLang="ko-KR" sz="1300" dirty="0">
-                <a:solidFill>
-                  <a:prstClr val="white"/>
-                </a:solidFill>
-                <a:cs typeface="Aharoni" panose="02010803020104030203" pitchFamily="2" charset="-79"/>
-              </a:rPr>
-              <a:t>＇</a:t>
-            </a:r>
-            <a:r>
-              <a:rPr lang="ko-KR" altLang="en-US" sz="1300" dirty="0">
-                <a:solidFill>
-                  <a:prstClr val="white"/>
-                </a:solidFill>
-                <a:cs typeface="Aharoni" panose="02010803020104030203" pitchFamily="2" charset="-79"/>
-              </a:rPr>
-              <a:t>한다</a:t>
-            </a:r>
-            <a:endParaRPr lang="ko-KR" altLang="en-US" sz="1300" dirty="0">
+              <a:rPr lang="ko-KR" altLang="en-US" sz="1100" dirty="0">
+                <a:solidFill>
+                  <a:prstClr val="white"/>
+                </a:solidFill>
+                <a:cs typeface="Aharoni" panose="02010803020104030203" pitchFamily="2" charset="-79"/>
+              </a:rPr>
+              <a:t>속성들끼리 의 종속 관계를 분석하여 여러 개의 릴레이션으로 분해하는 과정</a:t>
+            </a:r>
+            <a:endParaRPr lang="ko-KR" altLang="en-US" sz="1100" dirty="0">
               <a:solidFill>
                 <a:srgbClr val="8899B2"/>
               </a:solidFill>
@@ -13040,7 +13310,7 @@
         <p:spPr>
           <a:xfrm>
             <a:off x="521146" y="458243"/>
-            <a:ext cx="2885885" cy="584775"/>
+            <a:ext cx="2885885" cy="954107"/>
           </a:xfrm>
           <a:prstGeom prst="rect">
             <a:avLst/>
@@ -13056,28 +13326,38 @@
               <a:defRPr/>
             </a:pPr>
             <a:r>
+              <a:rPr lang="ko-KR" altLang="en-US" sz="2400" kern="0" dirty="0">
+                <a:solidFill>
+                  <a:prstClr val="white"/>
+                </a:solidFill>
+              </a:rPr>
+              <a:t>토큰을 활용한</a:t>
+            </a:r>
+            <a:endParaRPr lang="en-US" altLang="ko-KR" sz="2400" kern="0" dirty="0">
+              <a:solidFill>
+                <a:prstClr val="white"/>
+              </a:solidFill>
+            </a:endParaRPr>
+          </a:p>
+          <a:p>
+            <a:pPr latinLnBrk="0">
+              <a:defRPr/>
+            </a:pPr>
+            <a:r>
               <a:rPr lang="en-US" altLang="ko-KR" sz="3200" b="1" kern="0" dirty="0">
                 <a:solidFill>
                   <a:prstClr val="white"/>
                 </a:solidFill>
               </a:rPr>
-              <a:t>JWT</a:t>
-            </a:r>
-            <a:r>
-              <a:rPr lang="en-US" altLang="ko-KR" sz="2400" kern="0" dirty="0">
-                <a:solidFill>
-                  <a:prstClr val="white"/>
-                </a:solidFill>
-              </a:rPr>
-              <a:t> </a:t>
-            </a:r>
-            <a:r>
-              <a:rPr lang="ko-KR" altLang="en-US" sz="2400" kern="0" dirty="0">
-                <a:solidFill>
-                  <a:prstClr val="white"/>
-                </a:solidFill>
-              </a:rPr>
-              <a:t>의 보안전략</a:t>
+              <a:t>SSO</a:t>
+            </a:r>
+            <a:r>
+              <a:rPr lang="ko-KR" altLang="en-US" sz="2400" b="1" kern="0" dirty="0">
+                <a:solidFill>
+                  <a:prstClr val="white"/>
+                </a:solidFill>
+              </a:rPr>
+              <a:t>의 구현</a:t>
             </a:r>
             <a:endParaRPr lang="en-US" altLang="ko-KR" sz="2400" kern="0" dirty="0">
               <a:solidFill>
@@ -13188,7 +13468,7 @@
         <p:spPr>
           <a:xfrm>
             <a:off x="374554" y="2041063"/>
-            <a:ext cx="2885885" cy="4021037"/>
+            <a:ext cx="2885885" cy="3054491"/>
           </a:xfrm>
           <a:prstGeom prst="rect">
             <a:avLst/>
@@ -13213,7 +13493,7 @@
                 </a:solidFill>
                 <a:cs typeface="Aharoni" panose="02010803020104030203" pitchFamily="2" charset="-79"/>
               </a:rPr>
-              <a:t>Access</a:t>
+              <a:t>SSO(Single</a:t>
             </a:r>
             <a:r>
               <a:rPr lang="ko-KR" altLang="en-US" sz="1300" dirty="0">
@@ -13231,7 +13511,7 @@
                 </a:solidFill>
                 <a:cs typeface="Aharoni" panose="02010803020104030203" pitchFamily="2" charset="-79"/>
               </a:rPr>
-              <a:t>Token(JWT)</a:t>
+              <a:t>Sign-On)</a:t>
             </a:r>
             <a:r>
               <a:rPr lang="ko-KR" altLang="en-US" sz="1300" dirty="0">
@@ -13240,25 +13520,7 @@
                 </a:solidFill>
                 <a:cs typeface="Aharoni" panose="02010803020104030203" pitchFamily="2" charset="-79"/>
               </a:rPr>
-              <a:t>를 통한 인증 방식은 만일 제 </a:t>
-            </a:r>
-            <a:r>
-              <a:rPr lang="en-US" altLang="ko-KR" sz="1300" dirty="0">
-                <a:solidFill>
-                  <a:prstClr val="white"/>
-                </a:solidFill>
-                <a:cs typeface="Aharoni" panose="02010803020104030203" pitchFamily="2" charset="-79"/>
-              </a:rPr>
-              <a:t>3</a:t>
-            </a:r>
-            <a:r>
-              <a:rPr lang="ko-KR" altLang="en-US" sz="1300" dirty="0">
-                <a:solidFill>
-                  <a:prstClr val="white"/>
-                </a:solidFill>
-                <a:cs typeface="Aharoni" panose="02010803020104030203" pitchFamily="2" charset="-79"/>
-              </a:rPr>
-              <a:t>자에게 탈취당할 경우 보안에 취약하다는 문제점이 있다</a:t>
+              <a:t>은 한번의 로그인 인증으로 여러 개의 서비스를 </a:t>
             </a:r>
             <a:endParaRPr lang="en-US" altLang="ko-KR" sz="1300" dirty="0">
               <a:solidFill>
@@ -13273,19 +13535,15 @@
                 <a:spcPct val="150000"/>
               </a:lnSpc>
             </a:pPr>
-            <a:endParaRPr lang="en-US" altLang="ko-KR" sz="1300" b="1" dirty="0">
-              <a:solidFill>
-                <a:prstClr val="white"/>
-              </a:solidFill>
-              <a:cs typeface="Aharoni" panose="02010803020104030203" pitchFamily="2" charset="-79"/>
-            </a:endParaRPr>
-          </a:p>
-          <a:p>
-            <a:pPr>
-              <a:lnSpc>
-                <a:spcPct val="150000"/>
-              </a:lnSpc>
-            </a:pPr>
+            <a:r>
+              <a:rPr lang="ko-KR" altLang="en-US" sz="1300" b="1" dirty="0">
+                <a:solidFill>
+                  <a:prstClr val="white"/>
+                </a:solidFill>
+                <a:cs typeface="Aharoni" panose="02010803020104030203" pitchFamily="2" charset="-79"/>
+              </a:rPr>
+              <a:t>추가적인 인증없이 사용할 수 있는 기술</a:t>
+            </a:r>
             <a:r>
               <a:rPr lang="ko-KR" altLang="en-US" sz="1300" dirty="0">
                 <a:solidFill>
@@ -13293,25 +13551,7 @@
                 </a:solidFill>
                 <a:cs typeface="Aharoni" panose="02010803020104030203" pitchFamily="2" charset="-79"/>
               </a:rPr>
-              <a:t>위의 문제로 유효기간을 짧게 할 경우 그만큼 사용자는 로그인을 자주해서 새롭게 </a:t>
-            </a:r>
-            <a:r>
-              <a:rPr lang="en-US" altLang="ko-KR" sz="1300" dirty="0">
-                <a:solidFill>
-                  <a:prstClr val="white"/>
-                </a:solidFill>
-                <a:cs typeface="Aharoni" panose="02010803020104030203" pitchFamily="2" charset="-79"/>
-              </a:rPr>
-              <a:t>Token</a:t>
-            </a:r>
-            <a:r>
-              <a:rPr lang="ko-KR" altLang="en-US" sz="1300" dirty="0">
-                <a:solidFill>
-                  <a:prstClr val="white"/>
-                </a:solidFill>
-                <a:cs typeface="Aharoni" panose="02010803020104030203" pitchFamily="2" charset="-79"/>
-              </a:rPr>
-              <a:t>을 발급받아야 하는 불편함이 있다</a:t>
+              <a:t>이다</a:t>
             </a:r>
             <a:endParaRPr lang="en-US" altLang="ko-KR" sz="1300" dirty="0">
               <a:solidFill>
@@ -13326,7 +13566,7 @@
                 <a:spcPct val="150000"/>
               </a:lnSpc>
             </a:pPr>
-            <a:endParaRPr lang="en-US" altLang="ko-KR" sz="1300" b="1" dirty="0">
+            <a:endParaRPr lang="en-US" altLang="ko-KR" sz="1300" dirty="0">
               <a:solidFill>
                 <a:prstClr val="white"/>
               </a:solidFill>
@@ -13339,7 +13579,7 @@
                 <a:spcPct val="150000"/>
               </a:lnSpc>
             </a:pPr>
-            <a:endParaRPr lang="en-US" altLang="ko-KR" sz="1300" b="1" dirty="0">
+            <a:endParaRPr lang="en-US" altLang="ko-KR" sz="1300" dirty="0">
               <a:solidFill>
                 <a:prstClr val="white"/>
               </a:solidFill>
@@ -13353,58 +13593,49 @@
               </a:lnSpc>
             </a:pPr>
             <a:r>
-              <a:rPr lang="ko-KR" altLang="en-US" sz="1400" b="1" dirty="0">
-                <a:solidFill>
-                  <a:prstClr val="white"/>
-                </a:solidFill>
-                <a:cs typeface="Aharoni" panose="02010803020104030203" pitchFamily="2" charset="-79"/>
-              </a:rPr>
-              <a:t>보안성과 편의성 </a:t>
-            </a:r>
-            <a:r>
-              <a:rPr lang="ko-KR" altLang="en-US" sz="1400" dirty="0">
-                <a:solidFill>
-                  <a:prstClr val="white"/>
-                </a:solidFill>
-                <a:cs typeface="Aharoni" panose="02010803020104030203" pitchFamily="2" charset="-79"/>
-              </a:rPr>
-              <a:t>모두를 잡기위한 전략으로 </a:t>
-            </a:r>
-            <a:r>
-              <a:rPr lang="en-US" altLang="ko-KR" sz="1400" b="1" dirty="0">
-                <a:solidFill>
-                  <a:prstClr val="white"/>
-                </a:solidFill>
-                <a:cs typeface="Aharoni" panose="02010803020104030203" pitchFamily="2" charset="-79"/>
-              </a:rPr>
-              <a:t>Sliding Sessions</a:t>
-            </a:r>
-            <a:r>
-              <a:rPr lang="ko-KR" altLang="en-US" sz="1400" dirty="0">
-                <a:solidFill>
-                  <a:prstClr val="white"/>
-                </a:solidFill>
-                <a:cs typeface="Aharoni" panose="02010803020104030203" pitchFamily="2" charset="-79"/>
-              </a:rPr>
-              <a:t>과 </a:t>
-            </a:r>
-            <a:r>
-              <a:rPr lang="en-US" altLang="ko-KR" sz="1400" b="1" dirty="0">
-                <a:solidFill>
-                  <a:prstClr val="white"/>
-                </a:solidFill>
-                <a:cs typeface="Aharoni" panose="02010803020104030203" pitchFamily="2" charset="-79"/>
-              </a:rPr>
-              <a:t>Refresh Token</a:t>
-            </a:r>
-            <a:r>
-              <a:rPr lang="ko-KR" altLang="en-US" sz="1400" dirty="0">
-                <a:solidFill>
-                  <a:prstClr val="white"/>
-                </a:solidFill>
-                <a:cs typeface="Aharoni" panose="02010803020104030203" pitchFamily="2" charset="-79"/>
-              </a:rPr>
-              <a:t>이 있다</a:t>
+              <a:rPr lang="ko-KR" altLang="en-US" sz="1300" dirty="0">
+                <a:solidFill>
+                  <a:prstClr val="white"/>
+                </a:solidFill>
+                <a:cs typeface="Aharoni" panose="02010803020104030203" pitchFamily="2" charset="-79"/>
+              </a:rPr>
+              <a:t>인증은 하나의 시스템 </a:t>
+            </a:r>
+            <a:r>
+              <a:rPr lang="en-US" altLang="ko-KR" sz="1300" dirty="0">
+                <a:solidFill>
+                  <a:prstClr val="white"/>
+                </a:solidFill>
+                <a:cs typeface="Aharoni" panose="02010803020104030203" pitchFamily="2" charset="-79"/>
+              </a:rPr>
+              <a:t>(</a:t>
+            </a:r>
+            <a:r>
+              <a:rPr lang="ko-KR" altLang="en-US" sz="1300" dirty="0">
+                <a:solidFill>
+                  <a:prstClr val="white"/>
+                </a:solidFill>
+                <a:cs typeface="Aharoni" panose="02010803020104030203" pitchFamily="2" charset="-79"/>
+              </a:rPr>
+              <a:t>인증 서버</a:t>
+            </a:r>
+            <a:r>
+              <a:rPr lang="en-US" altLang="ko-KR" sz="1300" dirty="0">
+                <a:solidFill>
+                  <a:prstClr val="white"/>
+                </a:solidFill>
+                <a:cs typeface="Aharoni" panose="02010803020104030203" pitchFamily="2" charset="-79"/>
+              </a:rPr>
+              <a:t>) </a:t>
+            </a:r>
+            <a:r>
+              <a:rPr lang="ko-KR" altLang="en-US" sz="1300" dirty="0">
+                <a:solidFill>
+                  <a:prstClr val="white"/>
+                </a:solidFill>
+                <a:cs typeface="Aharoni" panose="02010803020104030203" pitchFamily="2" charset="-79"/>
+              </a:rPr>
+              <a:t>에서 수행하고 그 인증 서버가 서비스를 각각 담당하는 서버에 인증 정보를 알려주는 방식이다</a:t>
             </a:r>
             <a:endParaRPr lang="en-US" altLang="ko-KR" sz="1400" dirty="0">
               <a:solidFill>
@@ -13415,12 +13646,48 @@
           </a:p>
         </p:txBody>
       </p:sp>
+      <p:pic>
+        <p:nvPicPr>
+          <p:cNvPr id="17" name="그림 16">
+            <a:extLst>
+              <a:ext uri="{FF2B5EF4-FFF2-40B4-BE49-F238E27FC236}">
+                <a16:creationId xmlns:a16="http://schemas.microsoft.com/office/drawing/2014/main" id="{CBD92374-2CFD-4CFA-A93E-3B7B78565BEA}"/>
+              </a:ext>
+            </a:extLst>
+          </p:cNvPr>
+          <p:cNvPicPr>
+            <a:picLocks noChangeAspect="1"/>
+          </p:cNvPicPr>
+          <p:nvPr/>
+        </p:nvPicPr>
+        <p:blipFill>
+          <a:blip r:embed="rId2">
+            <a:extLst>
+              <a:ext uri="{28A0092B-C50C-407E-A947-70E740481C1C}">
+                <a14:useLocalDpi xmlns:a14="http://schemas.microsoft.com/office/drawing/2010/main" val="0"/>
+              </a:ext>
+            </a:extLst>
+          </a:blip>
+          <a:stretch>
+            <a:fillRect/>
+          </a:stretch>
+        </p:blipFill>
+        <p:spPr>
+          <a:xfrm>
+            <a:off x="4069254" y="857171"/>
+            <a:ext cx="7699604" cy="3358338"/>
+          </a:xfrm>
+          <a:prstGeom prst="rect">
+            <a:avLst/>
+          </a:prstGeom>
+        </p:spPr>
+      </p:pic>
       <p:sp>
         <p:nvSpPr>
-          <p:cNvPr id="5" name="사각형: 둥근 모서리 4">
-            <a:extLst>
-              <a:ext uri="{FF2B5EF4-FFF2-40B4-BE49-F238E27FC236}">
-                <a16:creationId xmlns:a16="http://schemas.microsoft.com/office/drawing/2014/main" id="{B64CC82E-B4B0-4773-91CA-8A203925A3FA}"/>
+          <p:cNvPr id="19" name="사각형: 둥근 모서리 18">
+            <a:extLst>
+              <a:ext uri="{FF2B5EF4-FFF2-40B4-BE49-F238E27FC236}">
+                <a16:creationId xmlns:a16="http://schemas.microsoft.com/office/drawing/2014/main" id="{8FCEE117-9021-4AC6-AA9F-B2FA70172610}"/>
               </a:ext>
             </a:extLst>
           </p:cNvPr>
@@ -13429,8 +13696,8 @@
         </p:nvSpPr>
         <p:spPr>
           <a:xfrm>
-            <a:off x="4200264" y="367605"/>
-            <a:ext cx="7519882" cy="2126213"/>
+            <a:off x="4200264" y="4714273"/>
+            <a:ext cx="7519882" cy="1644963"/>
           </a:xfrm>
           <a:prstGeom prst="roundRect">
             <a:avLst/>
@@ -13438,7 +13705,9 @@
           <a:noFill/>
           <a:ln w="25400">
             <a:solidFill>
-              <a:schemeClr val="accent2"/>
+              <a:schemeClr val="accent1">
+                <a:shade val="50000"/>
+              </a:schemeClr>
             </a:solidFill>
           </a:ln>
         </p:spPr>
@@ -13469,10 +13738,10 @@
       </p:sp>
       <p:sp>
         <p:nvSpPr>
-          <p:cNvPr id="3" name="TextBox 2">
-            <a:extLst>
-              <a:ext uri="{FF2B5EF4-FFF2-40B4-BE49-F238E27FC236}">
-                <a16:creationId xmlns:a16="http://schemas.microsoft.com/office/drawing/2014/main" id="{4F11C851-48BD-43DF-A00D-B2E9032BE303}"/>
+          <p:cNvPr id="21" name="TextBox 20">
+            <a:extLst>
+              <a:ext uri="{FF2B5EF4-FFF2-40B4-BE49-F238E27FC236}">
+                <a16:creationId xmlns:a16="http://schemas.microsoft.com/office/drawing/2014/main" id="{27A7C4AB-5C8C-4F6D-AFC7-8A4F657E258B}"/>
               </a:ext>
             </a:extLst>
           </p:cNvPr>
@@ -13481,8 +13750,8 @@
         </p:nvSpPr>
         <p:spPr>
           <a:xfrm>
-            <a:off x="4557582" y="1575426"/>
-            <a:ext cx="6805246" cy="507831"/>
+            <a:off x="4557582" y="4990451"/>
+            <a:ext cx="6805246" cy="1092607"/>
           </a:xfrm>
           <a:prstGeom prst="rect">
             <a:avLst/>
@@ -13495,610 +13764,48 @@
           </a:bodyPr>
           <a:lstStyle/>
           <a:p>
-            <a:endParaRPr lang="en-US" altLang="ko-KR" sz="1400" dirty="0">
-              <a:solidFill>
-                <a:srgbClr val="454545"/>
-              </a:solidFill>
-              <a:latin typeface="Apple SD Gothic Neo"/>
-            </a:endParaRPr>
-          </a:p>
-          <a:p>
+            <a:r>
+              <a:rPr lang="ko-KR" altLang="en-US" sz="1300" dirty="0"/>
+              <a:t>사용자가 </a:t>
+            </a:r>
+            <a:r>
+              <a:rPr lang="en-US" altLang="ko-KR" sz="1300" dirty="0"/>
+              <a:t>SSO </a:t>
+            </a:r>
+            <a:r>
+              <a:rPr lang="ko-KR" altLang="en-US" sz="1300" dirty="0"/>
+              <a:t>서버에 접속 하면 서버는 사용자를 확인 후 각 </a:t>
+            </a:r>
+            <a:r>
+              <a:rPr lang="ko-KR" altLang="en-US" sz="1300" b="1" dirty="0"/>
+              <a:t>어플리케이션에 인증이 가능한 토큰을 사용자에게 전달</a:t>
+            </a:r>
+            <a:r>
+              <a:rPr lang="ko-KR" altLang="en-US" sz="1300" dirty="0"/>
+              <a:t>한다</a:t>
+            </a:r>
             <a:endParaRPr lang="en-US" altLang="ko-KR" sz="1300" dirty="0"/>
           </a:p>
-        </p:txBody>
-      </p:sp>
-      <p:sp>
-        <p:nvSpPr>
-          <p:cNvPr id="4" name="TextBox 3">
-            <a:extLst>
-              <a:ext uri="{FF2B5EF4-FFF2-40B4-BE49-F238E27FC236}">
-                <a16:creationId xmlns:a16="http://schemas.microsoft.com/office/drawing/2014/main" id="{64D1174F-D95B-42F2-B22C-14B7820D91F0}"/>
-              </a:ext>
-            </a:extLst>
-          </p:cNvPr>
-          <p:cNvSpPr txBox="1"/>
-          <p:nvPr/>
-        </p:nvSpPr>
-        <p:spPr>
-          <a:xfrm>
-            <a:off x="4557582" y="543120"/>
-            <a:ext cx="6893200" cy="1746632"/>
-          </a:xfrm>
-          <a:prstGeom prst="rect">
-            <a:avLst/>
-          </a:prstGeom>
-          <a:noFill/>
-        </p:spPr>
-        <p:txBody>
-          <a:bodyPr wrap="square" rtlCol="0">
-            <a:spAutoFit/>
-          </a:bodyPr>
-          <a:lstStyle/>
-          <a:p>
-            <a:pPr marL="342900" indent="-342900">
-              <a:buFont typeface="+mj-lt"/>
-              <a:buAutoNum type="arabicPeriod"/>
-            </a:pPr>
-            <a:r>
-              <a:rPr lang="en-US" altLang="ko-KR" sz="1600" b="1" dirty="0"/>
-              <a:t>Sliding Sessions</a:t>
-            </a:r>
-          </a:p>
-          <a:p>
-            <a:endParaRPr lang="en-US" altLang="ko-KR" sz="1100" dirty="0"/>
-          </a:p>
-          <a:p>
-            <a:r>
-              <a:rPr lang="ko-KR" altLang="en-US" sz="1150" dirty="0"/>
-              <a:t>이 전략은 세션을 지속적으로 이용하는 유저에게 자동으로 만료 기한을 늘려주는 방법이다</a:t>
-            </a:r>
-            <a:endParaRPr lang="en-US" altLang="ko-KR" sz="1150" dirty="0"/>
-          </a:p>
-          <a:p>
-            <a:endParaRPr lang="en-US" altLang="ko-KR" sz="1150" dirty="0"/>
-          </a:p>
-          <a:p>
-            <a:r>
-              <a:rPr lang="ko-KR" altLang="en-US" sz="1150" dirty="0"/>
-              <a:t>주로 유효한 </a:t>
-            </a:r>
-            <a:r>
-              <a:rPr lang="en-US" altLang="ko-KR" sz="1150" dirty="0"/>
-              <a:t>Access Token</a:t>
-            </a:r>
-            <a:r>
-              <a:rPr lang="ko-KR" altLang="en-US" sz="1150" dirty="0"/>
-              <a:t>을 가진 클라이언트의 요청에 대해 서버가 새로운 </a:t>
-            </a:r>
-            <a:r>
-              <a:rPr lang="en-US" altLang="ko-KR" sz="1150" dirty="0"/>
-              <a:t>Access Token</a:t>
-            </a:r>
-            <a:r>
-              <a:rPr lang="ko-KR" altLang="en-US" sz="1150" dirty="0"/>
-              <a:t>을 발급해주는 방법을 사용한다</a:t>
-            </a:r>
-            <a:endParaRPr lang="en-US" altLang="ko-KR" sz="1150" dirty="0"/>
-          </a:p>
-          <a:p>
-            <a:endParaRPr lang="en-US" altLang="ko-KR" sz="1150" dirty="0"/>
-          </a:p>
-          <a:p>
-            <a:r>
-              <a:rPr lang="ko-KR" altLang="en-US" sz="1150" dirty="0"/>
-              <a:t>매 요청마다 새로운 토큰을 내려주는 것도 가능하나 전략에 따라 특정 요청 시에 발급해주는 등의 방법을 사용한다</a:t>
-            </a:r>
-            <a:endParaRPr lang="en-US" altLang="ko-KR" sz="1150" dirty="0"/>
-          </a:p>
-        </p:txBody>
-      </p:sp>
-      <p:sp>
-        <p:nvSpPr>
-          <p:cNvPr id="14" name="사각형: 둥근 모서리 13">
-            <a:extLst>
-              <a:ext uri="{FF2B5EF4-FFF2-40B4-BE49-F238E27FC236}">
-                <a16:creationId xmlns:a16="http://schemas.microsoft.com/office/drawing/2014/main" id="{DB368C37-59A0-42C5-933A-B2AEC685DAEE}"/>
-              </a:ext>
-            </a:extLst>
-          </p:cNvPr>
-          <p:cNvSpPr/>
-          <p:nvPr/>
-        </p:nvSpPr>
-        <p:spPr>
-          <a:xfrm>
-            <a:off x="4200264" y="2861423"/>
-            <a:ext cx="7519882" cy="3716022"/>
-          </a:xfrm>
-          <a:prstGeom prst="roundRect">
-            <a:avLst>
-              <a:gd name="adj" fmla="val 9397"/>
-            </a:avLst>
-          </a:prstGeom>
-          <a:noFill/>
-          <a:ln w="25400">
-            <a:solidFill>
-              <a:schemeClr val="accent6"/>
-            </a:solidFill>
-          </a:ln>
-        </p:spPr>
-        <p:style>
-          <a:lnRef idx="2">
-            <a:schemeClr val="accent1">
-              <a:shade val="50000"/>
-            </a:schemeClr>
-          </a:lnRef>
-          <a:fillRef idx="1">
-            <a:schemeClr val="accent1"/>
-          </a:fillRef>
-          <a:effectRef idx="0">
-            <a:schemeClr val="accent1"/>
-          </a:effectRef>
-          <a:fontRef idx="minor">
-            <a:schemeClr val="lt1"/>
-          </a:fontRef>
-        </p:style>
-        <p:txBody>
-          <a:bodyPr rtlCol="0" anchor="ctr"/>
-          <a:lstStyle/>
-          <a:p>
-            <a:pPr algn="ctr"/>
-            <a:endParaRPr lang="ko-KR" altLang="en-US" dirty="0"/>
-          </a:p>
-        </p:txBody>
-      </p:sp>
-      <p:sp>
-        <p:nvSpPr>
-          <p:cNvPr id="15" name="TextBox 14">
-            <a:extLst>
-              <a:ext uri="{FF2B5EF4-FFF2-40B4-BE49-F238E27FC236}">
-                <a16:creationId xmlns:a16="http://schemas.microsoft.com/office/drawing/2014/main" id="{69843A50-BB01-457D-88A2-4E996623D9DD}"/>
-              </a:ext>
-            </a:extLst>
-          </p:cNvPr>
-          <p:cNvSpPr txBox="1"/>
-          <p:nvPr/>
-        </p:nvSpPr>
-        <p:spPr>
-          <a:xfrm>
-            <a:off x="4557582" y="3042051"/>
-            <a:ext cx="6893200" cy="3270126"/>
-          </a:xfrm>
-          <a:prstGeom prst="rect">
-            <a:avLst/>
-          </a:prstGeom>
-          <a:noFill/>
-        </p:spPr>
-        <p:txBody>
-          <a:bodyPr wrap="square" rtlCol="0">
-            <a:spAutoFit/>
-          </a:bodyPr>
-          <a:lstStyle/>
-          <a:p>
-            <a:pPr marL="342900" indent="-342900">
-              <a:buFont typeface="+mj-lt"/>
-              <a:buAutoNum type="arabicPeriod" startAt="2"/>
-            </a:pPr>
-            <a:r>
-              <a:rPr lang="en-US" altLang="ko-KR" sz="1600" b="1" dirty="0"/>
-              <a:t>Refresh</a:t>
-            </a:r>
-            <a:r>
-              <a:rPr lang="ko-KR" altLang="en-US" sz="1600" b="1" dirty="0"/>
-              <a:t> </a:t>
-            </a:r>
-            <a:r>
-              <a:rPr lang="en-US" altLang="ko-KR" sz="1600" b="1" dirty="0"/>
-              <a:t>Token</a:t>
-            </a:r>
-          </a:p>
-          <a:p>
-            <a:pPr marL="342900" indent="-342900">
-              <a:buFont typeface="+mj-lt"/>
-              <a:buAutoNum type="arabicPeriod" startAt="2"/>
-            </a:pPr>
-            <a:endParaRPr lang="en-US" altLang="ko-KR" sz="1600" b="1" dirty="0"/>
-          </a:p>
-          <a:p>
-            <a:endParaRPr lang="en-US" altLang="ko-KR" sz="1100" dirty="0"/>
-          </a:p>
-          <a:p>
-            <a:r>
-              <a:rPr lang="ko-KR" altLang="en-US" sz="1150" dirty="0"/>
-              <a:t>사용자가 로그인할 때 </a:t>
-            </a:r>
-            <a:r>
-              <a:rPr lang="en-US" altLang="ko-KR" sz="1150" dirty="0"/>
-              <a:t>Access Token</a:t>
-            </a:r>
-            <a:r>
-              <a:rPr lang="ko-KR" altLang="en-US" sz="1150" dirty="0"/>
-              <a:t>과 함께 그에 비해 긴 만료 시간을 갖는 </a:t>
-            </a:r>
-            <a:r>
-              <a:rPr lang="en-US" altLang="ko-KR" sz="1150" dirty="0"/>
-              <a:t>Refresh Token</a:t>
-            </a:r>
-            <a:r>
-              <a:rPr lang="ko-KR" altLang="en-US" sz="1150" dirty="0"/>
-              <a:t>을 클라이언트에 함께 발급한다</a:t>
-            </a:r>
-            <a:endParaRPr lang="en-US" altLang="ko-KR" sz="1150" dirty="0"/>
-          </a:p>
-          <a:p>
-            <a:endParaRPr lang="en-US" altLang="ko-KR" sz="1150" dirty="0"/>
-          </a:p>
-          <a:p>
-            <a:r>
-              <a:rPr lang="ko-KR" altLang="en-US" sz="1150" dirty="0"/>
-              <a:t>주로 </a:t>
-            </a:r>
-            <a:r>
-              <a:rPr lang="en-US" altLang="ko-KR" sz="1150" dirty="0"/>
-              <a:t>Access Token</a:t>
-            </a:r>
-            <a:r>
-              <a:rPr lang="ko-KR" altLang="en-US" sz="1150" dirty="0"/>
-              <a:t>은 </a:t>
-            </a:r>
-            <a:r>
-              <a:rPr lang="en-US" altLang="ko-KR" sz="1150" dirty="0"/>
-              <a:t>30</a:t>
-            </a:r>
-            <a:r>
-              <a:rPr lang="ko-KR" altLang="en-US" sz="1150" dirty="0"/>
-              <a:t>분 내외</a:t>
-            </a:r>
-            <a:r>
-              <a:rPr lang="en-US" altLang="ko-KR" sz="1150" dirty="0"/>
-              <a:t>, Refresh Token</a:t>
-            </a:r>
-            <a:r>
-              <a:rPr lang="ko-KR" altLang="en-US" sz="1150" dirty="0"/>
-              <a:t>은 </a:t>
-            </a:r>
-            <a:r>
-              <a:rPr lang="en-US" altLang="ko-KR" sz="1150" dirty="0"/>
-              <a:t>2</a:t>
-            </a:r>
-            <a:r>
-              <a:rPr lang="ko-KR" altLang="en-US" sz="1150" dirty="0"/>
-              <a:t>주에서 한달 정도의 만료 기간을 부여한다</a:t>
-            </a:r>
-            <a:endParaRPr lang="en-US" altLang="ko-KR" sz="1150" dirty="0"/>
-          </a:p>
-          <a:p>
-            <a:endParaRPr lang="en-US" altLang="ko-KR" sz="1150" b="1" dirty="0"/>
-          </a:p>
-          <a:p>
-            <a:r>
-              <a:rPr lang="ko-KR" altLang="en-US" sz="1150" b="0" i="0" dirty="0">
-                <a:solidFill>
-                  <a:srgbClr val="333333"/>
-                </a:solidFill>
-                <a:effectLst/>
-                <a:latin typeface="Open Sans"/>
-              </a:rPr>
-              <a:t>클라이언트는 </a:t>
-            </a:r>
-            <a:r>
-              <a:rPr lang="en-US" altLang="ko-KR" sz="1150" b="0" i="0" dirty="0">
-                <a:solidFill>
-                  <a:srgbClr val="333333"/>
-                </a:solidFill>
-                <a:effectLst/>
-                <a:latin typeface="Open Sans"/>
-              </a:rPr>
-              <a:t>Access Token</a:t>
-            </a:r>
-            <a:r>
-              <a:rPr lang="ko-KR" altLang="en-US" sz="1150" b="0" i="0" dirty="0">
-                <a:solidFill>
-                  <a:srgbClr val="333333"/>
-                </a:solidFill>
-                <a:effectLst/>
-                <a:latin typeface="Open Sans"/>
-              </a:rPr>
-              <a:t>이 만료되었다는 오류를 받으면 따로 저장해 두었던 </a:t>
-            </a:r>
-            <a:r>
-              <a:rPr lang="en-US" altLang="ko-KR" sz="1150" b="0" i="0" dirty="0">
-                <a:solidFill>
-                  <a:srgbClr val="333333"/>
-                </a:solidFill>
-                <a:effectLst/>
-                <a:latin typeface="Open Sans"/>
-              </a:rPr>
-              <a:t>Refresh Token</a:t>
-            </a:r>
-            <a:r>
-              <a:rPr lang="ko-KR" altLang="en-US" sz="1150" b="0" i="0" dirty="0">
-                <a:solidFill>
-                  <a:srgbClr val="333333"/>
-                </a:solidFill>
-                <a:effectLst/>
-                <a:latin typeface="Open Sans"/>
-              </a:rPr>
-              <a:t>을 이용하여 </a:t>
-            </a:r>
-            <a:r>
-              <a:rPr lang="en-US" altLang="ko-KR" sz="1150" b="0" i="0" dirty="0">
-                <a:solidFill>
-                  <a:srgbClr val="333333"/>
-                </a:solidFill>
-                <a:effectLst/>
-                <a:latin typeface="Open Sans"/>
-              </a:rPr>
-              <a:t>Access Token</a:t>
-            </a:r>
-            <a:r>
-              <a:rPr lang="ko-KR" altLang="en-US" sz="1150" b="0" i="0" dirty="0">
-                <a:solidFill>
-                  <a:srgbClr val="333333"/>
-                </a:solidFill>
-                <a:effectLst/>
-                <a:latin typeface="Open Sans"/>
-              </a:rPr>
-              <a:t>의 재발급을 요청한다</a:t>
-            </a:r>
-            <a:endParaRPr lang="en-US" altLang="ko-KR" sz="1150" b="0" i="0" dirty="0">
-              <a:solidFill>
-                <a:srgbClr val="333333"/>
-              </a:solidFill>
-              <a:effectLst/>
-              <a:latin typeface="Open Sans"/>
-            </a:endParaRPr>
-          </a:p>
-          <a:p>
-            <a:endParaRPr lang="en-US" altLang="ko-KR" sz="1150" dirty="0">
-              <a:solidFill>
-                <a:srgbClr val="333333"/>
-              </a:solidFill>
-              <a:latin typeface="Open Sans"/>
-            </a:endParaRPr>
-          </a:p>
-          <a:p>
-            <a:r>
-              <a:rPr lang="ko-KR" altLang="en-US" sz="1150" b="0" i="0" dirty="0">
-                <a:solidFill>
-                  <a:srgbClr val="333333"/>
-                </a:solidFill>
-                <a:effectLst/>
-                <a:latin typeface="Open Sans"/>
-              </a:rPr>
-              <a:t>서버는 유효한 </a:t>
-            </a:r>
-            <a:r>
-              <a:rPr lang="en-US" altLang="ko-KR" sz="1150" b="0" i="0" dirty="0">
-                <a:solidFill>
-                  <a:srgbClr val="333333"/>
-                </a:solidFill>
-                <a:effectLst/>
-                <a:latin typeface="Open Sans"/>
-              </a:rPr>
-              <a:t>Refresh Token</a:t>
-            </a:r>
-            <a:r>
-              <a:rPr lang="ko-KR" altLang="en-US" sz="1150" b="0" i="0" dirty="0">
-                <a:solidFill>
-                  <a:srgbClr val="333333"/>
-                </a:solidFill>
-                <a:effectLst/>
-                <a:latin typeface="Open Sans"/>
-              </a:rPr>
-              <a:t>으로 요청이 들어오면 새로운 </a:t>
-            </a:r>
-            <a:r>
-              <a:rPr lang="en-US" altLang="ko-KR" sz="1150" b="0" i="0" dirty="0">
-                <a:solidFill>
-                  <a:srgbClr val="333333"/>
-                </a:solidFill>
-                <a:effectLst/>
-                <a:latin typeface="Open Sans"/>
-              </a:rPr>
-              <a:t>Access Token</a:t>
-            </a:r>
-            <a:r>
-              <a:rPr lang="ko-KR" altLang="en-US" sz="1150" b="0" i="0" dirty="0">
-                <a:solidFill>
-                  <a:srgbClr val="333333"/>
-                </a:solidFill>
-                <a:effectLst/>
-                <a:latin typeface="Open Sans"/>
-              </a:rPr>
-              <a:t>을 발급하며</a:t>
-            </a:r>
-            <a:r>
-              <a:rPr lang="en-US" altLang="ko-KR" sz="1150" b="0" i="0" dirty="0">
-                <a:solidFill>
-                  <a:srgbClr val="333333"/>
-                </a:solidFill>
-                <a:effectLst/>
-                <a:latin typeface="Open Sans"/>
-              </a:rPr>
-              <a:t> </a:t>
-            </a:r>
-            <a:r>
-              <a:rPr lang="ko-KR" altLang="en-US" sz="1150" b="0" i="0" dirty="0">
-                <a:solidFill>
-                  <a:srgbClr val="333333"/>
-                </a:solidFill>
-                <a:effectLst/>
-                <a:latin typeface="Open Sans"/>
-              </a:rPr>
-              <a:t>만료된 </a:t>
-            </a:r>
-            <a:r>
-              <a:rPr lang="en-US" altLang="ko-KR" sz="1150" b="0" i="0" dirty="0">
-                <a:solidFill>
-                  <a:srgbClr val="333333"/>
-                </a:solidFill>
-                <a:effectLst/>
-                <a:latin typeface="Open Sans"/>
-              </a:rPr>
-              <a:t>Refresh Token</a:t>
-            </a:r>
-            <a:r>
-              <a:rPr lang="ko-KR" altLang="en-US" sz="1150" b="0" i="0" dirty="0">
-                <a:solidFill>
-                  <a:srgbClr val="333333"/>
-                </a:solidFill>
-                <a:effectLst/>
-                <a:latin typeface="Open Sans"/>
-              </a:rPr>
-              <a:t>으로 요청이 들어오면 오류를 반환해</a:t>
-            </a:r>
-            <a:r>
-              <a:rPr lang="en-US" altLang="ko-KR" sz="1150" b="0" i="0" dirty="0">
-                <a:solidFill>
-                  <a:srgbClr val="333333"/>
-                </a:solidFill>
-                <a:effectLst/>
-                <a:latin typeface="Open Sans"/>
-              </a:rPr>
-              <a:t>, </a:t>
-            </a:r>
-            <a:r>
-              <a:rPr lang="ko-KR" altLang="en-US" sz="1150" b="0" i="0" dirty="0">
-                <a:solidFill>
-                  <a:srgbClr val="333333"/>
-                </a:solidFill>
-                <a:effectLst/>
-                <a:latin typeface="Open Sans"/>
-              </a:rPr>
-              <a:t>사용자에게 로그인을 요구한다</a:t>
-            </a:r>
-            <a:endParaRPr lang="en-US" altLang="ko-KR" sz="1150" b="0" i="0" dirty="0">
-              <a:solidFill>
-                <a:srgbClr val="333333"/>
-              </a:solidFill>
-              <a:effectLst/>
-              <a:latin typeface="Open Sans"/>
-            </a:endParaRPr>
-          </a:p>
-          <a:p>
-            <a:r>
-              <a:rPr lang="en-US" altLang="ko-KR" sz="1150" dirty="0">
-                <a:solidFill>
-                  <a:srgbClr val="333333"/>
-                </a:solidFill>
-                <a:latin typeface="Open Sans"/>
-              </a:rPr>
-              <a:t> </a:t>
-            </a:r>
-          </a:p>
-          <a:p>
-            <a:r>
-              <a:rPr lang="en-US" altLang="ko-KR" sz="1200" b="0" i="0" dirty="0">
-                <a:solidFill>
-                  <a:srgbClr val="333333"/>
-                </a:solidFill>
-                <a:effectLst/>
-                <a:latin typeface="Open Sans"/>
-              </a:rPr>
-              <a:t>Access Token</a:t>
-            </a:r>
-            <a:r>
-              <a:rPr lang="ko-KR" altLang="en-US" sz="1200" b="0" i="0" dirty="0">
-                <a:solidFill>
-                  <a:srgbClr val="333333"/>
-                </a:solidFill>
-                <a:effectLst/>
-                <a:latin typeface="Open Sans"/>
-              </a:rPr>
-              <a:t>은 서버에 따로 저장해 둘 필요가 없지만</a:t>
-            </a:r>
-            <a:r>
-              <a:rPr lang="en-US" altLang="ko-KR" sz="1200" b="0" i="0" dirty="0">
-                <a:solidFill>
-                  <a:srgbClr val="333333"/>
-                </a:solidFill>
-                <a:effectLst/>
-                <a:latin typeface="Open Sans"/>
-              </a:rPr>
-              <a:t>, Refresh Token</a:t>
-            </a:r>
-            <a:r>
-              <a:rPr lang="ko-KR" altLang="en-US" sz="1200" b="0" i="0" dirty="0">
-                <a:solidFill>
-                  <a:srgbClr val="333333"/>
-                </a:solidFill>
-                <a:effectLst/>
-                <a:latin typeface="Open Sans"/>
-              </a:rPr>
-              <a:t>의 경우 서버의 </a:t>
-            </a:r>
-            <a:r>
-              <a:rPr lang="en-US" altLang="ko-KR" sz="1200" b="0" i="0" dirty="0">
-                <a:solidFill>
-                  <a:srgbClr val="333333"/>
-                </a:solidFill>
-                <a:effectLst/>
-                <a:latin typeface="Open Sans"/>
-              </a:rPr>
-              <a:t>storage</a:t>
-            </a:r>
-            <a:r>
-              <a:rPr lang="ko-KR" altLang="en-US" sz="1200" b="0" i="0" dirty="0">
-                <a:solidFill>
-                  <a:srgbClr val="333333"/>
-                </a:solidFill>
-                <a:effectLst/>
-                <a:latin typeface="Open Sans"/>
-              </a:rPr>
-              <a:t>에 따로 저장해서 이후 검증에 활용한다 그러므로 </a:t>
-            </a:r>
-            <a:r>
-              <a:rPr lang="en-US" altLang="ko-KR" sz="1200" b="0" i="0" dirty="0">
-                <a:solidFill>
-                  <a:srgbClr val="333333"/>
-                </a:solidFill>
-                <a:effectLst/>
-                <a:latin typeface="Open Sans"/>
-              </a:rPr>
-              <a:t>Refresh Token</a:t>
-            </a:r>
-            <a:r>
-              <a:rPr lang="ko-KR" altLang="en-US" sz="1200" dirty="0">
-                <a:solidFill>
-                  <a:srgbClr val="333333"/>
-                </a:solidFill>
-                <a:latin typeface="Open Sans"/>
-              </a:rPr>
-              <a:t> 사용 시</a:t>
-            </a:r>
-            <a:r>
-              <a:rPr lang="ko-KR" altLang="en-US" sz="1200" b="0" i="0" dirty="0">
-                <a:solidFill>
-                  <a:srgbClr val="333333"/>
-                </a:solidFill>
-                <a:effectLst/>
-                <a:latin typeface="Open Sans"/>
-              </a:rPr>
-              <a:t> 추가적인 </a:t>
-            </a:r>
-            <a:r>
-              <a:rPr lang="en-US" altLang="ko-KR" sz="1200" b="0" i="0" dirty="0">
-                <a:solidFill>
-                  <a:srgbClr val="333333"/>
-                </a:solidFill>
-                <a:effectLst/>
-                <a:latin typeface="Open Sans"/>
-              </a:rPr>
-              <a:t>I/O </a:t>
-            </a:r>
-            <a:r>
-              <a:rPr lang="ko-KR" altLang="en-US" sz="1200" b="0" i="0" dirty="0">
-                <a:solidFill>
-                  <a:srgbClr val="333333"/>
-                </a:solidFill>
-                <a:effectLst/>
-                <a:latin typeface="Open Sans"/>
-              </a:rPr>
-              <a:t>작업이 필요하다</a:t>
-            </a:r>
-            <a:endParaRPr lang="en-US" altLang="ko-KR" sz="1150" b="1" dirty="0"/>
-          </a:p>
-          <a:p>
+          <a:p>
+            <a:endParaRPr lang="en-US" altLang="ko-KR" sz="1300" dirty="0"/>
+          </a:p>
+          <a:p>
+            <a:r>
+              <a:rPr lang="ko-KR" altLang="en-US" sz="1300" dirty="0"/>
+              <a:t>토큰을 받은 사용자는 각각의 어플리케이션에 접속할 때 </a:t>
+            </a:r>
+            <a:r>
+              <a:rPr lang="en-US" altLang="ko-KR" sz="1300" b="1" dirty="0"/>
+              <a:t>SSO</a:t>
+            </a:r>
+            <a:r>
+              <a:rPr lang="ko-KR" altLang="en-US" sz="1300" b="1" dirty="0"/>
+              <a:t>로부터 전달 받은 토큰을 자동으로 전달하여 로그인을 할 수 있게 해주는 방식</a:t>
+            </a:r>
+            <a:r>
+              <a:rPr lang="ko-KR" altLang="en-US" sz="1300" dirty="0"/>
+              <a:t>이다</a:t>
+            </a:r>
             <a:endParaRPr lang="en-US" altLang="ko-KR" sz="1300" dirty="0"/>
           </a:p>
         </p:txBody>
@@ -14106,7 +13813,7 @@
     </p:spTree>
     <p:extLst>
       <p:ext uri="{BB962C8B-B14F-4D97-AF65-F5344CB8AC3E}">
-        <p14:creationId xmlns:p14="http://schemas.microsoft.com/office/powerpoint/2010/main" val="2065249927"/>
+        <p14:creationId xmlns:p14="http://schemas.microsoft.com/office/powerpoint/2010/main" val="503401703"/>
       </p:ext>
     </p:extLst>
   </p:cSld>
@@ -16986,14 +16693,13 @@
               </a:ext>
             </a:extLst>
           </a:blip>
-          <a:stretch>
-            <a:fillRect/>
-          </a:stretch>
+          <a:srcRect/>
+          <a:stretch/>
         </p:blipFill>
         <p:spPr>
           <a:xfrm>
-            <a:off x="239897" y="5407043"/>
-            <a:ext cx="3191166" cy="1248378"/>
+            <a:off x="239897" y="5414316"/>
+            <a:ext cx="3191166" cy="1233831"/>
           </a:xfrm>
           <a:prstGeom prst="rect">
             <a:avLst/>
@@ -20195,7 +19901,7 @@
               </a:lnSpc>
             </a:pPr>
             <a:r>
-              <a:rPr lang="ko-KR" altLang="en-US" sz="1300" dirty="0">
+              <a:rPr lang="ko-KR" altLang="en-US" sz="1300" b="1" dirty="0">
                 <a:solidFill>
                   <a:prstClr val="white"/>
                 </a:solidFill>
@@ -20203,7 +19909,7 @@
               </a:rPr>
               <a:t>데이터 무결성이 보장되지 않으므로 제한적으로 사용해야 한다</a:t>
             </a:r>
-            <a:endParaRPr lang="en-US" altLang="ko-KR" sz="1300" dirty="0">
+            <a:endParaRPr lang="en-US" altLang="ko-KR" sz="1300" b="1" dirty="0">
               <a:solidFill>
                 <a:prstClr val="white"/>
               </a:solidFill>
@@ -20856,7 +20562,7 @@
         <p:spPr>
           <a:xfrm>
             <a:off x="423142" y="2457001"/>
-            <a:ext cx="2885885" cy="2154244"/>
+            <a:ext cx="2885885" cy="3954737"/>
           </a:xfrm>
           <a:prstGeom prst="rect">
             <a:avLst/>
@@ -20869,21 +20575,41 @@
           </a:bodyPr>
           <a:lstStyle/>
           <a:p>
-            <a:pPr marL="285750" indent="-285750">
+            <a:pPr>
               <a:lnSpc>
                 <a:spcPct val="150000"/>
               </a:lnSpc>
-              <a:buFont typeface="Arial" panose="020B0604020202020204" pitchFamily="34" charset="0"/>
-              <a:buChar char="•"/>
             </a:pPr>
             <a:r>
+              <a:rPr lang="ko-KR" altLang="en-US" sz="1300" b="1" dirty="0">
+                <a:solidFill>
+                  <a:prstClr val="white"/>
+                </a:solidFill>
+                <a:cs typeface="Aharoni" panose="02010803020104030203" pitchFamily="2" charset="-79"/>
+              </a:rPr>
+              <a:t>테이블 반정규화</a:t>
+            </a:r>
+            <a:endParaRPr lang="en-US" altLang="ko-KR" sz="1300" b="1" dirty="0">
+              <a:solidFill>
+                <a:prstClr val="white"/>
+              </a:solidFill>
+              <a:cs typeface="Aharoni" panose="02010803020104030203" pitchFamily="2" charset="-79"/>
+            </a:endParaRPr>
+          </a:p>
+          <a:p>
+            <a:pPr>
+              <a:lnSpc>
+                <a:spcPct val="150000"/>
+              </a:lnSpc>
+            </a:pPr>
+            <a:r>
               <a:rPr lang="ko-KR" altLang="en-US" sz="1300" dirty="0">
                 <a:solidFill>
                   <a:prstClr val="white"/>
                 </a:solidFill>
                 <a:cs typeface="Aharoni" panose="02010803020104030203" pitchFamily="2" charset="-79"/>
               </a:rPr>
-              <a:t>테이블 반정규화 </a:t>
+              <a:t>테이블 병합</a:t>
             </a:r>
             <a:r>
               <a:rPr lang="en-US" altLang="ko-KR" sz="1300" dirty="0">
@@ -20892,7 +20618,7 @@
                 </a:solidFill>
                 <a:cs typeface="Aharoni" panose="02010803020104030203" pitchFamily="2" charset="-79"/>
               </a:rPr>
-              <a:t>: </a:t>
+              <a:t>, </a:t>
             </a:r>
             <a:r>
               <a:rPr lang="ko-KR" altLang="en-US" sz="1300" dirty="0">
@@ -20901,43 +20627,7 @@
                 </a:solidFill>
                 <a:cs typeface="Aharoni" panose="02010803020104030203" pitchFamily="2" charset="-79"/>
               </a:rPr>
-              <a:t>테이블 병합</a:t>
-            </a:r>
-            <a:r>
-              <a:rPr lang="en-US" altLang="ko-KR" sz="1300" dirty="0">
-                <a:solidFill>
-                  <a:prstClr val="white"/>
-                </a:solidFill>
-                <a:cs typeface="Aharoni" panose="02010803020104030203" pitchFamily="2" charset="-79"/>
-              </a:rPr>
-              <a:t>, </a:t>
-            </a:r>
-            <a:r>
-              <a:rPr lang="ko-KR" altLang="en-US" sz="1300" dirty="0">
-                <a:solidFill>
-                  <a:prstClr val="white"/>
-                </a:solidFill>
-                <a:cs typeface="Aharoni" panose="02010803020104030203" pitchFamily="2" charset="-79"/>
-              </a:rPr>
               <a:t>분할</a:t>
-            </a:r>
-            <a:r>
-              <a:rPr lang="en-US" altLang="ko-KR" sz="1300" dirty="0">
-                <a:solidFill>
-                  <a:prstClr val="white"/>
-                </a:solidFill>
-                <a:cs typeface="Aharoni" panose="02010803020104030203" pitchFamily="2" charset="-79"/>
-              </a:rPr>
-              <a:t>, </a:t>
-            </a:r>
-            <a:r>
-              <a:rPr lang="ko-KR" altLang="en-US" sz="1300" dirty="0">
-                <a:solidFill>
-                  <a:prstClr val="white"/>
-                </a:solidFill>
-                <a:cs typeface="Aharoni" panose="02010803020104030203" pitchFamily="2" charset="-79"/>
-              </a:rPr>
-              <a:t>추가</a:t>
             </a:r>
             <a:endParaRPr lang="en-US" altLang="ko-KR" sz="1300" dirty="0">
               <a:solidFill>
@@ -20947,12 +20637,10 @@
             </a:endParaRPr>
           </a:p>
           <a:p>
-            <a:pPr marL="285750" indent="-285750">
+            <a:pPr>
               <a:lnSpc>
                 <a:spcPct val="150000"/>
               </a:lnSpc>
-              <a:buFont typeface="Arial" panose="020B0604020202020204" pitchFamily="34" charset="0"/>
-              <a:buChar char="•"/>
             </a:pPr>
             <a:endParaRPr lang="en-US" altLang="ko-KR" sz="1300" dirty="0">
               <a:solidFill>
@@ -20962,72 +20650,10 @@
             </a:endParaRPr>
           </a:p>
           <a:p>
-            <a:pPr marL="285750" indent="-285750">
+            <a:pPr>
               <a:lnSpc>
                 <a:spcPct val="150000"/>
               </a:lnSpc>
-              <a:buFont typeface="Arial" panose="020B0604020202020204" pitchFamily="34" charset="0"/>
-              <a:buChar char="•"/>
-            </a:pPr>
-            <a:r>
-              <a:rPr lang="ko-KR" altLang="en-US" sz="1300" dirty="0">
-                <a:solidFill>
-                  <a:prstClr val="white"/>
-                </a:solidFill>
-                <a:cs typeface="Aharoni" panose="02010803020104030203" pitchFamily="2" charset="-79"/>
-              </a:rPr>
-              <a:t>칼럼 반정규화 </a:t>
-            </a:r>
-            <a:r>
-              <a:rPr lang="en-US" altLang="ko-KR" sz="1300" dirty="0">
-                <a:solidFill>
-                  <a:prstClr val="white"/>
-                </a:solidFill>
-                <a:cs typeface="Aharoni" panose="02010803020104030203" pitchFamily="2" charset="-79"/>
-              </a:rPr>
-              <a:t>: </a:t>
-            </a:r>
-            <a:r>
-              <a:rPr lang="ko-KR" altLang="en-US" sz="1300" dirty="0">
-                <a:solidFill>
-                  <a:prstClr val="white"/>
-                </a:solidFill>
-                <a:cs typeface="Aharoni" panose="02010803020104030203" pitchFamily="2" charset="-79"/>
-              </a:rPr>
-              <a:t>중복칼럼 추가</a:t>
-            </a:r>
-            <a:r>
-              <a:rPr lang="en-US" altLang="ko-KR" sz="1300" dirty="0">
-                <a:solidFill>
-                  <a:prstClr val="white"/>
-                </a:solidFill>
-                <a:cs typeface="Aharoni" panose="02010803020104030203" pitchFamily="2" charset="-79"/>
-              </a:rPr>
-              <a:t>, </a:t>
-            </a:r>
-            <a:r>
-              <a:rPr lang="ko-KR" altLang="en-US" sz="1300" dirty="0">
-                <a:solidFill>
-                  <a:prstClr val="white"/>
-                </a:solidFill>
-                <a:cs typeface="Aharoni" panose="02010803020104030203" pitchFamily="2" charset="-79"/>
-              </a:rPr>
-              <a:t>파생칼럼 추가 등등</a:t>
-            </a:r>
-            <a:endParaRPr lang="en-US" altLang="ko-KR" sz="1300" dirty="0">
-              <a:solidFill>
-                <a:prstClr val="white"/>
-              </a:solidFill>
-              <a:cs typeface="Aharoni" panose="02010803020104030203" pitchFamily="2" charset="-79"/>
-            </a:endParaRPr>
-          </a:p>
-          <a:p>
-            <a:pPr marL="285750" indent="-285750">
-              <a:lnSpc>
-                <a:spcPct val="150000"/>
-              </a:lnSpc>
-              <a:buFont typeface="Arial" panose="020B0604020202020204" pitchFamily="34" charset="0"/>
-              <a:buChar char="•"/>
             </a:pPr>
             <a:endParaRPr lang="en-US" altLang="ko-KR" sz="1300" dirty="0">
               <a:solidFill>
@@ -21037,21 +20663,41 @@
             </a:endParaRPr>
           </a:p>
           <a:p>
-            <a:pPr marL="285750" indent="-285750">
+            <a:pPr>
               <a:lnSpc>
                 <a:spcPct val="150000"/>
               </a:lnSpc>
-              <a:buFont typeface="Arial" panose="020B0604020202020204" pitchFamily="34" charset="0"/>
-              <a:buChar char="•"/>
             </a:pPr>
             <a:r>
+              <a:rPr lang="ko-KR" altLang="en-US" sz="1300" b="1" dirty="0">
+                <a:solidFill>
+                  <a:prstClr val="white"/>
+                </a:solidFill>
+                <a:cs typeface="Aharoni" panose="02010803020104030203" pitchFamily="2" charset="-79"/>
+              </a:rPr>
+              <a:t>칼럼 반정규화 </a:t>
+            </a:r>
+            <a:endParaRPr lang="en-US" altLang="ko-KR" sz="1300" b="1" dirty="0">
+              <a:solidFill>
+                <a:prstClr val="white"/>
+              </a:solidFill>
+              <a:cs typeface="Aharoni" panose="02010803020104030203" pitchFamily="2" charset="-79"/>
+            </a:endParaRPr>
+          </a:p>
+          <a:p>
+            <a:pPr>
+              <a:lnSpc>
+                <a:spcPct val="150000"/>
+              </a:lnSpc>
+            </a:pPr>
+            <a:r>
               <a:rPr lang="ko-KR" altLang="en-US" sz="1300" dirty="0">
                 <a:solidFill>
                   <a:prstClr val="white"/>
                 </a:solidFill>
                 <a:cs typeface="Aharoni" panose="02010803020104030203" pitchFamily="2" charset="-79"/>
               </a:rPr>
-              <a:t>관계 반정규화 </a:t>
+              <a:t>중복칼럼 추가</a:t>
             </a:r>
             <a:r>
               <a:rPr lang="en-US" altLang="ko-KR" sz="1300" dirty="0">
@@ -21060,8 +20706,132 @@
                 </a:solidFill>
                 <a:cs typeface="Aharoni" panose="02010803020104030203" pitchFamily="2" charset="-79"/>
               </a:rPr>
-              <a:t>: </a:t>
-            </a:r>
+              <a:t>, </a:t>
+            </a:r>
+            <a:r>
+              <a:rPr lang="ko-KR" altLang="en-US" sz="1300" dirty="0">
+                <a:solidFill>
+                  <a:prstClr val="white"/>
+                </a:solidFill>
+                <a:cs typeface="Aharoni" panose="02010803020104030203" pitchFamily="2" charset="-79"/>
+              </a:rPr>
+              <a:t>파생칼럼 추가</a:t>
+            </a:r>
+            <a:r>
+              <a:rPr lang="en-US" altLang="ko-KR" sz="1300" dirty="0">
+                <a:solidFill>
+                  <a:prstClr val="white"/>
+                </a:solidFill>
+                <a:cs typeface="Aharoni" panose="02010803020104030203" pitchFamily="2" charset="-79"/>
+              </a:rPr>
+              <a:t>, </a:t>
+            </a:r>
+            <a:r>
+              <a:rPr lang="ko-KR" altLang="en-US" sz="1300" dirty="0">
+                <a:solidFill>
+                  <a:prstClr val="white"/>
+                </a:solidFill>
+                <a:cs typeface="Aharoni" panose="02010803020104030203" pitchFamily="2" charset="-79"/>
+              </a:rPr>
+              <a:t>이력 데이터 모델의 칼럼 추가</a:t>
+            </a:r>
+            <a:r>
+              <a:rPr lang="en-US" altLang="ko-KR" sz="1300" dirty="0">
+                <a:solidFill>
+                  <a:prstClr val="white"/>
+                </a:solidFill>
+                <a:cs typeface="Aharoni" panose="02010803020104030203" pitchFamily="2" charset="-79"/>
+              </a:rPr>
+              <a:t>, PK</a:t>
+            </a:r>
+            <a:r>
+              <a:rPr lang="ko-KR" altLang="en-US" sz="1300" dirty="0">
+                <a:solidFill>
+                  <a:prstClr val="white"/>
+                </a:solidFill>
+                <a:cs typeface="Aharoni" panose="02010803020104030203" pitchFamily="2" charset="-79"/>
+              </a:rPr>
+              <a:t>에 의한 칼럼 추가</a:t>
+            </a:r>
+            <a:r>
+              <a:rPr lang="en-US" altLang="ko-KR" sz="1300" dirty="0">
+                <a:solidFill>
+                  <a:prstClr val="white"/>
+                </a:solidFill>
+                <a:cs typeface="Aharoni" panose="02010803020104030203" pitchFamily="2" charset="-79"/>
+              </a:rPr>
+              <a:t>, </a:t>
+            </a:r>
+            <a:r>
+              <a:rPr lang="ko-KR" altLang="en-US" sz="1300" dirty="0">
+                <a:solidFill>
+                  <a:prstClr val="white"/>
+                </a:solidFill>
+                <a:cs typeface="Aharoni" panose="02010803020104030203" pitchFamily="2" charset="-79"/>
+              </a:rPr>
+              <a:t>시스템 오작동 처리를 위한 칼럼 추가</a:t>
+            </a:r>
+            <a:endParaRPr lang="en-US" altLang="ko-KR" sz="1300" dirty="0">
+              <a:solidFill>
+                <a:prstClr val="white"/>
+              </a:solidFill>
+              <a:cs typeface="Aharoni" panose="02010803020104030203" pitchFamily="2" charset="-79"/>
+            </a:endParaRPr>
+          </a:p>
+          <a:p>
+            <a:pPr>
+              <a:lnSpc>
+                <a:spcPct val="150000"/>
+              </a:lnSpc>
+            </a:pPr>
+            <a:endParaRPr lang="en-US" altLang="ko-KR" sz="1300" dirty="0">
+              <a:solidFill>
+                <a:prstClr val="white"/>
+              </a:solidFill>
+              <a:cs typeface="Aharoni" panose="02010803020104030203" pitchFamily="2" charset="-79"/>
+            </a:endParaRPr>
+          </a:p>
+          <a:p>
+            <a:pPr>
+              <a:lnSpc>
+                <a:spcPct val="150000"/>
+              </a:lnSpc>
+            </a:pPr>
+            <a:endParaRPr lang="en-US" altLang="ko-KR" sz="1300" dirty="0">
+              <a:solidFill>
+                <a:prstClr val="white"/>
+              </a:solidFill>
+              <a:cs typeface="Aharoni" panose="02010803020104030203" pitchFamily="2" charset="-79"/>
+            </a:endParaRPr>
+          </a:p>
+          <a:p>
+            <a:pPr>
+              <a:lnSpc>
+                <a:spcPct val="150000"/>
+              </a:lnSpc>
+            </a:pPr>
+            <a:r>
+              <a:rPr lang="ko-KR" altLang="en-US" sz="1300" b="1" dirty="0">
+                <a:solidFill>
+                  <a:prstClr val="white"/>
+                </a:solidFill>
+                <a:cs typeface="Aharoni" panose="02010803020104030203" pitchFamily="2" charset="-79"/>
+              </a:rPr>
+              <a:t>관계 반정규화</a:t>
+            </a:r>
+            <a:endParaRPr lang="en-US" altLang="ko-KR" sz="1300" b="1" dirty="0">
+              <a:solidFill>
+                <a:prstClr val="white"/>
+              </a:solidFill>
+              <a:cs typeface="Aharoni" panose="02010803020104030203" pitchFamily="2" charset="-79"/>
+            </a:endParaRPr>
+          </a:p>
+          <a:p>
+            <a:pPr>
+              <a:lnSpc>
+                <a:spcPct val="150000"/>
+              </a:lnSpc>
+            </a:pPr>
             <a:r>
               <a:rPr lang="ko-KR" altLang="en-US" sz="1300" dirty="0">
                 <a:solidFill>
